--- a/записка/презентація.pptx
+++ b/записка/презентація.pptx
@@ -4,9 +4,23 @@
   <p:sldMasterIdLst>
     <p:sldMasterId id="2147483648" r:id="rId1"/>
   </p:sldMasterIdLst>
+  <p:notesMasterIdLst>
+    <p:notesMasterId r:id="rId15"/>
+  </p:notesMasterIdLst>
   <p:sldIdLst>
     <p:sldId id="256" r:id="rId2"/>
     <p:sldId id="257" r:id="rId3"/>
+    <p:sldId id="258" r:id="rId4"/>
+    <p:sldId id="259" r:id="rId5"/>
+    <p:sldId id="260" r:id="rId6"/>
+    <p:sldId id="261" r:id="rId7"/>
+    <p:sldId id="262" r:id="rId8"/>
+    <p:sldId id="263" r:id="rId9"/>
+    <p:sldId id="264" r:id="rId10"/>
+    <p:sldId id="265" r:id="rId11"/>
+    <p:sldId id="266" r:id="rId12"/>
+    <p:sldId id="268" r:id="rId13"/>
+    <p:sldId id="269" r:id="rId14"/>
   </p:sldIdLst>
   <p:sldSz cx="12192000" cy="6858000"/>
   <p:notesSz cx="6858000" cy="9144000"/>
@@ -107,10 +121,444 @@
   </p:defaultTextStyle>
   <p:extLst>
     <p:ext uri="{EFAFB233-063F-42B5-8137-9DF3F51BA10A}">
-      <p15:sldGuideLst xmlns:p15="http://schemas.microsoft.com/office/powerpoint/2012/main" xmlns=""/>
+      <p15:sldGuideLst xmlns="" xmlns:p15="http://schemas.microsoft.com/office/powerpoint/2012/main"/>
     </p:ext>
   </p:extLst>
 </p:presentation>
+</file>
+
+<file path=ppt/notesMasters/notesMaster1.xml><?xml version="1.0" encoding="utf-8"?>
+<p:notesMaster xmlns:a="http://schemas.openxmlformats.org/drawingml/2006/main" xmlns:r="http://schemas.openxmlformats.org/officeDocument/2006/relationships" xmlns:p="http://schemas.openxmlformats.org/presentationml/2006/main">
+  <p:cSld>
+    <p:bg>
+      <p:bgRef idx="1001">
+        <a:schemeClr val="bg1"/>
+      </p:bgRef>
+    </p:bg>
+    <p:spTree>
+      <p:nvGrpSpPr>
+        <p:cNvPr id="1" name=""/>
+        <p:cNvGrpSpPr/>
+        <p:nvPr/>
+      </p:nvGrpSpPr>
+      <p:grpSpPr>
+        <a:xfrm>
+          <a:off x="0" y="0"/>
+          <a:ext cx="0" cy="0"/>
+          <a:chOff x="0" y="0"/>
+          <a:chExt cx="0" cy="0"/>
+        </a:xfrm>
+      </p:grpSpPr>
+      <p:sp>
+        <p:nvSpPr>
+          <p:cNvPr id="2" name="Верхний колонтитул 1"/>
+          <p:cNvSpPr>
+            <a:spLocks noGrp="1"/>
+          </p:cNvSpPr>
+          <p:nvPr>
+            <p:ph type="hdr" sz="quarter"/>
+          </p:nvPr>
+        </p:nvSpPr>
+        <p:spPr>
+          <a:xfrm>
+            <a:off x="0" y="0"/>
+            <a:ext cx="2971800" cy="457200"/>
+          </a:xfrm>
+          <a:prstGeom prst="rect">
+            <a:avLst/>
+          </a:prstGeom>
+        </p:spPr>
+        <p:txBody>
+          <a:bodyPr vert="horz" lIns="91440" tIns="45720" rIns="91440" bIns="45720" rtlCol="0"/>
+          <a:lstStyle>
+            <a:lvl1pPr algn="l">
+              <a:defRPr sz="1200"/>
+            </a:lvl1pPr>
+          </a:lstStyle>
+          <a:p>
+            <a:endParaRPr lang="ru-RU"/>
+          </a:p>
+        </p:txBody>
+      </p:sp>
+      <p:sp>
+        <p:nvSpPr>
+          <p:cNvPr id="3" name="Дата 2"/>
+          <p:cNvSpPr>
+            <a:spLocks noGrp="1"/>
+          </p:cNvSpPr>
+          <p:nvPr>
+            <p:ph type="dt" idx="1"/>
+          </p:nvPr>
+        </p:nvSpPr>
+        <p:spPr>
+          <a:xfrm>
+            <a:off x="3884613" y="0"/>
+            <a:ext cx="2971800" cy="457200"/>
+          </a:xfrm>
+          <a:prstGeom prst="rect">
+            <a:avLst/>
+          </a:prstGeom>
+        </p:spPr>
+        <p:txBody>
+          <a:bodyPr vert="horz" lIns="91440" tIns="45720" rIns="91440" bIns="45720" rtlCol="0"/>
+          <a:lstStyle>
+            <a:lvl1pPr algn="r">
+              <a:defRPr sz="1200"/>
+            </a:lvl1pPr>
+          </a:lstStyle>
+          <a:p>
+            <a:fld id="{A5DE561D-31C7-4B88-B0FD-EA98D357D148}" type="datetimeFigureOut">
+              <a:rPr lang="ru-RU" smtClean="0"/>
+              <a:t>05.06.2024</a:t>
+            </a:fld>
+            <a:endParaRPr lang="ru-RU"/>
+          </a:p>
+        </p:txBody>
+      </p:sp>
+      <p:sp>
+        <p:nvSpPr>
+          <p:cNvPr id="4" name="Образ слайда 3"/>
+          <p:cNvSpPr>
+            <a:spLocks noGrp="1" noRot="1" noChangeAspect="1"/>
+          </p:cNvSpPr>
+          <p:nvPr>
+            <p:ph type="sldImg" idx="2"/>
+          </p:nvPr>
+        </p:nvSpPr>
+        <p:spPr>
+          <a:xfrm>
+            <a:off x="381000" y="685800"/>
+            <a:ext cx="6096000" cy="3429000"/>
+          </a:xfrm>
+          <a:prstGeom prst="rect">
+            <a:avLst/>
+          </a:prstGeom>
+          <a:noFill/>
+          <a:ln w="12700">
+            <a:solidFill>
+              <a:prstClr val="black"/>
+            </a:solidFill>
+          </a:ln>
+        </p:spPr>
+        <p:txBody>
+          <a:bodyPr vert="horz" lIns="91440" tIns="45720" rIns="91440" bIns="45720" rtlCol="0" anchor="ctr"/>
+          <a:lstStyle/>
+          <a:p>
+            <a:endParaRPr lang="ru-RU"/>
+          </a:p>
+        </p:txBody>
+      </p:sp>
+      <p:sp>
+        <p:nvSpPr>
+          <p:cNvPr id="5" name="Заметки 4"/>
+          <p:cNvSpPr>
+            <a:spLocks noGrp="1"/>
+          </p:cNvSpPr>
+          <p:nvPr>
+            <p:ph type="body" sz="quarter" idx="3"/>
+          </p:nvPr>
+        </p:nvSpPr>
+        <p:spPr>
+          <a:xfrm>
+            <a:off x="685800" y="4343400"/>
+            <a:ext cx="5486400" cy="4114800"/>
+          </a:xfrm>
+          <a:prstGeom prst="rect">
+            <a:avLst/>
+          </a:prstGeom>
+        </p:spPr>
+        <p:txBody>
+          <a:bodyPr vert="horz" lIns="91440" tIns="45720" rIns="91440" bIns="45720" rtlCol="0"/>
+          <a:lstStyle/>
+          <a:p>
+            <a:pPr lvl="0"/>
+            <a:r>
+              <a:rPr lang="ru-RU" smtClean="0"/>
+              <a:t>Образец текста</a:t>
+            </a:r>
+          </a:p>
+          <a:p>
+            <a:pPr lvl="1"/>
+            <a:r>
+              <a:rPr lang="ru-RU" smtClean="0"/>
+              <a:t>Второй уровень</a:t>
+            </a:r>
+          </a:p>
+          <a:p>
+            <a:pPr lvl="2"/>
+            <a:r>
+              <a:rPr lang="ru-RU" smtClean="0"/>
+              <a:t>Третий уровень</a:t>
+            </a:r>
+          </a:p>
+          <a:p>
+            <a:pPr lvl="3"/>
+            <a:r>
+              <a:rPr lang="ru-RU" smtClean="0"/>
+              <a:t>Четвертый уровень</a:t>
+            </a:r>
+          </a:p>
+          <a:p>
+            <a:pPr lvl="4"/>
+            <a:r>
+              <a:rPr lang="ru-RU" smtClean="0"/>
+              <a:t>Пятый уровень</a:t>
+            </a:r>
+            <a:endParaRPr lang="ru-RU"/>
+          </a:p>
+        </p:txBody>
+      </p:sp>
+      <p:sp>
+        <p:nvSpPr>
+          <p:cNvPr id="6" name="Нижний колонтитул 5"/>
+          <p:cNvSpPr>
+            <a:spLocks noGrp="1"/>
+          </p:cNvSpPr>
+          <p:nvPr>
+            <p:ph type="ftr" sz="quarter" idx="4"/>
+          </p:nvPr>
+        </p:nvSpPr>
+        <p:spPr>
+          <a:xfrm>
+            <a:off x="0" y="8685213"/>
+            <a:ext cx="2971800" cy="457200"/>
+          </a:xfrm>
+          <a:prstGeom prst="rect">
+            <a:avLst/>
+          </a:prstGeom>
+        </p:spPr>
+        <p:txBody>
+          <a:bodyPr vert="horz" lIns="91440" tIns="45720" rIns="91440" bIns="45720" rtlCol="0" anchor="b"/>
+          <a:lstStyle>
+            <a:lvl1pPr algn="l">
+              <a:defRPr sz="1200"/>
+            </a:lvl1pPr>
+          </a:lstStyle>
+          <a:p>
+            <a:endParaRPr lang="ru-RU"/>
+          </a:p>
+        </p:txBody>
+      </p:sp>
+      <p:sp>
+        <p:nvSpPr>
+          <p:cNvPr id="7" name="Номер слайда 6"/>
+          <p:cNvSpPr>
+            <a:spLocks noGrp="1"/>
+          </p:cNvSpPr>
+          <p:nvPr>
+            <p:ph type="sldNum" sz="quarter" idx="5"/>
+          </p:nvPr>
+        </p:nvSpPr>
+        <p:spPr>
+          <a:xfrm>
+            <a:off x="3884613" y="8685213"/>
+            <a:ext cx="2971800" cy="457200"/>
+          </a:xfrm>
+          <a:prstGeom prst="rect">
+            <a:avLst/>
+          </a:prstGeom>
+        </p:spPr>
+        <p:txBody>
+          <a:bodyPr vert="horz" lIns="91440" tIns="45720" rIns="91440" bIns="45720" rtlCol="0" anchor="b"/>
+          <a:lstStyle>
+            <a:lvl1pPr algn="r">
+              <a:defRPr sz="1200"/>
+            </a:lvl1pPr>
+          </a:lstStyle>
+          <a:p>
+            <a:fld id="{BAFA09E2-8B1D-4F81-A0DD-32E6279B2120}" type="slidenum">
+              <a:rPr lang="ru-RU" smtClean="0"/>
+              <a:t>‹#›</a:t>
+            </a:fld>
+            <a:endParaRPr lang="ru-RU"/>
+          </a:p>
+        </p:txBody>
+      </p:sp>
+    </p:spTree>
+    <p:extLst>
+      <p:ext uri="{BB962C8B-B14F-4D97-AF65-F5344CB8AC3E}">
+        <p14:creationId xmlns:p14="http://schemas.microsoft.com/office/powerpoint/2010/main" val="1471203862"/>
+      </p:ext>
+    </p:extLst>
+  </p:cSld>
+  <p:clrMap bg1="lt1" tx1="dk1" bg2="lt2" tx2="dk2" accent1="accent1" accent2="accent2" accent3="accent3" accent4="accent4" accent5="accent5" accent6="accent6" hlink="hlink" folHlink="folHlink"/>
+  <p:notesStyle>
+    <a:lvl1pPr marL="0" algn="l" defTabSz="914400" rtl="0" eaLnBrk="1" latinLnBrk="0" hangingPunct="1">
+      <a:defRPr sz="1200" kern="1200">
+        <a:solidFill>
+          <a:schemeClr val="tx1"/>
+        </a:solidFill>
+        <a:latin typeface="+mn-lt"/>
+        <a:ea typeface="+mn-ea"/>
+        <a:cs typeface="+mn-cs"/>
+      </a:defRPr>
+    </a:lvl1pPr>
+    <a:lvl2pPr marL="457200" algn="l" defTabSz="914400" rtl="0" eaLnBrk="1" latinLnBrk="0" hangingPunct="1">
+      <a:defRPr sz="1200" kern="1200">
+        <a:solidFill>
+          <a:schemeClr val="tx1"/>
+        </a:solidFill>
+        <a:latin typeface="+mn-lt"/>
+        <a:ea typeface="+mn-ea"/>
+        <a:cs typeface="+mn-cs"/>
+      </a:defRPr>
+    </a:lvl2pPr>
+    <a:lvl3pPr marL="914400" algn="l" defTabSz="914400" rtl="0" eaLnBrk="1" latinLnBrk="0" hangingPunct="1">
+      <a:defRPr sz="1200" kern="1200">
+        <a:solidFill>
+          <a:schemeClr val="tx1"/>
+        </a:solidFill>
+        <a:latin typeface="+mn-lt"/>
+        <a:ea typeface="+mn-ea"/>
+        <a:cs typeface="+mn-cs"/>
+      </a:defRPr>
+    </a:lvl3pPr>
+    <a:lvl4pPr marL="1371600" algn="l" defTabSz="914400" rtl="0" eaLnBrk="1" latinLnBrk="0" hangingPunct="1">
+      <a:defRPr sz="1200" kern="1200">
+        <a:solidFill>
+          <a:schemeClr val="tx1"/>
+        </a:solidFill>
+        <a:latin typeface="+mn-lt"/>
+        <a:ea typeface="+mn-ea"/>
+        <a:cs typeface="+mn-cs"/>
+      </a:defRPr>
+    </a:lvl4pPr>
+    <a:lvl5pPr marL="1828800" algn="l" defTabSz="914400" rtl="0" eaLnBrk="1" latinLnBrk="0" hangingPunct="1">
+      <a:defRPr sz="1200" kern="1200">
+        <a:solidFill>
+          <a:schemeClr val="tx1"/>
+        </a:solidFill>
+        <a:latin typeface="+mn-lt"/>
+        <a:ea typeface="+mn-ea"/>
+        <a:cs typeface="+mn-cs"/>
+      </a:defRPr>
+    </a:lvl5pPr>
+    <a:lvl6pPr marL="2286000" algn="l" defTabSz="914400" rtl="0" eaLnBrk="1" latinLnBrk="0" hangingPunct="1">
+      <a:defRPr sz="1200" kern="1200">
+        <a:solidFill>
+          <a:schemeClr val="tx1"/>
+        </a:solidFill>
+        <a:latin typeface="+mn-lt"/>
+        <a:ea typeface="+mn-ea"/>
+        <a:cs typeface="+mn-cs"/>
+      </a:defRPr>
+    </a:lvl6pPr>
+    <a:lvl7pPr marL="2743200" algn="l" defTabSz="914400" rtl="0" eaLnBrk="1" latinLnBrk="0" hangingPunct="1">
+      <a:defRPr sz="1200" kern="1200">
+        <a:solidFill>
+          <a:schemeClr val="tx1"/>
+        </a:solidFill>
+        <a:latin typeface="+mn-lt"/>
+        <a:ea typeface="+mn-ea"/>
+        <a:cs typeface="+mn-cs"/>
+      </a:defRPr>
+    </a:lvl7pPr>
+    <a:lvl8pPr marL="3200400" algn="l" defTabSz="914400" rtl="0" eaLnBrk="1" latinLnBrk="0" hangingPunct="1">
+      <a:defRPr sz="1200" kern="1200">
+        <a:solidFill>
+          <a:schemeClr val="tx1"/>
+        </a:solidFill>
+        <a:latin typeface="+mn-lt"/>
+        <a:ea typeface="+mn-ea"/>
+        <a:cs typeface="+mn-cs"/>
+      </a:defRPr>
+    </a:lvl8pPr>
+    <a:lvl9pPr marL="3657600" algn="l" defTabSz="914400" rtl="0" eaLnBrk="1" latinLnBrk="0" hangingPunct="1">
+      <a:defRPr sz="1200" kern="1200">
+        <a:solidFill>
+          <a:schemeClr val="tx1"/>
+        </a:solidFill>
+        <a:latin typeface="+mn-lt"/>
+        <a:ea typeface="+mn-ea"/>
+        <a:cs typeface="+mn-cs"/>
+      </a:defRPr>
+    </a:lvl9pPr>
+  </p:notesStyle>
+</p:notesMaster>
+</file>
+
+<file path=ppt/notesSlides/notesSlide1.xml><?xml version="1.0" encoding="utf-8"?>
+<p:notes xmlns:a="http://schemas.openxmlformats.org/drawingml/2006/main" xmlns:r="http://schemas.openxmlformats.org/officeDocument/2006/relationships" xmlns:p="http://schemas.openxmlformats.org/presentationml/2006/main">
+  <p:cSld>
+    <p:spTree>
+      <p:nvGrpSpPr>
+        <p:cNvPr id="1" name=""/>
+        <p:cNvGrpSpPr/>
+        <p:nvPr/>
+      </p:nvGrpSpPr>
+      <p:grpSpPr>
+        <a:xfrm>
+          <a:off x="0" y="0"/>
+          <a:ext cx="0" cy="0"/>
+          <a:chOff x="0" y="0"/>
+          <a:chExt cx="0" cy="0"/>
+        </a:xfrm>
+      </p:grpSpPr>
+      <p:sp>
+        <p:nvSpPr>
+          <p:cNvPr id="2" name="Образ слайда 1"/>
+          <p:cNvSpPr>
+            <a:spLocks noGrp="1" noRot="1" noChangeAspect="1"/>
+          </p:cNvSpPr>
+          <p:nvPr>
+            <p:ph type="sldImg"/>
+          </p:nvPr>
+        </p:nvSpPr>
+        <p:spPr/>
+      </p:sp>
+      <p:sp>
+        <p:nvSpPr>
+          <p:cNvPr id="3" name="Заметки 2"/>
+          <p:cNvSpPr>
+            <a:spLocks noGrp="1"/>
+          </p:cNvSpPr>
+          <p:nvPr>
+            <p:ph type="body" idx="1"/>
+          </p:nvPr>
+        </p:nvSpPr>
+        <p:spPr/>
+        <p:txBody>
+          <a:bodyPr/>
+          <a:lstStyle/>
+          <a:p>
+            <a:endParaRPr lang="ru-RU" dirty="0"/>
+          </a:p>
+        </p:txBody>
+      </p:sp>
+      <p:sp>
+        <p:nvSpPr>
+          <p:cNvPr id="4" name="Номер слайда 3"/>
+          <p:cNvSpPr>
+            <a:spLocks noGrp="1"/>
+          </p:cNvSpPr>
+          <p:nvPr>
+            <p:ph type="sldNum" sz="quarter" idx="10"/>
+          </p:nvPr>
+        </p:nvSpPr>
+        <p:spPr/>
+        <p:txBody>
+          <a:bodyPr/>
+          <a:lstStyle/>
+          <a:p>
+            <a:fld id="{BAFA09E2-8B1D-4F81-A0DD-32E6279B2120}" type="slidenum">
+              <a:rPr lang="ru-RU" smtClean="0"/>
+              <a:t>10</a:t>
+            </a:fld>
+            <a:endParaRPr lang="ru-RU"/>
+          </a:p>
+        </p:txBody>
+      </p:sp>
+    </p:spTree>
+    <p:extLst>
+      <p:ext uri="{BB962C8B-B14F-4D97-AF65-F5344CB8AC3E}">
+        <p14:creationId xmlns:p14="http://schemas.microsoft.com/office/powerpoint/2010/main" val="3972060661"/>
+      </p:ext>
+    </p:extLst>
+  </p:cSld>
+  <p:clrMapOvr>
+    <a:masterClrMapping/>
+  </p:clrMapOvr>
+</p:notes>
 </file>
 
 <file path=ppt/slideLayouts/slideLayout1.xml><?xml version="1.0" encoding="utf-8"?>
@@ -829,7 +1277,7 @@
   </p:txStyles>
   <p:extLst>
     <p:ext uri="{27BBF7A9-308A-43DC-89C8-2F10F3537804}">
-      <p15:sldGuideLst xmlns:p15="http://schemas.microsoft.com/office/powerpoint/2012/main" xmlns="">
+      <p15:sldGuideLst xmlns="" xmlns:p15="http://schemas.microsoft.com/office/powerpoint/2012/main">
         <p15:guide id="1" orient="horz" pos="119" userDrawn="1">
           <p15:clr>
             <a:srgbClr val="F26B43"/>
@@ -893,12 +1341,289 @@
             <p:ph type="title"/>
           </p:nvPr>
         </p:nvSpPr>
-        <p:spPr/>
+        <p:spPr>
+          <a:xfrm>
+            <a:off x="334962" y="1984006"/>
+            <a:ext cx="11522075" cy="3190553"/>
+          </a:xfrm>
+        </p:spPr>
         <p:txBody>
-          <a:bodyPr/>
+          <a:bodyPr>
+            <a:normAutofit/>
+          </a:bodyPr>
           <a:lstStyle/>
           <a:p>
-            <a:endParaRPr lang="ru-RU"/>
+            <a:r>
+              <a:rPr lang="ru-RU" sz="2000" dirty="0" err="1" smtClean="0"/>
+              <a:t>Презентація</a:t>
+            </a:r>
+            <a:r>
+              <a:rPr lang="ru-RU" sz="2000" dirty="0" smtClean="0"/>
+              <a:t> </a:t>
+            </a:r>
+            <a:br>
+              <a:rPr lang="ru-RU" sz="2000" dirty="0" smtClean="0"/>
+            </a:br>
+            <a:r>
+              <a:rPr lang="uk-UA" sz="2000" dirty="0" smtClean="0"/>
+              <a:t>до </a:t>
+            </a:r>
+            <a:r>
+              <a:rPr lang="uk-UA" sz="2000" dirty="0"/>
+              <a:t>кваліфікаційної роботи освітнього ступеня «бакалавр»</a:t>
+            </a:r>
+            <a:r>
+              <a:rPr lang="ru-RU" sz="2000" dirty="0"/>
+              <a:t/>
+            </a:r>
+            <a:br>
+              <a:rPr lang="ru-RU" sz="2000" dirty="0"/>
+            </a:br>
+            <a:r>
+              <a:rPr lang="uk-UA" sz="2000" dirty="0"/>
+              <a:t>за спеціальністю 121 «Інженерія програмного забезпечення» </a:t>
+            </a:r>
+            <a:br>
+              <a:rPr lang="uk-UA" sz="2000" dirty="0"/>
+            </a:br>
+            <a:r>
+              <a:rPr lang="uk-UA" sz="2000" dirty="0"/>
+              <a:t>(освітня програма «Інженерія програмного забезпечення») </a:t>
+            </a:r>
+            <a:r>
+              <a:rPr lang="ru-RU" sz="2000" dirty="0"/>
+              <a:t/>
+            </a:r>
+            <a:br>
+              <a:rPr lang="ru-RU" sz="2000" dirty="0"/>
+            </a:br>
+            <a:r>
+              <a:rPr lang="uk-UA" sz="2000" dirty="0"/>
+              <a:t>на тему:</a:t>
+            </a:r>
+            <a:br>
+              <a:rPr lang="uk-UA" sz="2000" dirty="0"/>
+            </a:br>
+            <a:r>
+              <a:rPr lang="uk-UA" sz="2000" dirty="0"/>
+              <a:t>«</a:t>
+            </a:r>
+            <a:r>
+              <a:rPr lang="uk-UA" sz="2000" b="1" dirty="0"/>
+              <a:t>Розробка платформи для організації та виконання завдань за  винагороду з вбудованим чатом</a:t>
+            </a:r>
+            <a:r>
+              <a:rPr lang="uk-UA" sz="2000" dirty="0"/>
+              <a:t>»</a:t>
+            </a:r>
+            <a:endParaRPr lang="ru-RU" sz="2000" dirty="0"/>
+          </a:p>
+        </p:txBody>
+      </p:sp>
+      <p:sp>
+        <p:nvSpPr>
+          <p:cNvPr id="4" name="TextBox 3"/>
+          <p:cNvSpPr txBox="1"/>
+          <p:nvPr/>
+        </p:nvSpPr>
+        <p:spPr>
+          <a:xfrm>
+            <a:off x="8382001" y="4917609"/>
+            <a:ext cx="3352264" cy="1708160"/>
+          </a:xfrm>
+          <a:prstGeom prst="rect">
+            <a:avLst/>
+          </a:prstGeom>
+          <a:noFill/>
+        </p:spPr>
+        <p:txBody>
+          <a:bodyPr wrap="none" rtlCol="0">
+            <a:spAutoFit/>
+          </a:bodyPr>
+          <a:lstStyle/>
+          <a:p>
+            <a:pPr>
+              <a:lnSpc>
+                <a:spcPct val="125000"/>
+              </a:lnSpc>
+              <a:spcAft>
+                <a:spcPts val="0"/>
+              </a:spcAft>
+            </a:pPr>
+            <a:r>
+              <a:rPr lang="uk-UA" sz="1400" dirty="0">
+                <a:solidFill>
+                  <a:schemeClr val="bg1"/>
+                </a:solidFill>
+              </a:rPr>
+              <a:t>Виконав студент групи </a:t>
+            </a:r>
+            <a:r>
+              <a:rPr lang="ru-RU" sz="1400" dirty="0">
+                <a:solidFill>
+                  <a:schemeClr val="bg1"/>
+                </a:solidFill>
+              </a:rPr>
+              <a:t>ІПЗ-20-1</a:t>
+            </a:r>
+            <a:br>
+              <a:rPr lang="ru-RU" sz="1400" dirty="0">
+                <a:solidFill>
+                  <a:schemeClr val="bg1"/>
+                </a:solidFill>
+              </a:rPr>
+            </a:br>
+            <a:r>
+              <a:rPr lang="ru-RU" sz="1400" dirty="0">
+                <a:solidFill>
+                  <a:schemeClr val="bg1"/>
+                </a:solidFill>
+              </a:rPr>
+              <a:t>ВЕРБОВСЬКИЙ </a:t>
+            </a:r>
+            <a:r>
+              <a:rPr lang="ru-RU" sz="1400" dirty="0" err="1">
+                <a:solidFill>
+                  <a:schemeClr val="bg1"/>
+                </a:solidFill>
+              </a:rPr>
+              <a:t>Олександр</a:t>
+            </a:r>
+            <a:r>
+              <a:rPr lang="ru-RU" sz="1400" dirty="0">
+                <a:solidFill>
+                  <a:schemeClr val="bg1"/>
+                </a:solidFill>
+              </a:rPr>
+              <a:t> </a:t>
+            </a:r>
+            <a:r>
+              <a:rPr lang="ru-RU" sz="1400" dirty="0" err="1" smtClean="0">
+                <a:solidFill>
+                  <a:schemeClr val="bg1"/>
+                </a:solidFill>
+              </a:rPr>
+              <a:t>Юрійович</a:t>
+            </a:r>
+            <a:endParaRPr lang="ru-RU" sz="1400" dirty="0">
+              <a:solidFill>
+                <a:schemeClr val="bg1"/>
+              </a:solidFill>
+              <a:latin typeface="Times New Roman"/>
+              <a:ea typeface="Times New Roman"/>
+            </a:endParaRPr>
+          </a:p>
+          <a:p>
+            <a:pPr algn="just">
+              <a:lnSpc>
+                <a:spcPct val="125000"/>
+              </a:lnSpc>
+              <a:spcAft>
+                <a:spcPts val="0"/>
+              </a:spcAft>
+            </a:pPr>
+            <a:r>
+              <a:rPr lang="uk-UA" sz="1400" dirty="0">
+                <a:solidFill>
+                  <a:schemeClr val="bg1"/>
+                </a:solidFill>
+              </a:rPr>
+              <a:t>Керівник роботи:</a:t>
+            </a:r>
+            <a:endParaRPr lang="ru-RU" sz="1400" dirty="0">
+              <a:solidFill>
+                <a:schemeClr val="bg1"/>
+              </a:solidFill>
+            </a:endParaRPr>
+          </a:p>
+          <a:p>
+            <a:pPr algn="just">
+              <a:lnSpc>
+                <a:spcPct val="125000"/>
+              </a:lnSpc>
+              <a:spcAft>
+                <a:spcPts val="0"/>
+              </a:spcAft>
+            </a:pPr>
+            <a:r>
+              <a:rPr lang="uk-UA" sz="1400" dirty="0">
+                <a:solidFill>
+                  <a:schemeClr val="bg1"/>
+                </a:solidFill>
+              </a:rPr>
+              <a:t>ЛОКТІКОВА Тамара </a:t>
+            </a:r>
+            <a:r>
+              <a:rPr lang="uk-UA" sz="1400" dirty="0" smtClean="0">
+                <a:solidFill>
+                  <a:schemeClr val="bg1"/>
+                </a:solidFill>
+              </a:rPr>
+              <a:t>Миколаївна</a:t>
+            </a:r>
+            <a:endParaRPr lang="ru-RU" sz="1400" dirty="0" smtClean="0">
+              <a:solidFill>
+                <a:schemeClr val="bg1"/>
+              </a:solidFill>
+              <a:latin typeface="Times New Roman"/>
+              <a:ea typeface="Times New Roman"/>
+            </a:endParaRPr>
+          </a:p>
+          <a:p>
+            <a:pPr algn="just">
+              <a:lnSpc>
+                <a:spcPct val="125000"/>
+              </a:lnSpc>
+              <a:spcAft>
+                <a:spcPts val="0"/>
+              </a:spcAft>
+            </a:pPr>
+            <a:r>
+              <a:rPr lang="uk-UA" sz="1400" dirty="0">
+                <a:solidFill>
+                  <a:schemeClr val="bg1"/>
+                </a:solidFill>
+              </a:rPr>
+              <a:t>Рецензент:</a:t>
+            </a:r>
+            <a:endParaRPr lang="ru-RU" sz="1400" dirty="0">
+              <a:solidFill>
+                <a:schemeClr val="bg1"/>
+              </a:solidFill>
+            </a:endParaRPr>
+          </a:p>
+          <a:p>
+            <a:pPr algn="just">
+              <a:lnSpc>
+                <a:spcPct val="125000"/>
+              </a:lnSpc>
+              <a:spcAft>
+                <a:spcPts val="0"/>
+              </a:spcAft>
+            </a:pPr>
+            <a:r>
+              <a:rPr lang="uk-UA" sz="1400" dirty="0">
+                <a:solidFill>
+                  <a:schemeClr val="bg1"/>
+                </a:solidFill>
+              </a:rPr>
+              <a:t>ЄФРЕМОВ Юрій </a:t>
+            </a:r>
+            <a:r>
+              <a:rPr lang="uk-UA" sz="1400" dirty="0" smtClean="0">
+                <a:solidFill>
+                  <a:schemeClr val="bg1"/>
+                </a:solidFill>
+              </a:rPr>
+              <a:t>Миколайович</a:t>
+            </a:r>
+            <a:endParaRPr lang="ru-RU" sz="1400" dirty="0">
+              <a:solidFill>
+                <a:schemeClr val="bg1"/>
+              </a:solidFill>
+              <a:latin typeface="Times New Roman"/>
+              <a:ea typeface="Times New Roman"/>
+            </a:endParaRPr>
           </a:p>
         </p:txBody>
       </p:sp>
@@ -906,6 +1631,1053 @@
     <p:extLst>
       <p:ext uri="{BB962C8B-B14F-4D97-AF65-F5344CB8AC3E}">
         <p14:creationId xmlns:p14="http://schemas.microsoft.com/office/powerpoint/2010/main" val="3935722544"/>
+      </p:ext>
+    </p:extLst>
+  </p:cSld>
+  <p:clrMapOvr>
+    <a:masterClrMapping/>
+  </p:clrMapOvr>
+</p:sld>
+</file>
+
+<file path=ppt/slides/slide10.xml><?xml version="1.0" encoding="utf-8"?>
+<p:sld xmlns:a="http://schemas.openxmlformats.org/drawingml/2006/main" xmlns:r="http://schemas.openxmlformats.org/officeDocument/2006/relationships" xmlns:p="http://schemas.openxmlformats.org/presentationml/2006/main">
+  <p:cSld>
+    <p:spTree>
+      <p:nvGrpSpPr>
+        <p:cNvPr id="1" name=""/>
+        <p:cNvGrpSpPr/>
+        <p:nvPr/>
+      </p:nvGrpSpPr>
+      <p:grpSpPr>
+        <a:xfrm>
+          <a:off x="0" y="0"/>
+          <a:ext cx="0" cy="0"/>
+          <a:chOff x="0" y="0"/>
+          <a:chExt cx="0" cy="0"/>
+        </a:xfrm>
+      </p:grpSpPr>
+      <p:sp>
+        <p:nvSpPr>
+          <p:cNvPr id="2" name="Заголовок 1"/>
+          <p:cNvSpPr>
+            <a:spLocks noGrp="1"/>
+          </p:cNvSpPr>
+          <p:nvPr>
+            <p:ph type="title"/>
+          </p:nvPr>
+        </p:nvSpPr>
+        <p:spPr/>
+        <p:txBody>
+          <a:bodyPr/>
+          <a:lstStyle/>
+          <a:p>
+            <a:r>
+              <a:rPr lang="ru-RU" dirty="0" err="1" smtClean="0"/>
+              <a:t>Варіанти</a:t>
+            </a:r>
+            <a:r>
+              <a:rPr lang="ru-RU" dirty="0" smtClean="0"/>
+              <a:t> </a:t>
+            </a:r>
+            <a:r>
+              <a:rPr lang="ru-RU" dirty="0" err="1" smtClean="0"/>
+              <a:t>використання</a:t>
+            </a:r>
+            <a:endParaRPr lang="ru-RU" dirty="0"/>
+          </a:p>
+        </p:txBody>
+      </p:sp>
+      <p:pic>
+        <p:nvPicPr>
+          <p:cNvPr id="6146" name="Picture 2" descr="Діаграма варіантів використання"/>
+          <p:cNvPicPr>
+            <a:picLocks noChangeAspect="1" noChangeArrowheads="1"/>
+          </p:cNvPicPr>
+          <p:nvPr/>
+        </p:nvPicPr>
+        <p:blipFill>
+          <a:blip r:embed="rId3">
+            <a:extLst>
+              <a:ext uri="{28A0092B-C50C-407E-A947-70E740481C1C}">
+                <a14:useLocalDpi xmlns:a14="http://schemas.microsoft.com/office/drawing/2010/main" val="0"/>
+              </a:ext>
+            </a:extLst>
+          </a:blip>
+          <a:srcRect/>
+          <a:stretch>
+            <a:fillRect/>
+          </a:stretch>
+        </p:blipFill>
+        <p:spPr bwMode="auto">
+          <a:xfrm>
+            <a:off x="5825065" y="822704"/>
+            <a:ext cx="5757333" cy="4526084"/>
+          </a:xfrm>
+          <a:prstGeom prst="rect">
+            <a:avLst/>
+          </a:prstGeom>
+          <a:noFill/>
+          <a:ln>
+            <a:noFill/>
+          </a:ln>
+          <a:extLst>
+            <a:ext uri="{909E8E84-426E-40DD-AFC4-6F175D3DCCD1}">
+              <a14:hiddenFill xmlns:a14="http://schemas.microsoft.com/office/drawing/2010/main">
+                <a:solidFill>
+                  <a:srgbClr val="FFFFFF"/>
+                </a:solidFill>
+              </a14:hiddenFill>
+            </a:ext>
+            <a:ext uri="{91240B29-F687-4F45-9708-019B960494DF}">
+              <a14:hiddenLine xmlns:a14="http://schemas.microsoft.com/office/drawing/2010/main" w="9525">
+                <a:solidFill>
+                  <a:srgbClr val="000000"/>
+                </a:solidFill>
+                <a:miter lim="800000"/>
+                <a:headEnd/>
+                <a:tailEnd/>
+              </a14:hiddenLine>
+            </a:ext>
+          </a:extLst>
+        </p:spPr>
+      </p:pic>
+      <p:sp>
+        <p:nvSpPr>
+          <p:cNvPr id="4" name="Прямоугольник 3"/>
+          <p:cNvSpPr/>
+          <p:nvPr/>
+        </p:nvSpPr>
+        <p:spPr>
+          <a:xfrm>
+            <a:off x="570733" y="1163135"/>
+            <a:ext cx="3540521" cy="1200329"/>
+          </a:xfrm>
+          <a:prstGeom prst="rect">
+            <a:avLst/>
+          </a:prstGeom>
+        </p:spPr>
+        <p:txBody>
+          <a:bodyPr wrap="none">
+            <a:spAutoFit/>
+          </a:bodyPr>
+          <a:lstStyle/>
+          <a:p>
+            <a:r>
+              <a:rPr lang="ru-RU" dirty="0" err="1" smtClean="0"/>
+              <a:t>Основні</a:t>
+            </a:r>
+            <a:r>
+              <a:rPr lang="ru-RU" dirty="0" smtClean="0"/>
+              <a:t> </a:t>
+            </a:r>
+            <a:r>
+              <a:rPr lang="ru-RU" dirty="0" err="1" smtClean="0"/>
+              <a:t>ролі</a:t>
+            </a:r>
+            <a:r>
+              <a:rPr lang="ru-RU" dirty="0" smtClean="0"/>
+              <a:t>:</a:t>
+            </a:r>
+            <a:br>
+              <a:rPr lang="ru-RU" dirty="0" smtClean="0"/>
+            </a:br>
+            <a:r>
+              <a:rPr lang="ru-RU" dirty="0" smtClean="0"/>
+              <a:t>- Не </a:t>
+            </a:r>
+            <a:r>
+              <a:rPr lang="ru-RU" dirty="0" err="1" smtClean="0"/>
+              <a:t>авторизований</a:t>
+            </a:r>
+            <a:r>
+              <a:rPr lang="ru-RU" dirty="0" smtClean="0"/>
+              <a:t> </a:t>
+            </a:r>
+            <a:r>
+              <a:rPr lang="ru-RU" dirty="0" err="1" smtClean="0"/>
+              <a:t>користувач</a:t>
+            </a:r>
+            <a:endParaRPr lang="ru-RU" dirty="0" smtClean="0"/>
+          </a:p>
+          <a:p>
+            <a:r>
+              <a:rPr lang="ru-RU" dirty="0" smtClean="0"/>
+              <a:t>- </a:t>
+            </a:r>
+            <a:r>
+              <a:rPr lang="ru-RU" dirty="0" err="1" smtClean="0"/>
+              <a:t>Авторизований</a:t>
+            </a:r>
+            <a:r>
+              <a:rPr lang="ru-RU" dirty="0" smtClean="0"/>
+              <a:t> </a:t>
+            </a:r>
+            <a:r>
+              <a:rPr lang="ru-RU" dirty="0" err="1" smtClean="0"/>
+              <a:t>користувач</a:t>
+            </a:r>
+            <a:endParaRPr lang="ru-RU" dirty="0" smtClean="0"/>
+          </a:p>
+          <a:p>
+            <a:r>
+              <a:rPr lang="ru-RU" dirty="0" smtClean="0"/>
+              <a:t>- </a:t>
+            </a:r>
+            <a:r>
+              <a:rPr lang="ru-RU" dirty="0" err="1" smtClean="0"/>
+              <a:t>Адміністратор</a:t>
+            </a:r>
+            <a:endParaRPr lang="ru-RU" dirty="0"/>
+          </a:p>
+        </p:txBody>
+      </p:sp>
+      <p:sp>
+        <p:nvSpPr>
+          <p:cNvPr id="5" name="Прямоугольник 4"/>
+          <p:cNvSpPr/>
+          <p:nvPr/>
+        </p:nvSpPr>
+        <p:spPr>
+          <a:xfrm>
+            <a:off x="570733" y="2828835"/>
+            <a:ext cx="6096000" cy="2308324"/>
+          </a:xfrm>
+          <a:prstGeom prst="rect">
+            <a:avLst/>
+          </a:prstGeom>
+        </p:spPr>
+        <p:txBody>
+          <a:bodyPr>
+            <a:spAutoFit/>
+          </a:bodyPr>
+          <a:lstStyle/>
+          <a:p>
+            <a:r>
+              <a:rPr lang="ru-RU" dirty="0" err="1" smtClean="0"/>
+              <a:t>Основні</a:t>
+            </a:r>
+            <a:r>
+              <a:rPr lang="ru-RU" dirty="0" smtClean="0"/>
+              <a:t> </a:t>
+            </a:r>
+            <a:r>
+              <a:rPr lang="ru-RU" dirty="0" err="1" smtClean="0"/>
+              <a:t>варіанти</a:t>
+            </a:r>
+            <a:r>
+              <a:rPr lang="ru-RU" dirty="0" smtClean="0"/>
+              <a:t>:</a:t>
+            </a:r>
+            <a:r>
+              <a:rPr lang="ru-RU" dirty="0"/>
+              <a:t/>
+            </a:r>
+            <a:br>
+              <a:rPr lang="ru-RU" dirty="0"/>
+            </a:br>
+            <a:r>
+              <a:rPr lang="ru-RU" dirty="0"/>
+              <a:t>- </a:t>
+            </a:r>
+            <a:r>
+              <a:rPr lang="ru-RU" dirty="0" err="1" smtClean="0"/>
+              <a:t>Авторизація</a:t>
+            </a:r>
+            <a:endParaRPr lang="ru-RU" dirty="0"/>
+          </a:p>
+          <a:p>
+            <a:r>
+              <a:rPr lang="ru-RU" dirty="0"/>
+              <a:t>- </a:t>
+            </a:r>
+            <a:r>
+              <a:rPr lang="ru-RU" dirty="0" err="1" smtClean="0"/>
+              <a:t>Створення</a:t>
+            </a:r>
+            <a:r>
+              <a:rPr lang="ru-RU" dirty="0" smtClean="0"/>
+              <a:t> задач</a:t>
+            </a:r>
+            <a:endParaRPr lang="ru-RU" dirty="0"/>
+          </a:p>
+          <a:p>
+            <a:r>
+              <a:rPr lang="ru-RU" dirty="0" smtClean="0"/>
+              <a:t>- </a:t>
+            </a:r>
+            <a:r>
+              <a:rPr lang="ru-RU" dirty="0" err="1" smtClean="0"/>
+              <a:t>Виконання</a:t>
+            </a:r>
+            <a:r>
+              <a:rPr lang="ru-RU" dirty="0" smtClean="0"/>
+              <a:t> задач</a:t>
+            </a:r>
+          </a:p>
+          <a:p>
+            <a:r>
+              <a:rPr lang="ru-RU" dirty="0" smtClean="0"/>
+              <a:t>- </a:t>
+            </a:r>
+            <a:r>
+              <a:rPr lang="ru-RU" dirty="0" err="1" smtClean="0"/>
+              <a:t>Поповнення</a:t>
+            </a:r>
+            <a:r>
+              <a:rPr lang="ru-RU" dirty="0" smtClean="0"/>
+              <a:t>/</a:t>
+            </a:r>
+            <a:r>
+              <a:rPr lang="ru-RU" dirty="0" err="1" smtClean="0"/>
+              <a:t>вивід</a:t>
+            </a:r>
+            <a:r>
+              <a:rPr lang="ru-RU" dirty="0" smtClean="0"/>
+              <a:t> балансу</a:t>
+            </a:r>
+            <a:br>
+              <a:rPr lang="ru-RU" dirty="0" smtClean="0"/>
+            </a:br>
+            <a:r>
+              <a:rPr lang="ru-RU" dirty="0" smtClean="0"/>
+              <a:t>- </a:t>
+            </a:r>
+            <a:r>
+              <a:rPr lang="ru-RU" dirty="0" err="1" smtClean="0"/>
+              <a:t>Створення</a:t>
+            </a:r>
+            <a:r>
+              <a:rPr lang="ru-RU" dirty="0" smtClean="0"/>
+              <a:t> </a:t>
+            </a:r>
+            <a:r>
+              <a:rPr lang="ru-RU" dirty="0" err="1" smtClean="0"/>
+              <a:t>коментарів</a:t>
+            </a:r>
+            <a:endParaRPr lang="ru-RU" dirty="0" smtClean="0"/>
+          </a:p>
+          <a:p>
+            <a:r>
+              <a:rPr lang="ru-RU" dirty="0" smtClean="0"/>
+              <a:t>- </a:t>
+            </a:r>
+            <a:r>
+              <a:rPr lang="ru-RU" dirty="0" err="1" smtClean="0"/>
+              <a:t>Створення</a:t>
+            </a:r>
+            <a:r>
+              <a:rPr lang="ru-RU" dirty="0" smtClean="0"/>
+              <a:t> та </a:t>
+            </a:r>
+            <a:r>
+              <a:rPr lang="ru-RU" dirty="0" err="1" smtClean="0"/>
+              <a:t>вирішення</a:t>
+            </a:r>
+            <a:r>
+              <a:rPr lang="ru-RU" dirty="0" smtClean="0"/>
+              <a:t> </a:t>
+            </a:r>
+            <a:r>
+              <a:rPr lang="ru-RU" dirty="0" err="1" smtClean="0"/>
+              <a:t>суперечок</a:t>
+            </a:r>
+            <a:r>
+              <a:rPr lang="ru-RU" dirty="0" smtClean="0"/>
+              <a:t/>
+            </a:r>
+            <a:br>
+              <a:rPr lang="ru-RU" dirty="0" smtClean="0"/>
+            </a:br>
+            <a:r>
+              <a:rPr lang="ru-RU" dirty="0" smtClean="0"/>
+              <a:t>- Перегляд </a:t>
+            </a:r>
+            <a:r>
+              <a:rPr lang="ru-RU" dirty="0" err="1" smtClean="0"/>
+              <a:t>додаткової</a:t>
+            </a:r>
+            <a:r>
+              <a:rPr lang="ru-RU" dirty="0" smtClean="0"/>
+              <a:t> </a:t>
+            </a:r>
+            <a:r>
+              <a:rPr lang="ru-RU" dirty="0" err="1" smtClean="0"/>
+              <a:t>інформації</a:t>
+            </a:r>
+            <a:endParaRPr lang="ru-RU" dirty="0"/>
+          </a:p>
+        </p:txBody>
+      </p:sp>
+    </p:spTree>
+    <p:extLst>
+      <p:ext uri="{BB962C8B-B14F-4D97-AF65-F5344CB8AC3E}">
+        <p14:creationId xmlns:p14="http://schemas.microsoft.com/office/powerpoint/2010/main" val="2876170253"/>
+      </p:ext>
+    </p:extLst>
+  </p:cSld>
+  <p:clrMapOvr>
+    <a:masterClrMapping/>
+  </p:clrMapOvr>
+</p:sld>
+</file>
+
+<file path=ppt/slides/slide11.xml><?xml version="1.0" encoding="utf-8"?>
+<p:sld xmlns:a="http://schemas.openxmlformats.org/drawingml/2006/main" xmlns:r="http://schemas.openxmlformats.org/officeDocument/2006/relationships" xmlns:p="http://schemas.openxmlformats.org/presentationml/2006/main">
+  <p:cSld>
+    <p:spTree>
+      <p:nvGrpSpPr>
+        <p:cNvPr id="1" name=""/>
+        <p:cNvGrpSpPr/>
+        <p:nvPr/>
+      </p:nvGrpSpPr>
+      <p:grpSpPr>
+        <a:xfrm>
+          <a:off x="0" y="0"/>
+          <a:ext cx="0" cy="0"/>
+          <a:chOff x="0" y="0"/>
+          <a:chExt cx="0" cy="0"/>
+        </a:xfrm>
+      </p:grpSpPr>
+      <p:sp>
+        <p:nvSpPr>
+          <p:cNvPr id="2" name="Заголовок 1"/>
+          <p:cNvSpPr>
+            <a:spLocks noGrp="1"/>
+          </p:cNvSpPr>
+          <p:nvPr>
+            <p:ph type="title"/>
+          </p:nvPr>
+        </p:nvSpPr>
+        <p:spPr/>
+        <p:txBody>
+          <a:bodyPr/>
+          <a:lstStyle/>
+          <a:p>
+            <a:r>
+              <a:rPr lang="ru-RU" dirty="0" err="1" smtClean="0"/>
+              <a:t>Демонстрація</a:t>
+            </a:r>
+            <a:r>
+              <a:rPr lang="ru-RU" dirty="0" smtClean="0"/>
+              <a:t> </a:t>
+            </a:r>
+            <a:r>
+              <a:rPr lang="ru-RU" dirty="0" err="1" smtClean="0"/>
+              <a:t>розробки</a:t>
+            </a:r>
+            <a:endParaRPr lang="ru-RU" dirty="0"/>
+          </a:p>
+        </p:txBody>
+      </p:sp>
+    </p:spTree>
+    <p:extLst>
+      <p:ext uri="{BB962C8B-B14F-4D97-AF65-F5344CB8AC3E}">
+        <p14:creationId xmlns:p14="http://schemas.microsoft.com/office/powerpoint/2010/main" val="2469041347"/>
+      </p:ext>
+    </p:extLst>
+  </p:cSld>
+  <p:clrMapOvr>
+    <a:masterClrMapping/>
+  </p:clrMapOvr>
+</p:sld>
+</file>
+
+<file path=ppt/slides/slide12.xml><?xml version="1.0" encoding="utf-8"?>
+<p:sld xmlns:a="http://schemas.openxmlformats.org/drawingml/2006/main" xmlns:r="http://schemas.openxmlformats.org/officeDocument/2006/relationships" xmlns:p="http://schemas.openxmlformats.org/presentationml/2006/main">
+  <p:cSld>
+    <p:spTree>
+      <p:nvGrpSpPr>
+        <p:cNvPr id="1" name=""/>
+        <p:cNvGrpSpPr/>
+        <p:nvPr/>
+      </p:nvGrpSpPr>
+      <p:grpSpPr>
+        <a:xfrm>
+          <a:off x="0" y="0"/>
+          <a:ext cx="0" cy="0"/>
+          <a:chOff x="0" y="0"/>
+          <a:chExt cx="0" cy="0"/>
+        </a:xfrm>
+      </p:grpSpPr>
+      <p:sp>
+        <p:nvSpPr>
+          <p:cNvPr id="2" name="Заголовок 1"/>
+          <p:cNvSpPr>
+            <a:spLocks noGrp="1"/>
+          </p:cNvSpPr>
+          <p:nvPr>
+            <p:ph type="title"/>
+          </p:nvPr>
+        </p:nvSpPr>
+        <p:spPr/>
+        <p:txBody>
+          <a:bodyPr/>
+          <a:lstStyle/>
+          <a:p>
+            <a:r>
+              <a:rPr lang="ru-RU" dirty="0" err="1"/>
+              <a:t>Висновки</a:t>
+            </a:r>
+            <a:endParaRPr lang="ru-RU" dirty="0"/>
+          </a:p>
+        </p:txBody>
+      </p:sp>
+      <p:sp>
+        <p:nvSpPr>
+          <p:cNvPr id="3" name="Текст 2"/>
+          <p:cNvSpPr>
+            <a:spLocks noGrp="1"/>
+          </p:cNvSpPr>
+          <p:nvPr>
+            <p:ph type="body" sz="quarter" idx="10"/>
+          </p:nvPr>
+        </p:nvSpPr>
+        <p:spPr/>
+        <p:txBody>
+          <a:bodyPr/>
+          <a:lstStyle/>
+          <a:p>
+            <a:pPr marL="0" indent="0">
+              <a:buNone/>
+            </a:pPr>
+            <a:r>
+              <a:rPr lang="ru-RU" sz="2400" b="0" dirty="0" err="1"/>
+              <a:t>Під</a:t>
+            </a:r>
+            <a:r>
+              <a:rPr lang="ru-RU" sz="2400" b="0" dirty="0"/>
+              <a:t> час </a:t>
+            </a:r>
+            <a:r>
+              <a:rPr lang="ru-RU" sz="2400" b="0" dirty="0" err="1"/>
+              <a:t>виконання</a:t>
+            </a:r>
+            <a:r>
+              <a:rPr lang="ru-RU" sz="2400" b="0" dirty="0"/>
+              <a:t> проекту </a:t>
+            </a:r>
+            <a:r>
+              <a:rPr lang="ru-RU" sz="2400" b="0" dirty="0" err="1"/>
+              <a:t>було</a:t>
+            </a:r>
+            <a:r>
+              <a:rPr lang="ru-RU" sz="2400" b="0" dirty="0"/>
+              <a:t> проведено </a:t>
+            </a:r>
+            <a:r>
+              <a:rPr lang="ru-RU" sz="2400" b="0" dirty="0" err="1"/>
+              <a:t>всебічний</a:t>
+            </a:r>
+            <a:r>
+              <a:rPr lang="ru-RU" sz="2400" b="0" dirty="0"/>
+              <a:t> </a:t>
+            </a:r>
+            <a:r>
+              <a:rPr lang="ru-RU" sz="2400" b="0" dirty="0" err="1"/>
+              <a:t>аналіз</a:t>
+            </a:r>
+            <a:r>
+              <a:rPr lang="ru-RU" sz="2400" b="0" dirty="0"/>
+              <a:t> та </a:t>
+            </a:r>
+            <a:r>
+              <a:rPr lang="ru-RU" sz="2400" b="0" dirty="0" err="1"/>
+              <a:t>розробку</a:t>
+            </a:r>
+            <a:r>
+              <a:rPr lang="ru-RU" sz="2400" b="0" dirty="0"/>
+              <a:t> </a:t>
+            </a:r>
+            <a:r>
+              <a:rPr lang="ru-RU" sz="2400" b="0" dirty="0" err="1"/>
+              <a:t>платформи</a:t>
+            </a:r>
+            <a:r>
+              <a:rPr lang="ru-RU" sz="2400" b="0" dirty="0"/>
+              <a:t>, </a:t>
+            </a:r>
+            <a:r>
+              <a:rPr lang="ru-RU" sz="2400" b="0" dirty="0" err="1"/>
+              <a:t>починаючи</a:t>
+            </a:r>
+            <a:r>
+              <a:rPr lang="ru-RU" sz="2400" b="0" dirty="0"/>
+              <a:t> з </a:t>
+            </a:r>
+            <a:r>
+              <a:rPr lang="ru-RU" sz="2400" b="0" dirty="0" err="1"/>
+              <a:t>глибокого</a:t>
+            </a:r>
+            <a:r>
+              <a:rPr lang="ru-RU" sz="2400" b="0" dirty="0"/>
+              <a:t> </a:t>
+            </a:r>
+            <a:r>
+              <a:rPr lang="ru-RU" sz="2400" b="0" dirty="0" err="1"/>
+              <a:t>вивчення</a:t>
+            </a:r>
+            <a:r>
+              <a:rPr lang="ru-RU" sz="2400" b="0" dirty="0"/>
+              <a:t> потреб </a:t>
+            </a:r>
+            <a:r>
+              <a:rPr lang="ru-RU" sz="2400" b="0" dirty="0" err="1"/>
+              <a:t>користувачів</a:t>
+            </a:r>
+            <a:r>
+              <a:rPr lang="ru-RU" sz="2400" b="0" dirty="0"/>
+              <a:t> і </a:t>
+            </a:r>
+            <a:r>
+              <a:rPr lang="ru-RU" sz="2400" b="0" dirty="0" err="1"/>
+              <a:t>ринкових</a:t>
+            </a:r>
+            <a:r>
+              <a:rPr lang="ru-RU" sz="2400" b="0" dirty="0"/>
+              <a:t> характеристик, </a:t>
+            </a:r>
+            <a:r>
+              <a:rPr lang="ru-RU" sz="2400" b="0" dirty="0" err="1"/>
+              <a:t>що</a:t>
+            </a:r>
+            <a:r>
+              <a:rPr lang="ru-RU" sz="2400" b="0" dirty="0"/>
+              <a:t> дозволило </a:t>
+            </a:r>
+            <a:r>
+              <a:rPr lang="ru-RU" sz="2400" b="0" dirty="0" err="1"/>
+              <a:t>створити</a:t>
+            </a:r>
+            <a:r>
+              <a:rPr lang="ru-RU" sz="2400" b="0" dirty="0"/>
+              <a:t> </a:t>
+            </a:r>
+            <a:r>
+              <a:rPr lang="ru-RU" sz="2400" b="0" dirty="0" err="1"/>
+              <a:t>оптимальну</a:t>
+            </a:r>
+            <a:r>
+              <a:rPr lang="ru-RU" sz="2400" b="0" dirty="0"/>
+              <a:t> </a:t>
+            </a:r>
+            <a:r>
+              <a:rPr lang="ru-RU" sz="2400" b="0" dirty="0" err="1"/>
+              <a:t>архітектуру</a:t>
+            </a:r>
+            <a:r>
+              <a:rPr lang="ru-RU" sz="2400" b="0" dirty="0"/>
+              <a:t> та </a:t>
+            </a:r>
+            <a:r>
+              <a:rPr lang="ru-RU" sz="2400" b="0" dirty="0" err="1"/>
+              <a:t>вибрати</a:t>
+            </a:r>
+            <a:r>
+              <a:rPr lang="ru-RU" sz="2400" b="0" dirty="0"/>
+              <a:t> </a:t>
+            </a:r>
+            <a:r>
+              <a:rPr lang="ru-RU" sz="2400" b="0" dirty="0" err="1"/>
+              <a:t>відповідні</a:t>
+            </a:r>
+            <a:r>
+              <a:rPr lang="ru-RU" sz="2400" b="0" dirty="0"/>
+              <a:t> </a:t>
+            </a:r>
+            <a:r>
+              <a:rPr lang="ru-RU" sz="2400" b="0" dirty="0" err="1"/>
+              <a:t>технології</a:t>
+            </a:r>
+            <a:r>
+              <a:rPr lang="ru-RU" sz="2400" b="0" dirty="0"/>
+              <a:t> для </a:t>
+            </a:r>
+            <a:r>
+              <a:rPr lang="ru-RU" sz="2400" b="0" dirty="0" err="1"/>
+              <a:t>її</a:t>
+            </a:r>
+            <a:r>
+              <a:rPr lang="ru-RU" sz="2400" b="0" dirty="0"/>
+              <a:t> </a:t>
+            </a:r>
+            <a:r>
+              <a:rPr lang="ru-RU" sz="2400" b="0" dirty="0" err="1"/>
+              <a:t>реалізації</a:t>
+            </a:r>
+            <a:r>
+              <a:rPr lang="ru-RU" sz="2400" b="0" dirty="0"/>
+              <a:t>. Платформа </a:t>
+            </a:r>
+            <a:r>
+              <a:rPr lang="ru-RU" sz="2400" b="0" dirty="0" err="1"/>
+              <a:t>була</a:t>
+            </a:r>
+            <a:r>
+              <a:rPr lang="ru-RU" sz="2400" b="0" dirty="0"/>
+              <a:t> </a:t>
+            </a:r>
+            <a:r>
+              <a:rPr lang="ru-RU" sz="2400" b="0" dirty="0" err="1"/>
+              <a:t>структурована</a:t>
+            </a:r>
+            <a:r>
+              <a:rPr lang="ru-RU" sz="2400" b="0" dirty="0"/>
+              <a:t> з </a:t>
+            </a:r>
+            <a:r>
+              <a:rPr lang="ru-RU" sz="2400" b="0" dirty="0" err="1"/>
+              <a:t>урахуванням</a:t>
+            </a:r>
+            <a:r>
+              <a:rPr lang="ru-RU" sz="2400" b="0" dirty="0"/>
+              <a:t> </a:t>
+            </a:r>
+            <a:r>
+              <a:rPr lang="ru-RU" sz="2400" b="0" dirty="0" err="1"/>
+              <a:t>взаємодії</a:t>
+            </a:r>
+            <a:r>
+              <a:rPr lang="ru-RU" sz="2400" b="0" dirty="0"/>
+              <a:t> </a:t>
+            </a:r>
+            <a:r>
+              <a:rPr lang="ru-RU" sz="2400" b="0" dirty="0" err="1"/>
+              <a:t>між</a:t>
+            </a:r>
+            <a:r>
+              <a:rPr lang="ru-RU" sz="2400" b="0" dirty="0"/>
+              <a:t> компонентами та </a:t>
+            </a:r>
+            <a:r>
+              <a:rPr lang="ru-RU" sz="2400" b="0" dirty="0" err="1"/>
+              <a:t>оптимізації</a:t>
+            </a:r>
+            <a:r>
+              <a:rPr lang="ru-RU" sz="2400" b="0" dirty="0"/>
+              <a:t> </a:t>
+            </a:r>
+            <a:r>
+              <a:rPr lang="ru-RU" sz="2400" b="0" dirty="0" err="1"/>
+              <a:t>процесів</a:t>
+            </a:r>
+            <a:r>
+              <a:rPr lang="ru-RU" sz="2400" b="0" dirty="0"/>
+              <a:t>. </a:t>
+            </a:r>
+            <a:r>
+              <a:rPr lang="ru-RU" sz="2400" b="0" dirty="0" err="1"/>
+              <a:t>Також</a:t>
+            </a:r>
+            <a:r>
+              <a:rPr lang="ru-RU" sz="2400" b="0" dirty="0"/>
+              <a:t> </a:t>
+            </a:r>
+            <a:r>
+              <a:rPr lang="ru-RU" sz="2400" b="0" dirty="0" err="1"/>
+              <a:t>було</a:t>
+            </a:r>
+            <a:r>
+              <a:rPr lang="ru-RU" sz="2400" b="0" dirty="0"/>
+              <a:t> </a:t>
+            </a:r>
+            <a:r>
+              <a:rPr lang="ru-RU" sz="2400" b="0" dirty="0" err="1"/>
+              <a:t>розроблено</a:t>
+            </a:r>
+            <a:r>
+              <a:rPr lang="ru-RU" sz="2400" b="0" dirty="0"/>
+              <a:t> базу </a:t>
+            </a:r>
+            <a:r>
+              <a:rPr lang="ru-RU" sz="2400" b="0" dirty="0" err="1"/>
+              <a:t>даних</a:t>
+            </a:r>
+            <a:r>
+              <a:rPr lang="ru-RU" sz="2400" b="0" dirty="0"/>
+              <a:t> для </a:t>
+            </a:r>
+            <a:r>
+              <a:rPr lang="ru-RU" sz="2400" b="0" dirty="0" err="1"/>
+              <a:t>зберігання</a:t>
+            </a:r>
+            <a:r>
+              <a:rPr lang="ru-RU" sz="2400" b="0" dirty="0"/>
+              <a:t> </a:t>
+            </a:r>
+            <a:r>
+              <a:rPr lang="ru-RU" sz="2400" b="0" dirty="0" err="1"/>
+              <a:t>ключової</a:t>
+            </a:r>
+            <a:r>
+              <a:rPr lang="ru-RU" sz="2400" b="0" dirty="0"/>
+              <a:t> </a:t>
+            </a:r>
+            <a:r>
+              <a:rPr lang="ru-RU" sz="2400" b="0" dirty="0" err="1"/>
+              <a:t>інформації</a:t>
+            </a:r>
+            <a:r>
+              <a:rPr lang="ru-RU" sz="2400" b="0" dirty="0"/>
+              <a:t>, </a:t>
+            </a:r>
+            <a:r>
+              <a:rPr lang="ru-RU" sz="2400" b="0" dirty="0" err="1"/>
+              <a:t>забезпечивши</a:t>
+            </a:r>
+            <a:r>
+              <a:rPr lang="ru-RU" sz="2400" b="0" dirty="0"/>
+              <a:t> </a:t>
+            </a:r>
+            <a:r>
+              <a:rPr lang="ru-RU" sz="2400" b="0" dirty="0" err="1"/>
+              <a:t>її</a:t>
+            </a:r>
+            <a:r>
+              <a:rPr lang="ru-RU" sz="2400" b="0" dirty="0"/>
+              <a:t> </a:t>
+            </a:r>
+            <a:r>
+              <a:rPr lang="ru-RU" sz="2400" b="0" dirty="0" err="1"/>
+              <a:t>доступність</a:t>
+            </a:r>
+            <a:r>
+              <a:rPr lang="ru-RU" sz="2400" b="0" dirty="0"/>
+              <a:t>. Детально </a:t>
+            </a:r>
+            <a:r>
+              <a:rPr lang="ru-RU" sz="2400" b="0" dirty="0" err="1"/>
+              <a:t>розглянувши</a:t>
+            </a:r>
+            <a:r>
+              <a:rPr lang="ru-RU" sz="2400" b="0" dirty="0"/>
+              <a:t> </a:t>
+            </a:r>
+            <a:r>
+              <a:rPr lang="ru-RU" sz="2400" b="0" dirty="0" err="1"/>
+              <a:t>функціонал</a:t>
+            </a:r>
+            <a:r>
+              <a:rPr lang="ru-RU" sz="2400" b="0" dirty="0"/>
+              <a:t> та </a:t>
+            </a:r>
+            <a:r>
+              <a:rPr lang="ru-RU" sz="2400" b="0" dirty="0" err="1"/>
+              <a:t>взаємодію</a:t>
+            </a:r>
+            <a:r>
+              <a:rPr lang="ru-RU" sz="2400" b="0" dirty="0"/>
+              <a:t> </a:t>
+            </a:r>
+            <a:r>
+              <a:rPr lang="ru-RU" sz="2400" b="0" dirty="0" err="1"/>
+              <a:t>користувачів</a:t>
+            </a:r>
+            <a:r>
+              <a:rPr lang="ru-RU" sz="2400" b="0" dirty="0"/>
+              <a:t>, </a:t>
+            </a:r>
+            <a:r>
+              <a:rPr lang="ru-RU" sz="2400" b="0" dirty="0" err="1"/>
+              <a:t>було</a:t>
+            </a:r>
+            <a:r>
+              <a:rPr lang="ru-RU" sz="2400" b="0" dirty="0"/>
+              <a:t> створено </a:t>
+            </a:r>
+            <a:r>
+              <a:rPr lang="ru-RU" sz="2400" b="0" dirty="0" err="1"/>
+              <a:t>зручний</a:t>
+            </a:r>
+            <a:r>
+              <a:rPr lang="ru-RU" sz="2400" b="0" dirty="0"/>
+              <a:t> </a:t>
+            </a:r>
+            <a:r>
+              <a:rPr lang="ru-RU" sz="2400" b="0" dirty="0" err="1"/>
+              <a:t>інтерфейс</a:t>
+            </a:r>
+            <a:r>
+              <a:rPr lang="ru-RU" sz="2400" b="0" dirty="0"/>
+              <a:t> для </a:t>
+            </a:r>
+            <a:r>
+              <a:rPr lang="ru-RU" sz="2400" b="0" dirty="0" err="1"/>
+              <a:t>різних</a:t>
+            </a:r>
+            <a:r>
+              <a:rPr lang="ru-RU" sz="2400" b="0" dirty="0"/>
+              <a:t> </a:t>
+            </a:r>
+            <a:r>
+              <a:rPr lang="ru-RU" sz="2400" b="0" dirty="0" err="1"/>
+              <a:t>категорій</a:t>
+            </a:r>
+            <a:r>
+              <a:rPr lang="ru-RU" sz="2400" b="0" dirty="0"/>
+              <a:t> </a:t>
+            </a:r>
+            <a:r>
+              <a:rPr lang="ru-RU" sz="2400" b="0" dirty="0" err="1"/>
+              <a:t>користувачів</a:t>
+            </a:r>
+            <a:r>
+              <a:rPr lang="ru-RU" sz="2400" b="0" dirty="0"/>
+              <a:t>. </a:t>
+            </a:r>
+            <a:r>
+              <a:rPr lang="ru-RU" sz="2400" b="0" dirty="0" err="1"/>
+              <a:t>Після</a:t>
+            </a:r>
+            <a:r>
+              <a:rPr lang="ru-RU" sz="2400" b="0" dirty="0"/>
+              <a:t> </a:t>
+            </a:r>
+            <a:r>
+              <a:rPr lang="ru-RU" sz="2400" b="0" dirty="0" err="1"/>
+              <a:t>ретельного</a:t>
+            </a:r>
+            <a:r>
+              <a:rPr lang="ru-RU" sz="2400" b="0" dirty="0"/>
+              <a:t> </a:t>
+            </a:r>
+            <a:r>
+              <a:rPr lang="ru-RU" sz="2400" b="0" dirty="0" err="1"/>
+              <a:t>тестування</a:t>
+            </a:r>
+            <a:r>
+              <a:rPr lang="ru-RU" sz="2400" b="0" dirty="0"/>
+              <a:t> платформа </a:t>
+            </a:r>
+            <a:r>
+              <a:rPr lang="ru-RU" sz="2400" b="0" dirty="0" err="1"/>
+              <a:t>виявилася</a:t>
+            </a:r>
+            <a:r>
+              <a:rPr lang="ru-RU" sz="2400" b="0" dirty="0"/>
+              <a:t> готовою до </a:t>
+            </a:r>
+            <a:r>
+              <a:rPr lang="ru-RU" sz="2400" b="0" dirty="0" err="1"/>
+              <a:t>використання</a:t>
+            </a:r>
+            <a:r>
+              <a:rPr lang="ru-RU" sz="2400" b="0" dirty="0"/>
+              <a:t>, </a:t>
+            </a:r>
+            <a:r>
+              <a:rPr lang="ru-RU" sz="2400" b="0" dirty="0" err="1"/>
+              <a:t>забезпечуючи</a:t>
+            </a:r>
+            <a:r>
+              <a:rPr lang="ru-RU" sz="2400" b="0" dirty="0"/>
+              <a:t> </a:t>
+            </a:r>
+            <a:r>
+              <a:rPr lang="ru-RU" sz="2400" b="0" dirty="0" err="1"/>
+              <a:t>надійний</a:t>
+            </a:r>
+            <a:r>
+              <a:rPr lang="ru-RU" sz="2400" b="0" dirty="0"/>
+              <a:t> та </a:t>
+            </a:r>
+            <a:r>
+              <a:rPr lang="ru-RU" sz="2400" b="0" dirty="0" err="1"/>
+              <a:t>ефективний</a:t>
+            </a:r>
+            <a:r>
+              <a:rPr lang="ru-RU" sz="2400" b="0" dirty="0"/>
+              <a:t> </a:t>
+            </a:r>
+            <a:r>
+              <a:rPr lang="ru-RU" sz="2400" b="0" dirty="0" err="1"/>
+              <a:t>інструмент</a:t>
+            </a:r>
+            <a:r>
+              <a:rPr lang="ru-RU" sz="2400" b="0" dirty="0"/>
+              <a:t>.</a:t>
+            </a:r>
+          </a:p>
+          <a:p>
+            <a:endParaRPr lang="ru-RU" sz="2400" b="0" dirty="0"/>
+          </a:p>
+        </p:txBody>
+      </p:sp>
+    </p:spTree>
+    <p:extLst>
+      <p:ext uri="{BB962C8B-B14F-4D97-AF65-F5344CB8AC3E}">
+        <p14:creationId xmlns:p14="http://schemas.microsoft.com/office/powerpoint/2010/main" val="3273280091"/>
+      </p:ext>
+    </p:extLst>
+  </p:cSld>
+  <p:clrMapOvr>
+    <a:masterClrMapping/>
+  </p:clrMapOvr>
+</p:sld>
+</file>
+
+<file path=ppt/slides/slide13.xml><?xml version="1.0" encoding="utf-8"?>
+<p:sld xmlns:a="http://schemas.openxmlformats.org/drawingml/2006/main" xmlns:r="http://schemas.openxmlformats.org/officeDocument/2006/relationships" xmlns:p="http://schemas.openxmlformats.org/presentationml/2006/main">
+  <p:cSld>
+    <p:spTree>
+      <p:nvGrpSpPr>
+        <p:cNvPr id="1" name=""/>
+        <p:cNvGrpSpPr/>
+        <p:nvPr/>
+      </p:nvGrpSpPr>
+      <p:grpSpPr>
+        <a:xfrm>
+          <a:off x="0" y="0"/>
+          <a:ext cx="0" cy="0"/>
+          <a:chOff x="0" y="0"/>
+          <a:chExt cx="0" cy="0"/>
+        </a:xfrm>
+      </p:grpSpPr>
+      <p:sp>
+        <p:nvSpPr>
+          <p:cNvPr id="2" name="Заголовок 1"/>
+          <p:cNvSpPr>
+            <a:spLocks noGrp="1"/>
+          </p:cNvSpPr>
+          <p:nvPr>
+            <p:ph type="title"/>
+          </p:nvPr>
+        </p:nvSpPr>
+        <p:spPr>
+          <a:xfrm>
+            <a:off x="67734" y="2525715"/>
+            <a:ext cx="12014200" cy="750885"/>
+          </a:xfrm>
+        </p:spPr>
+        <p:txBody>
+          <a:bodyPr/>
+          <a:lstStyle/>
+          <a:p>
+            <a:pPr algn="ctr"/>
+            <a:r>
+              <a:rPr lang="ru-RU" dirty="0" err="1" smtClean="0"/>
+              <a:t>Дякую</a:t>
+            </a:r>
+            <a:r>
+              <a:rPr lang="ru-RU" dirty="0" smtClean="0"/>
+              <a:t> за </a:t>
+            </a:r>
+            <a:r>
+              <a:rPr lang="ru-RU" dirty="0" err="1" smtClean="0"/>
+              <a:t>увагу</a:t>
+            </a:r>
+            <a:r>
+              <a:rPr lang="ru-RU" dirty="0" smtClean="0"/>
+              <a:t>!</a:t>
+            </a:r>
+            <a:endParaRPr lang="ru-RU" dirty="0"/>
+          </a:p>
+        </p:txBody>
+      </p:sp>
+    </p:spTree>
+    <p:extLst>
+      <p:ext uri="{BB962C8B-B14F-4D97-AF65-F5344CB8AC3E}">
+        <p14:creationId xmlns:p14="http://schemas.microsoft.com/office/powerpoint/2010/main" val="3877696331"/>
       </p:ext>
     </p:extLst>
   </p:cSld>
@@ -947,7 +2719,15 @@
           <a:bodyPr/>
           <a:lstStyle/>
           <a:p>
-            <a:endParaRPr lang="ru-RU"/>
+            <a:r>
+              <a:rPr lang="ru-RU" b="1" dirty="0" err="1"/>
+              <a:t>Актуальність</a:t>
+            </a:r>
+            <a:r>
+              <a:rPr lang="ru-RU" b="1" dirty="0"/>
+              <a:t> теми</a:t>
+            </a:r>
+            <a:endParaRPr lang="ru-RU" dirty="0"/>
           </a:p>
         </p:txBody>
       </p:sp>
@@ -966,7 +2746,437 @@
           <a:bodyPr/>
           <a:lstStyle/>
           <a:p>
-            <a:endParaRPr lang="ru-RU"/>
+            <a:pPr marL="0" indent="0">
+              <a:buNone/>
+            </a:pPr>
+            <a:r>
+              <a:rPr lang="ru-RU" sz="2800" b="0" dirty="0" smtClean="0"/>
+              <a:t>У </a:t>
+            </a:r>
+            <a:r>
+              <a:rPr lang="ru-RU" sz="2800" b="0" dirty="0" err="1"/>
+              <a:t>сучасному</a:t>
+            </a:r>
+            <a:r>
+              <a:rPr lang="ru-RU" sz="2800" b="0" dirty="0"/>
+              <a:t> </a:t>
+            </a:r>
+            <a:r>
+              <a:rPr lang="ru-RU" sz="2800" b="0" dirty="0" err="1"/>
+              <a:t>світі</a:t>
+            </a:r>
+            <a:r>
+              <a:rPr lang="en-US" sz="2800" b="0" dirty="0"/>
+              <a:t>, </a:t>
+            </a:r>
+            <a:r>
+              <a:rPr lang="ru-RU" sz="2800" b="0" dirty="0"/>
+              <a:t>де люди </a:t>
+            </a:r>
+            <a:r>
+              <a:rPr lang="ru-RU" sz="2800" b="0" dirty="0" err="1"/>
+              <a:t>зіткнулися</a:t>
+            </a:r>
+            <a:r>
+              <a:rPr lang="ru-RU" sz="2800" b="0" dirty="0"/>
+              <a:t> з </a:t>
+            </a:r>
+            <a:r>
+              <a:rPr lang="ru-RU" sz="2800" b="0" dirty="0" err="1"/>
+              <a:t>труднощами</a:t>
+            </a:r>
+            <a:r>
+              <a:rPr lang="ru-RU" sz="2800" b="0" dirty="0"/>
+              <a:t> у </a:t>
+            </a:r>
+            <a:r>
+              <a:rPr lang="ru-RU" sz="2800" b="0" dirty="0" err="1"/>
+              <a:t>виконанні</a:t>
+            </a:r>
+            <a:r>
+              <a:rPr lang="ru-RU" sz="2800" b="0" dirty="0"/>
+              <a:t> </a:t>
+            </a:r>
+            <a:r>
+              <a:rPr lang="ru-RU" sz="2800" b="0" dirty="0" err="1"/>
+              <a:t>звичних</a:t>
+            </a:r>
+            <a:r>
+              <a:rPr lang="ru-RU" sz="2800" b="0" dirty="0"/>
+              <a:t> </a:t>
+            </a:r>
+            <a:r>
+              <a:rPr lang="ru-RU" sz="2800" b="0" dirty="0" err="1"/>
+              <a:t>завдань</a:t>
+            </a:r>
+            <a:r>
+              <a:rPr lang="en-US" sz="2800" b="0" dirty="0"/>
+              <a:t>, </a:t>
+            </a:r>
+            <a:r>
+              <a:rPr lang="ru-RU" sz="2800" b="0" dirty="0" err="1"/>
+              <a:t>що</a:t>
+            </a:r>
+            <a:r>
+              <a:rPr lang="ru-RU" sz="2800" b="0" dirty="0"/>
+              <a:t> </a:t>
+            </a:r>
+            <a:r>
+              <a:rPr lang="ru-RU" sz="2800" b="0" dirty="0" err="1"/>
+              <a:t>потребують</a:t>
+            </a:r>
+            <a:r>
+              <a:rPr lang="ru-RU" sz="2800" b="0" dirty="0"/>
+              <a:t> </a:t>
+            </a:r>
+            <a:r>
+              <a:rPr lang="ru-RU" sz="2800" b="0" dirty="0" err="1"/>
+              <a:t>фізичної</a:t>
+            </a:r>
+            <a:r>
+              <a:rPr lang="ru-RU" sz="2800" b="0" dirty="0"/>
+              <a:t> </a:t>
+            </a:r>
+            <a:r>
+              <a:rPr lang="ru-RU" sz="2800" b="0" dirty="0" err="1"/>
+              <a:t>присутності</a:t>
+            </a:r>
+            <a:r>
+              <a:rPr lang="ru-RU" sz="2800" b="0" dirty="0"/>
+              <a:t> у </a:t>
+            </a:r>
+            <a:r>
+              <a:rPr lang="ru-RU" sz="2800" b="0" dirty="0" err="1" smtClean="0"/>
+              <a:t>конкретних</a:t>
+            </a:r>
+            <a:r>
+              <a:rPr lang="ru-RU" sz="2800" b="0" dirty="0" smtClean="0"/>
+              <a:t> </a:t>
+            </a:r>
+            <a:r>
+              <a:rPr lang="ru-RU" sz="2800" b="0" dirty="0" err="1" smtClean="0"/>
+              <a:t>місцях</a:t>
+            </a:r>
+            <a:r>
+              <a:rPr lang="en-US" sz="2800" b="0" dirty="0"/>
+              <a:t>, </a:t>
+            </a:r>
+            <a:r>
+              <a:rPr lang="ru-RU" sz="2800" b="0" dirty="0"/>
+              <a:t>через </a:t>
+            </a:r>
+            <a:r>
+              <a:rPr lang="ru-RU" sz="2800" b="0" dirty="0" err="1"/>
+              <a:t>вимушену</a:t>
+            </a:r>
+            <a:r>
+              <a:rPr lang="ru-RU" sz="2800" b="0" dirty="0"/>
+              <a:t> </a:t>
+            </a:r>
+            <a:r>
+              <a:rPr lang="ru-RU" sz="2800" b="0" dirty="0" err="1" smtClean="0"/>
+              <a:t>міграцію</a:t>
+            </a:r>
+            <a:r>
+              <a:rPr lang="ru-RU" sz="2800" b="0" dirty="0" smtClean="0"/>
+              <a:t> </a:t>
+            </a:r>
+            <a:r>
+              <a:rPr lang="ru-RU" sz="2800" b="0" dirty="0" err="1" smtClean="0"/>
+              <a:t>або</a:t>
+            </a:r>
+            <a:r>
+              <a:rPr lang="ru-RU" sz="2800" b="0" dirty="0" smtClean="0"/>
+              <a:t> </a:t>
+            </a:r>
+            <a:r>
+              <a:rPr lang="ru-RU" sz="2800" b="0" dirty="0" err="1"/>
+              <a:t>інші</a:t>
+            </a:r>
+            <a:r>
+              <a:rPr lang="ru-RU" sz="2800" b="0" dirty="0"/>
+              <a:t> </a:t>
+            </a:r>
+            <a:r>
+              <a:rPr lang="ru-RU" sz="2800" b="0" dirty="0" err="1"/>
+              <a:t>проблеми</a:t>
+            </a:r>
+            <a:r>
+              <a:rPr lang="ru-RU" sz="2800" b="0" dirty="0"/>
+              <a:t> </a:t>
+            </a:r>
+            <a:r>
+              <a:rPr lang="ru-RU" sz="2800" b="0" dirty="0" err="1"/>
+              <a:t>пов</a:t>
+            </a:r>
+            <a:r>
+              <a:rPr lang="en-US" sz="2800" b="0" dirty="0"/>
+              <a:t>’</a:t>
+            </a:r>
+            <a:r>
+              <a:rPr lang="ru-RU" sz="2800" b="0" dirty="0" err="1"/>
+              <a:t>язані</a:t>
+            </a:r>
+            <a:r>
+              <a:rPr lang="ru-RU" sz="2800" b="0" dirty="0"/>
+              <a:t> з </a:t>
+            </a:r>
+            <a:r>
+              <a:rPr lang="ru-RU" sz="2800" b="0" dirty="0" err="1"/>
+              <a:t>війною</a:t>
+            </a:r>
+            <a:r>
+              <a:rPr lang="ru-RU" sz="2800" b="0" dirty="0"/>
+              <a:t> </a:t>
+            </a:r>
+            <a:r>
+              <a:rPr lang="ru-RU" sz="2800" b="0" dirty="0" err="1"/>
+              <a:t>чи</a:t>
+            </a:r>
+            <a:r>
+              <a:rPr lang="ru-RU" sz="2800" b="0" dirty="0"/>
+              <a:t> </a:t>
+            </a:r>
+            <a:r>
+              <a:rPr lang="ru-RU" sz="2800" b="0" dirty="0" err="1"/>
+              <a:t>постпандемійним</a:t>
+            </a:r>
+            <a:r>
+              <a:rPr lang="ru-RU" sz="2800" b="0" dirty="0"/>
+              <a:t> </a:t>
+            </a:r>
+            <a:r>
+              <a:rPr lang="ru-RU" sz="2800" b="0" dirty="0" err="1" smtClean="0"/>
+              <a:t>періодом</a:t>
+            </a:r>
+            <a:r>
+              <a:rPr lang="ru-RU" sz="2800" b="0" dirty="0"/>
+              <a:t>,</a:t>
+            </a:r>
+            <a:r>
+              <a:rPr lang="ru-RU" sz="2800" b="0" dirty="0" smtClean="0"/>
+              <a:t> платформа</a:t>
+            </a:r>
+            <a:r>
+              <a:rPr lang="ru-RU" sz="2800" b="0" dirty="0"/>
+              <a:t>, яка </a:t>
+            </a:r>
+            <a:r>
+              <a:rPr lang="ru-RU" sz="2800" b="0" dirty="0" err="1"/>
+              <a:t>дозволяє</a:t>
+            </a:r>
+            <a:r>
+              <a:rPr lang="ru-RU" sz="2800" b="0" dirty="0"/>
+              <a:t> </a:t>
+            </a:r>
+            <a:r>
+              <a:rPr lang="ru-RU" sz="2800" b="0" dirty="0" err="1"/>
+              <a:t>виконувати</a:t>
+            </a:r>
+            <a:r>
+              <a:rPr lang="ru-RU" sz="2800" b="0" dirty="0"/>
+              <a:t> </a:t>
+            </a:r>
+            <a:r>
+              <a:rPr lang="ru-RU" sz="2800" b="0" dirty="0" err="1"/>
+              <a:t>завдання</a:t>
+            </a:r>
+            <a:r>
+              <a:rPr lang="ru-RU" sz="2800" b="0" dirty="0"/>
+              <a:t> за </a:t>
+            </a:r>
+            <a:r>
+              <a:rPr lang="ru-RU" sz="2800" b="0" dirty="0" err="1"/>
+              <a:t>винагороду</a:t>
+            </a:r>
+            <a:r>
+              <a:rPr lang="ru-RU" sz="2800" b="0" dirty="0"/>
+              <a:t>, буде </a:t>
+            </a:r>
+            <a:r>
+              <a:rPr lang="ru-RU" sz="2800" b="0" dirty="0" err="1"/>
+              <a:t>дуже</a:t>
+            </a:r>
+            <a:r>
+              <a:rPr lang="ru-RU" sz="2800" b="0" dirty="0"/>
+              <a:t> </a:t>
+            </a:r>
+            <a:r>
+              <a:rPr lang="ru-RU" sz="2800" b="0" dirty="0" err="1" smtClean="0"/>
+              <a:t>корисною</a:t>
+            </a:r>
+            <a:r>
+              <a:rPr lang="ru-RU" sz="2800" b="0" dirty="0" smtClean="0"/>
+              <a:t>, </a:t>
+            </a:r>
+            <a:r>
+              <a:rPr lang="ru-RU" sz="2800" b="0" dirty="0" err="1" smtClean="0"/>
+              <a:t>адже</a:t>
+            </a:r>
+            <a:r>
+              <a:rPr lang="ru-RU" sz="2800" b="0" dirty="0" smtClean="0"/>
+              <a:t> </a:t>
+            </a:r>
+            <a:r>
+              <a:rPr lang="ru-RU" sz="2800" b="0" dirty="0" err="1" smtClean="0"/>
+              <a:t>така</a:t>
+            </a:r>
+            <a:r>
+              <a:rPr lang="ru-RU" sz="2800" b="0" dirty="0" smtClean="0"/>
+              <a:t> платформа </a:t>
+            </a:r>
+            <a:r>
+              <a:rPr lang="ru-RU" sz="2800" b="0" dirty="0" err="1" smtClean="0"/>
+              <a:t>стимулюватиме</a:t>
+            </a:r>
+            <a:r>
+              <a:rPr lang="ru-RU" sz="2800" b="0" dirty="0" smtClean="0"/>
+              <a:t> </a:t>
+            </a:r>
+            <a:r>
+              <a:rPr lang="ru-RU" sz="2800" b="0" dirty="0" err="1"/>
+              <a:t>підтримку</a:t>
+            </a:r>
+            <a:r>
+              <a:rPr lang="ru-RU" sz="2800" b="0" dirty="0"/>
+              <a:t> та </a:t>
+            </a:r>
+            <a:r>
+              <a:rPr lang="ru-RU" sz="2800" b="0" dirty="0" err="1"/>
+              <a:t>співпрацю</a:t>
+            </a:r>
+            <a:r>
+              <a:rPr lang="ru-RU" sz="2800" b="0" dirty="0"/>
+              <a:t> </a:t>
+            </a:r>
+            <a:r>
+              <a:rPr lang="ru-RU" sz="2800" b="0" dirty="0" err="1"/>
+              <a:t>між</a:t>
+            </a:r>
+            <a:r>
+              <a:rPr lang="ru-RU" sz="2800" b="0" dirty="0"/>
+              <a:t> людьми, </a:t>
+            </a:r>
+            <a:r>
+              <a:rPr lang="ru-RU" sz="2800" b="0" dirty="0" err="1"/>
+              <a:t>незалежно</a:t>
+            </a:r>
+            <a:r>
+              <a:rPr lang="ru-RU" sz="2800" b="0" dirty="0"/>
+              <a:t> </a:t>
+            </a:r>
+            <a:r>
+              <a:rPr lang="ru-RU" sz="2800" b="0" dirty="0" err="1"/>
+              <a:t>від</a:t>
+            </a:r>
+            <a:r>
+              <a:rPr lang="ru-RU" sz="2800" b="0" dirty="0"/>
+              <a:t> </a:t>
+            </a:r>
+            <a:r>
+              <a:rPr lang="ru-RU" sz="2800" b="0" dirty="0" err="1"/>
+              <a:t>їх</a:t>
+            </a:r>
+            <a:r>
+              <a:rPr lang="ru-RU" sz="2800" b="0" dirty="0"/>
+              <a:t> </a:t>
+            </a:r>
+            <a:r>
+              <a:rPr lang="ru-RU" sz="2800" b="0" dirty="0" err="1"/>
+              <a:t>місця</a:t>
+            </a:r>
+            <a:r>
+              <a:rPr lang="ru-RU" sz="2800" b="0" dirty="0"/>
+              <a:t> </a:t>
+            </a:r>
+            <a:r>
+              <a:rPr lang="ru-RU" sz="2800" b="0" dirty="0" err="1"/>
+              <a:t>перебування</a:t>
+            </a:r>
+            <a:r>
+              <a:rPr lang="ru-RU" sz="2800" b="0" dirty="0"/>
+              <a:t>, </a:t>
+            </a:r>
+            <a:r>
+              <a:rPr lang="ru-RU" sz="2800" b="0" dirty="0" err="1" smtClean="0"/>
+              <a:t>чим</a:t>
+            </a:r>
+            <a:r>
+              <a:rPr lang="ru-RU" sz="2800" b="0" dirty="0" smtClean="0"/>
+              <a:t> буде </a:t>
+            </a:r>
+            <a:r>
+              <a:rPr lang="ru-RU" sz="2800" b="0" dirty="0" err="1" smtClean="0"/>
+              <a:t>спрощувати</a:t>
+            </a:r>
+            <a:r>
+              <a:rPr lang="ru-RU" sz="2800" b="0" dirty="0" smtClean="0"/>
+              <a:t> </a:t>
+            </a:r>
+            <a:r>
+              <a:rPr lang="ru-RU" sz="2800" b="0" dirty="0" err="1" smtClean="0"/>
+              <a:t>життя</a:t>
+            </a:r>
+            <a:r>
+              <a:rPr lang="ru-RU" sz="2800" b="0" dirty="0" smtClean="0"/>
+              <a:t> та </a:t>
+            </a:r>
+            <a:r>
+              <a:rPr lang="ru-RU" sz="2800" b="0" dirty="0" err="1" smtClean="0"/>
+              <a:t>допомагатиме</a:t>
+            </a:r>
+            <a:r>
+              <a:rPr lang="ru-RU" sz="2800" b="0" dirty="0" smtClean="0"/>
+              <a:t> </a:t>
+            </a:r>
+            <a:r>
+              <a:rPr lang="ru-RU" sz="2800" b="0" dirty="0" err="1"/>
+              <a:t>зберегти</a:t>
+            </a:r>
+            <a:r>
+              <a:rPr lang="ru-RU" sz="2800" b="0" dirty="0"/>
+              <a:t> </a:t>
+            </a:r>
+            <a:r>
+              <a:rPr lang="ru-RU" sz="2800" b="0" dirty="0" err="1" smtClean="0"/>
+              <a:t>соціальні</a:t>
+            </a:r>
+            <a:r>
+              <a:rPr lang="ru-RU" sz="2800" b="0" dirty="0" smtClean="0"/>
+              <a:t> </a:t>
+            </a:r>
+            <a:r>
+              <a:rPr lang="ru-RU" sz="2800" b="0" dirty="0" err="1"/>
+              <a:t>зв'язки</a:t>
+            </a:r>
+            <a:r>
+              <a:rPr lang="ru-RU" sz="2800" b="0" dirty="0"/>
+              <a:t>, </a:t>
+            </a:r>
+            <a:r>
+              <a:rPr lang="ru-RU" sz="2800" b="0" dirty="0" err="1"/>
+              <a:t>навіть</a:t>
+            </a:r>
+            <a:r>
+              <a:rPr lang="ru-RU" sz="2800" b="0" dirty="0"/>
+              <a:t> коли вони </a:t>
+            </a:r>
+            <a:r>
+              <a:rPr lang="ru-RU" sz="2800" b="0" dirty="0" err="1"/>
+              <a:t>фізично</a:t>
+            </a:r>
+            <a:r>
+              <a:rPr lang="ru-RU" sz="2800" b="0" dirty="0"/>
+              <a:t> </a:t>
+            </a:r>
+            <a:r>
+              <a:rPr lang="ru-RU" sz="2800" b="0" dirty="0" err="1"/>
+              <a:t>неможливі</a:t>
+            </a:r>
+            <a:r>
+              <a:rPr lang="ru-RU" sz="2800" b="0" dirty="0"/>
+              <a:t>.</a:t>
+            </a:r>
           </a:p>
         </p:txBody>
       </p:sp>
@@ -974,6 +3184,4911 @@
     <p:extLst>
       <p:ext uri="{BB962C8B-B14F-4D97-AF65-F5344CB8AC3E}">
         <p14:creationId xmlns:p14="http://schemas.microsoft.com/office/powerpoint/2010/main" val="3571795455"/>
+      </p:ext>
+    </p:extLst>
+  </p:cSld>
+  <p:clrMapOvr>
+    <a:masterClrMapping/>
+  </p:clrMapOvr>
+</p:sld>
+</file>
+
+<file path=ppt/slides/slide3.xml><?xml version="1.0" encoding="utf-8"?>
+<p:sld xmlns:a="http://schemas.openxmlformats.org/drawingml/2006/main" xmlns:r="http://schemas.openxmlformats.org/officeDocument/2006/relationships" xmlns:p="http://schemas.openxmlformats.org/presentationml/2006/main">
+  <p:cSld>
+    <p:spTree>
+      <p:nvGrpSpPr>
+        <p:cNvPr id="1" name=""/>
+        <p:cNvGrpSpPr/>
+        <p:nvPr/>
+      </p:nvGrpSpPr>
+      <p:grpSpPr>
+        <a:xfrm>
+          <a:off x="0" y="0"/>
+          <a:ext cx="0" cy="0"/>
+          <a:chOff x="0" y="0"/>
+          <a:chExt cx="0" cy="0"/>
+        </a:xfrm>
+      </p:grpSpPr>
+      <p:sp>
+        <p:nvSpPr>
+          <p:cNvPr id="2" name="Заголовок 1"/>
+          <p:cNvSpPr>
+            <a:spLocks noGrp="1"/>
+          </p:cNvSpPr>
+          <p:nvPr>
+            <p:ph type="title"/>
+          </p:nvPr>
+        </p:nvSpPr>
+        <p:spPr/>
+        <p:txBody>
+          <a:bodyPr/>
+          <a:lstStyle/>
+          <a:p>
+            <a:r>
+              <a:rPr lang="ru-RU" b="1" dirty="0" smtClean="0"/>
+              <a:t>Мета </a:t>
+            </a:r>
+            <a:r>
+              <a:rPr lang="ru-RU" b="1" dirty="0" err="1" smtClean="0"/>
+              <a:t>розробки</a:t>
+            </a:r>
+            <a:endParaRPr lang="ru-RU" dirty="0"/>
+          </a:p>
+        </p:txBody>
+      </p:sp>
+      <p:sp>
+        <p:nvSpPr>
+          <p:cNvPr id="3" name="Текст 2"/>
+          <p:cNvSpPr>
+            <a:spLocks noGrp="1"/>
+          </p:cNvSpPr>
+          <p:nvPr>
+            <p:ph type="body" sz="quarter" idx="10"/>
+          </p:nvPr>
+        </p:nvSpPr>
+        <p:spPr/>
+        <p:txBody>
+          <a:bodyPr/>
+          <a:lstStyle/>
+          <a:p>
+            <a:pPr marL="0" indent="0">
+              <a:buNone/>
+            </a:pPr>
+            <a:r>
+              <a:rPr lang="ru-RU" b="0" dirty="0" err="1" smtClean="0"/>
+              <a:t>Створення</a:t>
+            </a:r>
+            <a:r>
+              <a:rPr lang="ru-RU" b="0" dirty="0" smtClean="0"/>
+              <a:t> </a:t>
+            </a:r>
+            <a:r>
+              <a:rPr lang="ru-RU" b="0" dirty="0" err="1"/>
+              <a:t>сучасної</a:t>
+            </a:r>
+            <a:r>
+              <a:rPr lang="ru-RU" b="0" dirty="0"/>
+              <a:t> та </a:t>
+            </a:r>
+            <a:r>
+              <a:rPr lang="ru-RU" b="0" dirty="0" err="1"/>
+              <a:t>зручної</a:t>
+            </a:r>
+            <a:r>
+              <a:rPr lang="ru-RU" b="0" dirty="0"/>
+              <a:t> </a:t>
+            </a:r>
+            <a:r>
+              <a:rPr lang="ru-RU" b="0" dirty="0" err="1"/>
+              <a:t>платформи</a:t>
+            </a:r>
+            <a:r>
+              <a:rPr lang="ru-RU" b="0" dirty="0"/>
+              <a:t>, яка дозволить </a:t>
+            </a:r>
+            <a:r>
+              <a:rPr lang="ru-RU" b="0" dirty="0" err="1"/>
+              <a:t>користувачам</a:t>
+            </a:r>
+            <a:r>
+              <a:rPr lang="ru-RU" b="0" dirty="0"/>
+              <a:t> </a:t>
+            </a:r>
+            <a:r>
+              <a:rPr lang="ru-RU" b="0" dirty="0" err="1"/>
+              <a:t>виконувати</a:t>
+            </a:r>
+            <a:r>
+              <a:rPr lang="ru-RU" b="0" dirty="0"/>
+              <a:t> </a:t>
+            </a:r>
+            <a:r>
+              <a:rPr lang="ru-RU" b="0" dirty="0" err="1"/>
+              <a:t>різноманітні</a:t>
+            </a:r>
+            <a:r>
+              <a:rPr lang="ru-RU" b="0" dirty="0"/>
+              <a:t> </a:t>
+            </a:r>
+            <a:r>
+              <a:rPr lang="ru-RU" b="0" dirty="0" err="1"/>
+              <a:t>завдання</a:t>
+            </a:r>
+            <a:r>
+              <a:rPr lang="ru-RU" b="0" dirty="0"/>
+              <a:t> за </a:t>
+            </a:r>
+            <a:r>
+              <a:rPr lang="ru-RU" b="0" dirty="0" err="1"/>
+              <a:t>винагороду</a:t>
+            </a:r>
+            <a:r>
+              <a:rPr lang="ru-RU" b="0" dirty="0"/>
+              <a:t>, </a:t>
+            </a:r>
+            <a:r>
+              <a:rPr lang="ru-RU" b="0" dirty="0" err="1"/>
+              <a:t>забезпечуючи</a:t>
+            </a:r>
+            <a:r>
+              <a:rPr lang="ru-RU" b="0" dirty="0"/>
+              <a:t> при </a:t>
+            </a:r>
+            <a:r>
+              <a:rPr lang="ru-RU" b="0" dirty="0" err="1"/>
+              <a:t>цьому</a:t>
+            </a:r>
+            <a:r>
+              <a:rPr lang="ru-RU" b="0" dirty="0"/>
+              <a:t> </a:t>
+            </a:r>
+            <a:r>
+              <a:rPr lang="ru-RU" b="0" dirty="0" err="1"/>
+              <a:t>надійну</a:t>
+            </a:r>
+            <a:r>
+              <a:rPr lang="ru-RU" b="0" dirty="0"/>
+              <a:t> та </a:t>
+            </a:r>
+            <a:r>
+              <a:rPr lang="ru-RU" b="0" dirty="0" err="1"/>
+              <a:t>ефективну</a:t>
+            </a:r>
+            <a:r>
+              <a:rPr lang="ru-RU" b="0" dirty="0"/>
+              <a:t> </a:t>
+            </a:r>
+            <a:r>
+              <a:rPr lang="ru-RU" b="0" dirty="0" err="1"/>
+              <a:t>комунікацію</a:t>
+            </a:r>
+            <a:r>
+              <a:rPr lang="ru-RU" b="0" dirty="0"/>
+              <a:t> </a:t>
+            </a:r>
+            <a:r>
+              <a:rPr lang="ru-RU" b="0" dirty="0" err="1"/>
+              <a:t>між</a:t>
+            </a:r>
+            <a:r>
+              <a:rPr lang="ru-RU" b="0" dirty="0"/>
+              <a:t> </a:t>
+            </a:r>
+            <a:r>
+              <a:rPr lang="ru-RU" b="0" dirty="0" err="1"/>
+              <a:t>виконавцями</a:t>
+            </a:r>
+            <a:r>
+              <a:rPr lang="ru-RU" b="0" dirty="0"/>
+              <a:t> та </a:t>
+            </a:r>
+            <a:r>
+              <a:rPr lang="ru-RU" b="0" dirty="0" err="1"/>
+              <a:t>замовниками</a:t>
+            </a:r>
+            <a:r>
+              <a:rPr lang="ru-RU" b="0" dirty="0"/>
+              <a:t>.</a:t>
+            </a:r>
+            <a:endParaRPr lang="ru-RU" b="0" dirty="0"/>
+          </a:p>
+        </p:txBody>
+      </p:sp>
+    </p:spTree>
+    <p:extLst>
+      <p:ext uri="{BB962C8B-B14F-4D97-AF65-F5344CB8AC3E}">
+        <p14:creationId xmlns:p14="http://schemas.microsoft.com/office/powerpoint/2010/main" val="413169116"/>
+      </p:ext>
+    </p:extLst>
+  </p:cSld>
+  <p:clrMapOvr>
+    <a:masterClrMapping/>
+  </p:clrMapOvr>
+</p:sld>
+</file>
+
+<file path=ppt/slides/slide4.xml><?xml version="1.0" encoding="utf-8"?>
+<p:sld xmlns:a="http://schemas.openxmlformats.org/drawingml/2006/main" xmlns:r="http://schemas.openxmlformats.org/officeDocument/2006/relationships" xmlns:p="http://schemas.openxmlformats.org/presentationml/2006/main">
+  <p:cSld>
+    <p:spTree>
+      <p:nvGrpSpPr>
+        <p:cNvPr id="1" name=""/>
+        <p:cNvGrpSpPr/>
+        <p:nvPr/>
+      </p:nvGrpSpPr>
+      <p:grpSpPr>
+        <a:xfrm>
+          <a:off x="0" y="0"/>
+          <a:ext cx="0" cy="0"/>
+          <a:chOff x="0" y="0"/>
+          <a:chExt cx="0" cy="0"/>
+        </a:xfrm>
+      </p:grpSpPr>
+      <p:sp>
+        <p:nvSpPr>
+          <p:cNvPr id="2" name="Заголовок 1"/>
+          <p:cNvSpPr>
+            <a:spLocks noGrp="1"/>
+          </p:cNvSpPr>
+          <p:nvPr>
+            <p:ph type="title"/>
+          </p:nvPr>
+        </p:nvSpPr>
+        <p:spPr/>
+        <p:txBody>
+          <a:bodyPr/>
+          <a:lstStyle/>
+          <a:p>
+            <a:r>
+              <a:rPr lang="ru-RU" b="1" dirty="0" err="1" smtClean="0"/>
+              <a:t>Завдання</a:t>
+            </a:r>
+            <a:r>
+              <a:rPr lang="ru-RU" b="1" dirty="0" smtClean="0"/>
+              <a:t> </a:t>
+            </a:r>
+            <a:r>
+              <a:rPr lang="ru-RU" b="1" dirty="0" err="1" smtClean="0"/>
+              <a:t>розробки</a:t>
+            </a:r>
+            <a:endParaRPr lang="ru-RU" dirty="0"/>
+          </a:p>
+        </p:txBody>
+      </p:sp>
+      <p:sp>
+        <p:nvSpPr>
+          <p:cNvPr id="3" name="Текст 2"/>
+          <p:cNvSpPr>
+            <a:spLocks noGrp="1"/>
+          </p:cNvSpPr>
+          <p:nvPr>
+            <p:ph type="body" sz="quarter" idx="10"/>
+          </p:nvPr>
+        </p:nvSpPr>
+        <p:spPr/>
+        <p:txBody>
+          <a:bodyPr/>
+          <a:lstStyle/>
+          <a:p>
+            <a:pPr lvl="0"/>
+            <a:r>
+              <a:rPr lang="ru-RU" sz="2400" dirty="0"/>
+              <a:t>Провести </a:t>
+            </a:r>
+            <a:r>
+              <a:rPr lang="ru-RU" sz="2400" dirty="0" err="1"/>
+              <a:t>аналіз</a:t>
+            </a:r>
+            <a:r>
+              <a:rPr lang="ru-RU" sz="2400" dirty="0"/>
+              <a:t> </a:t>
+            </a:r>
+            <a:r>
+              <a:rPr lang="ru-RU" sz="2400" dirty="0" err="1"/>
+              <a:t>аналогів</a:t>
+            </a:r>
+            <a:r>
+              <a:rPr lang="ru-RU" sz="2400" dirty="0"/>
+              <a:t> </a:t>
+            </a:r>
+            <a:r>
+              <a:rPr lang="ru-RU" sz="2400" dirty="0" err="1"/>
+              <a:t>платформи</a:t>
+            </a:r>
+            <a:r>
+              <a:rPr lang="ru-RU" sz="2400" dirty="0"/>
+              <a:t>, </a:t>
+            </a:r>
+            <a:r>
+              <a:rPr lang="ru-RU" sz="2400" dirty="0" err="1"/>
+              <a:t>дослідити</a:t>
+            </a:r>
+            <a:r>
+              <a:rPr lang="ru-RU" sz="2400" dirty="0"/>
+              <a:t> </a:t>
+            </a:r>
+            <a:r>
+              <a:rPr lang="ru-RU" sz="2400" dirty="0" err="1"/>
+              <a:t>існуючі</a:t>
+            </a:r>
+            <a:r>
+              <a:rPr lang="ru-RU" sz="2400" dirty="0"/>
+              <a:t> </a:t>
+            </a:r>
+            <a:r>
+              <a:rPr lang="ru-RU" sz="2400" dirty="0" err="1"/>
+              <a:t>рішення</a:t>
+            </a:r>
+            <a:r>
+              <a:rPr lang="ru-RU" sz="2400" dirty="0"/>
+              <a:t>, </a:t>
+            </a:r>
+            <a:r>
+              <a:rPr lang="ru-RU" sz="2400" dirty="0" err="1"/>
+              <a:t>їх</a:t>
+            </a:r>
+            <a:r>
+              <a:rPr lang="ru-RU" sz="2400" dirty="0"/>
+              <a:t> </a:t>
+            </a:r>
+            <a:r>
+              <a:rPr lang="ru-RU" sz="2400" dirty="0" err="1"/>
+              <a:t>функціональність</a:t>
+            </a:r>
+            <a:r>
+              <a:rPr lang="ru-RU" sz="2400" dirty="0"/>
+              <a:t>, </a:t>
+            </a:r>
+            <a:r>
+              <a:rPr lang="ru-RU" sz="2400" dirty="0" err="1"/>
+              <a:t>переваги</a:t>
+            </a:r>
+            <a:r>
+              <a:rPr lang="ru-RU" sz="2400" dirty="0"/>
+              <a:t> та </a:t>
+            </a:r>
+            <a:r>
+              <a:rPr lang="ru-RU" sz="2400" dirty="0" err="1"/>
+              <a:t>недоліки</a:t>
+            </a:r>
+            <a:r>
+              <a:rPr lang="ru-RU" sz="2400" dirty="0"/>
+              <a:t>.</a:t>
+            </a:r>
+          </a:p>
+          <a:p>
+            <a:pPr lvl="0"/>
+            <a:r>
+              <a:rPr lang="ru-RU" sz="2400" dirty="0" err="1"/>
+              <a:t>Здійснити</a:t>
+            </a:r>
+            <a:r>
+              <a:rPr lang="ru-RU" sz="2400" dirty="0"/>
+              <a:t> </a:t>
+            </a:r>
+            <a:r>
+              <a:rPr lang="ru-RU" sz="2400" dirty="0" err="1"/>
+              <a:t>вибір</a:t>
+            </a:r>
+            <a:r>
+              <a:rPr lang="ru-RU" sz="2400" dirty="0"/>
+              <a:t> </a:t>
+            </a:r>
+            <a:r>
+              <a:rPr lang="ru-RU" sz="2400" dirty="0" err="1"/>
+              <a:t>засобів</a:t>
+            </a:r>
+            <a:r>
+              <a:rPr lang="ru-RU" sz="2400" dirty="0"/>
+              <a:t> </a:t>
+            </a:r>
+            <a:r>
+              <a:rPr lang="ru-RU" sz="2400" dirty="0" err="1"/>
+              <a:t>проектування</a:t>
+            </a:r>
+            <a:r>
+              <a:rPr lang="ru-RU" sz="2400" dirty="0"/>
+              <a:t>, </a:t>
+            </a:r>
+            <a:r>
+              <a:rPr lang="ru-RU" sz="2400" dirty="0" err="1"/>
+              <a:t>ретельно</a:t>
+            </a:r>
+            <a:r>
+              <a:rPr lang="ru-RU" sz="2400" dirty="0"/>
+              <a:t> </a:t>
+            </a:r>
+            <a:r>
+              <a:rPr lang="ru-RU" sz="2400" dirty="0" err="1"/>
+              <a:t>оцінюючи</a:t>
+            </a:r>
+            <a:r>
+              <a:rPr lang="ru-RU" sz="2400" dirty="0"/>
+              <a:t> </a:t>
+            </a:r>
+            <a:r>
+              <a:rPr lang="ru-RU" sz="2400" dirty="0" err="1"/>
+              <a:t>доступні</a:t>
+            </a:r>
+            <a:r>
+              <a:rPr lang="ru-RU" sz="2400" dirty="0"/>
+              <a:t> </a:t>
+            </a:r>
+            <a:r>
+              <a:rPr lang="ru-RU" sz="2400" dirty="0" err="1"/>
+              <a:t>інструменти</a:t>
+            </a:r>
+            <a:r>
+              <a:rPr lang="ru-RU" sz="2400" dirty="0"/>
+              <a:t> та </a:t>
+            </a:r>
+            <a:r>
+              <a:rPr lang="ru-RU" sz="2400" dirty="0" err="1"/>
+              <a:t>технології</a:t>
+            </a:r>
+            <a:r>
+              <a:rPr lang="ru-RU" sz="2400" dirty="0"/>
+              <a:t>.</a:t>
+            </a:r>
+          </a:p>
+          <a:p>
+            <a:pPr lvl="0"/>
+            <a:r>
+              <a:rPr lang="ru-RU" sz="2400" dirty="0" err="1"/>
+              <a:t>Розробити</a:t>
+            </a:r>
+            <a:r>
+              <a:rPr lang="ru-RU" sz="2400" dirty="0"/>
+              <a:t> платформу з </a:t>
+            </a:r>
+            <a:r>
+              <a:rPr lang="ru-RU" sz="2400" dirty="0" err="1"/>
+              <a:t>використанням</a:t>
+            </a:r>
+            <a:r>
+              <a:rPr lang="ru-RU" sz="2400" dirty="0"/>
+              <a:t> </a:t>
+            </a:r>
+            <a:r>
+              <a:rPr lang="ru-RU" sz="2400" dirty="0" err="1"/>
+              <a:t>вибраних</a:t>
+            </a:r>
+            <a:r>
+              <a:rPr lang="ru-RU" sz="2400" dirty="0"/>
+              <a:t> </a:t>
+            </a:r>
+            <a:r>
+              <a:rPr lang="ru-RU" sz="2400" dirty="0" err="1"/>
+              <a:t>засобів</a:t>
+            </a:r>
+            <a:r>
+              <a:rPr lang="ru-RU" sz="2400" dirty="0"/>
+              <a:t>, </a:t>
+            </a:r>
+            <a:r>
+              <a:rPr lang="ru-RU" sz="2400" dirty="0" err="1"/>
+              <a:t>створити</a:t>
+            </a:r>
+            <a:r>
+              <a:rPr lang="ru-RU" sz="2400" dirty="0"/>
+              <a:t> </a:t>
+            </a:r>
+            <a:r>
+              <a:rPr lang="ru-RU" sz="2400" dirty="0" err="1"/>
+              <a:t>архітектуру</a:t>
+            </a:r>
+            <a:r>
+              <a:rPr lang="ru-RU" sz="2400" dirty="0"/>
+              <a:t> та </a:t>
+            </a:r>
+            <a:r>
+              <a:rPr lang="ru-RU" sz="2400" dirty="0" err="1"/>
+              <a:t>основні</a:t>
+            </a:r>
+            <a:r>
+              <a:rPr lang="ru-RU" sz="2400" dirty="0"/>
+              <a:t> </a:t>
+            </a:r>
+            <a:r>
+              <a:rPr lang="ru-RU" sz="2400" dirty="0" err="1"/>
+              <a:t>компоненти</a:t>
+            </a:r>
+            <a:r>
+              <a:rPr lang="ru-RU" sz="2400" dirty="0"/>
+              <a:t> </a:t>
+            </a:r>
+            <a:r>
+              <a:rPr lang="ru-RU" sz="2400" dirty="0" err="1"/>
+              <a:t>системи</a:t>
+            </a:r>
+            <a:r>
+              <a:rPr lang="ru-RU" sz="2400" dirty="0"/>
+              <a:t>, </a:t>
+            </a:r>
+            <a:r>
+              <a:rPr lang="ru-RU" sz="2400" dirty="0" err="1"/>
+              <a:t>інтегрувати</a:t>
+            </a:r>
+            <a:r>
+              <a:rPr lang="ru-RU" sz="2400" dirty="0"/>
+              <a:t> </a:t>
+            </a:r>
+            <a:r>
+              <a:rPr lang="ru-RU" sz="2400" dirty="0" err="1"/>
+              <a:t>всі</a:t>
+            </a:r>
+            <a:r>
+              <a:rPr lang="ru-RU" sz="2400" dirty="0"/>
+              <a:t> </a:t>
+            </a:r>
+            <a:r>
+              <a:rPr lang="ru-RU" sz="2400" dirty="0" err="1"/>
+              <a:t>необхідні</a:t>
+            </a:r>
+            <a:r>
+              <a:rPr lang="ru-RU" sz="2400" dirty="0"/>
+              <a:t> </a:t>
+            </a:r>
+            <a:r>
+              <a:rPr lang="ru-RU" sz="2400" dirty="0" err="1"/>
+              <a:t>функції</a:t>
+            </a:r>
+            <a:r>
+              <a:rPr lang="ru-RU" sz="2400" dirty="0"/>
+              <a:t> та </a:t>
+            </a:r>
+            <a:r>
+              <a:rPr lang="ru-RU" sz="2400" dirty="0" err="1"/>
+              <a:t>модулі</a:t>
+            </a:r>
+            <a:r>
+              <a:rPr lang="ru-RU" sz="2400" dirty="0"/>
+              <a:t> для </a:t>
+            </a:r>
+            <a:r>
+              <a:rPr lang="ru-RU" sz="2400" dirty="0" err="1"/>
+              <a:t>забезпечення</a:t>
+            </a:r>
+            <a:r>
+              <a:rPr lang="ru-RU" sz="2400" dirty="0"/>
+              <a:t> </a:t>
+            </a:r>
+            <a:r>
+              <a:rPr lang="ru-RU" sz="2400" dirty="0" err="1"/>
+              <a:t>повної</a:t>
+            </a:r>
+            <a:r>
+              <a:rPr lang="ru-RU" sz="2400" dirty="0"/>
+              <a:t> </a:t>
+            </a:r>
+            <a:r>
+              <a:rPr lang="ru-RU" sz="2400" dirty="0" err="1"/>
+              <a:t>працездатності</a:t>
+            </a:r>
+            <a:r>
+              <a:rPr lang="ru-RU" sz="2400" dirty="0"/>
+              <a:t> </a:t>
+            </a:r>
+            <a:r>
+              <a:rPr lang="ru-RU" sz="2400" dirty="0" err="1"/>
+              <a:t>платформи</a:t>
+            </a:r>
+            <a:r>
+              <a:rPr lang="ru-RU" sz="2400" dirty="0"/>
+              <a:t>.</a:t>
+            </a:r>
+          </a:p>
+          <a:p>
+            <a:pPr lvl="0"/>
+            <a:r>
+              <a:rPr lang="ru-RU" sz="2400" dirty="0"/>
+              <a:t>Провести </a:t>
+            </a:r>
+            <a:r>
+              <a:rPr lang="ru-RU" sz="2400" dirty="0" err="1"/>
+              <a:t>тестування</a:t>
+            </a:r>
+            <a:r>
+              <a:rPr lang="ru-RU" sz="2400" dirty="0"/>
+              <a:t> </a:t>
+            </a:r>
+            <a:r>
+              <a:rPr lang="ru-RU" sz="2400" dirty="0" err="1"/>
+              <a:t>платформи</a:t>
+            </a:r>
+            <a:r>
+              <a:rPr lang="ru-RU" sz="2400" dirty="0"/>
+              <a:t> </a:t>
+            </a:r>
+            <a:r>
+              <a:rPr lang="ru-RU" sz="2400" dirty="0" err="1"/>
+              <a:t>декількома</a:t>
+            </a:r>
+            <a:r>
+              <a:rPr lang="ru-RU" sz="2400" dirty="0"/>
+              <a:t> </a:t>
+            </a:r>
+            <a:r>
+              <a:rPr lang="ru-RU" sz="2400" dirty="0" smtClean="0"/>
+              <a:t>методиками </a:t>
+            </a:r>
+            <a:r>
+              <a:rPr lang="ru-RU" sz="2400" dirty="0"/>
+              <a:t>для </a:t>
+            </a:r>
+            <a:r>
+              <a:rPr lang="ru-RU" sz="2400" dirty="0" err="1"/>
+              <a:t>зменшення</a:t>
+            </a:r>
+            <a:r>
+              <a:rPr lang="ru-RU" sz="2400" dirty="0"/>
+              <a:t> </a:t>
+            </a:r>
+            <a:r>
+              <a:rPr lang="ru-RU" sz="2400" dirty="0" err="1"/>
+              <a:t>ймовірності</a:t>
+            </a:r>
+            <a:r>
+              <a:rPr lang="ru-RU" sz="2400" dirty="0"/>
+              <a:t> багу </a:t>
+            </a:r>
+            <a:r>
+              <a:rPr lang="ru-RU" sz="2400" dirty="0" err="1"/>
+              <a:t>чи</a:t>
+            </a:r>
+            <a:r>
+              <a:rPr lang="ru-RU" sz="2400" dirty="0"/>
+              <a:t> </a:t>
+            </a:r>
+            <a:r>
+              <a:rPr lang="ru-RU" sz="2400" dirty="0" err="1"/>
+              <a:t>помилки</a:t>
+            </a:r>
+            <a:r>
+              <a:rPr lang="ru-RU" sz="2400" dirty="0" smtClean="0"/>
+              <a:t>.</a:t>
+            </a:r>
+            <a:endParaRPr lang="ru-RU" sz="2400" dirty="0"/>
+          </a:p>
+        </p:txBody>
+      </p:sp>
+    </p:spTree>
+    <p:extLst>
+      <p:ext uri="{BB962C8B-B14F-4D97-AF65-F5344CB8AC3E}">
+        <p14:creationId xmlns:p14="http://schemas.microsoft.com/office/powerpoint/2010/main" val="1694881649"/>
+      </p:ext>
+    </p:extLst>
+  </p:cSld>
+  <p:clrMapOvr>
+    <a:masterClrMapping/>
+  </p:clrMapOvr>
+</p:sld>
+</file>
+
+<file path=ppt/slides/slide5.xml><?xml version="1.0" encoding="utf-8"?>
+<p:sld xmlns:a="http://schemas.openxmlformats.org/drawingml/2006/main" xmlns:r="http://schemas.openxmlformats.org/officeDocument/2006/relationships" xmlns:p="http://schemas.openxmlformats.org/presentationml/2006/main">
+  <p:cSld>
+    <p:spTree>
+      <p:nvGrpSpPr>
+        <p:cNvPr id="1" name=""/>
+        <p:cNvGrpSpPr/>
+        <p:nvPr/>
+      </p:nvGrpSpPr>
+      <p:grpSpPr>
+        <a:xfrm>
+          <a:off x="0" y="0"/>
+          <a:ext cx="0" cy="0"/>
+          <a:chOff x="0" y="0"/>
+          <a:chExt cx="0" cy="0"/>
+        </a:xfrm>
+      </p:grpSpPr>
+      <p:sp>
+        <p:nvSpPr>
+          <p:cNvPr id="2" name="Заголовок 1"/>
+          <p:cNvSpPr>
+            <a:spLocks noGrp="1"/>
+          </p:cNvSpPr>
+          <p:nvPr>
+            <p:ph type="title"/>
+          </p:nvPr>
+        </p:nvSpPr>
+        <p:spPr/>
+        <p:txBody>
+          <a:bodyPr/>
+          <a:lstStyle/>
+          <a:p>
+            <a:r>
+              <a:rPr lang="ru-RU" dirty="0" smtClean="0"/>
+              <a:t>Об</a:t>
+            </a:r>
+            <a:r>
+              <a:rPr lang="en-US" dirty="0" smtClean="0"/>
+              <a:t>’</a:t>
+            </a:r>
+            <a:r>
+              <a:rPr lang="ru-RU" dirty="0" err="1" smtClean="0"/>
+              <a:t>єкт</a:t>
+            </a:r>
+            <a:r>
+              <a:rPr lang="ru-RU" dirty="0" smtClean="0"/>
+              <a:t> та предмет </a:t>
+            </a:r>
+            <a:r>
+              <a:rPr lang="ru-RU" dirty="0" err="1" smtClean="0"/>
+              <a:t>дослідження</a:t>
+            </a:r>
+            <a:endParaRPr lang="ru-RU" dirty="0"/>
+          </a:p>
+        </p:txBody>
+      </p:sp>
+      <p:sp>
+        <p:nvSpPr>
+          <p:cNvPr id="3" name="Текст 2"/>
+          <p:cNvSpPr>
+            <a:spLocks noGrp="1"/>
+          </p:cNvSpPr>
+          <p:nvPr>
+            <p:ph type="body" sz="quarter" idx="10"/>
+          </p:nvPr>
+        </p:nvSpPr>
+        <p:spPr/>
+        <p:txBody>
+          <a:bodyPr/>
+          <a:lstStyle/>
+          <a:p>
+            <a:r>
+              <a:rPr lang="ru-RU" sz="2800" dirty="0" err="1"/>
+              <a:t>Об’єктом</a:t>
+            </a:r>
+            <a:r>
+              <a:rPr lang="ru-RU" sz="2800" dirty="0"/>
+              <a:t> </a:t>
+            </a:r>
+            <a:r>
+              <a:rPr lang="ru-RU" sz="2800" dirty="0" err="1"/>
+              <a:t>дослідження</a:t>
+            </a:r>
+            <a:r>
+              <a:rPr lang="ru-RU" sz="2800" dirty="0"/>
+              <a:t> </a:t>
+            </a:r>
+            <a:r>
+              <a:rPr lang="ru-RU" sz="2800" b="0" dirty="0"/>
+              <a:t>є платформа для </a:t>
+            </a:r>
+            <a:r>
+              <a:rPr lang="ru-RU" sz="2800" b="0" dirty="0" err="1"/>
+              <a:t>виконання</a:t>
+            </a:r>
+            <a:r>
+              <a:rPr lang="ru-RU" sz="2800" b="0" dirty="0"/>
+              <a:t> </a:t>
+            </a:r>
+            <a:r>
+              <a:rPr lang="ru-RU" sz="2800" b="0" dirty="0" err="1"/>
+              <a:t>завдань</a:t>
+            </a:r>
+            <a:r>
+              <a:rPr lang="ru-RU" sz="2800" b="0" dirty="0"/>
+              <a:t> за </a:t>
+            </a:r>
+            <a:r>
+              <a:rPr lang="ru-RU" sz="2800" b="0" dirty="0" err="1"/>
+              <a:t>винагороду</a:t>
+            </a:r>
+            <a:r>
+              <a:rPr lang="ru-RU" sz="2800" b="0" dirty="0"/>
+              <a:t>, яка </a:t>
+            </a:r>
+            <a:r>
+              <a:rPr lang="ru-RU" sz="2800" b="0" dirty="0" err="1"/>
+              <a:t>включає</a:t>
+            </a:r>
+            <a:r>
+              <a:rPr lang="ru-RU" sz="2800" b="0" dirty="0"/>
+              <a:t> </a:t>
+            </a:r>
+            <a:r>
+              <a:rPr lang="ru-RU" sz="2800" b="0" dirty="0" err="1"/>
+              <a:t>різноманітні</a:t>
+            </a:r>
+            <a:r>
+              <a:rPr lang="ru-RU" sz="2800" b="0" dirty="0"/>
+              <a:t> </a:t>
+            </a:r>
+            <a:r>
+              <a:rPr lang="ru-RU" sz="2800" b="0" dirty="0" err="1"/>
+              <a:t>функції</a:t>
+            </a:r>
+            <a:r>
+              <a:rPr lang="ru-RU" sz="2800" b="0" dirty="0"/>
+              <a:t>, </a:t>
+            </a:r>
+            <a:r>
+              <a:rPr lang="ru-RU" sz="2800" b="0" dirty="0" err="1"/>
+              <a:t>такі</a:t>
+            </a:r>
+            <a:r>
+              <a:rPr lang="ru-RU" sz="2800" b="0" dirty="0"/>
+              <a:t> як </a:t>
+            </a:r>
+            <a:r>
+              <a:rPr lang="ru-RU" sz="2800" b="0" dirty="0" err="1"/>
+              <a:t>створення</a:t>
+            </a:r>
+            <a:r>
+              <a:rPr lang="ru-RU" sz="2800" b="0" dirty="0"/>
+              <a:t> </a:t>
+            </a:r>
+            <a:r>
+              <a:rPr lang="ru-RU" sz="2800" b="0" dirty="0" err="1"/>
+              <a:t>завдань</a:t>
+            </a:r>
+            <a:r>
+              <a:rPr lang="ru-RU" sz="2800" b="0" dirty="0"/>
+              <a:t>, </a:t>
+            </a:r>
+            <a:r>
+              <a:rPr lang="ru-RU" sz="2800" b="0" dirty="0" err="1"/>
+              <a:t>прийняття</a:t>
+            </a:r>
+            <a:r>
+              <a:rPr lang="ru-RU" sz="2800" b="0" dirty="0"/>
+              <a:t> до </a:t>
+            </a:r>
+            <a:r>
+              <a:rPr lang="ru-RU" sz="2800" b="0" dirty="0" err="1"/>
+              <a:t>виконання</a:t>
+            </a:r>
+            <a:r>
+              <a:rPr lang="ru-RU" sz="2800" b="0" dirty="0"/>
+              <a:t>, </a:t>
+            </a:r>
+            <a:r>
+              <a:rPr lang="ru-RU" sz="2800" b="0" dirty="0" err="1"/>
+              <a:t>обговорення</a:t>
+            </a:r>
+            <a:r>
+              <a:rPr lang="ru-RU" sz="2800" b="0" dirty="0"/>
+              <a:t> умов, </a:t>
+            </a:r>
+            <a:r>
+              <a:rPr lang="ru-RU" sz="2800" b="0" dirty="0" err="1"/>
+              <a:t>вирішення</a:t>
+            </a:r>
+            <a:r>
+              <a:rPr lang="ru-RU" sz="2800" b="0" dirty="0"/>
+              <a:t> </a:t>
+            </a:r>
+            <a:r>
+              <a:rPr lang="ru-RU" sz="2800" b="0" dirty="0" err="1"/>
+              <a:t>конфліктів</a:t>
+            </a:r>
+            <a:r>
+              <a:rPr lang="ru-RU" sz="2800" b="0" dirty="0"/>
+              <a:t> та </a:t>
+            </a:r>
+            <a:r>
+              <a:rPr lang="ru-RU" sz="2800" b="0" dirty="0" err="1"/>
+              <a:t>проведення</a:t>
+            </a:r>
+            <a:r>
+              <a:rPr lang="ru-RU" sz="2800" b="0" dirty="0"/>
+              <a:t> </a:t>
+            </a:r>
+            <a:r>
+              <a:rPr lang="ru-RU" sz="2800" b="0" dirty="0" err="1"/>
+              <a:t>фінансових</a:t>
+            </a:r>
+            <a:r>
+              <a:rPr lang="ru-RU" sz="2800" b="0" dirty="0"/>
+              <a:t> </a:t>
+            </a:r>
+            <a:r>
+              <a:rPr lang="ru-RU" sz="2800" b="0" dirty="0" err="1"/>
+              <a:t>транзакцій</a:t>
+            </a:r>
+            <a:r>
+              <a:rPr lang="ru-RU" sz="2800" b="0" dirty="0" smtClean="0"/>
+              <a:t>.</a:t>
+            </a:r>
+          </a:p>
+          <a:p>
+            <a:r>
+              <a:rPr lang="ru-RU" sz="2800" dirty="0"/>
+              <a:t>Предметом </a:t>
+            </a:r>
+            <a:r>
+              <a:rPr lang="ru-RU" sz="2800" dirty="0" err="1"/>
+              <a:t>дослідження</a:t>
+            </a:r>
+            <a:r>
+              <a:rPr lang="ru-RU" sz="2800" dirty="0"/>
+              <a:t> </a:t>
+            </a:r>
+            <a:r>
+              <a:rPr lang="ru-RU" sz="2800" b="0" dirty="0"/>
+              <a:t>є </a:t>
+            </a:r>
+            <a:r>
+              <a:rPr lang="ru-RU" sz="2800" b="0" dirty="0" err="1"/>
+              <a:t>алгоритми</a:t>
+            </a:r>
+            <a:r>
+              <a:rPr lang="ru-RU" sz="2800" b="0" dirty="0"/>
+              <a:t> та </a:t>
+            </a:r>
+            <a:r>
+              <a:rPr lang="ru-RU" sz="2800" b="0" dirty="0" err="1"/>
+              <a:t>методи</a:t>
+            </a:r>
+            <a:r>
+              <a:rPr lang="ru-RU" sz="2800" b="0" dirty="0"/>
+              <a:t>, </a:t>
+            </a:r>
+            <a:r>
+              <a:rPr lang="ru-RU" sz="2800" b="0" dirty="0" err="1"/>
+              <a:t>що</a:t>
+            </a:r>
+            <a:r>
+              <a:rPr lang="ru-RU" sz="2800" b="0" dirty="0"/>
+              <a:t> </a:t>
+            </a:r>
+            <a:r>
+              <a:rPr lang="ru-RU" sz="2800" b="0" dirty="0" err="1"/>
+              <a:t>забезпечують</a:t>
+            </a:r>
+            <a:r>
+              <a:rPr lang="ru-RU" sz="2800" b="0" dirty="0"/>
+              <a:t> </a:t>
+            </a:r>
+            <a:r>
+              <a:rPr lang="ru-RU" sz="2800" b="0" dirty="0" err="1"/>
+              <a:t>ефективну</a:t>
+            </a:r>
+            <a:r>
+              <a:rPr lang="ru-RU" sz="2800" b="0" dirty="0"/>
+              <a:t> роботу </a:t>
+            </a:r>
+            <a:r>
+              <a:rPr lang="ru-RU" sz="2800" b="0" dirty="0" err="1"/>
+              <a:t>платформи</a:t>
+            </a:r>
+            <a:r>
+              <a:rPr lang="ru-RU" sz="2800" b="0" dirty="0"/>
+              <a:t>, а </a:t>
+            </a:r>
+            <a:r>
+              <a:rPr lang="ru-RU" sz="2800" b="0" dirty="0" err="1"/>
+              <a:t>також</a:t>
+            </a:r>
+            <a:r>
+              <a:rPr lang="ru-RU" sz="2800" b="0" dirty="0"/>
+              <a:t> </a:t>
+            </a:r>
+            <a:r>
+              <a:rPr lang="ru-RU" sz="2800" b="0" dirty="0" err="1"/>
+              <a:t>взаємодія</a:t>
+            </a:r>
+            <a:r>
+              <a:rPr lang="ru-RU" sz="2800" b="0" dirty="0"/>
+              <a:t> </a:t>
+            </a:r>
+            <a:r>
+              <a:rPr lang="ru-RU" sz="2800" b="0" dirty="0" err="1"/>
+              <a:t>між</a:t>
+            </a:r>
+            <a:r>
+              <a:rPr lang="ru-RU" sz="2800" b="0" dirty="0"/>
+              <a:t> </a:t>
+            </a:r>
+            <a:r>
+              <a:rPr lang="ru-RU" sz="2800" b="0" dirty="0" err="1"/>
+              <a:t>користувачами</a:t>
+            </a:r>
+            <a:r>
+              <a:rPr lang="ru-RU" sz="2800" b="0" dirty="0"/>
+              <a:t> </a:t>
+            </a:r>
+            <a:r>
+              <a:rPr lang="ru-RU" sz="2800" b="0" dirty="0" err="1"/>
+              <a:t>під</a:t>
+            </a:r>
+            <a:r>
+              <a:rPr lang="ru-RU" sz="2800" b="0" dirty="0"/>
+              <a:t> час </a:t>
+            </a:r>
+            <a:r>
+              <a:rPr lang="ru-RU" sz="2800" b="0" dirty="0" err="1"/>
+              <a:t>створення</a:t>
+            </a:r>
+            <a:r>
+              <a:rPr lang="ru-RU" sz="2800" b="0" dirty="0"/>
+              <a:t>, </a:t>
+            </a:r>
+            <a:r>
+              <a:rPr lang="ru-RU" sz="2800" b="0" dirty="0" err="1"/>
+              <a:t>виконання</a:t>
+            </a:r>
+            <a:r>
+              <a:rPr lang="ru-RU" sz="2800" b="0" dirty="0"/>
+              <a:t> та оплати </a:t>
+            </a:r>
+            <a:r>
+              <a:rPr lang="ru-RU" sz="2800" b="0" dirty="0" err="1"/>
+              <a:t>завдань</a:t>
+            </a:r>
+            <a:r>
+              <a:rPr lang="ru-RU" sz="2800" b="0" dirty="0"/>
+              <a:t>.</a:t>
+            </a:r>
+            <a:endParaRPr lang="ru-RU" sz="2800" b="0" dirty="0" smtClean="0"/>
+          </a:p>
+          <a:p>
+            <a:endParaRPr lang="ru-RU" dirty="0"/>
+          </a:p>
+        </p:txBody>
+      </p:sp>
+    </p:spTree>
+    <p:extLst>
+      <p:ext uri="{BB962C8B-B14F-4D97-AF65-F5344CB8AC3E}">
+        <p14:creationId xmlns:p14="http://schemas.microsoft.com/office/powerpoint/2010/main" val="935938911"/>
+      </p:ext>
+    </p:extLst>
+  </p:cSld>
+  <p:clrMapOvr>
+    <a:masterClrMapping/>
+  </p:clrMapOvr>
+</p:sld>
+</file>
+
+<file path=ppt/slides/slide6.xml><?xml version="1.0" encoding="utf-8"?>
+<p:sld xmlns:a="http://schemas.openxmlformats.org/drawingml/2006/main" xmlns:r="http://schemas.openxmlformats.org/officeDocument/2006/relationships" xmlns:p="http://schemas.openxmlformats.org/presentationml/2006/main">
+  <p:cSld>
+    <p:spTree>
+      <p:nvGrpSpPr>
+        <p:cNvPr id="1" name=""/>
+        <p:cNvGrpSpPr/>
+        <p:nvPr/>
+      </p:nvGrpSpPr>
+      <p:grpSpPr>
+        <a:xfrm>
+          <a:off x="0" y="0"/>
+          <a:ext cx="0" cy="0"/>
+          <a:chOff x="0" y="0"/>
+          <a:chExt cx="0" cy="0"/>
+        </a:xfrm>
+      </p:grpSpPr>
+      <p:sp>
+        <p:nvSpPr>
+          <p:cNvPr id="2" name="Заголовок 1"/>
+          <p:cNvSpPr>
+            <a:spLocks noGrp="1"/>
+          </p:cNvSpPr>
+          <p:nvPr>
+            <p:ph type="title"/>
+          </p:nvPr>
+        </p:nvSpPr>
+        <p:spPr/>
+        <p:txBody>
+          <a:bodyPr/>
+          <a:lstStyle/>
+          <a:p>
+            <a:r>
+              <a:rPr lang="ru-RU" dirty="0" err="1"/>
+              <a:t>Аналіз</a:t>
+            </a:r>
+            <a:r>
+              <a:rPr lang="ru-RU" dirty="0"/>
+              <a:t> </a:t>
+            </a:r>
+            <a:r>
+              <a:rPr lang="ru-RU" dirty="0" smtClean="0"/>
+              <a:t>аналогу </a:t>
+            </a:r>
+            <a:r>
+              <a:rPr lang="en-US" dirty="0" err="1"/>
+              <a:t>Upwork</a:t>
+            </a:r>
+            <a:r>
+              <a:rPr lang="en-US" dirty="0"/>
+              <a:t> </a:t>
+            </a:r>
+            <a:endParaRPr lang="ru-RU" dirty="0"/>
+          </a:p>
+        </p:txBody>
+      </p:sp>
+      <p:pic>
+        <p:nvPicPr>
+          <p:cNvPr id="2050" name="Рисунок 1" descr="Upwork Expands to Support Full-Time Hiring, Further Unlocking the World's  Work Marketplace for All | Upwork"/>
+          <p:cNvPicPr>
+            <a:picLocks noChangeAspect="1" noChangeArrowheads="1"/>
+          </p:cNvPicPr>
+          <p:nvPr/>
+        </p:nvPicPr>
+        <p:blipFill>
+          <a:blip r:embed="rId2">
+            <a:extLst>
+              <a:ext uri="{28A0092B-C50C-407E-A947-70E740481C1C}">
+                <a14:useLocalDpi xmlns:a14="http://schemas.microsoft.com/office/drawing/2010/main" val="0"/>
+              </a:ext>
+            </a:extLst>
+          </a:blip>
+          <a:srcRect/>
+          <a:stretch>
+            <a:fillRect/>
+          </a:stretch>
+        </p:blipFill>
+        <p:spPr bwMode="auto">
+          <a:xfrm>
+            <a:off x="5190066" y="1369536"/>
+            <a:ext cx="6773373" cy="4030133"/>
+          </a:xfrm>
+          <a:prstGeom prst="rect">
+            <a:avLst/>
+          </a:prstGeom>
+          <a:noFill/>
+          <a:ln>
+            <a:noFill/>
+          </a:ln>
+          <a:extLst>
+            <a:ext uri="{909E8E84-426E-40DD-AFC4-6F175D3DCCD1}">
+              <a14:hiddenFill xmlns:a14="http://schemas.microsoft.com/office/drawing/2010/main">
+                <a:solidFill>
+                  <a:srgbClr val="FFFFFF"/>
+                </a:solidFill>
+              </a14:hiddenFill>
+            </a:ext>
+            <a:ext uri="{91240B29-F687-4F45-9708-019B960494DF}">
+              <a14:hiddenLine xmlns:a14="http://schemas.microsoft.com/office/drawing/2010/main" w="9525">
+                <a:solidFill>
+                  <a:srgbClr val="000000"/>
+                </a:solidFill>
+                <a:miter lim="800000"/>
+                <a:headEnd/>
+                <a:tailEnd/>
+              </a14:hiddenLine>
+            </a:ext>
+          </a:extLst>
+        </p:spPr>
+      </p:pic>
+      <p:sp>
+        <p:nvSpPr>
+          <p:cNvPr id="4" name="Прямоугольник 3"/>
+          <p:cNvSpPr/>
+          <p:nvPr/>
+        </p:nvSpPr>
+        <p:spPr>
+          <a:xfrm>
+            <a:off x="237066" y="1217136"/>
+            <a:ext cx="4851401" cy="1754326"/>
+          </a:xfrm>
+          <a:prstGeom prst="rect">
+            <a:avLst/>
+          </a:prstGeom>
+        </p:spPr>
+        <p:txBody>
+          <a:bodyPr wrap="square">
+            <a:spAutoFit/>
+          </a:bodyPr>
+          <a:lstStyle/>
+          <a:p>
+            <a:r>
+              <a:rPr lang="en-US" b="1" dirty="0" err="1"/>
+              <a:t>Upwork</a:t>
+            </a:r>
+            <a:r>
+              <a:rPr lang="ru-RU" dirty="0"/>
+              <a:t> – </a:t>
+            </a:r>
+            <a:r>
+              <a:rPr lang="ru-RU" dirty="0" err="1"/>
+              <a:t>це</a:t>
+            </a:r>
+            <a:r>
+              <a:rPr lang="ru-RU" dirty="0"/>
+              <a:t> </a:t>
+            </a:r>
+            <a:r>
+              <a:rPr lang="ru-RU" dirty="0" err="1"/>
+              <a:t>додаток</a:t>
+            </a:r>
+            <a:r>
+              <a:rPr lang="ru-RU" dirty="0"/>
+              <a:t>, </a:t>
+            </a:r>
+            <a:r>
+              <a:rPr lang="ru-RU" dirty="0" err="1" smtClean="0"/>
+              <a:t>орієнтований</a:t>
+            </a:r>
+            <a:r>
+              <a:rPr lang="ru-RU" dirty="0" smtClean="0"/>
+              <a:t> </a:t>
+            </a:r>
+            <a:r>
+              <a:rPr lang="ru-RU" dirty="0"/>
+              <a:t>на </a:t>
+            </a:r>
+            <a:r>
+              <a:rPr lang="ru-RU" dirty="0" err="1" smtClean="0"/>
+              <a:t>фріланс</a:t>
+            </a:r>
+            <a:r>
+              <a:rPr lang="ru-RU" dirty="0" smtClean="0"/>
+              <a:t>, </a:t>
+            </a:r>
+            <a:r>
+              <a:rPr lang="ru-RU" dirty="0" err="1" smtClean="0"/>
+              <a:t>що</a:t>
+            </a:r>
+            <a:r>
+              <a:rPr lang="ru-RU" dirty="0" smtClean="0"/>
+              <a:t> </a:t>
+            </a:r>
+            <a:r>
+              <a:rPr lang="ru-RU" dirty="0" err="1" smtClean="0"/>
+              <a:t>надає</a:t>
+            </a:r>
+            <a:r>
+              <a:rPr lang="ru-RU" dirty="0" smtClean="0"/>
+              <a:t> </a:t>
+            </a:r>
+            <a:r>
+              <a:rPr lang="ru-RU" dirty="0" err="1"/>
+              <a:t>можливість</a:t>
+            </a:r>
+            <a:r>
+              <a:rPr lang="ru-RU" dirty="0"/>
+              <a:t> </a:t>
+            </a:r>
+            <a:r>
+              <a:rPr lang="ru-RU" dirty="0" err="1"/>
+              <a:t>замовникам</a:t>
+            </a:r>
+            <a:r>
+              <a:rPr lang="ru-RU" dirty="0"/>
+              <a:t> </a:t>
+            </a:r>
+            <a:r>
+              <a:rPr lang="ru-RU" dirty="0" err="1"/>
+              <a:t>шукати</a:t>
+            </a:r>
+            <a:r>
+              <a:rPr lang="ru-RU" dirty="0"/>
+              <a:t> </a:t>
+            </a:r>
+            <a:r>
+              <a:rPr lang="ru-RU" dirty="0" err="1"/>
+              <a:t>виконавців</a:t>
+            </a:r>
+            <a:r>
+              <a:rPr lang="ru-RU" dirty="0"/>
+              <a:t> для </a:t>
+            </a:r>
+            <a:r>
+              <a:rPr lang="ru-RU" dirty="0" err="1"/>
+              <a:t>виконання</a:t>
+            </a:r>
+            <a:r>
+              <a:rPr lang="ru-RU" dirty="0"/>
+              <a:t> </a:t>
+            </a:r>
+            <a:r>
+              <a:rPr lang="ru-RU" dirty="0" err="1"/>
+              <a:t>різноманітних</a:t>
+            </a:r>
+            <a:r>
+              <a:rPr lang="ru-RU" dirty="0"/>
+              <a:t> </a:t>
+            </a:r>
+            <a:r>
+              <a:rPr lang="ru-RU" dirty="0" err="1"/>
+              <a:t>завдань</a:t>
+            </a:r>
+            <a:r>
+              <a:rPr lang="ru-RU" dirty="0"/>
+              <a:t>, </a:t>
+            </a:r>
+            <a:r>
+              <a:rPr lang="ru-RU" dirty="0" err="1"/>
+              <a:t>починаючи</a:t>
+            </a:r>
+            <a:r>
+              <a:rPr lang="ru-RU" dirty="0"/>
+              <a:t> </a:t>
+            </a:r>
+            <a:r>
+              <a:rPr lang="ru-RU" dirty="0" err="1"/>
+              <a:t>від</a:t>
+            </a:r>
+            <a:r>
+              <a:rPr lang="ru-RU" dirty="0"/>
+              <a:t> </a:t>
+            </a:r>
+            <a:r>
+              <a:rPr lang="ru-RU" dirty="0" err="1"/>
+              <a:t>програмування</a:t>
+            </a:r>
+            <a:r>
+              <a:rPr lang="ru-RU" dirty="0"/>
+              <a:t> та дизайну до </a:t>
+            </a:r>
+            <a:r>
+              <a:rPr lang="ru-RU" dirty="0" err="1"/>
+              <a:t>письмових</a:t>
+            </a:r>
+            <a:r>
+              <a:rPr lang="ru-RU" dirty="0"/>
+              <a:t> </a:t>
+            </a:r>
+            <a:r>
+              <a:rPr lang="ru-RU" dirty="0" err="1"/>
+              <a:t>послуг</a:t>
+            </a:r>
+            <a:r>
+              <a:rPr lang="ru-RU" dirty="0"/>
+              <a:t> та перекладу</a:t>
+            </a:r>
+            <a:r>
+              <a:rPr lang="ru-RU" dirty="0" smtClean="0"/>
+              <a:t>. </a:t>
+            </a:r>
+            <a:endParaRPr lang="ru-RU" dirty="0"/>
+          </a:p>
+        </p:txBody>
+      </p:sp>
+      <p:sp>
+        <p:nvSpPr>
+          <p:cNvPr id="5" name="Прямоугольник 4"/>
+          <p:cNvSpPr/>
+          <p:nvPr/>
+        </p:nvSpPr>
+        <p:spPr>
+          <a:xfrm>
+            <a:off x="237066" y="3060469"/>
+            <a:ext cx="4804834" cy="923330"/>
+          </a:xfrm>
+          <a:prstGeom prst="rect">
+            <a:avLst/>
+          </a:prstGeom>
+        </p:spPr>
+        <p:txBody>
+          <a:bodyPr wrap="square">
+            <a:spAutoFit/>
+          </a:bodyPr>
+          <a:lstStyle/>
+          <a:p>
+            <a:r>
+              <a:rPr lang="ru-RU" dirty="0"/>
+              <a:t>Платформа </a:t>
+            </a:r>
+            <a:r>
+              <a:rPr lang="ru-RU" dirty="0" err="1"/>
+              <a:t>дозволяє</a:t>
+            </a:r>
+            <a:r>
+              <a:rPr lang="ru-RU" dirty="0"/>
+              <a:t> </a:t>
+            </a:r>
+            <a:r>
+              <a:rPr lang="ru-RU" dirty="0" err="1"/>
+              <a:t>створювати</a:t>
+            </a:r>
+            <a:r>
+              <a:rPr lang="ru-RU" dirty="0"/>
+              <a:t> </a:t>
+            </a:r>
+            <a:r>
+              <a:rPr lang="ru-RU" dirty="0" err="1"/>
+              <a:t>проекти</a:t>
+            </a:r>
+            <a:r>
+              <a:rPr lang="ru-RU" dirty="0"/>
+              <a:t>, </a:t>
+            </a:r>
+            <a:r>
+              <a:rPr lang="ru-RU" dirty="0" err="1"/>
+              <a:t>розміщувати</a:t>
+            </a:r>
+            <a:r>
+              <a:rPr lang="ru-RU" dirty="0"/>
+              <a:t> </a:t>
+            </a:r>
+            <a:r>
+              <a:rPr lang="ru-RU" dirty="0" err="1"/>
+              <a:t>завдання</a:t>
+            </a:r>
+            <a:r>
+              <a:rPr lang="ru-RU" dirty="0"/>
+              <a:t> та </a:t>
+            </a:r>
+            <a:r>
+              <a:rPr lang="ru-RU" dirty="0" err="1"/>
+              <a:t>взаємодіяти</a:t>
+            </a:r>
+            <a:r>
+              <a:rPr lang="ru-RU" dirty="0"/>
+              <a:t> з </a:t>
+            </a:r>
+            <a:r>
+              <a:rPr lang="ru-RU" dirty="0" err="1"/>
+              <a:t>фрілансерами</a:t>
+            </a:r>
+            <a:r>
+              <a:rPr lang="ru-RU" dirty="0"/>
+              <a:t> через </a:t>
+            </a:r>
+            <a:r>
+              <a:rPr lang="ru-RU" dirty="0" err="1"/>
+              <a:t>вбудований</a:t>
+            </a:r>
+            <a:r>
+              <a:rPr lang="ru-RU" dirty="0"/>
+              <a:t> чат. </a:t>
+            </a:r>
+          </a:p>
+        </p:txBody>
+      </p:sp>
+      <p:sp>
+        <p:nvSpPr>
+          <p:cNvPr id="6" name="Прямоугольник 5"/>
+          <p:cNvSpPr/>
+          <p:nvPr/>
+        </p:nvSpPr>
+        <p:spPr>
+          <a:xfrm>
+            <a:off x="237066" y="4064969"/>
+            <a:ext cx="4851401" cy="1477328"/>
+          </a:xfrm>
+          <a:prstGeom prst="rect">
+            <a:avLst/>
+          </a:prstGeom>
+        </p:spPr>
+        <p:txBody>
+          <a:bodyPr wrap="square">
+            <a:spAutoFit/>
+          </a:bodyPr>
+          <a:lstStyle/>
+          <a:p>
+            <a:r>
+              <a:rPr lang="ru-RU" dirty="0"/>
+              <a:t>Оплата за </a:t>
+            </a:r>
+            <a:r>
+              <a:rPr lang="ru-RU" dirty="0" err="1"/>
+              <a:t>виконану</a:t>
+            </a:r>
+            <a:r>
+              <a:rPr lang="ru-RU" dirty="0"/>
+              <a:t> роботу </a:t>
+            </a:r>
+            <a:r>
+              <a:rPr lang="ru-RU" dirty="0" err="1"/>
+              <a:t>здійснюється</a:t>
+            </a:r>
+            <a:r>
+              <a:rPr lang="ru-RU" dirty="0"/>
+              <a:t> через систему </a:t>
+            </a:r>
+            <a:r>
+              <a:rPr lang="ru-RU" dirty="0" err="1"/>
+              <a:t>електронного</a:t>
+            </a:r>
+            <a:r>
+              <a:rPr lang="ru-RU" dirty="0"/>
+              <a:t> платежу, </a:t>
+            </a:r>
+            <a:r>
+              <a:rPr lang="ru-RU" dirty="0" err="1"/>
+              <a:t>що</a:t>
+            </a:r>
+            <a:r>
+              <a:rPr lang="ru-RU" dirty="0"/>
+              <a:t> </a:t>
+            </a:r>
+            <a:r>
+              <a:rPr lang="ru-RU" dirty="0" err="1"/>
+              <a:t>забезпечує</a:t>
+            </a:r>
+            <a:r>
+              <a:rPr lang="ru-RU" dirty="0"/>
+              <a:t> </a:t>
+            </a:r>
+            <a:r>
+              <a:rPr lang="ru-RU" dirty="0" err="1"/>
+              <a:t>безпечні</a:t>
+            </a:r>
+            <a:r>
+              <a:rPr lang="ru-RU" dirty="0"/>
+              <a:t> та </a:t>
+            </a:r>
+            <a:r>
+              <a:rPr lang="ru-RU" dirty="0" err="1"/>
+              <a:t>ефективні</a:t>
+            </a:r>
+            <a:r>
+              <a:rPr lang="ru-RU" dirty="0"/>
+              <a:t> </a:t>
+            </a:r>
+            <a:r>
+              <a:rPr lang="ru-RU" dirty="0" err="1"/>
+              <a:t>транзакції</a:t>
+            </a:r>
+            <a:r>
+              <a:rPr lang="ru-RU" dirty="0"/>
+              <a:t> </a:t>
+            </a:r>
+            <a:r>
+              <a:rPr lang="ru-RU" dirty="0" err="1"/>
+              <a:t>між</a:t>
+            </a:r>
+            <a:r>
+              <a:rPr lang="ru-RU" dirty="0"/>
+              <a:t> </a:t>
+            </a:r>
+            <a:r>
+              <a:rPr lang="ru-RU" dirty="0" err="1"/>
+              <a:t>замовниками</a:t>
+            </a:r>
+            <a:r>
+              <a:rPr lang="ru-RU" dirty="0"/>
+              <a:t> та </a:t>
+            </a:r>
+            <a:r>
+              <a:rPr lang="ru-RU" dirty="0" err="1"/>
+              <a:t>фрілансерами</a:t>
+            </a:r>
+            <a:r>
+              <a:rPr lang="ru-RU" dirty="0"/>
+              <a:t>.</a:t>
+            </a:r>
+            <a:endParaRPr lang="ru-RU" dirty="0"/>
+          </a:p>
+        </p:txBody>
+      </p:sp>
+    </p:spTree>
+    <p:extLst>
+      <p:ext uri="{BB962C8B-B14F-4D97-AF65-F5344CB8AC3E}">
+        <p14:creationId xmlns:p14="http://schemas.microsoft.com/office/powerpoint/2010/main" val="3200940353"/>
+      </p:ext>
+    </p:extLst>
+  </p:cSld>
+  <p:clrMapOvr>
+    <a:masterClrMapping/>
+  </p:clrMapOvr>
+</p:sld>
+</file>
+
+<file path=ppt/slides/slide7.xml><?xml version="1.0" encoding="utf-8"?>
+<p:sld xmlns:a="http://schemas.openxmlformats.org/drawingml/2006/main" xmlns:r="http://schemas.openxmlformats.org/officeDocument/2006/relationships" xmlns:p="http://schemas.openxmlformats.org/presentationml/2006/main">
+  <p:cSld>
+    <p:spTree>
+      <p:nvGrpSpPr>
+        <p:cNvPr id="1" name=""/>
+        <p:cNvGrpSpPr/>
+        <p:nvPr/>
+      </p:nvGrpSpPr>
+      <p:grpSpPr>
+        <a:xfrm>
+          <a:off x="0" y="0"/>
+          <a:ext cx="0" cy="0"/>
+          <a:chOff x="0" y="0"/>
+          <a:chExt cx="0" cy="0"/>
+        </a:xfrm>
+      </p:grpSpPr>
+      <p:sp>
+        <p:nvSpPr>
+          <p:cNvPr id="2" name="Заголовок 1"/>
+          <p:cNvSpPr>
+            <a:spLocks noGrp="1"/>
+          </p:cNvSpPr>
+          <p:nvPr>
+            <p:ph type="title"/>
+          </p:nvPr>
+        </p:nvSpPr>
+        <p:spPr/>
+        <p:txBody>
+          <a:bodyPr/>
+          <a:lstStyle/>
+          <a:p>
+            <a:r>
+              <a:rPr lang="ru-RU" dirty="0" err="1"/>
+              <a:t>Аналіз</a:t>
+            </a:r>
+            <a:r>
+              <a:rPr lang="ru-RU" dirty="0"/>
+              <a:t> аналогу </a:t>
+            </a:r>
+            <a:r>
+              <a:rPr lang="en-US" dirty="0"/>
+              <a:t>Fiverr </a:t>
+            </a:r>
+            <a:endParaRPr lang="ru-RU" dirty="0"/>
+          </a:p>
+        </p:txBody>
+      </p:sp>
+      <p:pic>
+        <p:nvPicPr>
+          <p:cNvPr id="3074" name="Рисунок 2" descr="Freelance work marketplace Fiverr said to be seeking IPO at $1 billion  valuation | The Times of Israel"/>
+          <p:cNvPicPr>
+            <a:picLocks noChangeAspect="1" noChangeArrowheads="1"/>
+          </p:cNvPicPr>
+          <p:nvPr/>
+        </p:nvPicPr>
+        <p:blipFill>
+          <a:blip r:embed="rId2">
+            <a:extLst>
+              <a:ext uri="{28A0092B-C50C-407E-A947-70E740481C1C}">
+                <a14:useLocalDpi xmlns:a14="http://schemas.microsoft.com/office/drawing/2010/main" val="0"/>
+              </a:ext>
+            </a:extLst>
+          </a:blip>
+          <a:srcRect/>
+          <a:stretch>
+            <a:fillRect/>
+          </a:stretch>
+        </p:blipFill>
+        <p:spPr bwMode="auto">
+          <a:xfrm>
+            <a:off x="253999" y="1329605"/>
+            <a:ext cx="6317194" cy="4156795"/>
+          </a:xfrm>
+          <a:prstGeom prst="rect">
+            <a:avLst/>
+          </a:prstGeom>
+          <a:noFill/>
+          <a:ln>
+            <a:noFill/>
+          </a:ln>
+          <a:extLst>
+            <a:ext uri="{909E8E84-426E-40DD-AFC4-6F175D3DCCD1}">
+              <a14:hiddenFill xmlns:a14="http://schemas.microsoft.com/office/drawing/2010/main">
+                <a:solidFill>
+                  <a:srgbClr val="FFFFFF"/>
+                </a:solidFill>
+              </a14:hiddenFill>
+            </a:ext>
+            <a:ext uri="{91240B29-F687-4F45-9708-019B960494DF}">
+              <a14:hiddenLine xmlns:a14="http://schemas.microsoft.com/office/drawing/2010/main" w="9525">
+                <a:solidFill>
+                  <a:srgbClr val="000000"/>
+                </a:solidFill>
+                <a:miter lim="800000"/>
+                <a:headEnd/>
+                <a:tailEnd/>
+              </a14:hiddenLine>
+            </a:ext>
+          </a:extLst>
+        </p:spPr>
+      </p:pic>
+      <p:sp>
+        <p:nvSpPr>
+          <p:cNvPr id="4" name="Прямоугольник 3"/>
+          <p:cNvSpPr/>
+          <p:nvPr/>
+        </p:nvSpPr>
+        <p:spPr>
+          <a:xfrm>
+            <a:off x="6637867" y="1202605"/>
+            <a:ext cx="5317067" cy="1754326"/>
+          </a:xfrm>
+          <a:prstGeom prst="rect">
+            <a:avLst/>
+          </a:prstGeom>
+        </p:spPr>
+        <p:txBody>
+          <a:bodyPr wrap="square">
+            <a:spAutoFit/>
+          </a:bodyPr>
+          <a:lstStyle/>
+          <a:p>
+            <a:r>
+              <a:rPr lang="ru-RU" b="1" dirty="0" err="1"/>
+              <a:t>Fiverr</a:t>
+            </a:r>
+            <a:r>
+              <a:rPr lang="ru-RU" dirty="0"/>
+              <a:t> – </a:t>
+            </a:r>
+            <a:r>
+              <a:rPr lang="ru-RU" dirty="0" err="1"/>
+              <a:t>це</a:t>
+            </a:r>
+            <a:r>
+              <a:rPr lang="ru-RU" dirty="0"/>
+              <a:t> онлайн-платформа, </a:t>
+            </a:r>
+            <a:r>
+              <a:rPr lang="ru-RU" dirty="0" err="1"/>
+              <a:t>спрямована</a:t>
+            </a:r>
+            <a:r>
+              <a:rPr lang="ru-RU" dirty="0"/>
+              <a:t> на </a:t>
+            </a:r>
+            <a:r>
+              <a:rPr lang="ru-RU" dirty="0" err="1"/>
+              <a:t>надання</a:t>
+            </a:r>
+            <a:r>
+              <a:rPr lang="ru-RU" dirty="0"/>
+              <a:t> </a:t>
+            </a:r>
+            <a:r>
+              <a:rPr lang="ru-RU" dirty="0" err="1"/>
+              <a:t>послуг</a:t>
+            </a:r>
+            <a:r>
+              <a:rPr lang="ru-RU" dirty="0"/>
+              <a:t> у </a:t>
+            </a:r>
+            <a:r>
+              <a:rPr lang="ru-RU" dirty="0" err="1"/>
+              <a:t>різних</a:t>
+            </a:r>
+            <a:r>
+              <a:rPr lang="ru-RU" dirty="0"/>
+              <a:t> областях. </a:t>
+            </a:r>
+            <a:r>
+              <a:rPr lang="ru-RU" dirty="0" err="1"/>
+              <a:t>Замовники</a:t>
+            </a:r>
+            <a:r>
+              <a:rPr lang="ru-RU" dirty="0"/>
+              <a:t> </a:t>
+            </a:r>
+            <a:r>
+              <a:rPr lang="ru-RU" dirty="0" err="1"/>
+              <a:t>можуть</a:t>
+            </a:r>
+            <a:r>
+              <a:rPr lang="ru-RU" dirty="0"/>
+              <a:t> </a:t>
+            </a:r>
+            <a:r>
+              <a:rPr lang="ru-RU" dirty="0" err="1"/>
+              <a:t>знаходити</a:t>
+            </a:r>
+            <a:r>
+              <a:rPr lang="ru-RU" dirty="0"/>
+              <a:t> </a:t>
+            </a:r>
+            <a:r>
+              <a:rPr lang="ru-RU" dirty="0" err="1"/>
+              <a:t>фрілансерів</a:t>
+            </a:r>
+            <a:r>
+              <a:rPr lang="ru-RU" dirty="0"/>
+              <a:t>, </a:t>
+            </a:r>
+            <a:r>
+              <a:rPr lang="ru-RU" dirty="0" err="1"/>
+              <a:t>готових</a:t>
+            </a:r>
+            <a:r>
+              <a:rPr lang="ru-RU" dirty="0"/>
+              <a:t> </a:t>
+            </a:r>
+            <a:r>
+              <a:rPr lang="ru-RU" dirty="0" err="1"/>
+              <a:t>виконати</a:t>
+            </a:r>
+            <a:r>
+              <a:rPr lang="ru-RU" dirty="0"/>
+              <a:t> </a:t>
+            </a:r>
+            <a:r>
+              <a:rPr lang="ru-RU" dirty="0" err="1"/>
+              <a:t>конкретні</a:t>
+            </a:r>
+            <a:r>
+              <a:rPr lang="ru-RU" dirty="0"/>
+              <a:t> </a:t>
+            </a:r>
+            <a:r>
+              <a:rPr lang="ru-RU" dirty="0" err="1"/>
+              <a:t>завдання</a:t>
+            </a:r>
+            <a:r>
+              <a:rPr lang="ru-RU" dirty="0"/>
+              <a:t> </a:t>
+            </a:r>
+            <a:r>
+              <a:rPr lang="ru-RU" dirty="0" err="1"/>
+              <a:t>або</a:t>
+            </a:r>
+            <a:r>
+              <a:rPr lang="ru-RU" dirty="0"/>
+              <a:t> </a:t>
+            </a:r>
+            <a:r>
+              <a:rPr lang="ru-RU" dirty="0" err="1"/>
+              <a:t>надати</a:t>
+            </a:r>
+            <a:r>
+              <a:rPr lang="ru-RU" dirty="0"/>
+              <a:t> </a:t>
+            </a:r>
+            <a:r>
+              <a:rPr lang="ru-RU" dirty="0" err="1" smtClean="0"/>
+              <a:t>різноманітні</a:t>
+            </a:r>
+            <a:r>
+              <a:rPr lang="ru-RU" dirty="0" smtClean="0"/>
+              <a:t> </a:t>
+            </a:r>
+            <a:r>
+              <a:rPr lang="ru-RU" dirty="0" err="1"/>
+              <a:t>послуги</a:t>
+            </a:r>
+            <a:r>
+              <a:rPr lang="ru-RU" dirty="0"/>
+              <a:t>, </a:t>
+            </a:r>
+            <a:r>
+              <a:rPr lang="ru-RU" dirty="0" err="1"/>
+              <a:t>від</a:t>
+            </a:r>
+            <a:r>
+              <a:rPr lang="ru-RU" dirty="0"/>
+              <a:t> </a:t>
+            </a:r>
+            <a:r>
+              <a:rPr lang="ru-RU" dirty="0" err="1"/>
+              <a:t>графічного</a:t>
+            </a:r>
+            <a:r>
+              <a:rPr lang="ru-RU" dirty="0"/>
+              <a:t> дизайну до </a:t>
+            </a:r>
+            <a:r>
+              <a:rPr lang="ru-RU" dirty="0" err="1"/>
+              <a:t>відеомонтажу</a:t>
+            </a:r>
+            <a:r>
+              <a:rPr lang="ru-RU" dirty="0"/>
+              <a:t>.</a:t>
+            </a:r>
+            <a:endParaRPr lang="ru-RU" dirty="0"/>
+          </a:p>
+        </p:txBody>
+      </p:sp>
+      <p:sp>
+        <p:nvSpPr>
+          <p:cNvPr id="5" name="Прямоугольник 4"/>
+          <p:cNvSpPr/>
+          <p:nvPr/>
+        </p:nvSpPr>
+        <p:spPr>
+          <a:xfrm>
+            <a:off x="6637867" y="3043535"/>
+            <a:ext cx="5317067" cy="1200329"/>
+          </a:xfrm>
+          <a:prstGeom prst="rect">
+            <a:avLst/>
+          </a:prstGeom>
+        </p:spPr>
+        <p:txBody>
+          <a:bodyPr wrap="square">
+            <a:spAutoFit/>
+          </a:bodyPr>
+          <a:lstStyle/>
+          <a:p>
+            <a:r>
+              <a:rPr lang="ru-RU" dirty="0"/>
+              <a:t>Оплата за </a:t>
+            </a:r>
+            <a:r>
+              <a:rPr lang="ru-RU" dirty="0" err="1"/>
+              <a:t>послуги</a:t>
+            </a:r>
+            <a:r>
+              <a:rPr lang="ru-RU" dirty="0"/>
+              <a:t> </a:t>
+            </a:r>
+            <a:r>
+              <a:rPr lang="ru-RU" dirty="0" err="1"/>
+              <a:t>здійснюється</a:t>
+            </a:r>
+            <a:r>
+              <a:rPr lang="ru-RU" dirty="0"/>
+              <a:t> через </a:t>
+            </a:r>
+            <a:r>
+              <a:rPr lang="ru-RU" dirty="0" err="1"/>
+              <a:t>вбудовану</a:t>
+            </a:r>
+            <a:r>
+              <a:rPr lang="ru-RU" dirty="0"/>
+              <a:t> систему оплати, </a:t>
+            </a:r>
+            <a:r>
+              <a:rPr lang="ru-RU" dirty="0" err="1"/>
+              <a:t>забезпечуючи</a:t>
+            </a:r>
+            <a:r>
+              <a:rPr lang="ru-RU" dirty="0"/>
+              <a:t> </a:t>
+            </a:r>
+            <a:r>
+              <a:rPr lang="ru-RU" dirty="0" err="1"/>
+              <a:t>зручний</a:t>
+            </a:r>
+            <a:r>
+              <a:rPr lang="ru-RU" dirty="0"/>
+              <a:t> та </a:t>
+            </a:r>
+            <a:r>
+              <a:rPr lang="ru-RU" dirty="0" err="1"/>
+              <a:t>безпечний</a:t>
+            </a:r>
+            <a:r>
+              <a:rPr lang="ru-RU" dirty="0"/>
+              <a:t> </a:t>
+            </a:r>
+            <a:r>
+              <a:rPr lang="ru-RU" dirty="0" err="1"/>
+              <a:t>обмін</a:t>
+            </a:r>
+            <a:r>
+              <a:rPr lang="ru-RU" dirty="0"/>
+              <a:t> коштами </a:t>
+            </a:r>
+            <a:r>
+              <a:rPr lang="ru-RU" dirty="0" err="1"/>
+              <a:t>між</a:t>
+            </a:r>
+            <a:r>
+              <a:rPr lang="ru-RU" dirty="0"/>
+              <a:t> </a:t>
+            </a:r>
+            <a:r>
+              <a:rPr lang="ru-RU" dirty="0" err="1"/>
+              <a:t>замовниками</a:t>
+            </a:r>
+            <a:r>
+              <a:rPr lang="ru-RU" dirty="0"/>
+              <a:t> та </a:t>
+            </a:r>
+            <a:r>
+              <a:rPr lang="ru-RU" dirty="0" err="1"/>
+              <a:t>фрілансерами</a:t>
+            </a:r>
+            <a:r>
+              <a:rPr lang="ru-RU" dirty="0"/>
+              <a:t>. </a:t>
+            </a:r>
+            <a:endParaRPr lang="ru-RU" dirty="0"/>
+          </a:p>
+        </p:txBody>
+      </p:sp>
+      <p:sp>
+        <p:nvSpPr>
+          <p:cNvPr id="6" name="Прямоугольник 5"/>
+          <p:cNvSpPr/>
+          <p:nvPr/>
+        </p:nvSpPr>
+        <p:spPr>
+          <a:xfrm>
+            <a:off x="6637867" y="4385271"/>
+            <a:ext cx="5317067" cy="1200329"/>
+          </a:xfrm>
+          <a:prstGeom prst="rect">
+            <a:avLst/>
+          </a:prstGeom>
+        </p:spPr>
+        <p:txBody>
+          <a:bodyPr wrap="square">
+            <a:spAutoFit/>
+          </a:bodyPr>
+          <a:lstStyle/>
+          <a:p>
+            <a:r>
+              <a:rPr lang="ru-RU" dirty="0" err="1"/>
+              <a:t>Комунікація</a:t>
+            </a:r>
+            <a:r>
+              <a:rPr lang="ru-RU" dirty="0"/>
+              <a:t> </a:t>
+            </a:r>
+            <a:r>
+              <a:rPr lang="ru-RU" dirty="0" err="1"/>
+              <a:t>між</a:t>
+            </a:r>
+            <a:r>
+              <a:rPr lang="ru-RU" dirty="0"/>
+              <a:t> </a:t>
+            </a:r>
+            <a:r>
+              <a:rPr lang="ru-RU" dirty="0" err="1"/>
+              <a:t>клієнтом</a:t>
+            </a:r>
+            <a:r>
+              <a:rPr lang="ru-RU" dirty="0"/>
+              <a:t> та </a:t>
+            </a:r>
+            <a:r>
+              <a:rPr lang="ru-RU" dirty="0" err="1"/>
+              <a:t>виконавцем</a:t>
+            </a:r>
+            <a:r>
+              <a:rPr lang="ru-RU" dirty="0"/>
+              <a:t> </a:t>
+            </a:r>
+            <a:r>
+              <a:rPr lang="ru-RU" dirty="0" err="1"/>
+              <a:t>здійснюється</a:t>
+            </a:r>
+            <a:r>
+              <a:rPr lang="ru-RU" dirty="0"/>
+              <a:t> через </a:t>
+            </a:r>
+            <a:r>
+              <a:rPr lang="ru-RU" dirty="0" err="1"/>
+              <a:t>вбудовані</a:t>
+            </a:r>
+            <a:r>
+              <a:rPr lang="ru-RU" dirty="0"/>
+              <a:t> </a:t>
+            </a:r>
+            <a:r>
+              <a:rPr lang="ru-RU" dirty="0" err="1"/>
+              <a:t>інструменти</a:t>
+            </a:r>
+            <a:r>
+              <a:rPr lang="ru-RU" dirty="0"/>
+              <a:t> </a:t>
+            </a:r>
+            <a:r>
+              <a:rPr lang="ru-RU" dirty="0" err="1"/>
+              <a:t>спілкування</a:t>
+            </a:r>
+            <a:r>
+              <a:rPr lang="ru-RU" dirty="0"/>
+              <a:t>, </a:t>
+            </a:r>
+            <a:r>
+              <a:rPr lang="ru-RU" dirty="0" err="1"/>
+              <a:t>включаючи</a:t>
+            </a:r>
+            <a:r>
+              <a:rPr lang="ru-RU" dirty="0"/>
+              <a:t> </a:t>
+            </a:r>
+            <a:r>
+              <a:rPr lang="ru-RU" dirty="0" err="1"/>
+              <a:t>чатову</a:t>
+            </a:r>
+            <a:r>
+              <a:rPr lang="ru-RU" dirty="0"/>
+              <a:t> систему та </a:t>
+            </a:r>
+            <a:r>
+              <a:rPr lang="ru-RU" dirty="0" err="1"/>
+              <a:t>можливість</a:t>
+            </a:r>
+            <a:r>
+              <a:rPr lang="ru-RU" dirty="0"/>
+              <a:t> </a:t>
+            </a:r>
+            <a:r>
+              <a:rPr lang="ru-RU" dirty="0" err="1"/>
+              <a:t>обміну</a:t>
+            </a:r>
+            <a:r>
+              <a:rPr lang="ru-RU" dirty="0"/>
+              <a:t> </a:t>
+            </a:r>
+            <a:r>
+              <a:rPr lang="ru-RU" dirty="0" err="1"/>
+              <a:t>повідомленнями</a:t>
+            </a:r>
+            <a:r>
+              <a:rPr lang="ru-RU" dirty="0"/>
+              <a:t>.</a:t>
+            </a:r>
+            <a:endParaRPr lang="ru-RU" dirty="0"/>
+          </a:p>
+        </p:txBody>
+      </p:sp>
+    </p:spTree>
+    <p:extLst>
+      <p:ext uri="{BB962C8B-B14F-4D97-AF65-F5344CB8AC3E}">
+        <p14:creationId xmlns:p14="http://schemas.microsoft.com/office/powerpoint/2010/main" val="2548192082"/>
+      </p:ext>
+    </p:extLst>
+  </p:cSld>
+  <p:clrMapOvr>
+    <a:masterClrMapping/>
+  </p:clrMapOvr>
+</p:sld>
+</file>
+
+<file path=ppt/slides/slide8.xml><?xml version="1.0" encoding="utf-8"?>
+<p:sld xmlns:a="http://schemas.openxmlformats.org/drawingml/2006/main" xmlns:r="http://schemas.openxmlformats.org/officeDocument/2006/relationships" xmlns:p="http://schemas.openxmlformats.org/presentationml/2006/main">
+  <p:cSld>
+    <p:spTree>
+      <p:nvGrpSpPr>
+        <p:cNvPr id="1" name=""/>
+        <p:cNvGrpSpPr/>
+        <p:nvPr/>
+      </p:nvGrpSpPr>
+      <p:grpSpPr>
+        <a:xfrm>
+          <a:off x="0" y="0"/>
+          <a:ext cx="0" cy="0"/>
+          <a:chOff x="0" y="0"/>
+          <a:chExt cx="0" cy="0"/>
+        </a:xfrm>
+      </p:grpSpPr>
+      <p:sp>
+        <p:nvSpPr>
+          <p:cNvPr id="2" name="Заголовок 1"/>
+          <p:cNvSpPr>
+            <a:spLocks noGrp="1"/>
+          </p:cNvSpPr>
+          <p:nvPr>
+            <p:ph type="title"/>
+          </p:nvPr>
+        </p:nvSpPr>
+        <p:spPr/>
+        <p:txBody>
+          <a:bodyPr/>
+          <a:lstStyle/>
+          <a:p>
+            <a:r>
+              <a:rPr lang="ru-RU" dirty="0" err="1" smtClean="0"/>
+              <a:t>Порівняльна</a:t>
+            </a:r>
+            <a:r>
+              <a:rPr lang="ru-RU" dirty="0" smtClean="0"/>
+              <a:t> </a:t>
+            </a:r>
+            <a:r>
+              <a:rPr lang="ru-RU" dirty="0" err="1" smtClean="0"/>
+              <a:t>таблиця</a:t>
+            </a:r>
+            <a:r>
+              <a:rPr lang="ru-RU" dirty="0" smtClean="0"/>
+              <a:t> </a:t>
+            </a:r>
+            <a:r>
+              <a:rPr lang="ru-RU" dirty="0" err="1" smtClean="0"/>
+              <a:t>аналогів</a:t>
+            </a:r>
+            <a:endParaRPr lang="ru-RU" dirty="0"/>
+          </a:p>
+        </p:txBody>
+      </p:sp>
+      <p:graphicFrame>
+        <p:nvGraphicFramePr>
+          <p:cNvPr id="7" name="Таблица 6"/>
+          <p:cNvGraphicFramePr>
+            <a:graphicFrameLocks noGrp="1"/>
+          </p:cNvGraphicFramePr>
+          <p:nvPr>
+            <p:extLst>
+              <p:ext uri="{D42A27DB-BD31-4B8C-83A1-F6EECF244321}">
+                <p14:modId xmlns:p14="http://schemas.microsoft.com/office/powerpoint/2010/main" val="1592298727"/>
+              </p:ext>
+            </p:extLst>
+          </p:nvPr>
+        </p:nvGraphicFramePr>
+        <p:xfrm>
+          <a:off x="440263" y="1168399"/>
+          <a:ext cx="11540070" cy="4359915"/>
+        </p:xfrm>
+        <a:graphic>
+          <a:graphicData uri="http://schemas.openxmlformats.org/drawingml/2006/table">
+            <a:tbl>
+              <a:tblPr>
+                <a:tableStyleId>{2D5ABB26-0587-4C30-8999-92F81FD0307C}</a:tableStyleId>
+              </a:tblPr>
+              <a:tblGrid>
+                <a:gridCol w="1154007"/>
+                <a:gridCol w="1154007"/>
+                <a:gridCol w="1154007"/>
+                <a:gridCol w="1169250"/>
+                <a:gridCol w="1138764"/>
+                <a:gridCol w="1079502"/>
+                <a:gridCol w="1066800"/>
+                <a:gridCol w="1193800"/>
+                <a:gridCol w="1117600"/>
+                <a:gridCol w="1312333"/>
+              </a:tblGrid>
+              <a:tr h="778934">
+                <a:tc>
+                  <a:txBody>
+                    <a:bodyPr/>
+                    <a:lstStyle/>
+                    <a:p>
+                      <a:r>
+                        <a:rPr lang="ru-RU" sz="1400" dirty="0"/>
+                        <a:t>Параметр</a:t>
+                      </a:r>
+                    </a:p>
+                  </a:txBody>
+                  <a:tcPr marL="49736" marR="49736" marT="24868" marB="24868" anchor="ctr">
+                    <a:lnL w="12700" cap="flat" cmpd="sng" algn="ctr">
+                      <a:solidFill>
+                        <a:schemeClr val="tx1"/>
+                      </a:solidFill>
+                      <a:prstDash val="solid"/>
+                      <a:round/>
+                      <a:headEnd type="none" w="med" len="med"/>
+                      <a:tailEnd type="none" w="med" len="med"/>
+                    </a:lnL>
+                    <a:lnR w="12700" cap="flat" cmpd="sng" algn="ctr">
+                      <a:solidFill>
+                        <a:schemeClr val="tx1"/>
+                      </a:solidFill>
+                      <a:prstDash val="solid"/>
+                      <a:round/>
+                      <a:headEnd type="none" w="med" len="med"/>
+                      <a:tailEnd type="none" w="med" len="med"/>
+                    </a:lnR>
+                    <a:lnT w="12700" cap="flat" cmpd="sng" algn="ctr">
+                      <a:solidFill>
+                        <a:schemeClr val="tx1"/>
+                      </a:solidFill>
+                      <a:prstDash val="solid"/>
+                      <a:round/>
+                      <a:headEnd type="none" w="med" len="med"/>
+                      <a:tailEnd type="none" w="med" len="med"/>
+                    </a:lnT>
+                    <a:lnB w="12700" cap="flat" cmpd="sng" algn="ctr">
+                      <a:solidFill>
+                        <a:schemeClr val="tx1"/>
+                      </a:solidFill>
+                      <a:prstDash val="solid"/>
+                      <a:round/>
+                      <a:headEnd type="none" w="med" len="med"/>
+                      <a:tailEnd type="none" w="med" len="med"/>
+                    </a:lnB>
+                  </a:tcPr>
+                </a:tc>
+                <a:tc>
+                  <a:txBody>
+                    <a:bodyPr/>
+                    <a:lstStyle/>
+                    <a:p>
+                      <a:r>
+                        <a:rPr lang="ru-RU" sz="1400" dirty="0" err="1"/>
+                        <a:t>Підсилюючі</a:t>
+                      </a:r>
+                      <a:r>
+                        <a:rPr lang="ru-RU" sz="1400" dirty="0"/>
+                        <a:t> </a:t>
+                      </a:r>
+                      <a:r>
+                        <a:rPr lang="ru-RU" sz="1400" dirty="0" err="1"/>
+                        <a:t>Функції</a:t>
+                      </a:r>
+                      <a:endParaRPr lang="ru-RU" sz="1400" dirty="0"/>
+                    </a:p>
+                  </a:txBody>
+                  <a:tcPr marL="49736" marR="49736" marT="24868" marB="24868" anchor="ctr">
+                    <a:lnL w="12700" cap="flat" cmpd="sng" algn="ctr">
+                      <a:solidFill>
+                        <a:schemeClr val="tx1"/>
+                      </a:solidFill>
+                      <a:prstDash val="solid"/>
+                      <a:round/>
+                      <a:headEnd type="none" w="med" len="med"/>
+                      <a:tailEnd type="none" w="med" len="med"/>
+                    </a:lnL>
+                    <a:lnR w="12700" cap="flat" cmpd="sng" algn="ctr">
+                      <a:solidFill>
+                        <a:schemeClr val="tx1"/>
+                      </a:solidFill>
+                      <a:prstDash val="solid"/>
+                      <a:round/>
+                      <a:headEnd type="none" w="med" len="med"/>
+                      <a:tailEnd type="none" w="med" len="med"/>
+                    </a:lnR>
+                    <a:lnT w="12700" cap="flat" cmpd="sng" algn="ctr">
+                      <a:solidFill>
+                        <a:schemeClr val="tx1"/>
+                      </a:solidFill>
+                      <a:prstDash val="solid"/>
+                      <a:round/>
+                      <a:headEnd type="none" w="med" len="med"/>
+                      <a:tailEnd type="none" w="med" len="med"/>
+                    </a:lnT>
+                    <a:lnB w="12700" cap="flat" cmpd="sng" algn="ctr">
+                      <a:solidFill>
+                        <a:schemeClr val="tx1"/>
+                      </a:solidFill>
+                      <a:prstDash val="solid"/>
+                      <a:round/>
+                      <a:headEnd type="none" w="med" len="med"/>
+                      <a:tailEnd type="none" w="med" len="med"/>
+                    </a:lnB>
+                  </a:tcPr>
+                </a:tc>
+                <a:tc>
+                  <a:txBody>
+                    <a:bodyPr/>
+                    <a:lstStyle/>
+                    <a:p>
+                      <a:r>
+                        <a:rPr lang="ru-RU" sz="1400" dirty="0"/>
+                        <a:t>Тип </a:t>
+                      </a:r>
+                      <a:r>
+                        <a:rPr lang="ru-RU" sz="1400" dirty="0" err="1"/>
+                        <a:t>Виконавців</a:t>
+                      </a:r>
+                      <a:endParaRPr lang="ru-RU" sz="1400" dirty="0"/>
+                    </a:p>
+                  </a:txBody>
+                  <a:tcPr marL="49736" marR="49736" marT="24868" marB="24868" anchor="ctr">
+                    <a:lnL w="12700" cap="flat" cmpd="sng" algn="ctr">
+                      <a:solidFill>
+                        <a:schemeClr val="tx1"/>
+                      </a:solidFill>
+                      <a:prstDash val="solid"/>
+                      <a:round/>
+                      <a:headEnd type="none" w="med" len="med"/>
+                      <a:tailEnd type="none" w="med" len="med"/>
+                    </a:lnL>
+                    <a:lnR w="12700" cap="flat" cmpd="sng" algn="ctr">
+                      <a:solidFill>
+                        <a:schemeClr val="tx1"/>
+                      </a:solidFill>
+                      <a:prstDash val="solid"/>
+                      <a:round/>
+                      <a:headEnd type="none" w="med" len="med"/>
+                      <a:tailEnd type="none" w="med" len="med"/>
+                    </a:lnR>
+                    <a:lnT w="12700" cap="flat" cmpd="sng" algn="ctr">
+                      <a:solidFill>
+                        <a:schemeClr val="tx1"/>
+                      </a:solidFill>
+                      <a:prstDash val="solid"/>
+                      <a:round/>
+                      <a:headEnd type="none" w="med" len="med"/>
+                      <a:tailEnd type="none" w="med" len="med"/>
+                    </a:lnT>
+                    <a:lnB w="12700" cap="flat" cmpd="sng" algn="ctr">
+                      <a:solidFill>
+                        <a:schemeClr val="tx1"/>
+                      </a:solidFill>
+                      <a:prstDash val="solid"/>
+                      <a:round/>
+                      <a:headEnd type="none" w="med" len="med"/>
+                      <a:tailEnd type="none" w="med" len="med"/>
+                    </a:lnB>
+                  </a:tcPr>
+                </a:tc>
+                <a:tc>
+                  <a:txBody>
+                    <a:bodyPr/>
+                    <a:lstStyle/>
+                    <a:p>
+                      <a:r>
+                        <a:rPr lang="ru-RU" sz="1400" dirty="0" err="1"/>
+                        <a:t>Категорії</a:t>
+                      </a:r>
+                      <a:r>
+                        <a:rPr lang="ru-RU" sz="1400" dirty="0"/>
+                        <a:t> </a:t>
+                      </a:r>
+                      <a:r>
+                        <a:rPr lang="ru-RU" sz="1400" dirty="0" err="1"/>
+                        <a:t>Послуг</a:t>
+                      </a:r>
+                      <a:endParaRPr lang="ru-RU" sz="1400" dirty="0"/>
+                    </a:p>
+                  </a:txBody>
+                  <a:tcPr marL="49736" marR="49736" marT="24868" marB="24868" anchor="ctr">
+                    <a:lnL w="12700" cap="flat" cmpd="sng" algn="ctr">
+                      <a:solidFill>
+                        <a:schemeClr val="tx1"/>
+                      </a:solidFill>
+                      <a:prstDash val="solid"/>
+                      <a:round/>
+                      <a:headEnd type="none" w="med" len="med"/>
+                      <a:tailEnd type="none" w="med" len="med"/>
+                    </a:lnL>
+                    <a:lnR w="12700" cap="flat" cmpd="sng" algn="ctr">
+                      <a:solidFill>
+                        <a:schemeClr val="tx1"/>
+                      </a:solidFill>
+                      <a:prstDash val="solid"/>
+                      <a:round/>
+                      <a:headEnd type="none" w="med" len="med"/>
+                      <a:tailEnd type="none" w="med" len="med"/>
+                    </a:lnR>
+                    <a:lnT w="12700" cap="flat" cmpd="sng" algn="ctr">
+                      <a:solidFill>
+                        <a:schemeClr val="tx1"/>
+                      </a:solidFill>
+                      <a:prstDash val="solid"/>
+                      <a:round/>
+                      <a:headEnd type="none" w="med" len="med"/>
+                      <a:tailEnd type="none" w="med" len="med"/>
+                    </a:lnT>
+                    <a:lnB w="12700" cap="flat" cmpd="sng" algn="ctr">
+                      <a:solidFill>
+                        <a:schemeClr val="tx1"/>
+                      </a:solidFill>
+                      <a:prstDash val="solid"/>
+                      <a:round/>
+                      <a:headEnd type="none" w="med" len="med"/>
+                      <a:tailEnd type="none" w="med" len="med"/>
+                    </a:lnB>
+                  </a:tcPr>
+                </a:tc>
+                <a:tc>
+                  <a:txBody>
+                    <a:bodyPr/>
+                    <a:lstStyle/>
+                    <a:p>
+                      <a:r>
+                        <a:rPr lang="ru-RU" sz="1400" dirty="0"/>
+                        <a:t>Система </a:t>
+                      </a:r>
+                      <a:r>
+                        <a:rPr lang="ru-RU" sz="1400" dirty="0" err="1"/>
+                        <a:t>Оцінок</a:t>
+                      </a:r>
+                      <a:r>
+                        <a:rPr lang="ru-RU" sz="1400" dirty="0"/>
+                        <a:t> та </a:t>
+                      </a:r>
+                      <a:r>
+                        <a:rPr lang="ru-RU" sz="1400" dirty="0" err="1"/>
+                        <a:t>Відгуків</a:t>
+                      </a:r>
+                      <a:endParaRPr lang="ru-RU" sz="1400" dirty="0"/>
+                    </a:p>
+                  </a:txBody>
+                  <a:tcPr marL="49736" marR="49736" marT="24868" marB="24868" anchor="ctr">
+                    <a:lnL w="12700" cap="flat" cmpd="sng" algn="ctr">
+                      <a:solidFill>
+                        <a:schemeClr val="tx1"/>
+                      </a:solidFill>
+                      <a:prstDash val="solid"/>
+                      <a:round/>
+                      <a:headEnd type="none" w="med" len="med"/>
+                      <a:tailEnd type="none" w="med" len="med"/>
+                    </a:lnL>
+                    <a:lnR w="12700" cap="flat" cmpd="sng" algn="ctr">
+                      <a:solidFill>
+                        <a:schemeClr val="tx1"/>
+                      </a:solidFill>
+                      <a:prstDash val="solid"/>
+                      <a:round/>
+                      <a:headEnd type="none" w="med" len="med"/>
+                      <a:tailEnd type="none" w="med" len="med"/>
+                    </a:lnR>
+                    <a:lnT w="12700" cap="flat" cmpd="sng" algn="ctr">
+                      <a:solidFill>
+                        <a:schemeClr val="tx1"/>
+                      </a:solidFill>
+                      <a:prstDash val="solid"/>
+                      <a:round/>
+                      <a:headEnd type="none" w="med" len="med"/>
+                      <a:tailEnd type="none" w="med" len="med"/>
+                    </a:lnT>
+                    <a:lnB w="12700" cap="flat" cmpd="sng" algn="ctr">
+                      <a:solidFill>
+                        <a:schemeClr val="tx1"/>
+                      </a:solidFill>
+                      <a:prstDash val="solid"/>
+                      <a:round/>
+                      <a:headEnd type="none" w="med" len="med"/>
+                      <a:tailEnd type="none" w="med" len="med"/>
+                    </a:lnB>
+                  </a:tcPr>
+                </a:tc>
+                <a:tc>
+                  <a:txBody>
+                    <a:bodyPr/>
+                    <a:lstStyle/>
+                    <a:p>
+                      <a:r>
+                        <a:rPr lang="ru-RU" sz="1400" dirty="0" err="1" smtClean="0"/>
+                        <a:t>Глобальне</a:t>
+                      </a:r>
+                      <a:r>
+                        <a:rPr lang="ru-RU" sz="1400" dirty="0" smtClean="0"/>
+                        <a:t> </a:t>
+                      </a:r>
+                      <a:r>
+                        <a:rPr lang="ru-RU" sz="1400" dirty="0" err="1" smtClean="0"/>
+                        <a:t>охоплення</a:t>
+                      </a:r>
+                      <a:endParaRPr lang="ru-RU" sz="1400" dirty="0"/>
+                    </a:p>
+                  </a:txBody>
+                  <a:tcPr marL="49736" marR="49736" marT="24868" marB="24868" anchor="ctr">
+                    <a:lnL w="12700" cap="flat" cmpd="sng" algn="ctr">
+                      <a:solidFill>
+                        <a:schemeClr val="tx1"/>
+                      </a:solidFill>
+                      <a:prstDash val="solid"/>
+                      <a:round/>
+                      <a:headEnd type="none" w="med" len="med"/>
+                      <a:tailEnd type="none" w="med" len="med"/>
+                    </a:lnL>
+                    <a:lnR w="12700" cap="flat" cmpd="sng" algn="ctr">
+                      <a:solidFill>
+                        <a:schemeClr val="tx1"/>
+                      </a:solidFill>
+                      <a:prstDash val="solid"/>
+                      <a:round/>
+                      <a:headEnd type="none" w="med" len="med"/>
+                      <a:tailEnd type="none" w="med" len="med"/>
+                    </a:lnR>
+                    <a:lnT w="12700" cap="flat" cmpd="sng" algn="ctr">
+                      <a:solidFill>
+                        <a:schemeClr val="tx1"/>
+                      </a:solidFill>
+                      <a:prstDash val="solid"/>
+                      <a:round/>
+                      <a:headEnd type="none" w="med" len="med"/>
+                      <a:tailEnd type="none" w="med" len="med"/>
+                    </a:lnT>
+                    <a:lnB w="12700" cap="flat" cmpd="sng" algn="ctr">
+                      <a:solidFill>
+                        <a:schemeClr val="tx1"/>
+                      </a:solidFill>
+                      <a:prstDash val="solid"/>
+                      <a:round/>
+                      <a:headEnd type="none" w="med" len="med"/>
+                      <a:tailEnd type="none" w="med" len="med"/>
+                    </a:lnB>
+                  </a:tcPr>
+                </a:tc>
+                <a:tc>
+                  <a:txBody>
+                    <a:bodyPr/>
+                    <a:lstStyle/>
+                    <a:p>
+                      <a:r>
+                        <a:rPr lang="ru-RU" sz="1400"/>
+                        <a:t>Інтерфейс</a:t>
+                      </a:r>
+                    </a:p>
+                  </a:txBody>
+                  <a:tcPr marL="49736" marR="49736" marT="24868" marB="24868" anchor="ctr">
+                    <a:lnL w="12700" cap="flat" cmpd="sng" algn="ctr">
+                      <a:solidFill>
+                        <a:schemeClr val="tx1"/>
+                      </a:solidFill>
+                      <a:prstDash val="solid"/>
+                      <a:round/>
+                      <a:headEnd type="none" w="med" len="med"/>
+                      <a:tailEnd type="none" w="med" len="med"/>
+                    </a:lnL>
+                    <a:lnR w="12700" cap="flat" cmpd="sng" algn="ctr">
+                      <a:solidFill>
+                        <a:schemeClr val="tx1"/>
+                      </a:solidFill>
+                      <a:prstDash val="solid"/>
+                      <a:round/>
+                      <a:headEnd type="none" w="med" len="med"/>
+                      <a:tailEnd type="none" w="med" len="med"/>
+                    </a:lnR>
+                    <a:lnT w="12700" cap="flat" cmpd="sng" algn="ctr">
+                      <a:solidFill>
+                        <a:schemeClr val="tx1"/>
+                      </a:solidFill>
+                      <a:prstDash val="solid"/>
+                      <a:round/>
+                      <a:headEnd type="none" w="med" len="med"/>
+                      <a:tailEnd type="none" w="med" len="med"/>
+                    </a:lnT>
+                    <a:lnB w="12700" cap="flat" cmpd="sng" algn="ctr">
+                      <a:solidFill>
+                        <a:schemeClr val="tx1"/>
+                      </a:solidFill>
+                      <a:prstDash val="solid"/>
+                      <a:round/>
+                      <a:headEnd type="none" w="med" len="med"/>
+                      <a:tailEnd type="none" w="med" len="med"/>
+                    </a:lnB>
+                  </a:tcPr>
+                </a:tc>
+                <a:tc>
+                  <a:txBody>
+                    <a:bodyPr/>
+                    <a:lstStyle/>
+                    <a:p>
+                      <a:r>
+                        <a:rPr lang="ru-RU" sz="1400" dirty="0" err="1"/>
+                        <a:t>Адаптивність</a:t>
+                      </a:r>
+                      <a:r>
+                        <a:rPr lang="ru-RU" sz="1400" dirty="0"/>
+                        <a:t> </a:t>
+                      </a:r>
+                      <a:r>
+                        <a:rPr lang="ru-RU" sz="1400" dirty="0" err="1"/>
+                        <a:t>інтерфейсу</a:t>
+                      </a:r>
+                      <a:endParaRPr lang="ru-RU" sz="1400" dirty="0"/>
+                    </a:p>
+                  </a:txBody>
+                  <a:tcPr marL="49736" marR="49736" marT="24868" marB="24868" anchor="ctr">
+                    <a:lnL w="12700" cap="flat" cmpd="sng" algn="ctr">
+                      <a:solidFill>
+                        <a:schemeClr val="tx1"/>
+                      </a:solidFill>
+                      <a:prstDash val="solid"/>
+                      <a:round/>
+                      <a:headEnd type="none" w="med" len="med"/>
+                      <a:tailEnd type="none" w="med" len="med"/>
+                    </a:lnL>
+                    <a:lnR w="12700" cap="flat" cmpd="sng" algn="ctr">
+                      <a:solidFill>
+                        <a:schemeClr val="tx1"/>
+                      </a:solidFill>
+                      <a:prstDash val="solid"/>
+                      <a:round/>
+                      <a:headEnd type="none" w="med" len="med"/>
+                      <a:tailEnd type="none" w="med" len="med"/>
+                    </a:lnR>
+                    <a:lnT w="12700" cap="flat" cmpd="sng" algn="ctr">
+                      <a:solidFill>
+                        <a:schemeClr val="tx1"/>
+                      </a:solidFill>
+                      <a:prstDash val="solid"/>
+                      <a:round/>
+                      <a:headEnd type="none" w="med" len="med"/>
+                      <a:tailEnd type="none" w="med" len="med"/>
+                    </a:lnT>
+                    <a:lnB w="12700" cap="flat" cmpd="sng" algn="ctr">
+                      <a:solidFill>
+                        <a:schemeClr val="tx1"/>
+                      </a:solidFill>
+                      <a:prstDash val="solid"/>
+                      <a:round/>
+                      <a:headEnd type="none" w="med" len="med"/>
+                      <a:tailEnd type="none" w="med" len="med"/>
+                    </a:lnB>
+                  </a:tcPr>
+                </a:tc>
+                <a:tc>
+                  <a:txBody>
+                    <a:bodyPr/>
+                    <a:lstStyle/>
+                    <a:p>
+                      <a:r>
+                        <a:rPr lang="ru-RU" sz="1400"/>
+                        <a:t>Можливість Відправки Контенту</a:t>
+                      </a:r>
+                    </a:p>
+                  </a:txBody>
+                  <a:tcPr marL="49736" marR="49736" marT="24868" marB="24868" anchor="ctr">
+                    <a:lnL w="12700" cap="flat" cmpd="sng" algn="ctr">
+                      <a:solidFill>
+                        <a:schemeClr val="tx1"/>
+                      </a:solidFill>
+                      <a:prstDash val="solid"/>
+                      <a:round/>
+                      <a:headEnd type="none" w="med" len="med"/>
+                      <a:tailEnd type="none" w="med" len="med"/>
+                    </a:lnL>
+                    <a:lnR w="12700" cap="flat" cmpd="sng" algn="ctr">
+                      <a:solidFill>
+                        <a:schemeClr val="tx1"/>
+                      </a:solidFill>
+                      <a:prstDash val="solid"/>
+                      <a:round/>
+                      <a:headEnd type="none" w="med" len="med"/>
+                      <a:tailEnd type="none" w="med" len="med"/>
+                    </a:lnR>
+                    <a:lnT w="12700" cap="flat" cmpd="sng" algn="ctr">
+                      <a:solidFill>
+                        <a:schemeClr val="tx1"/>
+                      </a:solidFill>
+                      <a:prstDash val="solid"/>
+                      <a:round/>
+                      <a:headEnd type="none" w="med" len="med"/>
+                      <a:tailEnd type="none" w="med" len="med"/>
+                    </a:lnT>
+                    <a:lnB w="12700" cap="flat" cmpd="sng" algn="ctr">
+                      <a:solidFill>
+                        <a:schemeClr val="tx1"/>
+                      </a:solidFill>
+                      <a:prstDash val="solid"/>
+                      <a:round/>
+                      <a:headEnd type="none" w="med" len="med"/>
+                      <a:tailEnd type="none" w="med" len="med"/>
+                    </a:lnB>
+                  </a:tcPr>
+                </a:tc>
+                <a:tc>
+                  <a:txBody>
+                    <a:bodyPr/>
+                    <a:lstStyle/>
+                    <a:p>
+                      <a:r>
+                        <a:rPr lang="ru-RU" sz="1400" dirty="0" err="1"/>
+                        <a:t>Зручність</a:t>
+                      </a:r>
+                      <a:r>
+                        <a:rPr lang="ru-RU" sz="1400" dirty="0"/>
+                        <a:t> </a:t>
+                      </a:r>
+                      <a:r>
+                        <a:rPr lang="ru-RU" sz="1400" dirty="0" err="1"/>
+                        <a:t>Використання</a:t>
+                      </a:r>
+                      <a:endParaRPr lang="ru-RU" sz="1400" dirty="0"/>
+                    </a:p>
+                  </a:txBody>
+                  <a:tcPr marL="49736" marR="49736" marT="24868" marB="24868" anchor="ctr">
+                    <a:lnL w="12700" cap="flat" cmpd="sng" algn="ctr">
+                      <a:solidFill>
+                        <a:schemeClr val="tx1"/>
+                      </a:solidFill>
+                      <a:prstDash val="solid"/>
+                      <a:round/>
+                      <a:headEnd type="none" w="med" len="med"/>
+                      <a:tailEnd type="none" w="med" len="med"/>
+                    </a:lnL>
+                    <a:lnR w="12700" cap="flat" cmpd="sng" algn="ctr">
+                      <a:solidFill>
+                        <a:schemeClr val="tx1"/>
+                      </a:solidFill>
+                      <a:prstDash val="solid"/>
+                      <a:round/>
+                      <a:headEnd type="none" w="med" len="med"/>
+                      <a:tailEnd type="none" w="med" len="med"/>
+                    </a:lnR>
+                    <a:lnT w="12700" cap="flat" cmpd="sng" algn="ctr">
+                      <a:solidFill>
+                        <a:schemeClr val="tx1"/>
+                      </a:solidFill>
+                      <a:prstDash val="solid"/>
+                      <a:round/>
+                      <a:headEnd type="none" w="med" len="med"/>
+                      <a:tailEnd type="none" w="med" len="med"/>
+                    </a:lnT>
+                    <a:lnB w="12700" cap="flat" cmpd="sng" algn="ctr">
+                      <a:solidFill>
+                        <a:schemeClr val="tx1"/>
+                      </a:solidFill>
+                      <a:prstDash val="solid"/>
+                      <a:round/>
+                      <a:headEnd type="none" w="med" len="med"/>
+                      <a:tailEnd type="none" w="med" len="med"/>
+                    </a:lnB>
+                  </a:tcPr>
+                </a:tc>
+              </a:tr>
+              <a:tr h="944981">
+                <a:tc>
+                  <a:txBody>
+                    <a:bodyPr/>
+                    <a:lstStyle/>
+                    <a:p>
+                      <a:r>
+                        <a:rPr lang="en-US" sz="1400" dirty="0" err="1"/>
+                        <a:t>Upwork</a:t>
+                      </a:r>
+                      <a:endParaRPr lang="en-US" sz="1400" dirty="0"/>
+                    </a:p>
+                  </a:txBody>
+                  <a:tcPr marL="49736" marR="49736" marT="24868" marB="24868" anchor="ctr">
+                    <a:lnL w="12700" cap="flat" cmpd="sng" algn="ctr">
+                      <a:solidFill>
+                        <a:schemeClr val="tx1"/>
+                      </a:solidFill>
+                      <a:prstDash val="solid"/>
+                      <a:round/>
+                      <a:headEnd type="none" w="med" len="med"/>
+                      <a:tailEnd type="none" w="med" len="med"/>
+                    </a:lnL>
+                    <a:lnR w="12700" cap="flat" cmpd="sng" algn="ctr">
+                      <a:solidFill>
+                        <a:schemeClr val="tx1"/>
+                      </a:solidFill>
+                      <a:prstDash val="solid"/>
+                      <a:round/>
+                      <a:headEnd type="none" w="med" len="med"/>
+                      <a:tailEnd type="none" w="med" len="med"/>
+                    </a:lnR>
+                    <a:lnT w="12700" cap="flat" cmpd="sng" algn="ctr">
+                      <a:solidFill>
+                        <a:schemeClr val="tx1"/>
+                      </a:solidFill>
+                      <a:prstDash val="solid"/>
+                      <a:round/>
+                      <a:headEnd type="none" w="med" len="med"/>
+                      <a:tailEnd type="none" w="med" len="med"/>
+                    </a:lnT>
+                    <a:lnB w="12700" cap="flat" cmpd="sng" algn="ctr">
+                      <a:solidFill>
+                        <a:schemeClr val="tx1"/>
+                      </a:solidFill>
+                      <a:prstDash val="solid"/>
+                      <a:round/>
+                      <a:headEnd type="none" w="med" len="med"/>
+                      <a:tailEnd type="none" w="med" len="med"/>
+                    </a:lnB>
+                  </a:tcPr>
+                </a:tc>
+                <a:tc>
+                  <a:txBody>
+                    <a:bodyPr/>
+                    <a:lstStyle/>
+                    <a:p>
+                      <a:r>
+                        <a:rPr lang="ru-RU" sz="1400"/>
+                        <a:t>Рейтинг, глобальна аудиторія</a:t>
+                      </a:r>
+                    </a:p>
+                  </a:txBody>
+                  <a:tcPr marL="49736" marR="49736" marT="24868" marB="24868" anchor="ctr">
+                    <a:lnL w="12700" cap="flat" cmpd="sng" algn="ctr">
+                      <a:solidFill>
+                        <a:schemeClr val="tx1"/>
+                      </a:solidFill>
+                      <a:prstDash val="solid"/>
+                      <a:round/>
+                      <a:headEnd type="none" w="med" len="med"/>
+                      <a:tailEnd type="none" w="med" len="med"/>
+                    </a:lnL>
+                    <a:lnR w="12700" cap="flat" cmpd="sng" algn="ctr">
+                      <a:solidFill>
+                        <a:schemeClr val="tx1"/>
+                      </a:solidFill>
+                      <a:prstDash val="solid"/>
+                      <a:round/>
+                      <a:headEnd type="none" w="med" len="med"/>
+                      <a:tailEnd type="none" w="med" len="med"/>
+                    </a:lnR>
+                    <a:lnT w="12700" cap="flat" cmpd="sng" algn="ctr">
+                      <a:solidFill>
+                        <a:schemeClr val="tx1"/>
+                      </a:solidFill>
+                      <a:prstDash val="solid"/>
+                      <a:round/>
+                      <a:headEnd type="none" w="med" len="med"/>
+                      <a:tailEnd type="none" w="med" len="med"/>
+                    </a:lnT>
+                    <a:lnB w="12700" cap="flat" cmpd="sng" algn="ctr">
+                      <a:solidFill>
+                        <a:schemeClr val="tx1"/>
+                      </a:solidFill>
+                      <a:prstDash val="solid"/>
+                      <a:round/>
+                      <a:headEnd type="none" w="med" len="med"/>
+                      <a:tailEnd type="none" w="med" len="med"/>
+                    </a:lnB>
+                  </a:tcPr>
+                </a:tc>
+                <a:tc>
+                  <a:txBody>
+                    <a:bodyPr/>
+                    <a:lstStyle/>
+                    <a:p>
+                      <a:r>
+                        <a:rPr lang="ru-RU" sz="1400" dirty="0" err="1"/>
+                        <a:t>Глобальні</a:t>
+                      </a:r>
+                      <a:r>
+                        <a:rPr lang="ru-RU" sz="1400" dirty="0"/>
+                        <a:t> </a:t>
+                      </a:r>
+                      <a:r>
+                        <a:rPr lang="ru-RU" sz="1400" dirty="0" err="1"/>
+                        <a:t>фрілансери</a:t>
+                      </a:r>
+                      <a:r>
+                        <a:rPr lang="ru-RU" sz="1400" dirty="0"/>
+                        <a:t> з </a:t>
+                      </a:r>
+                      <a:r>
+                        <a:rPr lang="ru-RU" sz="1400" dirty="0" err="1"/>
+                        <a:t>різних</a:t>
+                      </a:r>
+                      <a:r>
+                        <a:rPr lang="ru-RU" sz="1400" dirty="0"/>
+                        <a:t> </a:t>
+                      </a:r>
+                      <a:r>
+                        <a:rPr lang="ru-RU" sz="1400" dirty="0" err="1"/>
+                        <a:t>країн</a:t>
+                      </a:r>
+                      <a:endParaRPr lang="ru-RU" sz="1400" dirty="0"/>
+                    </a:p>
+                  </a:txBody>
+                  <a:tcPr marL="49736" marR="49736" marT="24868" marB="24868" anchor="ctr">
+                    <a:lnL w="12700" cap="flat" cmpd="sng" algn="ctr">
+                      <a:solidFill>
+                        <a:schemeClr val="tx1"/>
+                      </a:solidFill>
+                      <a:prstDash val="solid"/>
+                      <a:round/>
+                      <a:headEnd type="none" w="med" len="med"/>
+                      <a:tailEnd type="none" w="med" len="med"/>
+                    </a:lnL>
+                    <a:lnR w="12700" cap="flat" cmpd="sng" algn="ctr">
+                      <a:solidFill>
+                        <a:schemeClr val="tx1"/>
+                      </a:solidFill>
+                      <a:prstDash val="solid"/>
+                      <a:round/>
+                      <a:headEnd type="none" w="med" len="med"/>
+                      <a:tailEnd type="none" w="med" len="med"/>
+                    </a:lnR>
+                    <a:lnT w="12700" cap="flat" cmpd="sng" algn="ctr">
+                      <a:solidFill>
+                        <a:schemeClr val="tx1"/>
+                      </a:solidFill>
+                      <a:prstDash val="solid"/>
+                      <a:round/>
+                      <a:headEnd type="none" w="med" len="med"/>
+                      <a:tailEnd type="none" w="med" len="med"/>
+                    </a:lnT>
+                    <a:lnB w="12700" cap="flat" cmpd="sng" algn="ctr">
+                      <a:solidFill>
+                        <a:schemeClr val="tx1"/>
+                      </a:solidFill>
+                      <a:prstDash val="solid"/>
+                      <a:round/>
+                      <a:headEnd type="none" w="med" len="med"/>
+                      <a:tailEnd type="none" w="med" len="med"/>
+                    </a:lnB>
+                  </a:tcPr>
+                </a:tc>
+                <a:tc>
+                  <a:txBody>
+                    <a:bodyPr/>
+                    <a:lstStyle/>
+                    <a:p>
+                      <a:r>
+                        <a:rPr lang="ru-RU" sz="1400" dirty="0" err="1"/>
+                        <a:t>Програмування</a:t>
+                      </a:r>
+                      <a:r>
+                        <a:rPr lang="ru-RU" sz="1400" dirty="0"/>
+                        <a:t>, дизайн, </a:t>
+                      </a:r>
+                      <a:r>
+                        <a:rPr lang="ru-RU" sz="1400" dirty="0" err="1"/>
+                        <a:t>копірайтинг</a:t>
+                      </a:r>
+                      <a:endParaRPr lang="ru-RU" sz="1400" dirty="0"/>
+                    </a:p>
+                  </a:txBody>
+                  <a:tcPr marL="49736" marR="49736" marT="24868" marB="24868" anchor="ctr">
+                    <a:lnL w="12700" cap="flat" cmpd="sng" algn="ctr">
+                      <a:solidFill>
+                        <a:schemeClr val="tx1"/>
+                      </a:solidFill>
+                      <a:prstDash val="solid"/>
+                      <a:round/>
+                      <a:headEnd type="none" w="med" len="med"/>
+                      <a:tailEnd type="none" w="med" len="med"/>
+                    </a:lnL>
+                    <a:lnR w="12700" cap="flat" cmpd="sng" algn="ctr">
+                      <a:solidFill>
+                        <a:schemeClr val="tx1"/>
+                      </a:solidFill>
+                      <a:prstDash val="solid"/>
+                      <a:round/>
+                      <a:headEnd type="none" w="med" len="med"/>
+                      <a:tailEnd type="none" w="med" len="med"/>
+                    </a:lnR>
+                    <a:lnT w="12700" cap="flat" cmpd="sng" algn="ctr">
+                      <a:solidFill>
+                        <a:schemeClr val="tx1"/>
+                      </a:solidFill>
+                      <a:prstDash val="solid"/>
+                      <a:round/>
+                      <a:headEnd type="none" w="med" len="med"/>
+                      <a:tailEnd type="none" w="med" len="med"/>
+                    </a:lnT>
+                    <a:lnB w="12700" cap="flat" cmpd="sng" algn="ctr">
+                      <a:solidFill>
+                        <a:schemeClr val="tx1"/>
+                      </a:solidFill>
+                      <a:prstDash val="solid"/>
+                      <a:round/>
+                      <a:headEnd type="none" w="med" len="med"/>
+                      <a:tailEnd type="none" w="med" len="med"/>
+                    </a:lnB>
+                  </a:tcPr>
+                </a:tc>
+                <a:tc>
+                  <a:txBody>
+                    <a:bodyPr/>
+                    <a:lstStyle/>
+                    <a:p>
+                      <a:r>
+                        <a:rPr lang="ru-RU" sz="1400" dirty="0"/>
+                        <a:t>Є</a:t>
+                      </a:r>
+                    </a:p>
+                  </a:txBody>
+                  <a:tcPr marL="49736" marR="49736" marT="24868" marB="24868" anchor="ctr">
+                    <a:lnL w="12700" cap="flat" cmpd="sng" algn="ctr">
+                      <a:solidFill>
+                        <a:schemeClr val="tx1"/>
+                      </a:solidFill>
+                      <a:prstDash val="solid"/>
+                      <a:round/>
+                      <a:headEnd type="none" w="med" len="med"/>
+                      <a:tailEnd type="none" w="med" len="med"/>
+                    </a:lnL>
+                    <a:lnR w="12700" cap="flat" cmpd="sng" algn="ctr">
+                      <a:solidFill>
+                        <a:schemeClr val="tx1"/>
+                      </a:solidFill>
+                      <a:prstDash val="solid"/>
+                      <a:round/>
+                      <a:headEnd type="none" w="med" len="med"/>
+                      <a:tailEnd type="none" w="med" len="med"/>
+                    </a:lnR>
+                    <a:lnT w="12700" cap="flat" cmpd="sng" algn="ctr">
+                      <a:solidFill>
+                        <a:schemeClr val="tx1"/>
+                      </a:solidFill>
+                      <a:prstDash val="solid"/>
+                      <a:round/>
+                      <a:headEnd type="none" w="med" len="med"/>
+                      <a:tailEnd type="none" w="med" len="med"/>
+                    </a:lnT>
+                    <a:lnB w="12700" cap="flat" cmpd="sng" algn="ctr">
+                      <a:solidFill>
+                        <a:schemeClr val="tx1"/>
+                      </a:solidFill>
+                      <a:prstDash val="solid"/>
+                      <a:round/>
+                      <a:headEnd type="none" w="med" len="med"/>
+                      <a:tailEnd type="none" w="med" len="med"/>
+                    </a:lnB>
+                  </a:tcPr>
+                </a:tc>
+                <a:tc>
+                  <a:txBody>
+                    <a:bodyPr/>
+                    <a:lstStyle/>
+                    <a:p>
+                      <a:r>
+                        <a:rPr lang="ru-RU" sz="1400" dirty="0"/>
+                        <a:t>Так</a:t>
+                      </a:r>
+                    </a:p>
+                  </a:txBody>
+                  <a:tcPr marL="49736" marR="49736" marT="24868" marB="24868" anchor="ctr">
+                    <a:lnL w="12700" cap="flat" cmpd="sng" algn="ctr">
+                      <a:solidFill>
+                        <a:schemeClr val="tx1"/>
+                      </a:solidFill>
+                      <a:prstDash val="solid"/>
+                      <a:round/>
+                      <a:headEnd type="none" w="med" len="med"/>
+                      <a:tailEnd type="none" w="med" len="med"/>
+                    </a:lnL>
+                    <a:lnR w="12700" cap="flat" cmpd="sng" algn="ctr">
+                      <a:solidFill>
+                        <a:schemeClr val="tx1"/>
+                      </a:solidFill>
+                      <a:prstDash val="solid"/>
+                      <a:round/>
+                      <a:headEnd type="none" w="med" len="med"/>
+                      <a:tailEnd type="none" w="med" len="med"/>
+                    </a:lnR>
+                    <a:lnT w="12700" cap="flat" cmpd="sng" algn="ctr">
+                      <a:solidFill>
+                        <a:schemeClr val="tx1"/>
+                      </a:solidFill>
+                      <a:prstDash val="solid"/>
+                      <a:round/>
+                      <a:headEnd type="none" w="med" len="med"/>
+                      <a:tailEnd type="none" w="med" len="med"/>
+                    </a:lnT>
+                    <a:lnB w="12700" cap="flat" cmpd="sng" algn="ctr">
+                      <a:solidFill>
+                        <a:schemeClr val="tx1"/>
+                      </a:solidFill>
+                      <a:prstDash val="solid"/>
+                      <a:round/>
+                      <a:headEnd type="none" w="med" len="med"/>
+                      <a:tailEnd type="none" w="med" len="med"/>
+                    </a:lnB>
+                  </a:tcPr>
+                </a:tc>
+                <a:tc>
+                  <a:txBody>
+                    <a:bodyPr/>
+                    <a:lstStyle/>
+                    <a:p>
+                      <a:r>
+                        <a:rPr lang="ru-RU" sz="1400" dirty="0" err="1"/>
+                        <a:t>Сучасний</a:t>
+                      </a:r>
+                      <a:r>
+                        <a:rPr lang="ru-RU" sz="1400" dirty="0"/>
+                        <a:t>, </a:t>
+                      </a:r>
+                      <a:r>
+                        <a:rPr lang="ru-RU" sz="1400" dirty="0" err="1"/>
+                        <a:t>зручний</a:t>
+                      </a:r>
+                      <a:endParaRPr lang="ru-RU" sz="1400" dirty="0"/>
+                    </a:p>
+                  </a:txBody>
+                  <a:tcPr marL="49736" marR="49736" marT="24868" marB="24868" anchor="ctr">
+                    <a:lnL w="12700" cap="flat" cmpd="sng" algn="ctr">
+                      <a:solidFill>
+                        <a:schemeClr val="tx1"/>
+                      </a:solidFill>
+                      <a:prstDash val="solid"/>
+                      <a:round/>
+                      <a:headEnd type="none" w="med" len="med"/>
+                      <a:tailEnd type="none" w="med" len="med"/>
+                    </a:lnL>
+                    <a:lnR w="12700" cap="flat" cmpd="sng" algn="ctr">
+                      <a:solidFill>
+                        <a:schemeClr val="tx1"/>
+                      </a:solidFill>
+                      <a:prstDash val="solid"/>
+                      <a:round/>
+                      <a:headEnd type="none" w="med" len="med"/>
+                      <a:tailEnd type="none" w="med" len="med"/>
+                    </a:lnR>
+                    <a:lnT w="12700" cap="flat" cmpd="sng" algn="ctr">
+                      <a:solidFill>
+                        <a:schemeClr val="tx1"/>
+                      </a:solidFill>
+                      <a:prstDash val="solid"/>
+                      <a:round/>
+                      <a:headEnd type="none" w="med" len="med"/>
+                      <a:tailEnd type="none" w="med" len="med"/>
+                    </a:lnT>
+                    <a:lnB w="12700" cap="flat" cmpd="sng" algn="ctr">
+                      <a:solidFill>
+                        <a:schemeClr val="tx1"/>
+                      </a:solidFill>
+                      <a:prstDash val="solid"/>
+                      <a:round/>
+                      <a:headEnd type="none" w="med" len="med"/>
+                      <a:tailEnd type="none" w="med" len="med"/>
+                    </a:lnB>
+                  </a:tcPr>
+                </a:tc>
+                <a:tc>
+                  <a:txBody>
+                    <a:bodyPr/>
+                    <a:lstStyle/>
+                    <a:p>
+                      <a:r>
+                        <a:rPr lang="ru-RU" sz="1400" dirty="0"/>
+                        <a:t>Так</a:t>
+                      </a:r>
+                    </a:p>
+                  </a:txBody>
+                  <a:tcPr marL="49736" marR="49736" marT="24868" marB="24868" anchor="ctr">
+                    <a:lnL w="12700" cap="flat" cmpd="sng" algn="ctr">
+                      <a:solidFill>
+                        <a:schemeClr val="tx1"/>
+                      </a:solidFill>
+                      <a:prstDash val="solid"/>
+                      <a:round/>
+                      <a:headEnd type="none" w="med" len="med"/>
+                      <a:tailEnd type="none" w="med" len="med"/>
+                    </a:lnL>
+                    <a:lnR w="12700" cap="flat" cmpd="sng" algn="ctr">
+                      <a:solidFill>
+                        <a:schemeClr val="tx1"/>
+                      </a:solidFill>
+                      <a:prstDash val="solid"/>
+                      <a:round/>
+                      <a:headEnd type="none" w="med" len="med"/>
+                      <a:tailEnd type="none" w="med" len="med"/>
+                    </a:lnR>
+                    <a:lnT w="12700" cap="flat" cmpd="sng" algn="ctr">
+                      <a:solidFill>
+                        <a:schemeClr val="tx1"/>
+                      </a:solidFill>
+                      <a:prstDash val="solid"/>
+                      <a:round/>
+                      <a:headEnd type="none" w="med" len="med"/>
+                      <a:tailEnd type="none" w="med" len="med"/>
+                    </a:lnT>
+                    <a:lnB w="12700" cap="flat" cmpd="sng" algn="ctr">
+                      <a:solidFill>
+                        <a:schemeClr val="tx1"/>
+                      </a:solidFill>
+                      <a:prstDash val="solid"/>
+                      <a:round/>
+                      <a:headEnd type="none" w="med" len="med"/>
+                      <a:tailEnd type="none" w="med" len="med"/>
+                    </a:lnB>
+                  </a:tcPr>
+                </a:tc>
+                <a:tc>
+                  <a:txBody>
+                    <a:bodyPr/>
+                    <a:lstStyle/>
+                    <a:p>
+                      <a:r>
+                        <a:rPr lang="ru-RU" sz="1400" dirty="0" err="1"/>
+                        <a:t>Файли</a:t>
+                      </a:r>
+                      <a:endParaRPr lang="ru-RU" sz="1400" dirty="0"/>
+                    </a:p>
+                  </a:txBody>
+                  <a:tcPr marL="49736" marR="49736" marT="24868" marB="24868" anchor="ctr">
+                    <a:lnL w="12700" cap="flat" cmpd="sng" algn="ctr">
+                      <a:solidFill>
+                        <a:schemeClr val="tx1"/>
+                      </a:solidFill>
+                      <a:prstDash val="solid"/>
+                      <a:round/>
+                      <a:headEnd type="none" w="med" len="med"/>
+                      <a:tailEnd type="none" w="med" len="med"/>
+                    </a:lnL>
+                    <a:lnR w="12700" cap="flat" cmpd="sng" algn="ctr">
+                      <a:solidFill>
+                        <a:schemeClr val="tx1"/>
+                      </a:solidFill>
+                      <a:prstDash val="solid"/>
+                      <a:round/>
+                      <a:headEnd type="none" w="med" len="med"/>
+                      <a:tailEnd type="none" w="med" len="med"/>
+                    </a:lnR>
+                    <a:lnT w="12700" cap="flat" cmpd="sng" algn="ctr">
+                      <a:solidFill>
+                        <a:schemeClr val="tx1"/>
+                      </a:solidFill>
+                      <a:prstDash val="solid"/>
+                      <a:round/>
+                      <a:headEnd type="none" w="med" len="med"/>
+                      <a:tailEnd type="none" w="med" len="med"/>
+                    </a:lnT>
+                    <a:lnB w="12700" cap="flat" cmpd="sng" algn="ctr">
+                      <a:solidFill>
+                        <a:schemeClr val="tx1"/>
+                      </a:solidFill>
+                      <a:prstDash val="solid"/>
+                      <a:round/>
+                      <a:headEnd type="none" w="med" len="med"/>
+                      <a:tailEnd type="none" w="med" len="med"/>
+                    </a:lnB>
+                  </a:tcPr>
+                </a:tc>
+                <a:tc>
+                  <a:txBody>
+                    <a:bodyPr/>
+                    <a:lstStyle/>
+                    <a:p>
+                      <a:r>
+                        <a:rPr lang="ru-RU" sz="1400"/>
+                        <a:t>Так</a:t>
+                      </a:r>
+                    </a:p>
+                  </a:txBody>
+                  <a:tcPr marL="49736" marR="49736" marT="24868" marB="24868" anchor="ctr">
+                    <a:lnL w="12700" cap="flat" cmpd="sng" algn="ctr">
+                      <a:solidFill>
+                        <a:schemeClr val="tx1"/>
+                      </a:solidFill>
+                      <a:prstDash val="solid"/>
+                      <a:round/>
+                      <a:headEnd type="none" w="med" len="med"/>
+                      <a:tailEnd type="none" w="med" len="med"/>
+                    </a:lnL>
+                    <a:lnR w="12700" cap="flat" cmpd="sng" algn="ctr">
+                      <a:solidFill>
+                        <a:schemeClr val="tx1"/>
+                      </a:solidFill>
+                      <a:prstDash val="solid"/>
+                      <a:round/>
+                      <a:headEnd type="none" w="med" len="med"/>
+                      <a:tailEnd type="none" w="med" len="med"/>
+                    </a:lnR>
+                    <a:lnT w="12700" cap="flat" cmpd="sng" algn="ctr">
+                      <a:solidFill>
+                        <a:schemeClr val="tx1"/>
+                      </a:solidFill>
+                      <a:prstDash val="solid"/>
+                      <a:round/>
+                      <a:headEnd type="none" w="med" len="med"/>
+                      <a:tailEnd type="none" w="med" len="med"/>
+                    </a:lnT>
+                    <a:lnB w="12700" cap="flat" cmpd="sng" algn="ctr">
+                      <a:solidFill>
+                        <a:schemeClr val="tx1"/>
+                      </a:solidFill>
+                      <a:prstDash val="solid"/>
+                      <a:round/>
+                      <a:headEnd type="none" w="med" len="med"/>
+                      <a:tailEnd type="none" w="med" len="med"/>
+                    </a:lnB>
+                  </a:tcPr>
+                </a:tc>
+              </a:tr>
+              <a:tr h="1392604">
+                <a:tc>
+                  <a:txBody>
+                    <a:bodyPr/>
+                    <a:lstStyle/>
+                    <a:p>
+                      <a:r>
+                        <a:rPr lang="en-US" sz="1400"/>
+                        <a:t>Fiverr</a:t>
+                      </a:r>
+                    </a:p>
+                  </a:txBody>
+                  <a:tcPr marL="49736" marR="49736" marT="24868" marB="24868" anchor="ctr">
+                    <a:lnL w="12700" cap="flat" cmpd="sng" algn="ctr">
+                      <a:solidFill>
+                        <a:schemeClr val="tx1"/>
+                      </a:solidFill>
+                      <a:prstDash val="solid"/>
+                      <a:round/>
+                      <a:headEnd type="none" w="med" len="med"/>
+                      <a:tailEnd type="none" w="med" len="med"/>
+                    </a:lnL>
+                    <a:lnR w="12700" cap="flat" cmpd="sng" algn="ctr">
+                      <a:solidFill>
+                        <a:schemeClr val="tx1"/>
+                      </a:solidFill>
+                      <a:prstDash val="solid"/>
+                      <a:round/>
+                      <a:headEnd type="none" w="med" len="med"/>
+                      <a:tailEnd type="none" w="med" len="med"/>
+                    </a:lnR>
+                    <a:lnT w="12700" cap="flat" cmpd="sng" algn="ctr">
+                      <a:solidFill>
+                        <a:schemeClr val="tx1"/>
+                      </a:solidFill>
+                      <a:prstDash val="solid"/>
+                      <a:round/>
+                      <a:headEnd type="none" w="med" len="med"/>
+                      <a:tailEnd type="none" w="med" len="med"/>
+                    </a:lnT>
+                    <a:lnB w="12700" cap="flat" cmpd="sng" algn="ctr">
+                      <a:solidFill>
+                        <a:schemeClr val="tx1"/>
+                      </a:solidFill>
+                      <a:prstDash val="solid"/>
+                      <a:round/>
+                      <a:headEnd type="none" w="med" len="med"/>
+                      <a:tailEnd type="none" w="med" len="med"/>
+                    </a:lnB>
+                  </a:tcPr>
+                </a:tc>
+                <a:tc>
+                  <a:txBody>
+                    <a:bodyPr/>
+                    <a:lstStyle/>
+                    <a:p>
+                      <a:r>
+                        <a:rPr lang="ru-RU" sz="1400" dirty="0"/>
+                        <a:t>Рейтинг, </a:t>
+                      </a:r>
+                      <a:r>
+                        <a:rPr lang="ru-RU" sz="1400" dirty="0" err="1" smtClean="0"/>
+                        <a:t>чітке</a:t>
+                      </a:r>
+                      <a:r>
+                        <a:rPr lang="ru-RU" sz="1400" baseline="0" dirty="0" smtClean="0"/>
+                        <a:t> </a:t>
+                      </a:r>
+                      <a:r>
+                        <a:rPr lang="ru-RU" sz="1400" baseline="0" dirty="0" err="1" smtClean="0"/>
+                        <a:t>розбиття</a:t>
+                      </a:r>
+                      <a:r>
+                        <a:rPr lang="ru-RU" sz="1400" dirty="0" smtClean="0"/>
+                        <a:t> </a:t>
+                      </a:r>
+                      <a:r>
+                        <a:rPr lang="ru-RU" sz="1400" dirty="0" err="1" smtClean="0"/>
+                        <a:t>послуг</a:t>
+                      </a:r>
+                      <a:r>
+                        <a:rPr lang="ru-RU" sz="1400" dirty="0" smtClean="0"/>
+                        <a:t> на </a:t>
+                      </a:r>
+                      <a:r>
+                        <a:rPr lang="ru-RU" sz="1400" dirty="0" err="1" smtClean="0"/>
+                        <a:t>категорії</a:t>
+                      </a:r>
+                      <a:endParaRPr lang="ru-RU" sz="1400" dirty="0"/>
+                    </a:p>
+                  </a:txBody>
+                  <a:tcPr marL="49736" marR="49736" marT="24868" marB="24868" anchor="ctr">
+                    <a:lnL w="12700" cap="flat" cmpd="sng" algn="ctr">
+                      <a:solidFill>
+                        <a:schemeClr val="tx1"/>
+                      </a:solidFill>
+                      <a:prstDash val="solid"/>
+                      <a:round/>
+                      <a:headEnd type="none" w="med" len="med"/>
+                      <a:tailEnd type="none" w="med" len="med"/>
+                    </a:lnL>
+                    <a:lnR w="12700" cap="flat" cmpd="sng" algn="ctr">
+                      <a:solidFill>
+                        <a:schemeClr val="tx1"/>
+                      </a:solidFill>
+                      <a:prstDash val="solid"/>
+                      <a:round/>
+                      <a:headEnd type="none" w="med" len="med"/>
+                      <a:tailEnd type="none" w="med" len="med"/>
+                    </a:lnR>
+                    <a:lnT w="12700" cap="flat" cmpd="sng" algn="ctr">
+                      <a:solidFill>
+                        <a:schemeClr val="tx1"/>
+                      </a:solidFill>
+                      <a:prstDash val="solid"/>
+                      <a:round/>
+                      <a:headEnd type="none" w="med" len="med"/>
+                      <a:tailEnd type="none" w="med" len="med"/>
+                    </a:lnT>
+                    <a:lnB w="12700" cap="flat" cmpd="sng" algn="ctr">
+                      <a:solidFill>
+                        <a:schemeClr val="tx1"/>
+                      </a:solidFill>
+                      <a:prstDash val="solid"/>
+                      <a:round/>
+                      <a:headEnd type="none" w="med" len="med"/>
+                      <a:tailEnd type="none" w="med" len="med"/>
+                    </a:lnB>
+                  </a:tcPr>
+                </a:tc>
+                <a:tc>
+                  <a:txBody>
+                    <a:bodyPr/>
+                    <a:lstStyle/>
+                    <a:p>
+                      <a:r>
+                        <a:rPr lang="ru-RU" sz="1400" dirty="0" err="1" smtClean="0"/>
+                        <a:t>Глобальні</a:t>
+                      </a:r>
+                      <a:r>
+                        <a:rPr lang="ru-RU" sz="1400" dirty="0" smtClean="0"/>
+                        <a:t> </a:t>
+                      </a:r>
+                      <a:r>
+                        <a:rPr lang="ru-RU" sz="1400" dirty="0" err="1" smtClean="0"/>
+                        <a:t>фрілансери</a:t>
+                      </a:r>
+                      <a:r>
+                        <a:rPr lang="ru-RU" sz="1400" dirty="0" smtClean="0"/>
+                        <a:t> з </a:t>
+                      </a:r>
+                      <a:r>
+                        <a:rPr lang="ru-RU" sz="1400" dirty="0" err="1" smtClean="0"/>
+                        <a:t>різних</a:t>
+                      </a:r>
+                      <a:r>
+                        <a:rPr lang="ru-RU" sz="1400" dirty="0" smtClean="0"/>
+                        <a:t> </a:t>
+                      </a:r>
+                      <a:r>
+                        <a:rPr lang="ru-RU" sz="1400" dirty="0" err="1" smtClean="0"/>
+                        <a:t>країн</a:t>
+                      </a:r>
+                      <a:endParaRPr lang="ru-RU" sz="1400" dirty="0"/>
+                    </a:p>
+                  </a:txBody>
+                  <a:tcPr marL="49736" marR="49736" marT="24868" marB="24868" anchor="ctr">
+                    <a:lnL w="12700" cap="flat" cmpd="sng" algn="ctr">
+                      <a:solidFill>
+                        <a:schemeClr val="tx1"/>
+                      </a:solidFill>
+                      <a:prstDash val="solid"/>
+                      <a:round/>
+                      <a:headEnd type="none" w="med" len="med"/>
+                      <a:tailEnd type="none" w="med" len="med"/>
+                    </a:lnL>
+                    <a:lnR w="12700" cap="flat" cmpd="sng" algn="ctr">
+                      <a:solidFill>
+                        <a:schemeClr val="tx1"/>
+                      </a:solidFill>
+                      <a:prstDash val="solid"/>
+                      <a:round/>
+                      <a:headEnd type="none" w="med" len="med"/>
+                      <a:tailEnd type="none" w="med" len="med"/>
+                    </a:lnR>
+                    <a:lnT w="12700" cap="flat" cmpd="sng" algn="ctr">
+                      <a:solidFill>
+                        <a:schemeClr val="tx1"/>
+                      </a:solidFill>
+                      <a:prstDash val="solid"/>
+                      <a:round/>
+                      <a:headEnd type="none" w="med" len="med"/>
+                      <a:tailEnd type="none" w="med" len="med"/>
+                    </a:lnT>
+                    <a:lnB w="12700" cap="flat" cmpd="sng" algn="ctr">
+                      <a:solidFill>
+                        <a:schemeClr val="tx1"/>
+                      </a:solidFill>
+                      <a:prstDash val="solid"/>
+                      <a:round/>
+                      <a:headEnd type="none" w="med" len="med"/>
+                      <a:tailEnd type="none" w="med" len="med"/>
+                    </a:lnB>
+                  </a:tcPr>
+                </a:tc>
+                <a:tc>
+                  <a:txBody>
+                    <a:bodyPr/>
+                    <a:lstStyle/>
+                    <a:p>
+                      <a:r>
+                        <a:rPr lang="ru-RU" sz="1400" dirty="0" err="1"/>
+                        <a:t>Графічний</a:t>
+                      </a:r>
+                      <a:r>
+                        <a:rPr lang="ru-RU" sz="1400" dirty="0"/>
+                        <a:t> дизайн, </a:t>
+                      </a:r>
+                      <a:r>
+                        <a:rPr lang="ru-RU" sz="1400" dirty="0" err="1"/>
+                        <a:t>відеоролики</a:t>
+                      </a:r>
+                      <a:r>
+                        <a:rPr lang="ru-RU" sz="1400" dirty="0"/>
+                        <a:t>, </a:t>
+                      </a:r>
+                      <a:endParaRPr lang="ru-RU" sz="1400" dirty="0" smtClean="0"/>
+                    </a:p>
+                    <a:p>
+                      <a:r>
+                        <a:rPr lang="ru-RU" sz="1400" dirty="0" err="1" smtClean="0"/>
+                        <a:t>друкарські</a:t>
+                      </a:r>
+                      <a:r>
+                        <a:rPr lang="ru-RU" sz="1400" dirty="0" smtClean="0"/>
+                        <a:t> </a:t>
+                      </a:r>
+                      <a:r>
+                        <a:rPr lang="ru-RU" sz="1400" dirty="0" err="1"/>
+                        <a:t>послуги</a:t>
+                      </a:r>
+                      <a:endParaRPr lang="ru-RU" sz="1400" dirty="0"/>
+                    </a:p>
+                  </a:txBody>
+                  <a:tcPr marL="49736" marR="49736" marT="24868" marB="24868" anchor="ctr">
+                    <a:lnL w="12700" cap="flat" cmpd="sng" algn="ctr">
+                      <a:solidFill>
+                        <a:schemeClr val="tx1"/>
+                      </a:solidFill>
+                      <a:prstDash val="solid"/>
+                      <a:round/>
+                      <a:headEnd type="none" w="med" len="med"/>
+                      <a:tailEnd type="none" w="med" len="med"/>
+                    </a:lnL>
+                    <a:lnR w="12700" cap="flat" cmpd="sng" algn="ctr">
+                      <a:solidFill>
+                        <a:schemeClr val="tx1"/>
+                      </a:solidFill>
+                      <a:prstDash val="solid"/>
+                      <a:round/>
+                      <a:headEnd type="none" w="med" len="med"/>
+                      <a:tailEnd type="none" w="med" len="med"/>
+                    </a:lnR>
+                    <a:lnT w="12700" cap="flat" cmpd="sng" algn="ctr">
+                      <a:solidFill>
+                        <a:schemeClr val="tx1"/>
+                      </a:solidFill>
+                      <a:prstDash val="solid"/>
+                      <a:round/>
+                      <a:headEnd type="none" w="med" len="med"/>
+                      <a:tailEnd type="none" w="med" len="med"/>
+                    </a:lnT>
+                    <a:lnB w="12700" cap="flat" cmpd="sng" algn="ctr">
+                      <a:solidFill>
+                        <a:schemeClr val="tx1"/>
+                      </a:solidFill>
+                      <a:prstDash val="solid"/>
+                      <a:round/>
+                      <a:headEnd type="none" w="med" len="med"/>
+                      <a:tailEnd type="none" w="med" len="med"/>
+                    </a:lnB>
+                  </a:tcPr>
+                </a:tc>
+                <a:tc>
+                  <a:txBody>
+                    <a:bodyPr/>
+                    <a:lstStyle/>
+                    <a:p>
+                      <a:r>
+                        <a:rPr lang="ru-RU" sz="1400"/>
+                        <a:t>Є</a:t>
+                      </a:r>
+                    </a:p>
+                  </a:txBody>
+                  <a:tcPr marL="49736" marR="49736" marT="24868" marB="24868" anchor="ctr">
+                    <a:lnL w="12700" cap="flat" cmpd="sng" algn="ctr">
+                      <a:solidFill>
+                        <a:schemeClr val="tx1"/>
+                      </a:solidFill>
+                      <a:prstDash val="solid"/>
+                      <a:round/>
+                      <a:headEnd type="none" w="med" len="med"/>
+                      <a:tailEnd type="none" w="med" len="med"/>
+                    </a:lnL>
+                    <a:lnR w="12700" cap="flat" cmpd="sng" algn="ctr">
+                      <a:solidFill>
+                        <a:schemeClr val="tx1"/>
+                      </a:solidFill>
+                      <a:prstDash val="solid"/>
+                      <a:round/>
+                      <a:headEnd type="none" w="med" len="med"/>
+                      <a:tailEnd type="none" w="med" len="med"/>
+                    </a:lnR>
+                    <a:lnT w="12700" cap="flat" cmpd="sng" algn="ctr">
+                      <a:solidFill>
+                        <a:schemeClr val="tx1"/>
+                      </a:solidFill>
+                      <a:prstDash val="solid"/>
+                      <a:round/>
+                      <a:headEnd type="none" w="med" len="med"/>
+                      <a:tailEnd type="none" w="med" len="med"/>
+                    </a:lnT>
+                    <a:lnB w="12700" cap="flat" cmpd="sng" algn="ctr">
+                      <a:solidFill>
+                        <a:schemeClr val="tx1"/>
+                      </a:solidFill>
+                      <a:prstDash val="solid"/>
+                      <a:round/>
+                      <a:headEnd type="none" w="med" len="med"/>
+                      <a:tailEnd type="none" w="med" len="med"/>
+                    </a:lnB>
+                  </a:tcPr>
+                </a:tc>
+                <a:tc>
+                  <a:txBody>
+                    <a:bodyPr/>
+                    <a:lstStyle/>
+                    <a:p>
+                      <a:r>
+                        <a:rPr lang="ru-RU" sz="1400"/>
+                        <a:t>Так</a:t>
+                      </a:r>
+                    </a:p>
+                  </a:txBody>
+                  <a:tcPr marL="49736" marR="49736" marT="24868" marB="24868" anchor="ctr">
+                    <a:lnL w="12700" cap="flat" cmpd="sng" algn="ctr">
+                      <a:solidFill>
+                        <a:schemeClr val="tx1"/>
+                      </a:solidFill>
+                      <a:prstDash val="solid"/>
+                      <a:round/>
+                      <a:headEnd type="none" w="med" len="med"/>
+                      <a:tailEnd type="none" w="med" len="med"/>
+                    </a:lnL>
+                    <a:lnR w="12700" cap="flat" cmpd="sng" algn="ctr">
+                      <a:solidFill>
+                        <a:schemeClr val="tx1"/>
+                      </a:solidFill>
+                      <a:prstDash val="solid"/>
+                      <a:round/>
+                      <a:headEnd type="none" w="med" len="med"/>
+                      <a:tailEnd type="none" w="med" len="med"/>
+                    </a:lnR>
+                    <a:lnT w="12700" cap="flat" cmpd="sng" algn="ctr">
+                      <a:solidFill>
+                        <a:schemeClr val="tx1"/>
+                      </a:solidFill>
+                      <a:prstDash val="solid"/>
+                      <a:round/>
+                      <a:headEnd type="none" w="med" len="med"/>
+                      <a:tailEnd type="none" w="med" len="med"/>
+                    </a:lnT>
+                    <a:lnB w="12700" cap="flat" cmpd="sng" algn="ctr">
+                      <a:solidFill>
+                        <a:schemeClr val="tx1"/>
+                      </a:solidFill>
+                      <a:prstDash val="solid"/>
+                      <a:round/>
+                      <a:headEnd type="none" w="med" len="med"/>
+                      <a:tailEnd type="none" w="med" len="med"/>
+                    </a:lnB>
+                  </a:tcPr>
+                </a:tc>
+                <a:tc>
+                  <a:txBody>
+                    <a:bodyPr/>
+                    <a:lstStyle/>
+                    <a:p>
+                      <a:r>
+                        <a:rPr lang="ru-RU" sz="1400" dirty="0" err="1"/>
+                        <a:t>Простий</a:t>
+                      </a:r>
+                      <a:r>
+                        <a:rPr lang="ru-RU" sz="1400" dirty="0"/>
+                        <a:t>, з </a:t>
+                      </a:r>
+                      <a:r>
+                        <a:rPr lang="ru-RU" sz="1400" dirty="0" err="1" smtClean="0"/>
+                        <a:t>чітким</a:t>
+                      </a:r>
+                      <a:r>
+                        <a:rPr lang="ru-RU" sz="1400" dirty="0" smtClean="0"/>
+                        <a:t> </a:t>
+                      </a:r>
+                      <a:r>
+                        <a:rPr lang="ru-RU" sz="1400" dirty="0" err="1" smtClean="0"/>
+                        <a:t>розбиттям</a:t>
+                      </a:r>
+                      <a:r>
+                        <a:rPr lang="ru-RU" sz="1400" dirty="0" smtClean="0"/>
+                        <a:t> на </a:t>
+                      </a:r>
+                      <a:r>
+                        <a:rPr lang="ru-RU" sz="1400" dirty="0" err="1" smtClean="0"/>
+                        <a:t>категорії</a:t>
+                      </a:r>
+                      <a:endParaRPr lang="ru-RU" sz="1400" dirty="0"/>
+                    </a:p>
+                  </a:txBody>
+                  <a:tcPr marL="49736" marR="49736" marT="24868" marB="24868" anchor="ctr">
+                    <a:lnL w="12700" cap="flat" cmpd="sng" algn="ctr">
+                      <a:solidFill>
+                        <a:schemeClr val="tx1"/>
+                      </a:solidFill>
+                      <a:prstDash val="solid"/>
+                      <a:round/>
+                      <a:headEnd type="none" w="med" len="med"/>
+                      <a:tailEnd type="none" w="med" len="med"/>
+                    </a:lnL>
+                    <a:lnR w="12700" cap="flat" cmpd="sng" algn="ctr">
+                      <a:solidFill>
+                        <a:schemeClr val="tx1"/>
+                      </a:solidFill>
+                      <a:prstDash val="solid"/>
+                      <a:round/>
+                      <a:headEnd type="none" w="med" len="med"/>
+                      <a:tailEnd type="none" w="med" len="med"/>
+                    </a:lnR>
+                    <a:lnT w="12700" cap="flat" cmpd="sng" algn="ctr">
+                      <a:solidFill>
+                        <a:schemeClr val="tx1"/>
+                      </a:solidFill>
+                      <a:prstDash val="solid"/>
+                      <a:round/>
+                      <a:headEnd type="none" w="med" len="med"/>
+                      <a:tailEnd type="none" w="med" len="med"/>
+                    </a:lnT>
+                    <a:lnB w="12700" cap="flat" cmpd="sng" algn="ctr">
+                      <a:solidFill>
+                        <a:schemeClr val="tx1"/>
+                      </a:solidFill>
+                      <a:prstDash val="solid"/>
+                      <a:round/>
+                      <a:headEnd type="none" w="med" len="med"/>
+                      <a:tailEnd type="none" w="med" len="med"/>
+                    </a:lnB>
+                  </a:tcPr>
+                </a:tc>
+                <a:tc>
+                  <a:txBody>
+                    <a:bodyPr/>
+                    <a:lstStyle/>
+                    <a:p>
+                      <a:r>
+                        <a:rPr lang="ru-RU" sz="1400" dirty="0"/>
+                        <a:t>Так</a:t>
+                      </a:r>
+                    </a:p>
+                  </a:txBody>
+                  <a:tcPr marL="49736" marR="49736" marT="24868" marB="24868" anchor="ctr">
+                    <a:lnL w="12700" cap="flat" cmpd="sng" algn="ctr">
+                      <a:solidFill>
+                        <a:schemeClr val="tx1"/>
+                      </a:solidFill>
+                      <a:prstDash val="solid"/>
+                      <a:round/>
+                      <a:headEnd type="none" w="med" len="med"/>
+                      <a:tailEnd type="none" w="med" len="med"/>
+                    </a:lnL>
+                    <a:lnR w="12700" cap="flat" cmpd="sng" algn="ctr">
+                      <a:solidFill>
+                        <a:schemeClr val="tx1"/>
+                      </a:solidFill>
+                      <a:prstDash val="solid"/>
+                      <a:round/>
+                      <a:headEnd type="none" w="med" len="med"/>
+                      <a:tailEnd type="none" w="med" len="med"/>
+                    </a:lnR>
+                    <a:lnT w="12700" cap="flat" cmpd="sng" algn="ctr">
+                      <a:solidFill>
+                        <a:schemeClr val="tx1"/>
+                      </a:solidFill>
+                      <a:prstDash val="solid"/>
+                      <a:round/>
+                      <a:headEnd type="none" w="med" len="med"/>
+                      <a:tailEnd type="none" w="med" len="med"/>
+                    </a:lnT>
+                    <a:lnB w="12700" cap="flat" cmpd="sng" algn="ctr">
+                      <a:solidFill>
+                        <a:schemeClr val="tx1"/>
+                      </a:solidFill>
+                      <a:prstDash val="solid"/>
+                      <a:round/>
+                      <a:headEnd type="none" w="med" len="med"/>
+                      <a:tailEnd type="none" w="med" len="med"/>
+                    </a:lnB>
+                  </a:tcPr>
+                </a:tc>
+                <a:tc>
+                  <a:txBody>
+                    <a:bodyPr/>
+                    <a:lstStyle/>
+                    <a:p>
+                      <a:r>
+                        <a:rPr lang="ru-RU" sz="1400" dirty="0"/>
+                        <a:t>Фото, </a:t>
+                      </a:r>
+                      <a:r>
+                        <a:rPr lang="ru-RU" sz="1400" dirty="0" err="1"/>
+                        <a:t>відео</a:t>
+                      </a:r>
+                      <a:r>
+                        <a:rPr lang="ru-RU" sz="1400" dirty="0"/>
+                        <a:t>, </a:t>
+                      </a:r>
+                      <a:r>
+                        <a:rPr lang="ru-RU" sz="1400" dirty="0" err="1"/>
+                        <a:t>файли</a:t>
+                      </a:r>
+                      <a:endParaRPr lang="ru-RU" sz="1400" dirty="0"/>
+                    </a:p>
+                  </a:txBody>
+                  <a:tcPr marL="49736" marR="49736" marT="24868" marB="24868" anchor="ctr">
+                    <a:lnL w="12700" cap="flat" cmpd="sng" algn="ctr">
+                      <a:solidFill>
+                        <a:schemeClr val="tx1"/>
+                      </a:solidFill>
+                      <a:prstDash val="solid"/>
+                      <a:round/>
+                      <a:headEnd type="none" w="med" len="med"/>
+                      <a:tailEnd type="none" w="med" len="med"/>
+                    </a:lnL>
+                    <a:lnR w="12700" cap="flat" cmpd="sng" algn="ctr">
+                      <a:solidFill>
+                        <a:schemeClr val="tx1"/>
+                      </a:solidFill>
+                      <a:prstDash val="solid"/>
+                      <a:round/>
+                      <a:headEnd type="none" w="med" len="med"/>
+                      <a:tailEnd type="none" w="med" len="med"/>
+                    </a:lnR>
+                    <a:lnT w="12700" cap="flat" cmpd="sng" algn="ctr">
+                      <a:solidFill>
+                        <a:schemeClr val="tx1"/>
+                      </a:solidFill>
+                      <a:prstDash val="solid"/>
+                      <a:round/>
+                      <a:headEnd type="none" w="med" len="med"/>
+                      <a:tailEnd type="none" w="med" len="med"/>
+                    </a:lnT>
+                    <a:lnB w="12700" cap="flat" cmpd="sng" algn="ctr">
+                      <a:solidFill>
+                        <a:schemeClr val="tx1"/>
+                      </a:solidFill>
+                      <a:prstDash val="solid"/>
+                      <a:round/>
+                      <a:headEnd type="none" w="med" len="med"/>
+                      <a:tailEnd type="none" w="med" len="med"/>
+                    </a:lnB>
+                  </a:tcPr>
+                </a:tc>
+                <a:tc>
+                  <a:txBody>
+                    <a:bodyPr/>
+                    <a:lstStyle/>
+                    <a:p>
+                      <a:r>
+                        <a:rPr lang="ru-RU" sz="1400" dirty="0"/>
+                        <a:t>Так</a:t>
+                      </a:r>
+                    </a:p>
+                  </a:txBody>
+                  <a:tcPr marL="49736" marR="49736" marT="24868" marB="24868" anchor="ctr">
+                    <a:lnL w="12700" cap="flat" cmpd="sng" algn="ctr">
+                      <a:solidFill>
+                        <a:schemeClr val="tx1"/>
+                      </a:solidFill>
+                      <a:prstDash val="solid"/>
+                      <a:round/>
+                      <a:headEnd type="none" w="med" len="med"/>
+                      <a:tailEnd type="none" w="med" len="med"/>
+                    </a:lnL>
+                    <a:lnR w="12700" cap="flat" cmpd="sng" algn="ctr">
+                      <a:solidFill>
+                        <a:schemeClr val="tx1"/>
+                      </a:solidFill>
+                      <a:prstDash val="solid"/>
+                      <a:round/>
+                      <a:headEnd type="none" w="med" len="med"/>
+                      <a:tailEnd type="none" w="med" len="med"/>
+                    </a:lnR>
+                    <a:lnT w="12700" cap="flat" cmpd="sng" algn="ctr">
+                      <a:solidFill>
+                        <a:schemeClr val="tx1"/>
+                      </a:solidFill>
+                      <a:prstDash val="solid"/>
+                      <a:round/>
+                      <a:headEnd type="none" w="med" len="med"/>
+                      <a:tailEnd type="none" w="med" len="med"/>
+                    </a:lnT>
+                    <a:lnB w="12700" cap="flat" cmpd="sng" algn="ctr">
+                      <a:solidFill>
+                        <a:schemeClr val="tx1"/>
+                      </a:solidFill>
+                      <a:prstDash val="solid"/>
+                      <a:round/>
+                      <a:headEnd type="none" w="med" len="med"/>
+                      <a:tailEnd type="none" w="med" len="med"/>
+                    </a:lnB>
+                  </a:tcPr>
+                </a:tc>
+              </a:tr>
+              <a:tr h="1243396">
+                <a:tc>
+                  <a:txBody>
+                    <a:bodyPr/>
+                    <a:lstStyle/>
+                    <a:p>
+                      <a:r>
+                        <a:rPr lang="en-US" sz="1400"/>
+                        <a:t>TaskRabbit</a:t>
+                      </a:r>
+                    </a:p>
+                  </a:txBody>
+                  <a:tcPr marL="49736" marR="49736" marT="24868" marB="24868" anchor="ctr">
+                    <a:lnL w="12700" cap="flat" cmpd="sng" algn="ctr">
+                      <a:solidFill>
+                        <a:schemeClr val="tx1"/>
+                      </a:solidFill>
+                      <a:prstDash val="solid"/>
+                      <a:round/>
+                      <a:headEnd type="none" w="med" len="med"/>
+                      <a:tailEnd type="none" w="med" len="med"/>
+                    </a:lnL>
+                    <a:lnR w="12700" cap="flat" cmpd="sng" algn="ctr">
+                      <a:solidFill>
+                        <a:schemeClr val="tx1"/>
+                      </a:solidFill>
+                      <a:prstDash val="solid"/>
+                      <a:round/>
+                      <a:headEnd type="none" w="med" len="med"/>
+                      <a:tailEnd type="none" w="med" len="med"/>
+                    </a:lnR>
+                    <a:lnT w="12700" cap="flat" cmpd="sng" algn="ctr">
+                      <a:solidFill>
+                        <a:schemeClr val="tx1"/>
+                      </a:solidFill>
+                      <a:prstDash val="solid"/>
+                      <a:round/>
+                      <a:headEnd type="none" w="med" len="med"/>
+                      <a:tailEnd type="none" w="med" len="med"/>
+                    </a:lnT>
+                    <a:lnB w="12700" cap="flat" cmpd="sng" algn="ctr">
+                      <a:solidFill>
+                        <a:schemeClr val="tx1"/>
+                      </a:solidFill>
+                      <a:prstDash val="solid"/>
+                      <a:round/>
+                      <a:headEnd type="none" w="med" len="med"/>
+                      <a:tailEnd type="none" w="med" len="med"/>
+                    </a:lnB>
+                  </a:tcPr>
+                </a:tc>
+                <a:tc>
+                  <a:txBody>
+                    <a:bodyPr/>
+                    <a:lstStyle/>
+                    <a:p>
+                      <a:r>
+                        <a:rPr lang="ru-RU" sz="1400" dirty="0"/>
+                        <a:t>Локальна </a:t>
+                      </a:r>
+                      <a:r>
+                        <a:rPr lang="ru-RU" sz="1400" dirty="0" err="1"/>
+                        <a:t>орієнтація</a:t>
+                      </a:r>
+                      <a:r>
+                        <a:rPr lang="ru-RU" sz="1400" dirty="0"/>
+                        <a:t>, рейтинг</a:t>
+                      </a:r>
+                    </a:p>
+                  </a:txBody>
+                  <a:tcPr marL="49736" marR="49736" marT="24868" marB="24868" anchor="ctr">
+                    <a:lnL w="12700" cap="flat" cmpd="sng" algn="ctr">
+                      <a:solidFill>
+                        <a:schemeClr val="tx1"/>
+                      </a:solidFill>
+                      <a:prstDash val="solid"/>
+                      <a:round/>
+                      <a:headEnd type="none" w="med" len="med"/>
+                      <a:tailEnd type="none" w="med" len="med"/>
+                    </a:lnL>
+                    <a:lnR w="12700" cap="flat" cmpd="sng" algn="ctr">
+                      <a:solidFill>
+                        <a:schemeClr val="tx1"/>
+                      </a:solidFill>
+                      <a:prstDash val="solid"/>
+                      <a:round/>
+                      <a:headEnd type="none" w="med" len="med"/>
+                      <a:tailEnd type="none" w="med" len="med"/>
+                    </a:lnR>
+                    <a:lnT w="12700" cap="flat" cmpd="sng" algn="ctr">
+                      <a:solidFill>
+                        <a:schemeClr val="tx1"/>
+                      </a:solidFill>
+                      <a:prstDash val="solid"/>
+                      <a:round/>
+                      <a:headEnd type="none" w="med" len="med"/>
+                      <a:tailEnd type="none" w="med" len="med"/>
+                    </a:lnT>
+                    <a:lnB w="12700" cap="flat" cmpd="sng" algn="ctr">
+                      <a:solidFill>
+                        <a:schemeClr val="tx1"/>
+                      </a:solidFill>
+                      <a:prstDash val="solid"/>
+                      <a:round/>
+                      <a:headEnd type="none" w="med" len="med"/>
+                      <a:tailEnd type="none" w="med" len="med"/>
+                    </a:lnB>
+                  </a:tcPr>
+                </a:tc>
+                <a:tc>
+                  <a:txBody>
+                    <a:bodyPr/>
+                    <a:lstStyle/>
+                    <a:p>
+                      <a:r>
+                        <a:rPr lang="ru-RU" sz="1400"/>
+                        <a:t>Локальні виконавці для реальних завдань</a:t>
+                      </a:r>
+                    </a:p>
+                  </a:txBody>
+                  <a:tcPr marL="49736" marR="49736" marT="24868" marB="24868" anchor="ctr">
+                    <a:lnL w="12700" cap="flat" cmpd="sng" algn="ctr">
+                      <a:solidFill>
+                        <a:schemeClr val="tx1"/>
+                      </a:solidFill>
+                      <a:prstDash val="solid"/>
+                      <a:round/>
+                      <a:headEnd type="none" w="med" len="med"/>
+                      <a:tailEnd type="none" w="med" len="med"/>
+                    </a:lnL>
+                    <a:lnR w="12700" cap="flat" cmpd="sng" algn="ctr">
+                      <a:solidFill>
+                        <a:schemeClr val="tx1"/>
+                      </a:solidFill>
+                      <a:prstDash val="solid"/>
+                      <a:round/>
+                      <a:headEnd type="none" w="med" len="med"/>
+                      <a:tailEnd type="none" w="med" len="med"/>
+                    </a:lnR>
+                    <a:lnT w="12700" cap="flat" cmpd="sng" algn="ctr">
+                      <a:solidFill>
+                        <a:schemeClr val="tx1"/>
+                      </a:solidFill>
+                      <a:prstDash val="solid"/>
+                      <a:round/>
+                      <a:headEnd type="none" w="med" len="med"/>
+                      <a:tailEnd type="none" w="med" len="med"/>
+                    </a:lnT>
+                    <a:lnB w="12700" cap="flat" cmpd="sng" algn="ctr">
+                      <a:solidFill>
+                        <a:schemeClr val="tx1"/>
+                      </a:solidFill>
+                      <a:prstDash val="solid"/>
+                      <a:round/>
+                      <a:headEnd type="none" w="med" len="med"/>
+                      <a:tailEnd type="none" w="med" len="med"/>
+                    </a:lnB>
+                  </a:tcPr>
+                </a:tc>
+                <a:tc>
+                  <a:txBody>
+                    <a:bodyPr/>
+                    <a:lstStyle/>
+                    <a:p>
+                      <a:r>
+                        <a:rPr lang="ru-RU" sz="1400" dirty="0" err="1"/>
+                        <a:t>Допомога</a:t>
+                      </a:r>
+                      <a:r>
+                        <a:rPr lang="ru-RU" sz="1400" dirty="0"/>
+                        <a:t> в </a:t>
+                      </a:r>
+                      <a:r>
+                        <a:rPr lang="ru-RU" sz="1400" dirty="0" err="1"/>
+                        <a:t>різних</a:t>
+                      </a:r>
+                      <a:r>
+                        <a:rPr lang="ru-RU" sz="1400" dirty="0"/>
+                        <a:t> сферах </a:t>
+                      </a:r>
+                      <a:r>
+                        <a:rPr lang="ru-RU" sz="1400" dirty="0" err="1"/>
+                        <a:t>життя</a:t>
+                      </a:r>
+                      <a:endParaRPr lang="ru-RU" sz="1400" dirty="0"/>
+                    </a:p>
+                  </a:txBody>
+                  <a:tcPr marL="49736" marR="49736" marT="24868" marB="24868" anchor="ctr">
+                    <a:lnL w="12700" cap="flat" cmpd="sng" algn="ctr">
+                      <a:solidFill>
+                        <a:schemeClr val="tx1"/>
+                      </a:solidFill>
+                      <a:prstDash val="solid"/>
+                      <a:round/>
+                      <a:headEnd type="none" w="med" len="med"/>
+                      <a:tailEnd type="none" w="med" len="med"/>
+                    </a:lnL>
+                    <a:lnR w="12700" cap="flat" cmpd="sng" algn="ctr">
+                      <a:solidFill>
+                        <a:schemeClr val="tx1"/>
+                      </a:solidFill>
+                      <a:prstDash val="solid"/>
+                      <a:round/>
+                      <a:headEnd type="none" w="med" len="med"/>
+                      <a:tailEnd type="none" w="med" len="med"/>
+                    </a:lnR>
+                    <a:lnT w="12700" cap="flat" cmpd="sng" algn="ctr">
+                      <a:solidFill>
+                        <a:schemeClr val="tx1"/>
+                      </a:solidFill>
+                      <a:prstDash val="solid"/>
+                      <a:round/>
+                      <a:headEnd type="none" w="med" len="med"/>
+                      <a:tailEnd type="none" w="med" len="med"/>
+                    </a:lnT>
+                    <a:lnB w="12700" cap="flat" cmpd="sng" algn="ctr">
+                      <a:solidFill>
+                        <a:schemeClr val="tx1"/>
+                      </a:solidFill>
+                      <a:prstDash val="solid"/>
+                      <a:round/>
+                      <a:headEnd type="none" w="med" len="med"/>
+                      <a:tailEnd type="none" w="med" len="med"/>
+                    </a:lnB>
+                  </a:tcPr>
+                </a:tc>
+                <a:tc>
+                  <a:txBody>
+                    <a:bodyPr/>
+                    <a:lstStyle/>
+                    <a:p>
+                      <a:r>
+                        <a:rPr lang="ru-RU" sz="1400" dirty="0"/>
+                        <a:t>Є</a:t>
+                      </a:r>
+                    </a:p>
+                  </a:txBody>
+                  <a:tcPr marL="49736" marR="49736" marT="24868" marB="24868" anchor="ctr">
+                    <a:lnL w="12700" cap="flat" cmpd="sng" algn="ctr">
+                      <a:solidFill>
+                        <a:schemeClr val="tx1"/>
+                      </a:solidFill>
+                      <a:prstDash val="solid"/>
+                      <a:round/>
+                      <a:headEnd type="none" w="med" len="med"/>
+                      <a:tailEnd type="none" w="med" len="med"/>
+                    </a:lnL>
+                    <a:lnR w="12700" cap="flat" cmpd="sng" algn="ctr">
+                      <a:solidFill>
+                        <a:schemeClr val="tx1"/>
+                      </a:solidFill>
+                      <a:prstDash val="solid"/>
+                      <a:round/>
+                      <a:headEnd type="none" w="med" len="med"/>
+                      <a:tailEnd type="none" w="med" len="med"/>
+                    </a:lnR>
+                    <a:lnT w="12700" cap="flat" cmpd="sng" algn="ctr">
+                      <a:solidFill>
+                        <a:schemeClr val="tx1"/>
+                      </a:solidFill>
+                      <a:prstDash val="solid"/>
+                      <a:round/>
+                      <a:headEnd type="none" w="med" len="med"/>
+                      <a:tailEnd type="none" w="med" len="med"/>
+                    </a:lnT>
+                    <a:lnB w="12700" cap="flat" cmpd="sng" algn="ctr">
+                      <a:solidFill>
+                        <a:schemeClr val="tx1"/>
+                      </a:solidFill>
+                      <a:prstDash val="solid"/>
+                      <a:round/>
+                      <a:headEnd type="none" w="med" len="med"/>
+                      <a:tailEnd type="none" w="med" len="med"/>
+                    </a:lnB>
+                  </a:tcPr>
+                </a:tc>
+                <a:tc>
+                  <a:txBody>
+                    <a:bodyPr/>
+                    <a:lstStyle/>
+                    <a:p>
+                      <a:r>
+                        <a:rPr lang="ru-RU" sz="1400" dirty="0" err="1"/>
+                        <a:t>Ні</a:t>
+                      </a:r>
+                      <a:r>
+                        <a:rPr lang="ru-RU" sz="1400" dirty="0"/>
+                        <a:t> </a:t>
+                      </a:r>
+                      <a:r>
+                        <a:rPr lang="ru-RU" sz="1400" dirty="0" smtClean="0"/>
+                        <a:t>(</a:t>
+                      </a:r>
+                      <a:r>
+                        <a:rPr lang="ru-RU" sz="1400" dirty="0" err="1" smtClean="0"/>
+                        <a:t>Охоплення</a:t>
+                      </a:r>
+                      <a:r>
+                        <a:rPr lang="ru-RU" sz="1400" baseline="0" dirty="0" smtClean="0"/>
+                        <a:t> </a:t>
+                      </a:r>
+                      <a:r>
+                        <a:rPr lang="ru-RU" sz="1400" baseline="0" dirty="0" err="1" smtClean="0"/>
+                        <a:t>локальних</a:t>
+                      </a:r>
+                      <a:r>
+                        <a:rPr lang="ru-RU" sz="1400" baseline="0" dirty="0" smtClean="0"/>
+                        <a:t> </a:t>
+                      </a:r>
+                      <a:r>
+                        <a:rPr lang="ru-RU" sz="1400" baseline="0" dirty="0" err="1" smtClean="0"/>
+                        <a:t>клієнтів</a:t>
+                      </a:r>
+                      <a:r>
+                        <a:rPr lang="ru-RU" sz="1400" dirty="0" smtClean="0"/>
+                        <a:t>)</a:t>
+                      </a:r>
+                      <a:endParaRPr lang="ru-RU" sz="1400" dirty="0"/>
+                    </a:p>
+                  </a:txBody>
+                  <a:tcPr marL="49736" marR="49736" marT="24868" marB="24868" anchor="ctr">
+                    <a:lnL w="12700" cap="flat" cmpd="sng" algn="ctr">
+                      <a:solidFill>
+                        <a:schemeClr val="tx1"/>
+                      </a:solidFill>
+                      <a:prstDash val="solid"/>
+                      <a:round/>
+                      <a:headEnd type="none" w="med" len="med"/>
+                      <a:tailEnd type="none" w="med" len="med"/>
+                    </a:lnL>
+                    <a:lnR w="12700" cap="flat" cmpd="sng" algn="ctr">
+                      <a:solidFill>
+                        <a:schemeClr val="tx1"/>
+                      </a:solidFill>
+                      <a:prstDash val="solid"/>
+                      <a:round/>
+                      <a:headEnd type="none" w="med" len="med"/>
+                      <a:tailEnd type="none" w="med" len="med"/>
+                    </a:lnR>
+                    <a:lnT w="12700" cap="flat" cmpd="sng" algn="ctr">
+                      <a:solidFill>
+                        <a:schemeClr val="tx1"/>
+                      </a:solidFill>
+                      <a:prstDash val="solid"/>
+                      <a:round/>
+                      <a:headEnd type="none" w="med" len="med"/>
+                      <a:tailEnd type="none" w="med" len="med"/>
+                    </a:lnT>
+                    <a:lnB w="12700" cap="flat" cmpd="sng" algn="ctr">
+                      <a:solidFill>
+                        <a:schemeClr val="tx1"/>
+                      </a:solidFill>
+                      <a:prstDash val="solid"/>
+                      <a:round/>
+                      <a:headEnd type="none" w="med" len="med"/>
+                      <a:tailEnd type="none" w="med" len="med"/>
+                    </a:lnB>
+                  </a:tcPr>
+                </a:tc>
+                <a:tc>
+                  <a:txBody>
+                    <a:bodyPr/>
+                    <a:lstStyle/>
+                    <a:p>
+                      <a:r>
+                        <a:rPr lang="ru-RU" sz="1400"/>
+                        <a:t>Легкий та зрозумілий</a:t>
+                      </a:r>
+                    </a:p>
+                  </a:txBody>
+                  <a:tcPr marL="49736" marR="49736" marT="24868" marB="24868" anchor="ctr">
+                    <a:lnL w="12700" cap="flat" cmpd="sng" algn="ctr">
+                      <a:solidFill>
+                        <a:schemeClr val="tx1"/>
+                      </a:solidFill>
+                      <a:prstDash val="solid"/>
+                      <a:round/>
+                      <a:headEnd type="none" w="med" len="med"/>
+                      <a:tailEnd type="none" w="med" len="med"/>
+                    </a:lnL>
+                    <a:lnR w="12700" cap="flat" cmpd="sng" algn="ctr">
+                      <a:solidFill>
+                        <a:schemeClr val="tx1"/>
+                      </a:solidFill>
+                      <a:prstDash val="solid"/>
+                      <a:round/>
+                      <a:headEnd type="none" w="med" len="med"/>
+                      <a:tailEnd type="none" w="med" len="med"/>
+                    </a:lnR>
+                    <a:lnT w="12700" cap="flat" cmpd="sng" algn="ctr">
+                      <a:solidFill>
+                        <a:schemeClr val="tx1"/>
+                      </a:solidFill>
+                      <a:prstDash val="solid"/>
+                      <a:round/>
+                      <a:headEnd type="none" w="med" len="med"/>
+                      <a:tailEnd type="none" w="med" len="med"/>
+                    </a:lnT>
+                    <a:lnB w="12700" cap="flat" cmpd="sng" algn="ctr">
+                      <a:solidFill>
+                        <a:schemeClr val="tx1"/>
+                      </a:solidFill>
+                      <a:prstDash val="solid"/>
+                      <a:round/>
+                      <a:headEnd type="none" w="med" len="med"/>
+                      <a:tailEnd type="none" w="med" len="med"/>
+                    </a:lnB>
+                  </a:tcPr>
+                </a:tc>
+                <a:tc>
+                  <a:txBody>
+                    <a:bodyPr/>
+                    <a:lstStyle/>
+                    <a:p>
+                      <a:r>
+                        <a:rPr lang="ru-RU" sz="1400"/>
+                        <a:t>Так</a:t>
+                      </a:r>
+                    </a:p>
+                  </a:txBody>
+                  <a:tcPr marL="49736" marR="49736" marT="24868" marB="24868" anchor="ctr">
+                    <a:lnL w="12700" cap="flat" cmpd="sng" algn="ctr">
+                      <a:solidFill>
+                        <a:schemeClr val="tx1"/>
+                      </a:solidFill>
+                      <a:prstDash val="solid"/>
+                      <a:round/>
+                      <a:headEnd type="none" w="med" len="med"/>
+                      <a:tailEnd type="none" w="med" len="med"/>
+                    </a:lnL>
+                    <a:lnR w="12700" cap="flat" cmpd="sng" algn="ctr">
+                      <a:solidFill>
+                        <a:schemeClr val="tx1"/>
+                      </a:solidFill>
+                      <a:prstDash val="solid"/>
+                      <a:round/>
+                      <a:headEnd type="none" w="med" len="med"/>
+                      <a:tailEnd type="none" w="med" len="med"/>
+                    </a:lnR>
+                    <a:lnT w="12700" cap="flat" cmpd="sng" algn="ctr">
+                      <a:solidFill>
+                        <a:schemeClr val="tx1"/>
+                      </a:solidFill>
+                      <a:prstDash val="solid"/>
+                      <a:round/>
+                      <a:headEnd type="none" w="med" len="med"/>
+                      <a:tailEnd type="none" w="med" len="med"/>
+                    </a:lnT>
+                    <a:lnB w="12700" cap="flat" cmpd="sng" algn="ctr">
+                      <a:solidFill>
+                        <a:schemeClr val="tx1"/>
+                      </a:solidFill>
+                      <a:prstDash val="solid"/>
+                      <a:round/>
+                      <a:headEnd type="none" w="med" len="med"/>
+                      <a:tailEnd type="none" w="med" len="med"/>
+                    </a:lnB>
+                  </a:tcPr>
+                </a:tc>
+                <a:tc>
+                  <a:txBody>
+                    <a:bodyPr/>
+                    <a:lstStyle/>
+                    <a:p>
+                      <a:r>
+                        <a:rPr lang="ru-RU" sz="1400"/>
+                        <a:t>Фото, відео, файли</a:t>
+                      </a:r>
+                    </a:p>
+                  </a:txBody>
+                  <a:tcPr marL="49736" marR="49736" marT="24868" marB="24868" anchor="ctr">
+                    <a:lnL w="12700" cap="flat" cmpd="sng" algn="ctr">
+                      <a:solidFill>
+                        <a:schemeClr val="tx1"/>
+                      </a:solidFill>
+                      <a:prstDash val="solid"/>
+                      <a:round/>
+                      <a:headEnd type="none" w="med" len="med"/>
+                      <a:tailEnd type="none" w="med" len="med"/>
+                    </a:lnL>
+                    <a:lnR w="12700" cap="flat" cmpd="sng" algn="ctr">
+                      <a:solidFill>
+                        <a:schemeClr val="tx1"/>
+                      </a:solidFill>
+                      <a:prstDash val="solid"/>
+                      <a:round/>
+                      <a:headEnd type="none" w="med" len="med"/>
+                      <a:tailEnd type="none" w="med" len="med"/>
+                    </a:lnR>
+                    <a:lnT w="12700" cap="flat" cmpd="sng" algn="ctr">
+                      <a:solidFill>
+                        <a:schemeClr val="tx1"/>
+                      </a:solidFill>
+                      <a:prstDash val="solid"/>
+                      <a:round/>
+                      <a:headEnd type="none" w="med" len="med"/>
+                      <a:tailEnd type="none" w="med" len="med"/>
+                    </a:lnT>
+                    <a:lnB w="12700" cap="flat" cmpd="sng" algn="ctr">
+                      <a:solidFill>
+                        <a:schemeClr val="tx1"/>
+                      </a:solidFill>
+                      <a:prstDash val="solid"/>
+                      <a:round/>
+                      <a:headEnd type="none" w="med" len="med"/>
+                      <a:tailEnd type="none" w="med" len="med"/>
+                    </a:lnB>
+                  </a:tcPr>
+                </a:tc>
+                <a:tc>
+                  <a:txBody>
+                    <a:bodyPr/>
+                    <a:lstStyle/>
+                    <a:p>
+                      <a:r>
+                        <a:rPr lang="ru-RU" sz="1400" dirty="0"/>
+                        <a:t>Так</a:t>
+                      </a:r>
+                    </a:p>
+                  </a:txBody>
+                  <a:tcPr marL="49736" marR="49736" marT="24868" marB="24868" anchor="ctr">
+                    <a:lnL w="12700" cap="flat" cmpd="sng" algn="ctr">
+                      <a:solidFill>
+                        <a:schemeClr val="tx1"/>
+                      </a:solidFill>
+                      <a:prstDash val="solid"/>
+                      <a:round/>
+                      <a:headEnd type="none" w="med" len="med"/>
+                      <a:tailEnd type="none" w="med" len="med"/>
+                    </a:lnL>
+                    <a:lnR w="12700" cap="flat" cmpd="sng" algn="ctr">
+                      <a:solidFill>
+                        <a:schemeClr val="tx1"/>
+                      </a:solidFill>
+                      <a:prstDash val="solid"/>
+                      <a:round/>
+                      <a:headEnd type="none" w="med" len="med"/>
+                      <a:tailEnd type="none" w="med" len="med"/>
+                    </a:lnR>
+                    <a:lnT w="12700" cap="flat" cmpd="sng" algn="ctr">
+                      <a:solidFill>
+                        <a:schemeClr val="tx1"/>
+                      </a:solidFill>
+                      <a:prstDash val="solid"/>
+                      <a:round/>
+                      <a:headEnd type="none" w="med" len="med"/>
+                      <a:tailEnd type="none" w="med" len="med"/>
+                    </a:lnT>
+                    <a:lnB w="12700" cap="flat" cmpd="sng" algn="ctr">
+                      <a:solidFill>
+                        <a:schemeClr val="tx1"/>
+                      </a:solidFill>
+                      <a:prstDash val="solid"/>
+                      <a:round/>
+                      <a:headEnd type="none" w="med" len="med"/>
+                      <a:tailEnd type="none" w="med" len="med"/>
+                    </a:lnB>
+                  </a:tcPr>
+                </a:tc>
+              </a:tr>
+            </a:tbl>
+          </a:graphicData>
+        </a:graphic>
+      </p:graphicFrame>
+    </p:spTree>
+    <p:extLst>
+      <p:ext uri="{BB962C8B-B14F-4D97-AF65-F5344CB8AC3E}">
+        <p14:creationId xmlns:p14="http://schemas.microsoft.com/office/powerpoint/2010/main" val="1984038029"/>
+      </p:ext>
+    </p:extLst>
+  </p:cSld>
+  <p:clrMapOvr>
+    <a:masterClrMapping/>
+  </p:clrMapOvr>
+</p:sld>
+</file>
+
+<file path=ppt/slides/slide9.xml><?xml version="1.0" encoding="utf-8"?>
+<p:sld xmlns:a="http://schemas.openxmlformats.org/drawingml/2006/main" xmlns:r="http://schemas.openxmlformats.org/officeDocument/2006/relationships" xmlns:p="http://schemas.openxmlformats.org/presentationml/2006/main">
+  <p:cSld>
+    <p:spTree>
+      <p:nvGrpSpPr>
+        <p:cNvPr id="1" name=""/>
+        <p:cNvGrpSpPr/>
+        <p:nvPr/>
+      </p:nvGrpSpPr>
+      <p:grpSpPr>
+        <a:xfrm>
+          <a:off x="0" y="0"/>
+          <a:ext cx="0" cy="0"/>
+          <a:chOff x="0" y="0"/>
+          <a:chExt cx="0" cy="0"/>
+        </a:xfrm>
+      </p:grpSpPr>
+      <p:pic>
+        <p:nvPicPr>
+          <p:cNvPr id="5130" name="Picture 10" descr="Делаем фронт на React, а ChatGPT будет нашим Redux редьюсером / Хабр"/>
+          <p:cNvPicPr>
+            <a:picLocks noChangeAspect="1" noChangeArrowheads="1"/>
+          </p:cNvPicPr>
+          <p:nvPr/>
+        </p:nvPicPr>
+        <p:blipFill>
+          <a:blip r:embed="rId2" cstate="print">
+            <a:extLst>
+              <a:ext uri="{28A0092B-C50C-407E-A947-70E740481C1C}">
+                <a14:useLocalDpi xmlns:a14="http://schemas.microsoft.com/office/drawing/2010/main" val="0"/>
+              </a:ext>
+            </a:extLst>
+          </a:blip>
+          <a:srcRect/>
+          <a:stretch>
+            <a:fillRect/>
+          </a:stretch>
+        </p:blipFill>
+        <p:spPr bwMode="auto">
+          <a:xfrm>
+            <a:off x="6014686" y="844189"/>
+            <a:ext cx="3294232" cy="1825554"/>
+          </a:xfrm>
+          <a:prstGeom prst="rect">
+            <a:avLst/>
+          </a:prstGeom>
+          <a:noFill/>
+          <a:extLst>
+            <a:ext uri="{909E8E84-426E-40DD-AFC4-6F175D3DCCD1}">
+              <a14:hiddenFill xmlns:a14="http://schemas.microsoft.com/office/drawing/2010/main">
+                <a:solidFill>
+                  <a:srgbClr val="FFFFFF"/>
+                </a:solidFill>
+              </a14:hiddenFill>
+            </a:ext>
+          </a:extLst>
+        </p:spPr>
+      </p:pic>
+      <p:sp>
+        <p:nvSpPr>
+          <p:cNvPr id="2" name="Заголовок 1"/>
+          <p:cNvSpPr>
+            <a:spLocks noGrp="1"/>
+          </p:cNvSpPr>
+          <p:nvPr>
+            <p:ph type="title"/>
+          </p:nvPr>
+        </p:nvSpPr>
+        <p:spPr/>
+        <p:txBody>
+          <a:bodyPr/>
+          <a:lstStyle/>
+          <a:p>
+            <a:r>
+              <a:rPr lang="ru-RU" dirty="0" err="1" smtClean="0"/>
+              <a:t>Інструменти</a:t>
+            </a:r>
+            <a:r>
+              <a:rPr lang="ru-RU" dirty="0" smtClean="0"/>
+              <a:t> </a:t>
+            </a:r>
+            <a:r>
+              <a:rPr lang="ru-RU" dirty="0" err="1" smtClean="0"/>
+              <a:t>розробки</a:t>
+            </a:r>
+            <a:endParaRPr lang="ru-RU" dirty="0"/>
+          </a:p>
+        </p:txBody>
+      </p:sp>
+      <p:pic>
+        <p:nvPicPr>
+          <p:cNvPr id="5122" name="Picture 2" descr="Node.js — Вікіпедія"/>
+          <p:cNvPicPr>
+            <a:picLocks noChangeAspect="1" noChangeArrowheads="1"/>
+          </p:cNvPicPr>
+          <p:nvPr/>
+        </p:nvPicPr>
+        <p:blipFill>
+          <a:blip r:embed="rId3" cstate="print">
+            <a:extLst>
+              <a:ext uri="{28A0092B-C50C-407E-A947-70E740481C1C}">
+                <a14:useLocalDpi xmlns:a14="http://schemas.microsoft.com/office/drawing/2010/main" val="0"/>
+              </a:ext>
+            </a:extLst>
+          </a:blip>
+          <a:srcRect/>
+          <a:stretch>
+            <a:fillRect/>
+          </a:stretch>
+        </p:blipFill>
+        <p:spPr bwMode="auto">
+          <a:xfrm>
+            <a:off x="902748" y="1117657"/>
+            <a:ext cx="3335866" cy="2040438"/>
+          </a:xfrm>
+          <a:prstGeom prst="rect">
+            <a:avLst/>
+          </a:prstGeom>
+          <a:noFill/>
+          <a:extLst>
+            <a:ext uri="{909E8E84-426E-40DD-AFC4-6F175D3DCCD1}">
+              <a14:hiddenFill xmlns:a14="http://schemas.microsoft.com/office/drawing/2010/main">
+                <a:solidFill>
+                  <a:srgbClr val="FFFFFF"/>
+                </a:solidFill>
+              </a14:hiddenFill>
+            </a:ext>
+          </a:extLst>
+        </p:spPr>
+      </p:pic>
+      <p:pic>
+        <p:nvPicPr>
+          <p:cNvPr id="5124" name="Picture 4" descr="DBeaver — Вікіпедія"/>
+          <p:cNvPicPr>
+            <a:picLocks noChangeAspect="1" noChangeArrowheads="1"/>
+          </p:cNvPicPr>
+          <p:nvPr/>
+        </p:nvPicPr>
+        <p:blipFill>
+          <a:blip r:embed="rId4" cstate="print">
+            <a:extLst>
+              <a:ext uri="{28A0092B-C50C-407E-A947-70E740481C1C}">
+                <a14:useLocalDpi xmlns:a14="http://schemas.microsoft.com/office/drawing/2010/main" val="0"/>
+              </a:ext>
+            </a:extLst>
+          </a:blip>
+          <a:srcRect/>
+          <a:stretch>
+            <a:fillRect/>
+          </a:stretch>
+        </p:blipFill>
+        <p:spPr bwMode="auto">
+          <a:xfrm>
+            <a:off x="9839504" y="3404358"/>
+            <a:ext cx="2120899" cy="2120899"/>
+          </a:xfrm>
+          <a:prstGeom prst="rect">
+            <a:avLst/>
+          </a:prstGeom>
+          <a:noFill/>
+          <a:extLst>
+            <a:ext uri="{909E8E84-426E-40DD-AFC4-6F175D3DCCD1}">
+              <a14:hiddenFill xmlns:a14="http://schemas.microsoft.com/office/drawing/2010/main">
+                <a:solidFill>
+                  <a:srgbClr val="FFFFFF"/>
+                </a:solidFill>
+              </a14:hiddenFill>
+            </a:ext>
+          </a:extLst>
+        </p:spPr>
+      </p:pic>
+      <p:pic>
+        <p:nvPicPr>
+          <p:cNvPr id="5126" name="Picture 6" descr="Visual Studio Code — Вікіпедія"/>
+          <p:cNvPicPr>
+            <a:picLocks noChangeAspect="1" noChangeArrowheads="1"/>
+          </p:cNvPicPr>
+          <p:nvPr/>
+        </p:nvPicPr>
+        <p:blipFill>
+          <a:blip r:embed="rId5">
+            <a:extLst>
+              <a:ext uri="{28A0092B-C50C-407E-A947-70E740481C1C}">
+                <a14:useLocalDpi xmlns:a14="http://schemas.microsoft.com/office/drawing/2010/main" val="0"/>
+              </a:ext>
+            </a:extLst>
+          </a:blip>
+          <a:srcRect/>
+          <a:stretch>
+            <a:fillRect/>
+          </a:stretch>
+        </p:blipFill>
+        <p:spPr bwMode="auto">
+          <a:xfrm>
+            <a:off x="9592202" y="787373"/>
+            <a:ext cx="2143125" cy="2143125"/>
+          </a:xfrm>
+          <a:prstGeom prst="rect">
+            <a:avLst/>
+          </a:prstGeom>
+          <a:noFill/>
+          <a:extLst>
+            <a:ext uri="{909E8E84-426E-40DD-AFC4-6F175D3DCCD1}">
+              <a14:hiddenFill xmlns:a14="http://schemas.microsoft.com/office/drawing/2010/main">
+                <a:solidFill>
+                  <a:srgbClr val="FFFFFF"/>
+                </a:solidFill>
+              </a14:hiddenFill>
+            </a:ext>
+          </a:extLst>
+        </p:spPr>
+      </p:pic>
+      <p:pic>
+        <p:nvPicPr>
+          <p:cNvPr id="5128" name="Picture 8" descr="Dos – Бесплатные иконки: компьютер"/>
+          <p:cNvPicPr>
+            <a:picLocks noChangeAspect="1" noChangeArrowheads="1"/>
+          </p:cNvPicPr>
+          <p:nvPr/>
+        </p:nvPicPr>
+        <p:blipFill>
+          <a:blip r:embed="rId6" cstate="print">
+            <a:extLst>
+              <a:ext uri="{28A0092B-C50C-407E-A947-70E740481C1C}">
+                <a14:useLocalDpi xmlns:a14="http://schemas.microsoft.com/office/drawing/2010/main" val="0"/>
+              </a:ext>
+            </a:extLst>
+          </a:blip>
+          <a:srcRect/>
+          <a:stretch>
+            <a:fillRect/>
+          </a:stretch>
+        </p:blipFill>
+        <p:spPr bwMode="auto">
+          <a:xfrm>
+            <a:off x="7847537" y="3564997"/>
+            <a:ext cx="1727200" cy="1727201"/>
+          </a:xfrm>
+          <a:prstGeom prst="rect">
+            <a:avLst/>
+          </a:prstGeom>
+          <a:noFill/>
+          <a:extLst>
+            <a:ext uri="{909E8E84-426E-40DD-AFC4-6F175D3DCCD1}">
+              <a14:hiddenFill xmlns:a14="http://schemas.microsoft.com/office/drawing/2010/main">
+                <a:solidFill>
+                  <a:srgbClr val="FFFFFF"/>
+                </a:solidFill>
+              </a14:hiddenFill>
+            </a:ext>
+          </a:extLst>
+        </p:spPr>
+      </p:pic>
+      <p:pic>
+        <p:nvPicPr>
+          <p:cNvPr id="5132" name="Picture 12" descr="MySQL — Википедия"/>
+          <p:cNvPicPr>
+            <a:picLocks noChangeAspect="1" noChangeArrowheads="1"/>
+          </p:cNvPicPr>
+          <p:nvPr/>
+        </p:nvPicPr>
+        <p:blipFill>
+          <a:blip r:embed="rId7" cstate="print">
+            <a:extLst>
+              <a:ext uri="{28A0092B-C50C-407E-A947-70E740481C1C}">
+                <a14:useLocalDpi xmlns:a14="http://schemas.microsoft.com/office/drawing/2010/main" val="0"/>
+              </a:ext>
+            </a:extLst>
+          </a:blip>
+          <a:srcRect/>
+          <a:stretch>
+            <a:fillRect/>
+          </a:stretch>
+        </p:blipFill>
+        <p:spPr bwMode="auto">
+          <a:xfrm>
+            <a:off x="3352440" y="2039466"/>
+            <a:ext cx="2926291" cy="1512566"/>
+          </a:xfrm>
+          <a:prstGeom prst="rect">
+            <a:avLst/>
+          </a:prstGeom>
+          <a:noFill/>
+          <a:extLst>
+            <a:ext uri="{909E8E84-426E-40DD-AFC4-6F175D3DCCD1}">
+              <a14:hiddenFill xmlns:a14="http://schemas.microsoft.com/office/drawing/2010/main">
+                <a:solidFill>
+                  <a:srgbClr val="FFFFFF"/>
+                </a:solidFill>
+              </a14:hiddenFill>
+            </a:ext>
+          </a:extLst>
+        </p:spPr>
+      </p:pic>
+      <p:pic>
+        <p:nvPicPr>
+          <p:cNvPr id="5134" name="Picture 14" descr="Bootstrap — Вікіпедія"/>
+          <p:cNvPicPr>
+            <a:picLocks noChangeAspect="1" noChangeArrowheads="1"/>
+          </p:cNvPicPr>
+          <p:nvPr/>
+        </p:nvPicPr>
+        <p:blipFill>
+          <a:blip r:embed="rId8" cstate="print">
+            <a:extLst>
+              <a:ext uri="{28A0092B-C50C-407E-A947-70E740481C1C}">
+                <a14:useLocalDpi xmlns:a14="http://schemas.microsoft.com/office/drawing/2010/main" val="0"/>
+              </a:ext>
+            </a:extLst>
+          </a:blip>
+          <a:srcRect/>
+          <a:stretch>
+            <a:fillRect/>
+          </a:stretch>
+        </p:blipFill>
+        <p:spPr bwMode="auto">
+          <a:xfrm>
+            <a:off x="902748" y="3324216"/>
+            <a:ext cx="2284762" cy="1820193"/>
+          </a:xfrm>
+          <a:prstGeom prst="rect">
+            <a:avLst/>
+          </a:prstGeom>
+          <a:noFill/>
+          <a:extLst>
+            <a:ext uri="{909E8E84-426E-40DD-AFC4-6F175D3DCCD1}">
+              <a14:hiddenFill xmlns:a14="http://schemas.microsoft.com/office/drawing/2010/main">
+                <a:solidFill>
+                  <a:srgbClr val="FFFFFF"/>
+                </a:solidFill>
+              </a14:hiddenFill>
+            </a:ext>
+          </a:extLst>
+        </p:spPr>
+      </p:pic>
+      <p:pic>
+        <p:nvPicPr>
+          <p:cNvPr id="5136" name="Picture 16" descr="Git — Википедия"/>
+          <p:cNvPicPr>
+            <a:picLocks noChangeAspect="1" noChangeArrowheads="1"/>
+          </p:cNvPicPr>
+          <p:nvPr/>
+        </p:nvPicPr>
+        <p:blipFill>
+          <a:blip r:embed="rId9" cstate="print">
+            <a:extLst>
+              <a:ext uri="{28A0092B-C50C-407E-A947-70E740481C1C}">
+                <a14:useLocalDpi xmlns:a14="http://schemas.microsoft.com/office/drawing/2010/main" val="0"/>
+              </a:ext>
+            </a:extLst>
+          </a:blip>
+          <a:srcRect/>
+          <a:stretch>
+            <a:fillRect/>
+          </a:stretch>
+        </p:blipFill>
+        <p:spPr bwMode="auto">
+          <a:xfrm>
+            <a:off x="3781414" y="3787191"/>
+            <a:ext cx="3272558" cy="1366293"/>
+          </a:xfrm>
+          <a:prstGeom prst="rect">
+            <a:avLst/>
+          </a:prstGeom>
+          <a:noFill/>
+          <a:extLst>
+            <a:ext uri="{909E8E84-426E-40DD-AFC4-6F175D3DCCD1}">
+              <a14:hiddenFill xmlns:a14="http://schemas.microsoft.com/office/drawing/2010/main">
+                <a:solidFill>
+                  <a:srgbClr val="FFFFFF"/>
+                </a:solidFill>
+              </a14:hiddenFill>
+            </a:ext>
+          </a:extLst>
+        </p:spPr>
+      </p:pic>
+    </p:spTree>
+    <p:extLst>
+      <p:ext uri="{BB962C8B-B14F-4D97-AF65-F5344CB8AC3E}">
+        <p14:creationId xmlns:p14="http://schemas.microsoft.com/office/powerpoint/2010/main" val="734304043"/>
       </p:ext>
     </p:extLst>
   </p:cSld>
@@ -1178,8 +8293,293 @@
   <a:extraClrSchemeLst/>
   <a:extLst>
     <a:ext uri="{05A4C25C-085E-4340-85A3-A5531E510DB2}">
-      <thm15:themeFamily xmlns:thm15="http://schemas.microsoft.com/office/thememl/2012/main" xmlns="" name="Office Theme" id="{62F939B6-93AF-4DB8-9C6B-D6C7DFDC589F}" vid="{4A3C46E8-61CC-4603-A589-7422A47A8E4A}"/>
+      <thm15:themeFamily xmlns="" xmlns:thm15="http://schemas.microsoft.com/office/thememl/2012/main" name="Office Theme" id="{62F939B6-93AF-4DB8-9C6B-D6C7DFDC589F}" vid="{4A3C46E8-61CC-4603-A589-7422A47A8E4A}"/>
     </a:ext>
   </a:extLst>
 </a:theme>
+</file>
+
+<file path=ppt/theme/theme2.xml><?xml version="1.0" encoding="utf-8"?>
+<a:theme xmlns:a="http://schemas.openxmlformats.org/drawingml/2006/main" name="Тема Office">
+  <a:themeElements>
+    <a:clrScheme name="Стандартная">
+      <a:dk1>
+        <a:sysClr val="windowText" lastClr="000000"/>
+      </a:dk1>
+      <a:lt1>
+        <a:sysClr val="window" lastClr="FFFFFF"/>
+      </a:lt1>
+      <a:dk2>
+        <a:srgbClr val="1F497D"/>
+      </a:dk2>
+      <a:lt2>
+        <a:srgbClr val="EEECE1"/>
+      </a:lt2>
+      <a:accent1>
+        <a:srgbClr val="4F81BD"/>
+      </a:accent1>
+      <a:accent2>
+        <a:srgbClr val="C0504D"/>
+      </a:accent2>
+      <a:accent3>
+        <a:srgbClr val="9BBB59"/>
+      </a:accent3>
+      <a:accent4>
+        <a:srgbClr val="8064A2"/>
+      </a:accent4>
+      <a:accent5>
+        <a:srgbClr val="4BACC6"/>
+      </a:accent5>
+      <a:accent6>
+        <a:srgbClr val="F79646"/>
+      </a:accent6>
+      <a:hlink>
+        <a:srgbClr val="0000FF"/>
+      </a:hlink>
+      <a:folHlink>
+        <a:srgbClr val="800080"/>
+      </a:folHlink>
+    </a:clrScheme>
+    <a:fontScheme name="Стандартная">
+      <a:majorFont>
+        <a:latin typeface="Calibri"/>
+        <a:ea typeface=""/>
+        <a:cs typeface=""/>
+        <a:font script="Jpan" typeface="ＭＳ Ｐゴシック"/>
+        <a:font script="Hang" typeface="맑은 고딕"/>
+        <a:font script="Hans" typeface="宋体"/>
+        <a:font script="Hant" typeface="新細明體"/>
+        <a:font script="Arab" typeface="Times New Roman"/>
+        <a:font script="Hebr" typeface="Times New Roman"/>
+        <a:font script="Thai" typeface="Angsana New"/>
+        <a:font script="Ethi" typeface="Nyala"/>
+        <a:font script="Beng" typeface="Vrinda"/>
+        <a:font script="Gujr" typeface="Shruti"/>
+        <a:font script="Khmr" typeface="MoolBoran"/>
+        <a:font script="Knda" typeface="Tunga"/>
+        <a:font script="Guru" typeface="Raavi"/>
+        <a:font script="Cans" typeface="Euphemia"/>
+        <a:font script="Cher" typeface="Plantagenet Cherokee"/>
+        <a:font script="Yiii" typeface="Microsoft Yi Baiti"/>
+        <a:font script="Tibt" typeface="Microsoft Himalaya"/>
+        <a:font script="Thaa" typeface="MV Boli"/>
+        <a:font script="Deva" typeface="Mangal"/>
+        <a:font script="Telu" typeface="Gautami"/>
+        <a:font script="Taml" typeface="Latha"/>
+        <a:font script="Syrc" typeface="Estrangelo Edessa"/>
+        <a:font script="Orya" typeface="Kalinga"/>
+        <a:font script="Mlym" typeface="Kartika"/>
+        <a:font script="Laoo" typeface="DokChampa"/>
+        <a:font script="Sinh" typeface="Iskoola Pota"/>
+        <a:font script="Mong" typeface="Mongolian Baiti"/>
+        <a:font script="Viet" typeface="Times New Roman"/>
+        <a:font script="Uigh" typeface="Microsoft Uighur"/>
+        <a:font script="Geor" typeface="Sylfaen"/>
+      </a:majorFont>
+      <a:minorFont>
+        <a:latin typeface="Calibri"/>
+        <a:ea typeface=""/>
+        <a:cs typeface=""/>
+        <a:font script="Jpan" typeface="ＭＳ Ｐゴシック"/>
+        <a:font script="Hang" typeface="맑은 고딕"/>
+        <a:font script="Hans" typeface="宋体"/>
+        <a:font script="Hant" typeface="新細明體"/>
+        <a:font script="Arab" typeface="Arial"/>
+        <a:font script="Hebr" typeface="Arial"/>
+        <a:font script="Thai" typeface="Cordia New"/>
+        <a:font script="Ethi" typeface="Nyala"/>
+        <a:font script="Beng" typeface="Vrinda"/>
+        <a:font script="Gujr" typeface="Shruti"/>
+        <a:font script="Khmr" typeface="DaunPenh"/>
+        <a:font script="Knda" typeface="Tunga"/>
+        <a:font script="Guru" typeface="Raavi"/>
+        <a:font script="Cans" typeface="Euphemia"/>
+        <a:font script="Cher" typeface="Plantagenet Cherokee"/>
+        <a:font script="Yiii" typeface="Microsoft Yi Baiti"/>
+        <a:font script="Tibt" typeface="Microsoft Himalaya"/>
+        <a:font script="Thaa" typeface="MV Boli"/>
+        <a:font script="Deva" typeface="Mangal"/>
+        <a:font script="Telu" typeface="Gautami"/>
+        <a:font script="Taml" typeface="Latha"/>
+        <a:font script="Syrc" typeface="Estrangelo Edessa"/>
+        <a:font script="Orya" typeface="Kalinga"/>
+        <a:font script="Mlym" typeface="Kartika"/>
+        <a:font script="Laoo" typeface="DokChampa"/>
+        <a:font script="Sinh" typeface="Iskoola Pota"/>
+        <a:font script="Mong" typeface="Mongolian Baiti"/>
+        <a:font script="Viet" typeface="Arial"/>
+        <a:font script="Uigh" typeface="Microsoft Uighur"/>
+        <a:font script="Geor" typeface="Sylfaen"/>
+      </a:minorFont>
+    </a:fontScheme>
+    <a:fmtScheme name="Стандартная">
+      <a:fillStyleLst>
+        <a:solidFill>
+          <a:schemeClr val="phClr"/>
+        </a:solidFill>
+        <a:gradFill rotWithShape="1">
+          <a:gsLst>
+            <a:gs pos="0">
+              <a:schemeClr val="phClr">
+                <a:tint val="50000"/>
+                <a:satMod val="300000"/>
+              </a:schemeClr>
+            </a:gs>
+            <a:gs pos="35000">
+              <a:schemeClr val="phClr">
+                <a:tint val="37000"/>
+                <a:satMod val="300000"/>
+              </a:schemeClr>
+            </a:gs>
+            <a:gs pos="100000">
+              <a:schemeClr val="phClr">
+                <a:tint val="15000"/>
+                <a:satMod val="350000"/>
+              </a:schemeClr>
+            </a:gs>
+          </a:gsLst>
+          <a:lin ang="16200000" scaled="1"/>
+        </a:gradFill>
+        <a:gradFill rotWithShape="1">
+          <a:gsLst>
+            <a:gs pos="0">
+              <a:schemeClr val="phClr">
+                <a:shade val="51000"/>
+                <a:satMod val="130000"/>
+              </a:schemeClr>
+            </a:gs>
+            <a:gs pos="80000">
+              <a:schemeClr val="phClr">
+                <a:shade val="93000"/>
+                <a:satMod val="130000"/>
+              </a:schemeClr>
+            </a:gs>
+            <a:gs pos="100000">
+              <a:schemeClr val="phClr">
+                <a:shade val="94000"/>
+                <a:satMod val="135000"/>
+              </a:schemeClr>
+            </a:gs>
+          </a:gsLst>
+          <a:lin ang="16200000" scaled="0"/>
+        </a:gradFill>
+      </a:fillStyleLst>
+      <a:lnStyleLst>
+        <a:ln w="9525" cap="flat" cmpd="sng" algn="ctr">
+          <a:solidFill>
+            <a:schemeClr val="phClr">
+              <a:shade val="95000"/>
+              <a:satMod val="105000"/>
+            </a:schemeClr>
+          </a:solidFill>
+          <a:prstDash val="solid"/>
+        </a:ln>
+        <a:ln w="25400" cap="flat" cmpd="sng" algn="ctr">
+          <a:solidFill>
+            <a:schemeClr val="phClr"/>
+          </a:solidFill>
+          <a:prstDash val="solid"/>
+        </a:ln>
+        <a:ln w="38100" cap="flat" cmpd="sng" algn="ctr">
+          <a:solidFill>
+            <a:schemeClr val="phClr"/>
+          </a:solidFill>
+          <a:prstDash val="solid"/>
+        </a:ln>
+      </a:lnStyleLst>
+      <a:effectStyleLst>
+        <a:effectStyle>
+          <a:effectLst>
+            <a:outerShdw blurRad="40000" dist="20000" dir="5400000" rotWithShape="0">
+              <a:srgbClr val="000000">
+                <a:alpha val="38000"/>
+              </a:srgbClr>
+            </a:outerShdw>
+          </a:effectLst>
+        </a:effectStyle>
+        <a:effectStyle>
+          <a:effectLst>
+            <a:outerShdw blurRad="40000" dist="23000" dir="5400000" rotWithShape="0">
+              <a:srgbClr val="000000">
+                <a:alpha val="35000"/>
+              </a:srgbClr>
+            </a:outerShdw>
+          </a:effectLst>
+        </a:effectStyle>
+        <a:effectStyle>
+          <a:effectLst>
+            <a:outerShdw blurRad="40000" dist="23000" dir="5400000" rotWithShape="0">
+              <a:srgbClr val="000000">
+                <a:alpha val="35000"/>
+              </a:srgbClr>
+            </a:outerShdw>
+          </a:effectLst>
+          <a:scene3d>
+            <a:camera prst="orthographicFront">
+              <a:rot lat="0" lon="0" rev="0"/>
+            </a:camera>
+            <a:lightRig rig="threePt" dir="t">
+              <a:rot lat="0" lon="0" rev="1200000"/>
+            </a:lightRig>
+          </a:scene3d>
+          <a:sp3d>
+            <a:bevelT w="63500" h="25400"/>
+          </a:sp3d>
+        </a:effectStyle>
+      </a:effectStyleLst>
+      <a:bgFillStyleLst>
+        <a:solidFill>
+          <a:schemeClr val="phClr"/>
+        </a:solidFill>
+        <a:gradFill rotWithShape="1">
+          <a:gsLst>
+            <a:gs pos="0">
+              <a:schemeClr val="phClr">
+                <a:tint val="40000"/>
+                <a:satMod val="350000"/>
+              </a:schemeClr>
+            </a:gs>
+            <a:gs pos="40000">
+              <a:schemeClr val="phClr">
+                <a:tint val="45000"/>
+                <a:shade val="99000"/>
+                <a:satMod val="350000"/>
+              </a:schemeClr>
+            </a:gs>
+            <a:gs pos="100000">
+              <a:schemeClr val="phClr">
+                <a:shade val="20000"/>
+                <a:satMod val="255000"/>
+              </a:schemeClr>
+            </a:gs>
+          </a:gsLst>
+          <a:path path="circle">
+            <a:fillToRect l="50000" t="-80000" r="50000" b="180000"/>
+          </a:path>
+        </a:gradFill>
+        <a:gradFill rotWithShape="1">
+          <a:gsLst>
+            <a:gs pos="0">
+              <a:schemeClr val="phClr">
+                <a:tint val="80000"/>
+                <a:satMod val="300000"/>
+              </a:schemeClr>
+            </a:gs>
+            <a:gs pos="100000">
+              <a:schemeClr val="phClr">
+                <a:shade val="30000"/>
+                <a:satMod val="200000"/>
+              </a:schemeClr>
+            </a:gs>
+          </a:gsLst>
+          <a:path path="circle">
+            <a:fillToRect l="50000" t="50000" r="50000" b="50000"/>
+          </a:path>
+        </a:gradFill>
+      </a:bgFillStyleLst>
+    </a:fmtScheme>
+  </a:themeElements>
+  <a:objectDefaults/>
+  <a:extraClrSchemeLst/>
+</a:theme>
 </file>
--- a/записка/презентація.pptx
+++ b/записка/презентація.pptx
@@ -5,7 +5,7 @@
     <p:sldMasterId id="2147483648" r:id="rId1"/>
   </p:sldMasterIdLst>
   <p:notesMasterIdLst>
-    <p:notesMasterId r:id="rId16"/>
+    <p:notesMasterId r:id="rId20"/>
   </p:notesMasterIdLst>
   <p:sldIdLst>
     <p:sldId id="256" r:id="rId2"/>
@@ -17,11 +17,15 @@
     <p:sldId id="262" r:id="rId8"/>
     <p:sldId id="270" r:id="rId9"/>
     <p:sldId id="263" r:id="rId10"/>
-    <p:sldId id="264" r:id="rId11"/>
-    <p:sldId id="265" r:id="rId12"/>
-    <p:sldId id="266" r:id="rId13"/>
-    <p:sldId id="268" r:id="rId14"/>
-    <p:sldId id="269" r:id="rId15"/>
+    <p:sldId id="271" r:id="rId11"/>
+    <p:sldId id="264" r:id="rId12"/>
+    <p:sldId id="265" r:id="rId13"/>
+    <p:sldId id="272" r:id="rId14"/>
+    <p:sldId id="273" r:id="rId15"/>
+    <p:sldId id="274" r:id="rId16"/>
+    <p:sldId id="266" r:id="rId17"/>
+    <p:sldId id="268" r:id="rId18"/>
+    <p:sldId id="269" r:id="rId19"/>
   </p:sldIdLst>
   <p:sldSz cx="12192000" cy="6858000"/>
   <p:notesSz cx="6858000" cy="9144000"/>
@@ -122,7 +126,7 @@
   </p:defaultTextStyle>
   <p:extLst>
     <p:ext uri="{EFAFB233-063F-42B5-8137-9DF3F51BA10A}">
-      <p15:sldGuideLst xmlns:p15="http://schemas.microsoft.com/office/powerpoint/2012/main" xmlns=""/>
+      <p15:sldGuideLst xmlns="" xmlns:p15="http://schemas.microsoft.com/office/powerpoint/2012/main"/>
     </p:ext>
   </p:extLst>
 </p:presentation>
@@ -210,7 +214,7 @@
           <a:p>
             <a:fld id="{A5DE561D-31C7-4B88-B0FD-EA98D357D148}" type="datetimeFigureOut">
               <a:rPr lang="ru-RU" smtClean="0"/>
-              <a:t>07.06.2024</a:t>
+              <a:t>09.06.2024</a:t>
             </a:fld>
             <a:endParaRPr lang="ru-RU"/>
           </a:p>
@@ -543,7 +547,7 @@
           <a:p>
             <a:fld id="{BAFA09E2-8B1D-4F81-A0DD-32E6279B2120}" type="slidenum">
               <a:rPr lang="ru-RU" smtClean="0"/>
-              <a:t>11</a:t>
+              <a:t>12</a:t>
             </a:fld>
             <a:endParaRPr lang="ru-RU"/>
           </a:p>
@@ -1278,7 +1282,7 @@
   </p:txStyles>
   <p:extLst>
     <p:ext uri="{27BBF7A9-308A-43DC-89C8-2F10F3537804}">
-      <p15:sldGuideLst xmlns:p15="http://schemas.microsoft.com/office/powerpoint/2012/main" xmlns="">
+      <p15:sldGuideLst xmlns="" xmlns:p15="http://schemas.microsoft.com/office/powerpoint/2012/main">
         <p15:guide id="1" orient="horz" pos="119" userDrawn="1">
           <p15:clr>
             <a:srgbClr val="F26B43"/>
@@ -1429,7 +1433,7 @@
         </p:nvSpPr>
         <p:spPr>
           <a:xfrm>
-            <a:off x="8382001" y="4917609"/>
+            <a:off x="8382001" y="4724569"/>
             <a:ext cx="3352264" cy="1708160"/>
           </a:xfrm>
           <a:prstGeom prst="rect">
@@ -1638,10 +1642,403 @@
   <p:clrMapOvr>
     <a:masterClrMapping/>
   </p:clrMapOvr>
+  <p:timing>
+    <p:tnLst>
+      <p:par>
+        <p:cTn id="1" dur="indefinite" restart="never" nodeType="tmRoot"/>
+      </p:par>
+    </p:tnLst>
+  </p:timing>
 </p:sld>
 </file>
 
 <file path=ppt/slides/slide10.xml><?xml version="1.0" encoding="utf-8"?>
+<p:sld xmlns:a="http://schemas.openxmlformats.org/drawingml/2006/main" xmlns:r="http://schemas.openxmlformats.org/officeDocument/2006/relationships" xmlns:p="http://schemas.openxmlformats.org/presentationml/2006/main">
+  <p:cSld>
+    <p:spTree>
+      <p:nvGrpSpPr>
+        <p:cNvPr id="1" name=""/>
+        <p:cNvGrpSpPr/>
+        <p:nvPr/>
+      </p:nvGrpSpPr>
+      <p:grpSpPr>
+        <a:xfrm>
+          <a:off x="0" y="0"/>
+          <a:ext cx="0" cy="0"/>
+          <a:chOff x="0" y="0"/>
+          <a:chExt cx="0" cy="0"/>
+        </a:xfrm>
+      </p:grpSpPr>
+      <p:sp>
+        <p:nvSpPr>
+          <p:cNvPr id="2" name="Заголовок 1"/>
+          <p:cNvSpPr>
+            <a:spLocks noGrp="1"/>
+          </p:cNvSpPr>
+          <p:nvPr>
+            <p:ph type="title"/>
+          </p:nvPr>
+        </p:nvSpPr>
+        <p:spPr/>
+        <p:txBody>
+          <a:bodyPr/>
+          <a:lstStyle/>
+          <a:p>
+            <a:r>
+              <a:rPr lang="ru-RU" dirty="0" err="1"/>
+              <a:t>Архітектура</a:t>
+            </a:r>
+            <a:r>
+              <a:rPr lang="ru-RU" dirty="0"/>
+              <a:t> </a:t>
+            </a:r>
+            <a:r>
+              <a:rPr lang="ru-RU" dirty="0" err="1"/>
+              <a:t>програмного</a:t>
+            </a:r>
+            <a:r>
+              <a:rPr lang="ru-RU" dirty="0"/>
+              <a:t> </a:t>
+            </a:r>
+            <a:r>
+              <a:rPr lang="ru-RU" dirty="0" err="1"/>
+              <a:t>забезпечення</a:t>
+            </a:r>
+            <a:endParaRPr lang="uk-UA" dirty="0"/>
+          </a:p>
+        </p:txBody>
+      </p:sp>
+      <p:pic>
+        <p:nvPicPr>
+          <p:cNvPr id="2050" name="Рисунок 4" descr="Клієнт-серверна архітектура — Вікіпедія"/>
+          <p:cNvPicPr>
+            <a:picLocks noChangeAspect="1" noChangeArrowheads="1"/>
+          </p:cNvPicPr>
+          <p:nvPr/>
+        </p:nvPicPr>
+        <p:blipFill>
+          <a:blip r:embed="rId2">
+            <a:extLst>
+              <a:ext uri="{28A0092B-C50C-407E-A947-70E740481C1C}">
+                <a14:useLocalDpi xmlns:a14="http://schemas.microsoft.com/office/drawing/2010/main" val="0"/>
+              </a:ext>
+            </a:extLst>
+          </a:blip>
+          <a:srcRect/>
+          <a:stretch>
+            <a:fillRect/>
+          </a:stretch>
+        </p:blipFill>
+        <p:spPr bwMode="auto">
+          <a:xfrm>
+            <a:off x="4927599" y="1283454"/>
+            <a:ext cx="6829743" cy="4098232"/>
+          </a:xfrm>
+          <a:prstGeom prst="rect">
+            <a:avLst/>
+          </a:prstGeom>
+          <a:noFill/>
+          <a:ln>
+            <a:noFill/>
+          </a:ln>
+          <a:extLst>
+            <a:ext uri="{909E8E84-426E-40DD-AFC4-6F175D3DCCD1}">
+              <a14:hiddenFill xmlns:a14="http://schemas.microsoft.com/office/drawing/2010/main">
+                <a:solidFill>
+                  <a:srgbClr val="FFFFFF"/>
+                </a:solidFill>
+              </a14:hiddenFill>
+            </a:ext>
+            <a:ext uri="{91240B29-F687-4F45-9708-019B960494DF}">
+              <a14:hiddenLine xmlns:a14="http://schemas.microsoft.com/office/drawing/2010/main" w="9525">
+                <a:solidFill>
+                  <a:srgbClr val="000000"/>
+                </a:solidFill>
+                <a:miter lim="800000"/>
+                <a:headEnd/>
+                <a:tailEnd/>
+              </a14:hiddenLine>
+            </a:ext>
+          </a:extLst>
+        </p:spPr>
+      </p:pic>
+      <p:sp>
+        <p:nvSpPr>
+          <p:cNvPr id="4" name="Прямоугольник 3"/>
+          <p:cNvSpPr/>
+          <p:nvPr/>
+        </p:nvSpPr>
+        <p:spPr>
+          <a:xfrm>
+            <a:off x="416864" y="1496814"/>
+            <a:ext cx="5354015" cy="2031325"/>
+          </a:xfrm>
+          <a:prstGeom prst="rect">
+            <a:avLst/>
+          </a:prstGeom>
+        </p:spPr>
+        <p:txBody>
+          <a:bodyPr wrap="square">
+            <a:spAutoFit/>
+          </a:bodyPr>
+          <a:lstStyle/>
+          <a:p>
+            <a:r>
+              <a:rPr lang="ru-RU" dirty="0" err="1"/>
+              <a:t>Основні</a:t>
+            </a:r>
+            <a:r>
+              <a:rPr lang="ru-RU" dirty="0"/>
+              <a:t> </a:t>
+            </a:r>
+            <a:r>
+              <a:rPr lang="ru-RU" dirty="0" err="1" smtClean="0"/>
+              <a:t>переваги</a:t>
+            </a:r>
+            <a:r>
+              <a:rPr lang="ru-RU" dirty="0" smtClean="0"/>
+              <a:t>:</a:t>
+            </a:r>
+          </a:p>
+          <a:p>
+            <a:r>
+              <a:rPr lang="uk-UA" dirty="0" smtClean="0"/>
+              <a:t>- </a:t>
+            </a:r>
+            <a:r>
+              <a:rPr lang="ru-RU" dirty="0" err="1" smtClean="0"/>
+              <a:t>ефективна</a:t>
+            </a:r>
+            <a:r>
+              <a:rPr lang="ru-RU" dirty="0" smtClean="0"/>
+              <a:t> </a:t>
+            </a:r>
+            <a:r>
+              <a:rPr lang="ru-RU" dirty="0" err="1" smtClean="0"/>
+              <a:t>взаємодія</a:t>
+            </a:r>
+            <a:r>
+              <a:rPr lang="ru-RU" dirty="0" smtClean="0"/>
+              <a:t> </a:t>
+            </a:r>
+            <a:r>
+              <a:rPr lang="ru-RU" dirty="0" err="1"/>
+              <a:t>із</a:t>
+            </a:r>
+            <a:r>
+              <a:rPr lang="ru-RU" dirty="0"/>
+              <a:t> </a:t>
+            </a:r>
+            <a:r>
+              <a:rPr lang="ru-RU" dirty="0" smtClean="0"/>
+              <a:t>сервером</a:t>
+            </a:r>
+          </a:p>
+          <a:p>
+            <a:r>
+              <a:rPr lang="uk-UA" dirty="0" smtClean="0"/>
+              <a:t>- </a:t>
+            </a:r>
+            <a:r>
+              <a:rPr lang="ru-RU" dirty="0" err="1" smtClean="0"/>
+              <a:t>асинхронність</a:t>
+            </a:r>
+            <a:endParaRPr lang="ru-RU" dirty="0" smtClean="0"/>
+          </a:p>
+          <a:p>
+            <a:r>
+              <a:rPr lang="uk-UA" dirty="0" smtClean="0"/>
+              <a:t>- </a:t>
+            </a:r>
+            <a:r>
+              <a:rPr lang="ru-RU" dirty="0" err="1"/>
+              <a:t>відокремлення</a:t>
+            </a:r>
+            <a:r>
+              <a:rPr lang="ru-RU" dirty="0"/>
+              <a:t> </a:t>
+            </a:r>
+            <a:r>
+              <a:rPr lang="ru-RU" dirty="0" err="1"/>
+              <a:t>інтерфейсу</a:t>
+            </a:r>
+            <a:r>
+              <a:rPr lang="ru-RU" dirty="0"/>
+              <a:t> та </a:t>
+            </a:r>
+            <a:r>
+              <a:rPr lang="ru-RU" dirty="0" err="1"/>
+              <a:t>логіки</a:t>
+            </a:r>
+            <a:r>
+              <a:rPr lang="uk-UA" dirty="0" smtClean="0"/>
+              <a:t/>
+            </a:r>
+            <a:br>
+              <a:rPr lang="uk-UA" dirty="0" smtClean="0"/>
+            </a:br>
+            <a:r>
+              <a:rPr lang="uk-UA" dirty="0" smtClean="0"/>
+              <a:t>- </a:t>
+            </a:r>
+            <a:r>
+              <a:rPr lang="ru-RU" dirty="0" err="1"/>
+              <a:t>сприяння</a:t>
+            </a:r>
+            <a:r>
+              <a:rPr lang="ru-RU" dirty="0"/>
+              <a:t> </a:t>
+            </a:r>
+            <a:r>
+              <a:rPr lang="ru-RU" dirty="0" err="1"/>
+              <a:t>масштабованості</a:t>
+            </a:r>
+            <a:r>
+              <a:rPr lang="uk-UA" dirty="0" smtClean="0"/>
+              <a:t/>
+            </a:r>
+            <a:br>
+              <a:rPr lang="uk-UA" dirty="0" smtClean="0"/>
+            </a:br>
+            <a:r>
+              <a:rPr lang="uk-UA" dirty="0" smtClean="0"/>
+              <a:t>- </a:t>
+            </a:r>
+            <a:r>
+              <a:rPr lang="ru-RU" dirty="0" err="1"/>
+              <a:t>безпека</a:t>
+            </a:r>
+            <a:r>
+              <a:rPr lang="uk-UA" dirty="0" smtClean="0"/>
+              <a:t/>
+            </a:r>
+            <a:br>
+              <a:rPr lang="uk-UA" dirty="0" smtClean="0"/>
+            </a:br>
+            <a:r>
+              <a:rPr lang="uk-UA" dirty="0" smtClean="0"/>
+              <a:t>- </a:t>
+            </a:r>
+            <a:r>
+              <a:rPr lang="ru-RU" dirty="0" err="1"/>
+              <a:t>підтримка</a:t>
+            </a:r>
+            <a:r>
+              <a:rPr lang="ru-RU" dirty="0"/>
+              <a:t> </a:t>
+            </a:r>
+            <a:r>
+              <a:rPr lang="ru-RU" dirty="0" err="1" smtClean="0"/>
+              <a:t>різних</a:t>
+            </a:r>
+            <a:r>
+              <a:rPr lang="ru-RU" dirty="0" smtClean="0"/>
+              <a:t> </a:t>
+            </a:r>
+            <a:r>
+              <a:rPr lang="ru-RU" dirty="0" err="1" smtClean="0"/>
+              <a:t>типів</a:t>
+            </a:r>
+            <a:r>
+              <a:rPr lang="ru-RU" dirty="0" smtClean="0"/>
+              <a:t> </a:t>
+            </a:r>
+            <a:r>
+              <a:rPr lang="ru-RU" dirty="0" err="1"/>
+              <a:t>клієнтів</a:t>
+            </a:r>
+            <a:endParaRPr lang="uk-UA" dirty="0"/>
+          </a:p>
+        </p:txBody>
+      </p:sp>
+      <p:sp>
+        <p:nvSpPr>
+          <p:cNvPr id="5" name="Прямоугольник 4"/>
+          <p:cNvSpPr/>
+          <p:nvPr/>
+        </p:nvSpPr>
+        <p:spPr>
+          <a:xfrm>
+            <a:off x="416864" y="3540602"/>
+            <a:ext cx="3105337" cy="1200329"/>
+          </a:xfrm>
+          <a:prstGeom prst="rect">
+            <a:avLst/>
+          </a:prstGeom>
+        </p:spPr>
+        <p:txBody>
+          <a:bodyPr wrap="none">
+            <a:spAutoFit/>
+          </a:bodyPr>
+          <a:lstStyle/>
+          <a:p>
+            <a:r>
+              <a:rPr lang="ru-RU" dirty="0" err="1" smtClean="0"/>
+              <a:t>Використано</a:t>
+            </a:r>
+            <a:r>
+              <a:rPr lang="ru-RU" dirty="0" smtClean="0"/>
+              <a:t> у </a:t>
+            </a:r>
+            <a:r>
+              <a:rPr lang="ru-RU" dirty="0" err="1" smtClean="0"/>
+              <a:t>поєднанні</a:t>
+            </a:r>
+            <a:r>
+              <a:rPr lang="ru-RU" dirty="0" smtClean="0"/>
+              <a:t> з:</a:t>
+            </a:r>
+            <a:br>
+              <a:rPr lang="ru-RU" dirty="0" smtClean="0"/>
+            </a:br>
+            <a:r>
+              <a:rPr lang="ru-RU" dirty="0" smtClean="0"/>
+              <a:t>- </a:t>
+            </a:r>
+            <a:r>
+              <a:rPr lang="en-US" dirty="0" smtClean="0"/>
+              <a:t>Node.js</a:t>
+            </a:r>
+          </a:p>
+          <a:p>
+            <a:r>
+              <a:rPr lang="en-US" dirty="0"/>
+              <a:t>- </a:t>
+            </a:r>
+            <a:r>
+              <a:rPr lang="en-US" dirty="0" smtClean="0"/>
+              <a:t>React</a:t>
+            </a:r>
+          </a:p>
+          <a:p>
+            <a:r>
+              <a:rPr lang="en-US" dirty="0" smtClean="0"/>
+              <a:t>- MVC</a:t>
+            </a:r>
+          </a:p>
+        </p:txBody>
+      </p:sp>
+    </p:spTree>
+    <p:extLst>
+      <p:ext uri="{BB962C8B-B14F-4D97-AF65-F5344CB8AC3E}">
+        <p14:creationId xmlns:p14="http://schemas.microsoft.com/office/powerpoint/2010/main" val="887294206"/>
+      </p:ext>
+    </p:extLst>
+  </p:cSld>
+  <p:clrMapOvr>
+    <a:masterClrMapping/>
+  </p:clrMapOvr>
+  <p:timing>
+    <p:tnLst>
+      <p:par>
+        <p:cTn id="1" dur="indefinite" restart="never" nodeType="tmRoot"/>
+      </p:par>
+    </p:tnLst>
+  </p:timing>
+</p:sld>
+</file>
+
+<file path=ppt/slides/slide11.xml><?xml version="1.0" encoding="utf-8"?>
 <p:sld xmlns:a="http://schemas.openxmlformats.org/drawingml/2006/main" xmlns:r="http://schemas.openxmlformats.org/officeDocument/2006/relationships" xmlns:p="http://schemas.openxmlformats.org/presentationml/2006/main">
   <p:cSld>
     <p:spTree>
@@ -2027,10 +2424,17 @@
   <p:clrMapOvr>
     <a:masterClrMapping/>
   </p:clrMapOvr>
+  <p:timing>
+    <p:tnLst>
+      <p:par>
+        <p:cTn id="1" dur="indefinite" restart="never" nodeType="tmRoot"/>
+      </p:par>
+    </p:tnLst>
+  </p:timing>
 </p:sld>
 </file>
 
-<file path=ppt/slides/slide11.xml><?xml version="1.0" encoding="utf-8"?>
+<file path=ppt/slides/slide12.xml><?xml version="1.0" encoding="utf-8"?>
 <p:sld xmlns:a="http://schemas.openxmlformats.org/drawingml/2006/main" xmlns:r="http://schemas.openxmlformats.org/officeDocument/2006/relationships" xmlns:p="http://schemas.openxmlformats.org/presentationml/2006/main">
   <p:cSld>
     <p:spTree>
@@ -2409,67 +2813,13 @@
   <p:clrMapOvr>
     <a:masterClrMapping/>
   </p:clrMapOvr>
-</p:sld>
-</file>
-
-<file path=ppt/slides/slide12.xml><?xml version="1.0" encoding="utf-8"?>
-<p:sld xmlns:a="http://schemas.openxmlformats.org/drawingml/2006/main" xmlns:r="http://schemas.openxmlformats.org/officeDocument/2006/relationships" xmlns:p="http://schemas.openxmlformats.org/presentationml/2006/main">
-  <p:cSld>
-    <p:spTree>
-      <p:nvGrpSpPr>
-        <p:cNvPr id="1" name=""/>
-        <p:cNvGrpSpPr/>
-        <p:nvPr/>
-      </p:nvGrpSpPr>
-      <p:grpSpPr>
-        <a:xfrm>
-          <a:off x="0" y="0"/>
-          <a:ext cx="0" cy="0"/>
-          <a:chOff x="0" y="0"/>
-          <a:chExt cx="0" cy="0"/>
-        </a:xfrm>
-      </p:grpSpPr>
-      <p:sp>
-        <p:nvSpPr>
-          <p:cNvPr id="2" name="Заголовок 1"/>
-          <p:cNvSpPr>
-            <a:spLocks noGrp="1"/>
-          </p:cNvSpPr>
-          <p:nvPr>
-            <p:ph type="title"/>
-          </p:nvPr>
-        </p:nvSpPr>
-        <p:spPr/>
-        <p:txBody>
-          <a:bodyPr/>
-          <a:lstStyle/>
-          <a:p>
-            <a:r>
-              <a:rPr lang="ru-RU" dirty="0" err="1" smtClean="0"/>
-              <a:t>Демонстрація</a:t>
-            </a:r>
-            <a:r>
-              <a:rPr lang="ru-RU" dirty="0" smtClean="0"/>
-              <a:t> </a:t>
-            </a:r>
-            <a:r>
-              <a:rPr lang="ru-RU" dirty="0" err="1" smtClean="0"/>
-              <a:t>розробки</a:t>
-            </a:r>
-            <a:endParaRPr lang="ru-RU" dirty="0"/>
-          </a:p>
-        </p:txBody>
-      </p:sp>
-    </p:spTree>
-    <p:extLst>
-      <p:ext uri="{BB962C8B-B14F-4D97-AF65-F5344CB8AC3E}">
-        <p14:creationId xmlns:p14="http://schemas.microsoft.com/office/powerpoint/2010/main" val="2469041347"/>
-      </p:ext>
-    </p:extLst>
-  </p:cSld>
-  <p:clrMapOvr>
-    <a:masterClrMapping/>
-  </p:clrMapOvr>
+  <p:timing>
+    <p:tnLst>
+      <p:par>
+        <p:cTn id="1" dur="indefinite" restart="never" nodeType="tmRoot"/>
+      </p:par>
+    </p:tnLst>
+  </p:timing>
 </p:sld>
 </file>
 
@@ -2506,6 +2856,1512 @@
           <a:lstStyle/>
           <a:p>
             <a:r>
+              <a:rPr lang="uk-UA" dirty="0"/>
+              <a:t>База даних</a:t>
+            </a:r>
+            <a:br>
+              <a:rPr lang="uk-UA" dirty="0"/>
+            </a:br>
+            <a:endParaRPr lang="uk-UA" dirty="0"/>
+          </a:p>
+        </p:txBody>
+      </p:sp>
+      <p:pic>
+        <p:nvPicPr>
+          <p:cNvPr id="3074" name="Picture 2" descr="Диаграмма без названия"/>
+          <p:cNvPicPr>
+            <a:picLocks noChangeAspect="1" noChangeArrowheads="1"/>
+          </p:cNvPicPr>
+          <p:nvPr/>
+        </p:nvPicPr>
+        <p:blipFill>
+          <a:blip r:embed="rId2" cstate="print">
+            <a:extLst>
+              <a:ext uri="{28A0092B-C50C-407E-A947-70E740481C1C}">
+                <a14:useLocalDpi xmlns:a14="http://schemas.microsoft.com/office/drawing/2010/main" val="0"/>
+              </a:ext>
+            </a:extLst>
+          </a:blip>
+          <a:srcRect/>
+          <a:stretch>
+            <a:fillRect/>
+          </a:stretch>
+        </p:blipFill>
+        <p:spPr bwMode="auto">
+          <a:xfrm>
+            <a:off x="6329680" y="273348"/>
+            <a:ext cx="5252720" cy="5431132"/>
+          </a:xfrm>
+          <a:prstGeom prst="rect">
+            <a:avLst/>
+          </a:prstGeom>
+          <a:noFill/>
+          <a:ln>
+            <a:noFill/>
+          </a:ln>
+          <a:extLst>
+            <a:ext uri="{909E8E84-426E-40DD-AFC4-6F175D3DCCD1}">
+              <a14:hiddenFill xmlns:a14="http://schemas.microsoft.com/office/drawing/2010/main">
+                <a:solidFill>
+                  <a:srgbClr val="FFFFFF"/>
+                </a:solidFill>
+              </a14:hiddenFill>
+            </a:ext>
+            <a:ext uri="{91240B29-F687-4F45-9708-019B960494DF}">
+              <a14:hiddenLine xmlns:a14="http://schemas.microsoft.com/office/drawing/2010/main" w="9525">
+                <a:solidFill>
+                  <a:srgbClr val="000000"/>
+                </a:solidFill>
+                <a:miter lim="800000"/>
+                <a:headEnd/>
+                <a:tailEnd/>
+              </a14:hiddenLine>
+            </a:ext>
+          </a:extLst>
+        </p:spPr>
+      </p:pic>
+      <p:sp>
+        <p:nvSpPr>
+          <p:cNvPr id="4" name="Прямоугольник 3"/>
+          <p:cNvSpPr/>
+          <p:nvPr/>
+        </p:nvSpPr>
+        <p:spPr>
+          <a:xfrm>
+            <a:off x="365760" y="1127820"/>
+            <a:ext cx="5720080" cy="3416320"/>
+          </a:xfrm>
+          <a:prstGeom prst="rect">
+            <a:avLst/>
+          </a:prstGeom>
+        </p:spPr>
+        <p:txBody>
+          <a:bodyPr wrap="square">
+            <a:spAutoFit/>
+          </a:bodyPr>
+          <a:lstStyle/>
+          <a:p>
+            <a:r>
+              <a:rPr lang="uk-UA" dirty="0"/>
+              <a:t>У цьому </a:t>
+            </a:r>
+            <a:r>
+              <a:rPr lang="uk-UA" dirty="0" err="1"/>
+              <a:t>проєкті</a:t>
+            </a:r>
+            <a:r>
+              <a:rPr lang="uk-UA" dirty="0"/>
+              <a:t> для збереження даних обрано </a:t>
+            </a:r>
+            <a:r>
+              <a:rPr lang="uk-UA" dirty="0" err="1"/>
+              <a:t>MySQL</a:t>
+            </a:r>
+            <a:r>
+              <a:rPr lang="uk-UA" dirty="0"/>
+              <a:t>. Обумовлено це тим, що </a:t>
+            </a:r>
+            <a:r>
+              <a:rPr lang="uk-UA" dirty="0" err="1"/>
+              <a:t>MySQL</a:t>
+            </a:r>
+            <a:r>
+              <a:rPr lang="uk-UA" dirty="0"/>
+              <a:t> є однією з найпоширеніших та добре вивчених реляційних систем управління базами даних. </a:t>
+            </a:r>
+            <a:endParaRPr lang="uk-UA" dirty="0" smtClean="0"/>
+          </a:p>
+          <a:p>
+            <a:r>
+              <a:rPr lang="uk-UA" dirty="0" smtClean="0"/>
+              <a:t>Її </a:t>
+            </a:r>
+            <a:r>
+              <a:rPr lang="uk-UA" dirty="0"/>
+              <a:t>довгий період використання у великих </a:t>
+            </a:r>
+            <a:r>
+              <a:rPr lang="uk-UA" dirty="0" err="1"/>
+              <a:t>проєктах</a:t>
+            </a:r>
+            <a:r>
+              <a:rPr lang="uk-UA" dirty="0"/>
+              <a:t> та корпоративних системах свідчить про стабільність та надійність цієї системи. </a:t>
+            </a:r>
+            <a:endParaRPr lang="uk-UA" dirty="0" smtClean="0"/>
+          </a:p>
+          <a:p>
+            <a:r>
+              <a:rPr lang="uk-UA" dirty="0" smtClean="0"/>
+              <a:t>Крім </a:t>
+            </a:r>
+            <a:r>
+              <a:rPr lang="uk-UA" dirty="0"/>
+              <a:t>цього, одним з найважливіших моментів є те, що </a:t>
+            </a:r>
+            <a:r>
+              <a:rPr lang="uk-UA" dirty="0" err="1"/>
+              <a:t>MySQL</a:t>
+            </a:r>
+            <a:r>
+              <a:rPr lang="uk-UA" dirty="0"/>
+              <a:t> є вільною та відкритою системою, що робить її доступною для використання без великих витрат. Це особливо важливо на початкових етапах розробки та для </a:t>
+            </a:r>
+            <a:r>
+              <a:rPr lang="uk-UA" dirty="0" err="1"/>
+              <a:t>стартапів</a:t>
+            </a:r>
+            <a:r>
+              <a:rPr lang="uk-UA" dirty="0"/>
+              <a:t>.</a:t>
+            </a:r>
+            <a:endParaRPr lang="uk-UA" dirty="0"/>
+          </a:p>
+        </p:txBody>
+      </p:sp>
+    </p:spTree>
+    <p:extLst>
+      <p:ext uri="{BB962C8B-B14F-4D97-AF65-F5344CB8AC3E}">
+        <p14:creationId xmlns:p14="http://schemas.microsoft.com/office/powerpoint/2010/main" val="4141609595"/>
+      </p:ext>
+    </p:extLst>
+  </p:cSld>
+  <p:clrMapOvr>
+    <a:masterClrMapping/>
+  </p:clrMapOvr>
+  <p:timing>
+    <p:tnLst>
+      <p:par>
+        <p:cTn id="1" dur="indefinite" restart="never" nodeType="tmRoot"/>
+      </p:par>
+    </p:tnLst>
+  </p:timing>
+</p:sld>
+</file>
+
+<file path=ppt/slides/slide14.xml><?xml version="1.0" encoding="utf-8"?>
+<p:sld xmlns:a="http://schemas.openxmlformats.org/drawingml/2006/main" xmlns:r="http://schemas.openxmlformats.org/officeDocument/2006/relationships" xmlns:p="http://schemas.openxmlformats.org/presentationml/2006/main">
+  <p:cSld>
+    <p:spTree>
+      <p:nvGrpSpPr>
+        <p:cNvPr id="1" name=""/>
+        <p:cNvGrpSpPr/>
+        <p:nvPr/>
+      </p:nvGrpSpPr>
+      <p:grpSpPr>
+        <a:xfrm>
+          <a:off x="0" y="0"/>
+          <a:ext cx="0" cy="0"/>
+          <a:chOff x="0" y="0"/>
+          <a:chExt cx="0" cy="0"/>
+        </a:xfrm>
+      </p:grpSpPr>
+      <p:sp>
+        <p:nvSpPr>
+          <p:cNvPr id="2" name="Заголовок 1"/>
+          <p:cNvSpPr>
+            <a:spLocks noGrp="1"/>
+          </p:cNvSpPr>
+          <p:nvPr>
+            <p:ph type="title"/>
+          </p:nvPr>
+        </p:nvSpPr>
+        <p:spPr/>
+        <p:txBody>
+          <a:bodyPr/>
+          <a:lstStyle/>
+          <a:p>
+            <a:r>
+              <a:rPr lang="uk-UA" dirty="0"/>
+              <a:t>Сторонні А</a:t>
+            </a:r>
+            <a:r>
+              <a:rPr lang="en-US" dirty="0"/>
+              <a:t>P</a:t>
+            </a:r>
+            <a:r>
+              <a:rPr lang="uk-UA" dirty="0" smtClean="0"/>
+              <a:t>І використані для розробки</a:t>
+            </a:r>
+            <a:endParaRPr lang="uk-UA" dirty="0"/>
+          </a:p>
+        </p:txBody>
+      </p:sp>
+      <p:sp>
+        <p:nvSpPr>
+          <p:cNvPr id="4" name="Прямоугольник 3"/>
+          <p:cNvSpPr/>
+          <p:nvPr/>
+        </p:nvSpPr>
+        <p:spPr>
+          <a:xfrm>
+            <a:off x="528320" y="1283960"/>
+            <a:ext cx="6096000" cy="1200329"/>
+          </a:xfrm>
+          <a:prstGeom prst="rect">
+            <a:avLst/>
+          </a:prstGeom>
+        </p:spPr>
+        <p:txBody>
+          <a:bodyPr>
+            <a:spAutoFit/>
+          </a:bodyPr>
+          <a:lstStyle/>
+          <a:p>
+            <a:r>
+              <a:rPr lang="uk-UA" dirty="0"/>
+              <a:t>При розробці </a:t>
+            </a:r>
+            <a:r>
+              <a:rPr lang="uk-UA" dirty="0" smtClean="0"/>
+              <a:t>платформи було інтегровано </a:t>
+            </a:r>
+            <a:r>
+              <a:rPr lang="en-US" dirty="0"/>
+              <a:t>API </a:t>
+            </a:r>
+            <a:r>
+              <a:rPr lang="uk-UA" dirty="0"/>
+              <a:t>декількох провідних сервісів, таких як </a:t>
+            </a:r>
+            <a:r>
+              <a:rPr lang="en-US" dirty="0"/>
+              <a:t>Stripe, PayPal </a:t>
+            </a:r>
+            <a:r>
+              <a:rPr lang="uk-UA" dirty="0"/>
+              <a:t>та </a:t>
+            </a:r>
+            <a:r>
+              <a:rPr lang="en-US" dirty="0"/>
+              <a:t>Google Maps, </a:t>
+            </a:r>
+            <a:r>
+              <a:rPr lang="uk-UA" dirty="0"/>
+              <a:t>що дозволяє забезпечити користувачам найкращий досвід використання. </a:t>
+            </a:r>
+            <a:endParaRPr lang="uk-UA" dirty="0" smtClean="0"/>
+          </a:p>
+        </p:txBody>
+      </p:sp>
+      <p:sp>
+        <p:nvSpPr>
+          <p:cNvPr id="5" name="Прямоугольник 4"/>
+          <p:cNvSpPr/>
+          <p:nvPr/>
+        </p:nvSpPr>
+        <p:spPr>
+          <a:xfrm>
+            <a:off x="528320" y="2484289"/>
+            <a:ext cx="6096000" cy="1754326"/>
+          </a:xfrm>
+          <a:prstGeom prst="rect">
+            <a:avLst/>
+          </a:prstGeom>
+        </p:spPr>
+        <p:txBody>
+          <a:bodyPr>
+            <a:spAutoFit/>
+          </a:bodyPr>
+          <a:lstStyle/>
+          <a:p>
+            <a:r>
+              <a:rPr lang="uk-UA" dirty="0"/>
+              <a:t>Завдяки </a:t>
+            </a:r>
+            <a:r>
+              <a:rPr lang="en-US" dirty="0"/>
+              <a:t>Stripe </a:t>
+            </a:r>
+            <a:r>
+              <a:rPr lang="en-US" dirty="0" smtClean="0"/>
+              <a:t>API</a:t>
+            </a:r>
+            <a:r>
+              <a:rPr lang="uk-UA" dirty="0" smtClean="0"/>
+              <a:t> та </a:t>
+            </a:r>
+            <a:r>
+              <a:rPr lang="en-US" dirty="0"/>
+              <a:t>PayPal </a:t>
+            </a:r>
+            <a:r>
+              <a:rPr lang="en-US" dirty="0" smtClean="0"/>
+              <a:t>API, </a:t>
+            </a:r>
+            <a:r>
+              <a:rPr lang="uk-UA" dirty="0"/>
+              <a:t>було реалізовано ефективну систему обробки платежів, яка підтримує різноманітні способи оплати та забезпечує високий рівень безпеки транзакцій. Це забезпечує гнучкість і довіру з боку користувачів, які вже знайомі з </a:t>
+            </a:r>
+            <a:r>
+              <a:rPr lang="uk-UA" dirty="0" smtClean="0"/>
+              <a:t>цими сервісами.</a:t>
+            </a:r>
+            <a:endParaRPr lang="uk-UA" dirty="0"/>
+          </a:p>
+        </p:txBody>
+      </p:sp>
+      <p:sp>
+        <p:nvSpPr>
+          <p:cNvPr id="7" name="Прямоугольник 6"/>
+          <p:cNvSpPr/>
+          <p:nvPr/>
+        </p:nvSpPr>
+        <p:spPr>
+          <a:xfrm>
+            <a:off x="528320" y="4238615"/>
+            <a:ext cx="6096000" cy="1200329"/>
+          </a:xfrm>
+          <a:prstGeom prst="rect">
+            <a:avLst/>
+          </a:prstGeom>
+        </p:spPr>
+        <p:txBody>
+          <a:bodyPr>
+            <a:spAutoFit/>
+          </a:bodyPr>
+          <a:lstStyle/>
+          <a:p>
+            <a:r>
+              <a:rPr lang="uk-UA" dirty="0"/>
+              <a:t>За допомогою </a:t>
+            </a:r>
+            <a:r>
+              <a:rPr lang="en-US" dirty="0"/>
+              <a:t>Google Maps API </a:t>
+            </a:r>
+            <a:r>
+              <a:rPr lang="uk-UA" dirty="0" smtClean="0"/>
+              <a:t>було інтегровано </a:t>
+            </a:r>
+            <a:r>
+              <a:rPr lang="uk-UA" dirty="0"/>
+              <a:t>карту з можливістю </a:t>
+            </a:r>
+            <a:r>
+              <a:rPr lang="uk-UA" dirty="0" err="1"/>
+              <a:t>геолокації</a:t>
+            </a:r>
+            <a:r>
+              <a:rPr lang="uk-UA" dirty="0"/>
+              <a:t>, що дозволяє користувачам легко знаходити необхідні </a:t>
+            </a:r>
+            <a:r>
+              <a:rPr lang="uk-UA" dirty="0" smtClean="0"/>
+              <a:t>місця, позначати локації та виставляти радіус роботи. </a:t>
+            </a:r>
+            <a:endParaRPr lang="uk-UA" dirty="0"/>
+          </a:p>
+        </p:txBody>
+      </p:sp>
+      <p:pic>
+        <p:nvPicPr>
+          <p:cNvPr id="5122" name="Picture 2" descr="Stripe - Full Stack Python"/>
+          <p:cNvPicPr>
+            <a:picLocks noChangeAspect="1" noChangeArrowheads="1"/>
+          </p:cNvPicPr>
+          <p:nvPr/>
+        </p:nvPicPr>
+        <p:blipFill>
+          <a:blip r:embed="rId2" cstate="print">
+            <a:extLst>
+              <a:ext uri="{28A0092B-C50C-407E-A947-70E740481C1C}">
+                <a14:useLocalDpi xmlns:a14="http://schemas.microsoft.com/office/drawing/2010/main" val="0"/>
+              </a:ext>
+            </a:extLst>
+          </a:blip>
+          <a:srcRect/>
+          <a:stretch>
+            <a:fillRect/>
+          </a:stretch>
+        </p:blipFill>
+        <p:spPr bwMode="auto">
+          <a:xfrm>
+            <a:off x="7365999" y="1134918"/>
+            <a:ext cx="4135239" cy="1498411"/>
+          </a:xfrm>
+          <a:prstGeom prst="rect">
+            <a:avLst/>
+          </a:prstGeom>
+          <a:noFill/>
+          <a:extLst>
+            <a:ext uri="{909E8E84-426E-40DD-AFC4-6F175D3DCCD1}">
+              <a14:hiddenFill xmlns:a14="http://schemas.microsoft.com/office/drawing/2010/main">
+                <a:solidFill>
+                  <a:srgbClr val="FFFFFF"/>
+                </a:solidFill>
+              </a14:hiddenFill>
+            </a:ext>
+          </a:extLst>
+        </p:spPr>
+      </p:pic>
+      <p:sp>
+        <p:nvSpPr>
+          <p:cNvPr id="8" name="AutoShape 4" descr="PayPal API Integration Services - Keenethics"/>
+          <p:cNvSpPr>
+            <a:spLocks noChangeAspect="1" noChangeArrowheads="1"/>
+          </p:cNvSpPr>
+          <p:nvPr/>
+        </p:nvSpPr>
+        <p:spPr bwMode="auto">
+          <a:xfrm>
+            <a:off x="155575" y="-144463"/>
+            <a:ext cx="304800" cy="304801"/>
+          </a:xfrm>
+          <a:prstGeom prst="rect">
+            <a:avLst/>
+          </a:prstGeom>
+          <a:noFill/>
+          <a:extLst>
+            <a:ext uri="{909E8E84-426E-40DD-AFC4-6F175D3DCCD1}">
+              <a14:hiddenFill xmlns:a14="http://schemas.microsoft.com/office/drawing/2010/main">
+                <a:solidFill>
+                  <a:srgbClr val="FFFFFF"/>
+                </a:solidFill>
+              </a14:hiddenFill>
+            </a:ext>
+          </a:extLst>
+        </p:spPr>
+        <p:txBody>
+          <a:bodyPr vert="horz" wrap="square" lIns="91440" tIns="45720" rIns="91440" bIns="45720" numCol="1" anchor="t" anchorCtr="0" compatLnSpc="1">
+            <a:prstTxWarp prst="textNoShape">
+              <a:avLst/>
+            </a:prstTxWarp>
+          </a:bodyPr>
+          <a:lstStyle/>
+          <a:p>
+            <a:endParaRPr lang="uk-UA"/>
+          </a:p>
+        </p:txBody>
+      </p:sp>
+      <p:sp>
+        <p:nvSpPr>
+          <p:cNvPr id="9" name="AutoShape 6" descr="PayPal API Integration Services - Keenethics"/>
+          <p:cNvSpPr>
+            <a:spLocks noChangeAspect="1" noChangeArrowheads="1"/>
+          </p:cNvSpPr>
+          <p:nvPr/>
+        </p:nvSpPr>
+        <p:spPr bwMode="auto">
+          <a:xfrm>
+            <a:off x="307975" y="7937"/>
+            <a:ext cx="304800" cy="304801"/>
+          </a:xfrm>
+          <a:prstGeom prst="rect">
+            <a:avLst/>
+          </a:prstGeom>
+          <a:noFill/>
+          <a:extLst>
+            <a:ext uri="{909E8E84-426E-40DD-AFC4-6F175D3DCCD1}">
+              <a14:hiddenFill xmlns:a14="http://schemas.microsoft.com/office/drawing/2010/main">
+                <a:solidFill>
+                  <a:srgbClr val="FFFFFF"/>
+                </a:solidFill>
+              </a14:hiddenFill>
+            </a:ext>
+          </a:extLst>
+        </p:spPr>
+        <p:txBody>
+          <a:bodyPr vert="horz" wrap="square" lIns="91440" tIns="45720" rIns="91440" bIns="45720" numCol="1" anchor="t" anchorCtr="0" compatLnSpc="1">
+            <a:prstTxWarp prst="textNoShape">
+              <a:avLst/>
+            </a:prstTxWarp>
+          </a:bodyPr>
+          <a:lstStyle/>
+          <a:p>
+            <a:endParaRPr lang="uk-UA"/>
+          </a:p>
+        </p:txBody>
+      </p:sp>
+      <p:pic>
+        <p:nvPicPr>
+          <p:cNvPr id="5128" name="Picture 8" descr="Integrate PayPal API - DEV Community"/>
+          <p:cNvPicPr>
+            <a:picLocks noChangeAspect="1" noChangeArrowheads="1"/>
+          </p:cNvPicPr>
+          <p:nvPr/>
+        </p:nvPicPr>
+        <p:blipFill>
+          <a:blip r:embed="rId3">
+            <a:extLst>
+              <a:ext uri="{28A0092B-C50C-407E-A947-70E740481C1C}">
+                <a14:useLocalDpi xmlns:a14="http://schemas.microsoft.com/office/drawing/2010/main" val="0"/>
+              </a:ext>
+            </a:extLst>
+          </a:blip>
+          <a:srcRect/>
+          <a:stretch>
+            <a:fillRect/>
+          </a:stretch>
+        </p:blipFill>
+        <p:spPr bwMode="auto">
+          <a:xfrm>
+            <a:off x="7366000" y="2213409"/>
+            <a:ext cx="4216518" cy="1736801"/>
+          </a:xfrm>
+          <a:prstGeom prst="rect">
+            <a:avLst/>
+          </a:prstGeom>
+          <a:noFill/>
+          <a:extLst>
+            <a:ext uri="{909E8E84-426E-40DD-AFC4-6F175D3DCCD1}">
+              <a14:hiddenFill xmlns:a14="http://schemas.microsoft.com/office/drawing/2010/main">
+                <a:solidFill>
+                  <a:srgbClr val="FFFFFF"/>
+                </a:solidFill>
+              </a14:hiddenFill>
+            </a:ext>
+          </a:extLst>
+        </p:spPr>
+      </p:pic>
+      <p:pic>
+        <p:nvPicPr>
+          <p:cNvPr id="5130" name="Picture 10" descr="Google maps logo - Social media &amp; Logos Icons"/>
+          <p:cNvPicPr>
+            <a:picLocks noChangeAspect="1" noChangeArrowheads="1"/>
+          </p:cNvPicPr>
+          <p:nvPr/>
+        </p:nvPicPr>
+        <p:blipFill>
+          <a:blip r:embed="rId4">
+            <a:extLst>
+              <a:ext uri="{28A0092B-C50C-407E-A947-70E740481C1C}">
+                <a14:useLocalDpi xmlns:a14="http://schemas.microsoft.com/office/drawing/2010/main" val="0"/>
+              </a:ext>
+            </a:extLst>
+          </a:blip>
+          <a:srcRect/>
+          <a:stretch>
+            <a:fillRect/>
+          </a:stretch>
+        </p:blipFill>
+        <p:spPr bwMode="auto">
+          <a:xfrm>
+            <a:off x="7346254" y="3534172"/>
+            <a:ext cx="4154984" cy="2077492"/>
+          </a:xfrm>
+          <a:prstGeom prst="rect">
+            <a:avLst/>
+          </a:prstGeom>
+          <a:noFill/>
+          <a:extLst>
+            <a:ext uri="{909E8E84-426E-40DD-AFC4-6F175D3DCCD1}">
+              <a14:hiddenFill xmlns:a14="http://schemas.microsoft.com/office/drawing/2010/main">
+                <a:solidFill>
+                  <a:srgbClr val="FFFFFF"/>
+                </a:solidFill>
+              </a14:hiddenFill>
+            </a:ext>
+          </a:extLst>
+        </p:spPr>
+      </p:pic>
+    </p:spTree>
+    <p:extLst>
+      <p:ext uri="{BB962C8B-B14F-4D97-AF65-F5344CB8AC3E}">
+        <p14:creationId xmlns:p14="http://schemas.microsoft.com/office/powerpoint/2010/main" val="1529821435"/>
+      </p:ext>
+    </p:extLst>
+  </p:cSld>
+  <p:clrMapOvr>
+    <a:masterClrMapping/>
+  </p:clrMapOvr>
+  <p:timing>
+    <p:tnLst>
+      <p:par>
+        <p:cTn id="1" dur="indefinite" restart="never" nodeType="tmRoot"/>
+      </p:par>
+    </p:tnLst>
+  </p:timing>
+</p:sld>
+</file>
+
+<file path=ppt/slides/slide15.xml><?xml version="1.0" encoding="utf-8"?>
+<p:sld xmlns:a="http://schemas.openxmlformats.org/drawingml/2006/main" xmlns:r="http://schemas.openxmlformats.org/officeDocument/2006/relationships" xmlns:p="http://schemas.openxmlformats.org/presentationml/2006/main">
+  <p:cSld>
+    <p:spTree>
+      <p:nvGrpSpPr>
+        <p:cNvPr id="1" name=""/>
+        <p:cNvGrpSpPr/>
+        <p:nvPr/>
+      </p:nvGrpSpPr>
+      <p:grpSpPr>
+        <a:xfrm>
+          <a:off x="0" y="0"/>
+          <a:ext cx="0" cy="0"/>
+          <a:chOff x="0" y="0"/>
+          <a:chExt cx="0" cy="0"/>
+        </a:xfrm>
+      </p:grpSpPr>
+      <p:sp>
+        <p:nvSpPr>
+          <p:cNvPr id="2" name="Заголовок 1"/>
+          <p:cNvSpPr>
+            <a:spLocks noGrp="1"/>
+          </p:cNvSpPr>
+          <p:nvPr>
+            <p:ph type="title"/>
+          </p:nvPr>
+        </p:nvSpPr>
+        <p:spPr/>
+        <p:txBody>
+          <a:bodyPr/>
+          <a:lstStyle/>
+          <a:p>
+            <a:r>
+              <a:rPr lang="ru-RU" dirty="0" err="1"/>
+              <a:t>Тестування</a:t>
+            </a:r>
+            <a:r>
+              <a:rPr lang="ru-RU" dirty="0"/>
+              <a:t> </a:t>
+            </a:r>
+            <a:r>
+              <a:rPr lang="ru-RU" dirty="0" err="1"/>
+              <a:t>платформи</a:t>
+            </a:r>
+            <a:r>
+              <a:rPr lang="uk-UA" dirty="0"/>
+              <a:t/>
+            </a:r>
+            <a:br>
+              <a:rPr lang="uk-UA" dirty="0"/>
+            </a:br>
+            <a:endParaRPr lang="uk-UA" dirty="0"/>
+          </a:p>
+        </p:txBody>
+      </p:sp>
+      <p:sp>
+        <p:nvSpPr>
+          <p:cNvPr id="4" name="Прямоугольник 3"/>
+          <p:cNvSpPr/>
+          <p:nvPr/>
+        </p:nvSpPr>
+        <p:spPr>
+          <a:xfrm>
+            <a:off x="436880" y="1251233"/>
+            <a:ext cx="6096000" cy="923330"/>
+          </a:xfrm>
+          <a:prstGeom prst="rect">
+            <a:avLst/>
+          </a:prstGeom>
+        </p:spPr>
+        <p:txBody>
+          <a:bodyPr>
+            <a:spAutoFit/>
+          </a:bodyPr>
+          <a:lstStyle/>
+          <a:p>
+            <a:r>
+              <a:rPr lang="ru-RU" dirty="0" err="1"/>
+              <a:t>Тестування</a:t>
+            </a:r>
+            <a:r>
+              <a:rPr lang="ru-RU" dirty="0"/>
+              <a:t> </a:t>
+            </a:r>
+            <a:r>
+              <a:rPr lang="ru-RU" dirty="0" err="1"/>
+              <a:t>платформи</a:t>
+            </a:r>
+            <a:r>
+              <a:rPr lang="ru-RU" dirty="0"/>
+              <a:t> </a:t>
+            </a:r>
+            <a:r>
+              <a:rPr lang="ru-RU" dirty="0" err="1"/>
+              <a:t>відбувалося</a:t>
+            </a:r>
+            <a:r>
+              <a:rPr lang="ru-RU" dirty="0"/>
+              <a:t> у </a:t>
+            </a:r>
+            <a:r>
+              <a:rPr lang="ru-RU" dirty="0" err="1"/>
+              <a:t>двох</a:t>
+            </a:r>
+            <a:r>
+              <a:rPr lang="ru-RU" dirty="0"/>
+              <a:t> форматах, </a:t>
+            </a:r>
+            <a:r>
+              <a:rPr lang="ru-RU" dirty="0" err="1"/>
+              <a:t>що</a:t>
+            </a:r>
+            <a:r>
+              <a:rPr lang="ru-RU" dirty="0"/>
+              <a:t> дозволило </a:t>
+            </a:r>
+            <a:r>
+              <a:rPr lang="ru-RU" dirty="0" err="1"/>
+              <a:t>охопити</a:t>
+            </a:r>
+            <a:r>
+              <a:rPr lang="ru-RU" dirty="0"/>
+              <a:t> </a:t>
+            </a:r>
+            <a:r>
+              <a:rPr lang="ru-RU" dirty="0" err="1"/>
+              <a:t>всі</a:t>
+            </a:r>
+            <a:r>
+              <a:rPr lang="ru-RU" dirty="0"/>
+              <a:t> </a:t>
+            </a:r>
+            <a:r>
+              <a:rPr lang="ru-RU" dirty="0" err="1"/>
+              <a:t>аспекти</a:t>
+            </a:r>
+            <a:r>
+              <a:rPr lang="ru-RU" dirty="0"/>
+              <a:t> </a:t>
+            </a:r>
+            <a:r>
+              <a:rPr lang="ru-RU" dirty="0" err="1"/>
+              <a:t>функціональності</a:t>
+            </a:r>
+            <a:r>
+              <a:rPr lang="ru-RU" dirty="0"/>
+              <a:t> та </a:t>
+            </a:r>
+            <a:r>
+              <a:rPr lang="ru-RU" dirty="0" err="1"/>
+              <a:t>забезпечити</a:t>
+            </a:r>
+            <a:r>
+              <a:rPr lang="ru-RU" dirty="0"/>
+              <a:t> </a:t>
+            </a:r>
+            <a:r>
+              <a:rPr lang="ru-RU" dirty="0" err="1"/>
+              <a:t>високу</a:t>
+            </a:r>
+            <a:r>
+              <a:rPr lang="ru-RU" dirty="0"/>
+              <a:t> </a:t>
+            </a:r>
+            <a:r>
+              <a:rPr lang="ru-RU" dirty="0" err="1"/>
+              <a:t>якість</a:t>
+            </a:r>
+            <a:r>
+              <a:rPr lang="ru-RU" dirty="0"/>
+              <a:t> </a:t>
+            </a:r>
+            <a:r>
+              <a:rPr lang="ru-RU" dirty="0" err="1"/>
+              <a:t>кінцевого</a:t>
+            </a:r>
+            <a:r>
+              <a:rPr lang="ru-RU" dirty="0"/>
+              <a:t> продукту.</a:t>
+            </a:r>
+            <a:endParaRPr lang="uk-UA" dirty="0"/>
+          </a:p>
+        </p:txBody>
+      </p:sp>
+      <p:pic>
+        <p:nvPicPr>
+          <p:cNvPr id="4098" name="Рисунок 1"/>
+          <p:cNvPicPr>
+            <a:picLocks noChangeAspect="1" noChangeArrowheads="1"/>
+          </p:cNvPicPr>
+          <p:nvPr/>
+        </p:nvPicPr>
+        <p:blipFill>
+          <a:blip r:embed="rId2">
+            <a:extLst>
+              <a:ext uri="{28A0092B-C50C-407E-A947-70E740481C1C}">
+                <a14:useLocalDpi xmlns:a14="http://schemas.microsoft.com/office/drawing/2010/main" val="0"/>
+              </a:ext>
+            </a:extLst>
+          </a:blip>
+          <a:srcRect/>
+          <a:stretch>
+            <a:fillRect/>
+          </a:stretch>
+        </p:blipFill>
+        <p:spPr bwMode="auto">
+          <a:xfrm>
+            <a:off x="7487919" y="518159"/>
+            <a:ext cx="4287521" cy="4889344"/>
+          </a:xfrm>
+          <a:prstGeom prst="rect">
+            <a:avLst/>
+          </a:prstGeom>
+          <a:noFill/>
+          <a:ln>
+            <a:noFill/>
+          </a:ln>
+          <a:extLst>
+            <a:ext uri="{909E8E84-426E-40DD-AFC4-6F175D3DCCD1}">
+              <a14:hiddenFill xmlns:a14="http://schemas.microsoft.com/office/drawing/2010/main">
+                <a:solidFill>
+                  <a:srgbClr val="FFFFFF"/>
+                </a:solidFill>
+              </a14:hiddenFill>
+            </a:ext>
+            <a:ext uri="{91240B29-F687-4F45-9708-019B960494DF}">
+              <a14:hiddenLine xmlns:a14="http://schemas.microsoft.com/office/drawing/2010/main" w="9525">
+                <a:solidFill>
+                  <a:srgbClr val="000000"/>
+                </a:solidFill>
+                <a:miter lim="800000"/>
+                <a:headEnd/>
+                <a:tailEnd/>
+              </a14:hiddenLine>
+            </a:ext>
+          </a:extLst>
+        </p:spPr>
+      </p:pic>
+      <p:sp>
+        <p:nvSpPr>
+          <p:cNvPr id="5" name="Прямоугольник 4"/>
+          <p:cNvSpPr/>
+          <p:nvPr/>
+        </p:nvSpPr>
+        <p:spPr>
+          <a:xfrm>
+            <a:off x="436880" y="2174563"/>
+            <a:ext cx="6939280" cy="1477328"/>
+          </a:xfrm>
+          <a:prstGeom prst="rect">
+            <a:avLst/>
+          </a:prstGeom>
+        </p:spPr>
+        <p:txBody>
+          <a:bodyPr wrap="square">
+            <a:spAutoFit/>
+          </a:bodyPr>
+          <a:lstStyle/>
+          <a:p>
+            <a:r>
+              <a:rPr lang="ru-RU" dirty="0"/>
+              <a:t>Першим є </a:t>
+            </a:r>
+            <a:r>
+              <a:rPr lang="ru-RU" dirty="0" err="1"/>
+              <a:t>ручне</a:t>
+            </a:r>
+            <a:r>
+              <a:rPr lang="ru-RU" dirty="0"/>
+              <a:t> </a:t>
+            </a:r>
+            <a:r>
+              <a:rPr lang="ru-RU" dirty="0" err="1"/>
+              <a:t>регресійне</a:t>
+            </a:r>
+            <a:r>
+              <a:rPr lang="ru-RU" dirty="0"/>
+              <a:t> </a:t>
+            </a:r>
+            <a:r>
+              <a:rPr lang="ru-RU" dirty="0" err="1"/>
+              <a:t>тестування</a:t>
+            </a:r>
+            <a:r>
+              <a:rPr lang="ru-RU" dirty="0"/>
+              <a:t>. За </a:t>
+            </a:r>
+            <a:r>
+              <a:rPr lang="ru-RU" dirty="0" err="1"/>
+              <a:t>допомогою</a:t>
+            </a:r>
+            <a:r>
+              <a:rPr lang="ru-RU" dirty="0"/>
+              <a:t> </a:t>
+            </a:r>
+            <a:r>
+              <a:rPr lang="ru-RU" dirty="0" err="1"/>
+              <a:t>нього</a:t>
+            </a:r>
+            <a:r>
+              <a:rPr lang="ru-RU" dirty="0"/>
+              <a:t> </a:t>
+            </a:r>
+            <a:r>
+              <a:rPr lang="ru-RU" dirty="0" err="1"/>
+              <a:t>відбувалася</a:t>
+            </a:r>
+            <a:r>
+              <a:rPr lang="ru-RU" dirty="0"/>
+              <a:t> </a:t>
+            </a:r>
+            <a:r>
+              <a:rPr lang="ru-RU" dirty="0" err="1"/>
+              <a:t>перевірка</a:t>
+            </a:r>
+            <a:r>
+              <a:rPr lang="ru-RU" dirty="0"/>
+              <a:t> на </a:t>
+            </a:r>
+            <a:r>
+              <a:rPr lang="ru-RU" dirty="0" err="1"/>
+              <a:t>усіх</a:t>
+            </a:r>
+            <a:r>
+              <a:rPr lang="ru-RU" dirty="0"/>
+              <a:t> </a:t>
+            </a:r>
+            <a:r>
+              <a:rPr lang="ru-RU" dirty="0" err="1"/>
+              <a:t>етапах</a:t>
+            </a:r>
+            <a:r>
+              <a:rPr lang="ru-RU" dirty="0"/>
+              <a:t> </a:t>
+            </a:r>
+            <a:r>
+              <a:rPr lang="ru-RU" dirty="0" err="1"/>
+              <a:t>розробки</a:t>
+            </a:r>
+            <a:r>
+              <a:rPr lang="ru-RU" dirty="0"/>
+              <a:t>. </a:t>
+            </a:r>
+            <a:r>
+              <a:rPr lang="ru-RU" dirty="0" err="1"/>
+              <a:t>Після</a:t>
+            </a:r>
+            <a:r>
+              <a:rPr lang="ru-RU" dirty="0"/>
+              <a:t> кожного глобального </a:t>
+            </a:r>
+            <a:r>
+              <a:rPr lang="ru-RU" dirty="0" err="1"/>
+              <a:t>оновлення</a:t>
+            </a:r>
+            <a:r>
+              <a:rPr lang="ru-RU" dirty="0"/>
+              <a:t> коду </a:t>
+            </a:r>
+            <a:r>
+              <a:rPr lang="ru-RU" dirty="0" err="1"/>
+              <a:t>відбувалася</a:t>
+            </a:r>
+            <a:r>
+              <a:rPr lang="ru-RU" dirty="0"/>
+              <a:t> </a:t>
+            </a:r>
+            <a:r>
+              <a:rPr lang="ru-RU" dirty="0" err="1"/>
+              <a:t>перевірка</a:t>
+            </a:r>
+            <a:r>
+              <a:rPr lang="ru-RU" dirty="0"/>
+              <a:t> </a:t>
+            </a:r>
+            <a:r>
+              <a:rPr lang="uk-UA" dirty="0" smtClean="0"/>
+              <a:t>усіх модулів</a:t>
+            </a:r>
+            <a:r>
+              <a:rPr lang="ru-RU" dirty="0" smtClean="0"/>
+              <a:t>. </a:t>
+            </a:r>
+            <a:r>
+              <a:rPr lang="ru-RU" dirty="0" err="1"/>
+              <a:t>Це</a:t>
+            </a:r>
+            <a:r>
+              <a:rPr lang="ru-RU" dirty="0"/>
+              <a:t> дозволило </a:t>
+            </a:r>
+            <a:r>
+              <a:rPr lang="ru-RU" dirty="0" err="1"/>
+              <a:t>уникнути</a:t>
+            </a:r>
+            <a:r>
+              <a:rPr lang="ru-RU" dirty="0"/>
+              <a:t> </a:t>
+            </a:r>
+            <a:r>
+              <a:rPr lang="ru-RU" dirty="0" err="1"/>
+              <a:t>помилок</a:t>
+            </a:r>
+            <a:r>
+              <a:rPr lang="ru-RU" dirty="0"/>
+              <a:t> </a:t>
+            </a:r>
+            <a:r>
+              <a:rPr lang="ru-RU" dirty="0" err="1"/>
+              <a:t>різної</a:t>
+            </a:r>
+            <a:r>
+              <a:rPr lang="ru-RU" dirty="0"/>
+              <a:t> </a:t>
+            </a:r>
+            <a:r>
+              <a:rPr lang="ru-RU" dirty="0" err="1"/>
+              <a:t>складності</a:t>
+            </a:r>
+            <a:r>
+              <a:rPr lang="ru-RU" dirty="0"/>
+              <a:t> на </a:t>
+            </a:r>
+            <a:r>
+              <a:rPr lang="ru-RU" dirty="0" err="1"/>
+              <a:t>початкових</a:t>
+            </a:r>
+            <a:r>
+              <a:rPr lang="ru-RU" dirty="0"/>
+              <a:t> </a:t>
+            </a:r>
+            <a:r>
+              <a:rPr lang="ru-RU" dirty="0" err="1"/>
+              <a:t>етапах</a:t>
+            </a:r>
+            <a:r>
+              <a:rPr lang="ru-RU" dirty="0"/>
+              <a:t> </a:t>
+            </a:r>
+            <a:r>
+              <a:rPr lang="ru-RU" dirty="0" err="1"/>
+              <a:t>їхнього</a:t>
+            </a:r>
+            <a:r>
+              <a:rPr lang="ru-RU" dirty="0"/>
+              <a:t> </a:t>
+            </a:r>
+            <a:r>
+              <a:rPr lang="ru-RU" dirty="0" err="1"/>
+              <a:t>утворення</a:t>
+            </a:r>
+            <a:r>
+              <a:rPr lang="ru-RU" dirty="0"/>
+              <a:t>.</a:t>
+            </a:r>
+            <a:endParaRPr lang="uk-UA" dirty="0"/>
+          </a:p>
+        </p:txBody>
+      </p:sp>
+      <p:sp>
+        <p:nvSpPr>
+          <p:cNvPr id="6" name="Прямоугольник 5"/>
+          <p:cNvSpPr/>
+          <p:nvPr/>
+        </p:nvSpPr>
+        <p:spPr>
+          <a:xfrm>
+            <a:off x="436880" y="3651891"/>
+            <a:ext cx="6939280" cy="1754326"/>
+          </a:xfrm>
+          <a:prstGeom prst="rect">
+            <a:avLst/>
+          </a:prstGeom>
+        </p:spPr>
+        <p:txBody>
+          <a:bodyPr wrap="square">
+            <a:spAutoFit/>
+          </a:bodyPr>
+          <a:lstStyle/>
+          <a:p>
+            <a:r>
+              <a:rPr lang="ru-RU" dirty="0"/>
+              <a:t>Другим форматом є </a:t>
+            </a:r>
+            <a:r>
+              <a:rPr lang="ru-RU" dirty="0" err="1"/>
+              <a:t>юніт</a:t>
+            </a:r>
+            <a:r>
+              <a:rPr lang="uk-UA" dirty="0"/>
+              <a:t>-</a:t>
+            </a:r>
+            <a:r>
+              <a:rPr lang="ru-RU" dirty="0"/>
+              <a:t>тести. Ними </a:t>
+            </a:r>
+            <a:r>
+              <a:rPr lang="ru-RU" dirty="0" err="1"/>
+              <a:t>було</a:t>
+            </a:r>
+            <a:r>
+              <a:rPr lang="ru-RU" dirty="0"/>
+              <a:t> </a:t>
+            </a:r>
+            <a:r>
+              <a:rPr lang="ru-RU" dirty="0" err="1"/>
+              <a:t>покрито</a:t>
+            </a:r>
+            <a:r>
+              <a:rPr lang="ru-RU" dirty="0"/>
+              <a:t> </a:t>
+            </a:r>
+            <a:r>
+              <a:rPr lang="ru-RU" dirty="0" err="1"/>
+              <a:t>усі</a:t>
+            </a:r>
+            <a:r>
+              <a:rPr lang="ru-RU" dirty="0"/>
+              <a:t> </a:t>
+            </a:r>
+            <a:r>
+              <a:rPr lang="ru-RU" dirty="0" err="1"/>
+              <a:t>моделі</a:t>
+            </a:r>
+            <a:r>
+              <a:rPr lang="ru-RU" dirty="0"/>
+              <a:t> </a:t>
+            </a:r>
+            <a:r>
+              <a:rPr lang="ru-RU" dirty="0" err="1"/>
+              <a:t>бекендової</a:t>
+            </a:r>
+            <a:r>
+              <a:rPr lang="ru-RU" dirty="0"/>
+              <a:t> </a:t>
+            </a:r>
+            <a:r>
+              <a:rPr lang="ru-RU" dirty="0" err="1"/>
+              <a:t>частини</a:t>
+            </a:r>
+            <a:r>
+              <a:rPr lang="ru-RU" dirty="0"/>
+              <a:t> </a:t>
+            </a:r>
+            <a:r>
+              <a:rPr lang="ru-RU" dirty="0" err="1"/>
+              <a:t>платформи</a:t>
+            </a:r>
+            <a:r>
+              <a:rPr lang="ru-RU" dirty="0"/>
+              <a:t>. </a:t>
+            </a:r>
+            <a:r>
+              <a:rPr lang="ru-RU" dirty="0" err="1" smtClean="0"/>
+              <a:t>Однією</a:t>
+            </a:r>
+            <a:r>
+              <a:rPr lang="ru-RU" dirty="0" smtClean="0"/>
+              <a:t> </a:t>
+            </a:r>
+            <a:r>
+              <a:rPr lang="ru-RU" dirty="0"/>
+              <a:t>з </a:t>
+            </a:r>
+            <a:r>
+              <a:rPr lang="ru-RU" dirty="0" err="1"/>
+              <a:t>переваг</a:t>
+            </a:r>
+            <a:r>
+              <a:rPr lang="ru-RU" dirty="0"/>
+              <a:t> </a:t>
+            </a:r>
+            <a:r>
+              <a:rPr lang="ru-RU" dirty="0" err="1"/>
+              <a:t>юніт</a:t>
+            </a:r>
+            <a:r>
+              <a:rPr lang="uk-UA" dirty="0"/>
+              <a:t>-</a:t>
+            </a:r>
+            <a:r>
+              <a:rPr lang="ru-RU" dirty="0" err="1"/>
+              <a:t>тестів</a:t>
+            </a:r>
+            <a:r>
+              <a:rPr lang="ru-RU" dirty="0"/>
+              <a:t> </a:t>
+            </a:r>
+            <a:r>
+              <a:rPr lang="ru-RU" dirty="0" err="1"/>
+              <a:t>була</a:t>
+            </a:r>
+            <a:r>
+              <a:rPr lang="ru-RU" dirty="0"/>
+              <a:t> </a:t>
+            </a:r>
+            <a:r>
+              <a:rPr lang="ru-RU" dirty="0" err="1"/>
+              <a:t>можливість</a:t>
+            </a:r>
+            <a:r>
+              <a:rPr lang="ru-RU" dirty="0"/>
+              <a:t> </a:t>
+            </a:r>
+            <a:r>
+              <a:rPr lang="ru-RU" dirty="0" err="1"/>
+              <a:t>перевіряти</a:t>
+            </a:r>
+            <a:r>
+              <a:rPr lang="uk-UA" dirty="0"/>
+              <a:t>,</a:t>
+            </a:r>
+            <a:r>
+              <a:rPr lang="ru-RU" dirty="0"/>
+              <a:t> як </a:t>
+            </a:r>
+            <a:r>
+              <a:rPr lang="ru-RU" dirty="0" err="1"/>
+              <a:t>відпрацьовують</a:t>
+            </a:r>
+            <a:r>
+              <a:rPr lang="ru-RU" dirty="0"/>
+              <a:t> </a:t>
+            </a:r>
+            <a:r>
+              <a:rPr lang="ru-RU" dirty="0" err="1"/>
+              <a:t>методи</a:t>
+            </a:r>
+            <a:r>
+              <a:rPr lang="ru-RU" dirty="0"/>
+              <a:t> </a:t>
+            </a:r>
+            <a:r>
+              <a:rPr lang="ru-RU" dirty="0" err="1"/>
+              <a:t>різних</a:t>
+            </a:r>
+            <a:r>
+              <a:rPr lang="ru-RU" dirty="0"/>
+              <a:t> моделей з реальною базою. </a:t>
+            </a:r>
+            <a:r>
+              <a:rPr lang="ru-RU" dirty="0" err="1"/>
+              <a:t>Це</a:t>
+            </a:r>
+            <a:r>
+              <a:rPr lang="ru-RU" dirty="0"/>
+              <a:t> дозволило </a:t>
+            </a:r>
+            <a:r>
+              <a:rPr lang="ru-RU" dirty="0" err="1"/>
+              <a:t>перевіряти</a:t>
+            </a:r>
+            <a:r>
+              <a:rPr lang="ru-RU" dirty="0"/>
+              <a:t> </a:t>
+            </a:r>
+            <a:r>
+              <a:rPr lang="ru-RU" dirty="0" err="1"/>
+              <a:t>коректність</a:t>
+            </a:r>
+            <a:r>
+              <a:rPr lang="ru-RU" dirty="0"/>
+              <a:t> </a:t>
+            </a:r>
+            <a:r>
+              <a:rPr lang="ru-RU" dirty="0" err="1"/>
+              <a:t>міграцій</a:t>
+            </a:r>
+            <a:r>
+              <a:rPr lang="ru-RU" dirty="0"/>
+              <a:t> перед </a:t>
+            </a:r>
+            <a:r>
+              <a:rPr lang="ru-RU" dirty="0" err="1"/>
+              <a:t>використанням</a:t>
+            </a:r>
+            <a:r>
+              <a:rPr lang="ru-RU" dirty="0"/>
+              <a:t> </a:t>
+            </a:r>
+            <a:r>
+              <a:rPr lang="ru-RU" dirty="0" err="1"/>
+              <a:t>їх</a:t>
+            </a:r>
+            <a:r>
+              <a:rPr lang="ru-RU" dirty="0"/>
+              <a:t> на </a:t>
+            </a:r>
+            <a:r>
+              <a:rPr lang="ru-RU" dirty="0" err="1"/>
+              <a:t>реальних</a:t>
+            </a:r>
+            <a:r>
+              <a:rPr lang="ru-RU" dirty="0"/>
+              <a:t> серверах.</a:t>
+            </a:r>
+            <a:endParaRPr lang="uk-UA" dirty="0"/>
+          </a:p>
+        </p:txBody>
+      </p:sp>
+    </p:spTree>
+    <p:extLst>
+      <p:ext uri="{BB962C8B-B14F-4D97-AF65-F5344CB8AC3E}">
+        <p14:creationId xmlns:p14="http://schemas.microsoft.com/office/powerpoint/2010/main" val="106956634"/>
+      </p:ext>
+    </p:extLst>
+  </p:cSld>
+  <p:clrMapOvr>
+    <a:masterClrMapping/>
+  </p:clrMapOvr>
+  <p:timing>
+    <p:tnLst>
+      <p:par>
+        <p:cTn id="1" dur="indefinite" restart="never" nodeType="tmRoot"/>
+      </p:par>
+    </p:tnLst>
+  </p:timing>
+</p:sld>
+</file>
+
+<file path=ppt/slides/slide16.xml><?xml version="1.0" encoding="utf-8"?>
+<p:sld xmlns:a="http://schemas.openxmlformats.org/drawingml/2006/main" xmlns:r="http://schemas.openxmlformats.org/officeDocument/2006/relationships" xmlns:p="http://schemas.openxmlformats.org/presentationml/2006/main">
+  <p:cSld>
+    <p:spTree>
+      <p:nvGrpSpPr>
+        <p:cNvPr id="1" name=""/>
+        <p:cNvGrpSpPr/>
+        <p:nvPr/>
+      </p:nvGrpSpPr>
+      <p:grpSpPr>
+        <a:xfrm>
+          <a:off x="0" y="0"/>
+          <a:ext cx="0" cy="0"/>
+          <a:chOff x="0" y="0"/>
+          <a:chExt cx="0" cy="0"/>
+        </a:xfrm>
+      </p:grpSpPr>
+      <p:sp>
+        <p:nvSpPr>
+          <p:cNvPr id="2" name="Заголовок 1"/>
+          <p:cNvSpPr>
+            <a:spLocks noGrp="1"/>
+          </p:cNvSpPr>
+          <p:nvPr>
+            <p:ph type="title"/>
+          </p:nvPr>
+        </p:nvSpPr>
+        <p:spPr/>
+        <p:txBody>
+          <a:bodyPr/>
+          <a:lstStyle/>
+          <a:p>
+            <a:r>
+              <a:rPr lang="ru-RU" dirty="0" err="1" smtClean="0"/>
+              <a:t>Демонстрація</a:t>
+            </a:r>
+            <a:r>
+              <a:rPr lang="ru-RU" dirty="0" smtClean="0"/>
+              <a:t> </a:t>
+            </a:r>
+            <a:r>
+              <a:rPr lang="ru-RU" dirty="0" err="1" smtClean="0"/>
+              <a:t>розробки</a:t>
+            </a:r>
+            <a:endParaRPr lang="ru-RU" dirty="0"/>
+          </a:p>
+        </p:txBody>
+      </p:sp>
+      <p:pic>
+        <p:nvPicPr>
+          <p:cNvPr id="1026" name="Picture 2">
+            <a:hlinkClick r:id="rId2" action="ppaction://hlinkfile"/>
+          </p:cNvPr>
+          <p:cNvPicPr>
+            <a:picLocks noChangeAspect="1" noChangeArrowheads="1"/>
+          </p:cNvPicPr>
+          <p:nvPr/>
+        </p:nvPicPr>
+        <p:blipFill>
+          <a:blip r:embed="rId3">
+            <a:extLst>
+              <a:ext uri="{28A0092B-C50C-407E-A947-70E740481C1C}">
+                <a14:useLocalDpi xmlns:a14="http://schemas.microsoft.com/office/drawing/2010/main" val="0"/>
+              </a:ext>
+            </a:extLst>
+          </a:blip>
+          <a:srcRect/>
+          <a:stretch>
+            <a:fillRect/>
+          </a:stretch>
+        </p:blipFill>
+        <p:spPr bwMode="auto">
+          <a:xfrm>
+            <a:off x="2204721" y="1129745"/>
+            <a:ext cx="7695882" cy="4399358"/>
+          </a:xfrm>
+          <a:prstGeom prst="rect">
+            <a:avLst/>
+          </a:prstGeom>
+          <a:noFill/>
+          <a:ln>
+            <a:noFill/>
+          </a:ln>
+          <a:effectLst/>
+          <a:extLst>
+            <a:ext uri="{909E8E84-426E-40DD-AFC4-6F175D3DCCD1}">
+              <a14:hiddenFill xmlns:a14="http://schemas.microsoft.com/office/drawing/2010/main">
+                <a:solidFill>
+                  <a:schemeClr val="accent1"/>
+                </a:solidFill>
+              </a14:hiddenFill>
+            </a:ext>
+            <a:ext uri="{91240B29-F687-4F45-9708-019B960494DF}">
+              <a14:hiddenLine xmlns:a14="http://schemas.microsoft.com/office/drawing/2010/main" w="9525">
+                <a:solidFill>
+                  <a:schemeClr val="tx1"/>
+                </a:solidFill>
+                <a:miter lim="800000"/>
+                <a:headEnd/>
+                <a:tailEnd/>
+              </a14:hiddenLine>
+            </a:ext>
+            <a:ext uri="{AF507438-7753-43E0-B8FC-AC1667EBCBE1}">
+              <a14:hiddenEffects xmlns:a14="http://schemas.microsoft.com/office/drawing/2010/main">
+                <a:effectLst>
+                  <a:outerShdw dist="35921" dir="2700000" algn="ctr" rotWithShape="0">
+                    <a:schemeClr val="bg2"/>
+                  </a:outerShdw>
+                </a:effectLst>
+              </a14:hiddenEffects>
+            </a:ext>
+          </a:extLst>
+        </p:spPr>
+      </p:pic>
+    </p:spTree>
+    <p:extLst>
+      <p:ext uri="{BB962C8B-B14F-4D97-AF65-F5344CB8AC3E}">
+        <p14:creationId xmlns:p14="http://schemas.microsoft.com/office/powerpoint/2010/main" val="2469041347"/>
+      </p:ext>
+    </p:extLst>
+  </p:cSld>
+  <p:clrMapOvr>
+    <a:masterClrMapping/>
+  </p:clrMapOvr>
+  <p:timing>
+    <p:tnLst>
+      <p:par>
+        <p:cTn id="1" dur="indefinite" restart="never" nodeType="tmRoot"/>
+      </p:par>
+    </p:tnLst>
+  </p:timing>
+</p:sld>
+</file>
+
+<file path=ppt/slides/slide17.xml><?xml version="1.0" encoding="utf-8"?>
+<p:sld xmlns:a="http://schemas.openxmlformats.org/drawingml/2006/main" xmlns:r="http://schemas.openxmlformats.org/officeDocument/2006/relationships" xmlns:p="http://schemas.openxmlformats.org/presentationml/2006/main">
+  <p:cSld>
+    <p:spTree>
+      <p:nvGrpSpPr>
+        <p:cNvPr id="1" name=""/>
+        <p:cNvGrpSpPr/>
+        <p:nvPr/>
+      </p:nvGrpSpPr>
+      <p:grpSpPr>
+        <a:xfrm>
+          <a:off x="0" y="0"/>
+          <a:ext cx="0" cy="0"/>
+          <a:chOff x="0" y="0"/>
+          <a:chExt cx="0" cy="0"/>
+        </a:xfrm>
+      </p:grpSpPr>
+      <p:sp>
+        <p:nvSpPr>
+          <p:cNvPr id="2" name="Заголовок 1"/>
+          <p:cNvSpPr>
+            <a:spLocks noGrp="1"/>
+          </p:cNvSpPr>
+          <p:nvPr>
+            <p:ph type="title"/>
+          </p:nvPr>
+        </p:nvSpPr>
+        <p:spPr/>
+        <p:txBody>
+          <a:bodyPr/>
+          <a:lstStyle/>
+          <a:p>
+            <a:r>
               <a:rPr lang="ru-RU" dirty="0" err="1"/>
               <a:t>Висновки</a:t>
             </a:r>
@@ -3003,10 +4859,17 @@
   <p:clrMapOvr>
     <a:masterClrMapping/>
   </p:clrMapOvr>
+  <p:timing>
+    <p:tnLst>
+      <p:par>
+        <p:cTn id="1" dur="indefinite" restart="never" nodeType="tmRoot"/>
+      </p:par>
+    </p:tnLst>
+  </p:timing>
 </p:sld>
 </file>
 
-<file path=ppt/slides/slide14.xml><?xml version="1.0" encoding="utf-8"?>
+<file path=ppt/slides/slide18.xml><?xml version="1.0" encoding="utf-8"?>
 <p:sld xmlns:a="http://schemas.openxmlformats.org/drawingml/2006/main" xmlns:r="http://schemas.openxmlformats.org/officeDocument/2006/relationships" xmlns:p="http://schemas.openxmlformats.org/presentationml/2006/main">
   <p:cSld>
     <p:spTree>
@@ -3074,6 +4937,13 @@
   <p:clrMapOvr>
     <a:masterClrMapping/>
   </p:clrMapOvr>
+  <p:timing>
+    <p:tnLst>
+      <p:par>
+        <p:cTn id="1" dur="indefinite" restart="never" nodeType="tmRoot"/>
+      </p:par>
+    </p:tnLst>
+  </p:timing>
 </p:sld>
 </file>
 
@@ -3580,6 +5450,13 @@
   <p:clrMapOvr>
     <a:masterClrMapping/>
   </p:clrMapOvr>
+  <p:timing>
+    <p:tnLst>
+      <p:par>
+        <p:cTn id="1" dur="indefinite" restart="never" nodeType="tmRoot"/>
+      </p:par>
+    </p:tnLst>
+  </p:timing>
 </p:sld>
 </file>
 
@@ -3646,141 +5523,18 @@
               <a:buNone/>
             </a:pPr>
             <a:r>
-              <a:rPr lang="ru-RU" b="0" dirty="0" err="1" smtClean="0"/>
-              <a:t>Створення</a:t>
-            </a:r>
-            <a:r>
-              <a:rPr lang="ru-RU" b="0" dirty="0" smtClean="0"/>
-              <a:t> </a:t>
-            </a:r>
-            <a:r>
-              <a:rPr lang="ru-RU" b="0" dirty="0" err="1"/>
-              <a:t>сучасної</a:t>
-            </a:r>
-            <a:r>
-              <a:rPr lang="ru-RU" b="0" dirty="0"/>
-              <a:t> та </a:t>
-            </a:r>
-            <a:r>
-              <a:rPr lang="ru-RU" b="0" dirty="0" err="1"/>
-              <a:t>зручної</a:t>
-            </a:r>
-            <a:r>
-              <a:rPr lang="ru-RU" b="0" dirty="0"/>
-              <a:t> </a:t>
-            </a:r>
-            <a:r>
-              <a:rPr lang="ru-RU" b="0" dirty="0" err="1"/>
-              <a:t>платформи</a:t>
-            </a:r>
-            <a:r>
-              <a:rPr lang="ru-RU" b="0" dirty="0"/>
-              <a:t>, яка дозволить </a:t>
-            </a:r>
-            <a:r>
-              <a:rPr lang="ru-RU" b="0" dirty="0" err="1"/>
-              <a:t>користувачам</a:t>
-            </a:r>
-            <a:r>
-              <a:rPr lang="ru-RU" b="0" dirty="0"/>
-              <a:t> </a:t>
-            </a:r>
-            <a:r>
-              <a:rPr lang="ru-RU" b="0" dirty="0" err="1"/>
-              <a:t>виконувати</a:t>
-            </a:r>
-            <a:r>
-              <a:rPr lang="ru-RU" b="0" dirty="0"/>
-              <a:t> </a:t>
-            </a:r>
-            <a:r>
-              <a:rPr lang="ru-RU" b="0" dirty="0" err="1"/>
-              <a:t>різноманітні</a:t>
-            </a:r>
-            <a:r>
-              <a:rPr lang="ru-RU" b="0" dirty="0"/>
-              <a:t> </a:t>
-            </a:r>
-            <a:r>
-              <a:rPr lang="ru-RU" b="0" dirty="0" err="1"/>
-              <a:t>завдання</a:t>
-            </a:r>
-            <a:r>
-              <a:rPr lang="ru-RU" b="0" dirty="0"/>
-              <a:t> за </a:t>
-            </a:r>
-            <a:r>
-              <a:rPr lang="ru-RU" b="0" dirty="0" err="1"/>
-              <a:t>винагороду</a:t>
-            </a:r>
-            <a:r>
-              <a:rPr lang="ru-RU" b="0" dirty="0"/>
-              <a:t>, </a:t>
-            </a:r>
-            <a:r>
-              <a:rPr lang="ru-RU" b="0" dirty="0" err="1"/>
-              <a:t>забезпечуючи</a:t>
-            </a:r>
-            <a:r>
-              <a:rPr lang="ru-RU" b="0" dirty="0"/>
-              <a:t> при </a:t>
-            </a:r>
-            <a:r>
-              <a:rPr lang="ru-RU" b="0" dirty="0" err="1"/>
-              <a:t>цьому</a:t>
-            </a:r>
-            <a:r>
-              <a:rPr lang="ru-RU" b="0" dirty="0"/>
-              <a:t> </a:t>
-            </a:r>
-            <a:r>
-              <a:rPr lang="ru-RU" b="0" dirty="0" err="1"/>
-              <a:t>надійну</a:t>
-            </a:r>
-            <a:r>
-              <a:rPr lang="ru-RU" b="0" dirty="0"/>
-              <a:t> та </a:t>
-            </a:r>
-            <a:r>
-              <a:rPr lang="ru-RU" b="0" dirty="0" err="1"/>
-              <a:t>ефективну</a:t>
-            </a:r>
-            <a:r>
-              <a:rPr lang="ru-RU" b="0" dirty="0"/>
-              <a:t> </a:t>
-            </a:r>
-            <a:r>
-              <a:rPr lang="ru-RU" b="0" dirty="0" err="1"/>
-              <a:t>комунікацію</a:t>
-            </a:r>
-            <a:r>
-              <a:rPr lang="ru-RU" b="0" dirty="0"/>
-              <a:t> </a:t>
-            </a:r>
-            <a:r>
-              <a:rPr lang="ru-RU" b="0" dirty="0" err="1"/>
-              <a:t>між</a:t>
-            </a:r>
-            <a:r>
-              <a:rPr lang="ru-RU" b="0" dirty="0"/>
-              <a:t> </a:t>
-            </a:r>
-            <a:r>
-              <a:rPr lang="ru-RU" b="0" dirty="0" err="1"/>
-              <a:t>виконавцями</a:t>
-            </a:r>
-            <a:r>
-              <a:rPr lang="ru-RU" b="0" dirty="0"/>
-              <a:t> та </a:t>
-            </a:r>
-            <a:r>
-              <a:rPr lang="ru-RU" b="0" dirty="0" err="1"/>
-              <a:t>замовниками</a:t>
-            </a:r>
-            <a:r>
-              <a:rPr lang="ru-RU" b="0" dirty="0"/>
-              <a:t>.</a:t>
-            </a:r>
+              <a:rPr lang="en-US" sz="3200" dirty="0" smtClean="0"/>
+              <a:t>C</a:t>
+            </a:r>
+            <a:r>
+              <a:rPr lang="uk-UA" sz="3200" dirty="0" smtClean="0"/>
+              <a:t>творення </a:t>
+            </a:r>
+            <a:r>
+              <a:rPr lang="uk-UA" sz="3200" dirty="0"/>
+              <a:t>сучасної та зручної платформи, що дозволить користувачам виконувати різноманітні завдання за винагороду, забезпечуючи при цьому надійну та ефективну комунікацію між виконавцями та замовниками. Важливим аспектом є створення умов для безпечного та прозорого виконання фінансових транзакцій, а також підтримка високого рівня безпеки даних користувачів.</a:t>
+            </a:r>
+            <a:endParaRPr lang="ru-RU" sz="3200" b="0" dirty="0"/>
           </a:p>
         </p:txBody>
       </p:sp>
@@ -3794,6 +5548,13 @@
   <p:clrMapOvr>
     <a:masterClrMapping/>
   </p:clrMapOvr>
+  <p:timing>
+    <p:tnLst>
+      <p:par>
+        <p:cTn id="1" dur="indefinite" restart="never" nodeType="tmRoot"/>
+      </p:par>
+    </p:tnLst>
+  </p:timing>
 </p:sld>
 </file>
 
@@ -3862,383 +5623,38 @@
           <a:p>
             <a:pPr lvl="0"/>
             <a:r>
-              <a:rPr lang="ru-RU" sz="2400" dirty="0"/>
-              <a:t>Провести </a:t>
-            </a:r>
-            <a:r>
-              <a:rPr lang="ru-RU" sz="2400" dirty="0" err="1"/>
-              <a:t>аналіз</a:t>
-            </a:r>
-            <a:r>
-              <a:rPr lang="ru-RU" sz="2400" dirty="0"/>
-              <a:t> </a:t>
-            </a:r>
-            <a:r>
-              <a:rPr lang="ru-RU" sz="2400" dirty="0" err="1"/>
-              <a:t>аналогів</a:t>
-            </a:r>
-            <a:r>
-              <a:rPr lang="ru-RU" sz="2400" dirty="0"/>
-              <a:t> </a:t>
-            </a:r>
-            <a:r>
-              <a:rPr lang="ru-RU" sz="2400" dirty="0" err="1"/>
-              <a:t>платформи</a:t>
-            </a:r>
-            <a:r>
-              <a:rPr lang="ru-RU" sz="2400" dirty="0"/>
-              <a:t>, </a:t>
-            </a:r>
-            <a:r>
-              <a:rPr lang="ru-RU" sz="2400" dirty="0" err="1"/>
-              <a:t>дослідити</a:t>
-            </a:r>
-            <a:r>
-              <a:rPr lang="ru-RU" sz="2400" dirty="0"/>
-              <a:t> </a:t>
-            </a:r>
-            <a:r>
-              <a:rPr lang="ru-RU" sz="2400" dirty="0" err="1"/>
-              <a:t>існуючі</a:t>
-            </a:r>
-            <a:r>
-              <a:rPr lang="ru-RU" sz="2400" dirty="0"/>
-              <a:t> </a:t>
-            </a:r>
-            <a:r>
-              <a:rPr lang="ru-RU" sz="2400" dirty="0" err="1"/>
-              <a:t>рішення</a:t>
-            </a:r>
-            <a:r>
-              <a:rPr lang="ru-RU" sz="2400" dirty="0"/>
-              <a:t>, </a:t>
-            </a:r>
-            <a:r>
-              <a:rPr lang="ru-RU" sz="2400" dirty="0" err="1"/>
-              <a:t>їх</a:t>
-            </a:r>
-            <a:r>
-              <a:rPr lang="ru-RU" sz="2400" dirty="0"/>
-              <a:t> </a:t>
-            </a:r>
-            <a:r>
-              <a:rPr lang="ru-RU" sz="2400" dirty="0" err="1"/>
-              <a:t>функціональність</a:t>
-            </a:r>
-            <a:r>
-              <a:rPr lang="ru-RU" sz="2400" dirty="0"/>
-              <a:t>, </a:t>
-            </a:r>
-            <a:r>
-              <a:rPr lang="ru-RU" sz="2400" dirty="0" err="1"/>
-              <a:t>переваги</a:t>
-            </a:r>
-            <a:r>
-              <a:rPr lang="ru-RU" sz="2400" dirty="0"/>
-              <a:t> та </a:t>
-            </a:r>
-            <a:r>
-              <a:rPr lang="ru-RU" sz="2400" dirty="0" err="1"/>
-              <a:t>недоліки</a:t>
-            </a:r>
-            <a:r>
-              <a:rPr lang="ru-RU" sz="2400" dirty="0"/>
-              <a:t>.</a:t>
+              <a:rPr lang="uk-UA" sz="2400" dirty="0"/>
+              <a:t>Провести аналіз аналогів платформи, дослідити наявні рішення, їх функціональність, переваги та недоліки.</a:t>
             </a:r>
           </a:p>
           <a:p>
             <a:pPr lvl="0"/>
             <a:r>
-              <a:rPr lang="ru-RU" sz="2400" dirty="0" err="1"/>
-              <a:t>Здійснити</a:t>
-            </a:r>
-            <a:r>
-              <a:rPr lang="ru-RU" sz="2400" dirty="0"/>
-              <a:t> </a:t>
-            </a:r>
-            <a:r>
-              <a:rPr lang="ru-RU" sz="2400" dirty="0" err="1"/>
-              <a:t>вибір</a:t>
-            </a:r>
-            <a:r>
-              <a:rPr lang="ru-RU" sz="2400" dirty="0"/>
-              <a:t> </a:t>
-            </a:r>
-            <a:r>
-              <a:rPr lang="ru-RU" sz="2400" dirty="0" err="1"/>
-              <a:t>засобів</a:t>
-            </a:r>
-            <a:r>
-              <a:rPr lang="ru-RU" sz="2400" dirty="0"/>
-              <a:t> </a:t>
-            </a:r>
-            <a:r>
-              <a:rPr lang="ru-RU" sz="2400" dirty="0" err="1"/>
-              <a:t>проектування</a:t>
-            </a:r>
-            <a:r>
-              <a:rPr lang="ru-RU" sz="2400" dirty="0"/>
-              <a:t>, </a:t>
-            </a:r>
-            <a:r>
-              <a:rPr lang="ru-RU" sz="2400" dirty="0" err="1"/>
-              <a:t>ретельно</a:t>
-            </a:r>
-            <a:r>
-              <a:rPr lang="ru-RU" sz="2400" dirty="0"/>
-              <a:t> </a:t>
-            </a:r>
-            <a:r>
-              <a:rPr lang="ru-RU" sz="2400" dirty="0" err="1"/>
-              <a:t>оцінюючи</a:t>
-            </a:r>
-            <a:r>
-              <a:rPr lang="ru-RU" sz="2400" dirty="0"/>
-              <a:t> </a:t>
-            </a:r>
-            <a:r>
-              <a:rPr lang="ru-RU" sz="2400" dirty="0" err="1"/>
-              <a:t>доступні</a:t>
-            </a:r>
-            <a:r>
-              <a:rPr lang="ru-RU" sz="2400" dirty="0"/>
-              <a:t> </a:t>
-            </a:r>
-            <a:r>
-              <a:rPr lang="ru-RU" sz="2400" dirty="0" err="1"/>
-              <a:t>інструменти</a:t>
-            </a:r>
-            <a:r>
-              <a:rPr lang="ru-RU" sz="2400" dirty="0"/>
-              <a:t> та </a:t>
-            </a:r>
-            <a:r>
-              <a:rPr lang="ru-RU" sz="2400" dirty="0" err="1"/>
-              <a:t>технології</a:t>
-            </a:r>
-            <a:r>
-              <a:rPr lang="ru-RU" sz="2400" dirty="0"/>
-              <a:t>.</a:t>
+              <a:rPr lang="uk-UA" sz="2400" dirty="0"/>
+              <a:t>Здійснити вибір засобів </a:t>
+            </a:r>
+            <a:r>
+              <a:rPr lang="uk-UA" sz="2400" dirty="0" err="1"/>
+              <a:t>проєктування</a:t>
+            </a:r>
+            <a:r>
+              <a:rPr lang="uk-UA" sz="2400" dirty="0"/>
+              <a:t>, ретельно оцінюючи доступні інструменти та технології.</a:t>
             </a:r>
           </a:p>
           <a:p>
             <a:pPr lvl="0"/>
             <a:r>
-              <a:rPr lang="ru-RU" sz="2400" dirty="0" err="1"/>
-              <a:t>Розробити</a:t>
-            </a:r>
-            <a:r>
-              <a:rPr lang="ru-RU" sz="2400" dirty="0"/>
-              <a:t> платформу з </a:t>
-            </a:r>
-            <a:r>
-              <a:rPr lang="ru-RU" sz="2400" dirty="0" err="1"/>
-              <a:t>використанням</a:t>
-            </a:r>
-            <a:r>
-              <a:rPr lang="ru-RU" sz="2400" dirty="0"/>
-              <a:t> </a:t>
-            </a:r>
-            <a:r>
-              <a:rPr lang="ru-RU" sz="2400" dirty="0" err="1"/>
-              <a:t>вибраних</a:t>
-            </a:r>
-            <a:r>
-              <a:rPr lang="ru-RU" sz="2400" dirty="0"/>
-              <a:t> </a:t>
-            </a:r>
-            <a:r>
-              <a:rPr lang="ru-RU" sz="2400" dirty="0" err="1"/>
-              <a:t>засобів</a:t>
-            </a:r>
-            <a:r>
-              <a:rPr lang="ru-RU" sz="2400" dirty="0"/>
-              <a:t>, </a:t>
-            </a:r>
-            <a:r>
-              <a:rPr lang="ru-RU" sz="2400" dirty="0" err="1"/>
-              <a:t>створити</a:t>
-            </a:r>
-            <a:r>
-              <a:rPr lang="ru-RU" sz="2400" dirty="0"/>
-              <a:t> </a:t>
-            </a:r>
-            <a:r>
-              <a:rPr lang="ru-RU" sz="2400" dirty="0" err="1"/>
-              <a:t>архітектуру</a:t>
-            </a:r>
-            <a:r>
-              <a:rPr lang="ru-RU" sz="2400" dirty="0"/>
-              <a:t> та </a:t>
-            </a:r>
-            <a:r>
-              <a:rPr lang="ru-RU" sz="2400" dirty="0" err="1"/>
-              <a:t>основні</a:t>
-            </a:r>
-            <a:r>
-              <a:rPr lang="ru-RU" sz="2400" dirty="0"/>
-              <a:t> </a:t>
-            </a:r>
-            <a:r>
-              <a:rPr lang="ru-RU" sz="2400" dirty="0" err="1"/>
-              <a:t>компоненти</a:t>
-            </a:r>
-            <a:r>
-              <a:rPr lang="ru-RU" sz="2400" dirty="0"/>
-              <a:t> </a:t>
-            </a:r>
-            <a:r>
-              <a:rPr lang="ru-RU" sz="2400" dirty="0" err="1"/>
-              <a:t>системи</a:t>
-            </a:r>
-            <a:r>
-              <a:rPr lang="ru-RU" sz="2400" dirty="0"/>
-              <a:t>, </a:t>
-            </a:r>
-            <a:r>
-              <a:rPr lang="ru-RU" sz="2400" dirty="0" err="1"/>
-              <a:t>інтегрувати</a:t>
-            </a:r>
-            <a:r>
-              <a:rPr lang="ru-RU" sz="2400" dirty="0"/>
-              <a:t> </a:t>
-            </a:r>
-            <a:r>
-              <a:rPr lang="ru-RU" sz="2400" dirty="0" err="1"/>
-              <a:t>всі</a:t>
-            </a:r>
-            <a:r>
-              <a:rPr lang="ru-RU" sz="2400" dirty="0"/>
-              <a:t> </a:t>
-            </a:r>
-            <a:r>
-              <a:rPr lang="ru-RU" sz="2400" dirty="0" err="1"/>
-              <a:t>необхідні</a:t>
-            </a:r>
-            <a:r>
-              <a:rPr lang="ru-RU" sz="2400" dirty="0"/>
-              <a:t> </a:t>
-            </a:r>
-            <a:r>
-              <a:rPr lang="ru-RU" sz="2400" dirty="0" err="1"/>
-              <a:t>функції</a:t>
-            </a:r>
-            <a:r>
-              <a:rPr lang="ru-RU" sz="2400" dirty="0"/>
-              <a:t> та </a:t>
-            </a:r>
-            <a:r>
-              <a:rPr lang="ru-RU" sz="2400" dirty="0" err="1"/>
-              <a:t>модулі</a:t>
-            </a:r>
-            <a:r>
-              <a:rPr lang="ru-RU" sz="2400" dirty="0"/>
-              <a:t> для </a:t>
-            </a:r>
-            <a:r>
-              <a:rPr lang="ru-RU" sz="2400" dirty="0" err="1"/>
-              <a:t>забезпечення</a:t>
-            </a:r>
-            <a:r>
-              <a:rPr lang="ru-RU" sz="2400" dirty="0"/>
-              <a:t> </a:t>
-            </a:r>
-            <a:r>
-              <a:rPr lang="ru-RU" sz="2400" dirty="0" err="1"/>
-              <a:t>повної</a:t>
-            </a:r>
-            <a:r>
-              <a:rPr lang="ru-RU" sz="2400" dirty="0"/>
-              <a:t> </a:t>
-            </a:r>
-            <a:r>
-              <a:rPr lang="ru-RU" sz="2400" dirty="0" err="1"/>
-              <a:t>працездатності</a:t>
-            </a:r>
-            <a:r>
-              <a:rPr lang="ru-RU" sz="2400" dirty="0"/>
-              <a:t> </a:t>
-            </a:r>
-            <a:r>
-              <a:rPr lang="ru-RU" sz="2400" dirty="0" err="1"/>
-              <a:t>платформи</a:t>
-            </a:r>
-            <a:r>
-              <a:rPr lang="ru-RU" sz="2400" dirty="0"/>
-              <a:t>.</a:t>
+              <a:rPr lang="uk-UA" sz="2400" dirty="0"/>
+              <a:t>Розробити платформу з використанням вибраних засобів, створити архітектуру та основні компоненти системи, інтегрувати всі необхідні функції та модулі для забезпечення повної працездатності платформи.</a:t>
             </a:r>
           </a:p>
           <a:p>
             <a:pPr lvl="0"/>
             <a:r>
-              <a:rPr lang="ru-RU" sz="2400" dirty="0"/>
-              <a:t>Провести </a:t>
-            </a:r>
-            <a:r>
-              <a:rPr lang="ru-RU" sz="2400" dirty="0" err="1"/>
-              <a:t>тестування</a:t>
-            </a:r>
-            <a:r>
-              <a:rPr lang="ru-RU" sz="2400" dirty="0"/>
-              <a:t> </a:t>
-            </a:r>
-            <a:r>
-              <a:rPr lang="ru-RU" sz="2400" dirty="0" err="1"/>
-              <a:t>платформи</a:t>
-            </a:r>
-            <a:r>
-              <a:rPr lang="ru-RU" sz="2400" dirty="0"/>
-              <a:t> </a:t>
-            </a:r>
-            <a:r>
-              <a:rPr lang="ru-RU" sz="2400" dirty="0" err="1"/>
-              <a:t>декількома</a:t>
-            </a:r>
-            <a:r>
-              <a:rPr lang="ru-RU" sz="2400" dirty="0"/>
-              <a:t> </a:t>
-            </a:r>
-            <a:r>
-              <a:rPr lang="ru-RU" sz="2400" dirty="0" smtClean="0"/>
-              <a:t>методиками </a:t>
-            </a:r>
-            <a:r>
-              <a:rPr lang="ru-RU" sz="2400" dirty="0"/>
-              <a:t>для </a:t>
-            </a:r>
-            <a:r>
-              <a:rPr lang="ru-RU" sz="2400" dirty="0" err="1"/>
-              <a:t>зменшення</a:t>
-            </a:r>
-            <a:r>
-              <a:rPr lang="ru-RU" sz="2400" dirty="0"/>
-              <a:t> </a:t>
-            </a:r>
-            <a:r>
-              <a:rPr lang="ru-RU" sz="2400" dirty="0" err="1"/>
-              <a:t>ймовірності</a:t>
-            </a:r>
-            <a:r>
-              <a:rPr lang="ru-RU" sz="2400" dirty="0"/>
-              <a:t> багу </a:t>
-            </a:r>
-            <a:r>
-              <a:rPr lang="ru-RU" sz="2400" dirty="0" err="1"/>
-              <a:t>чи</a:t>
-            </a:r>
-            <a:r>
-              <a:rPr lang="ru-RU" sz="2400" dirty="0"/>
-              <a:t> </a:t>
-            </a:r>
-            <a:r>
-              <a:rPr lang="ru-RU" sz="2400" dirty="0" err="1"/>
-              <a:t>помилки</a:t>
-            </a:r>
-            <a:r>
-              <a:rPr lang="ru-RU" sz="2400" dirty="0" smtClean="0"/>
-              <a:t>.</a:t>
-            </a:r>
-            <a:endParaRPr lang="ru-RU" sz="2400" dirty="0"/>
+              <a:rPr lang="uk-UA" sz="2400" dirty="0"/>
+              <a:t>Провести тестування платформи різними методиками для зменшення ймовірності помилки.</a:t>
+            </a:r>
           </a:p>
         </p:txBody>
       </p:sp>
@@ -4252,6 +5668,13 @@
   <p:clrMapOvr>
     <a:masterClrMapping/>
   </p:clrMapOvr>
+  <p:timing>
+    <p:tnLst>
+      <p:par>
+        <p:cTn id="1" dur="indefinite" restart="never" nodeType="tmRoot"/>
+      </p:par>
+    </p:tnLst>
+  </p:timing>
 </p:sld>
 </file>
 
@@ -4384,11 +5807,19 @@
             </a:r>
             <a:r>
               <a:rPr lang="ru-RU" sz="2800" b="0" dirty="0"/>
-              <a:t>, яка </a:t>
+              <a:t>, </a:t>
             </a:r>
             <a:r>
               <a:rPr lang="ru-RU" sz="2800" b="0" dirty="0" err="1"/>
-              <a:t>включає</a:t>
+              <a:t>які</a:t>
+            </a:r>
+            <a:r>
+              <a:rPr lang="ru-RU" sz="2800" b="0" dirty="0"/>
+              <a:t> </a:t>
+            </a:r>
+            <a:r>
+              <a:rPr lang="ru-RU" sz="2800" b="0" dirty="0" err="1"/>
+              <a:t>включають</a:t>
             </a:r>
             <a:r>
               <a:rPr lang="ru-RU" sz="2800" b="0" dirty="0"/>
@@ -4436,6 +5867,14 @@
             </a:r>
             <a:r>
               <a:rPr lang="ru-RU" sz="2800" b="0" dirty="0" err="1"/>
+              <a:t>їх</a:t>
+            </a:r>
+            <a:r>
+              <a:rPr lang="ru-RU" sz="2800" b="0" dirty="0"/>
+              <a:t> </a:t>
+            </a:r>
+            <a:r>
+              <a:rPr lang="ru-RU" sz="2800" b="0" dirty="0" err="1"/>
               <a:t>прийняття</a:t>
             </a:r>
             <a:r>
@@ -4452,7 +5891,7 @@
             </a:r>
             <a:r>
               <a:rPr lang="ru-RU" sz="2800" b="0" dirty="0" err="1"/>
-              <a:t>обговорення</a:t>
+              <a:t>узгодження</a:t>
             </a:r>
             <a:r>
               <a:rPr lang="ru-RU" sz="2800" b="0" dirty="0"/>
@@ -4495,9 +5934,10 @@
               <a:t>транзакцій</a:t>
             </a:r>
             <a:r>
-              <a:rPr lang="ru-RU" sz="2800" b="0" dirty="0" smtClean="0"/>
+              <a:rPr lang="ru-RU" sz="2800" b="0" dirty="0"/>
               <a:t>.</a:t>
             </a:r>
+            <a:endParaRPr lang="ru-RU" sz="2800" b="0" dirty="0" smtClean="0"/>
           </a:p>
           <a:p>
             <a:r>
@@ -4542,7 +5982,7 @@
             </a:r>
             <a:r>
               <a:rPr lang="ru-RU" sz="2800" b="0" dirty="0" err="1"/>
-              <a:t>що</a:t>
+              <a:t>які</a:t>
             </a:r>
             <a:r>
               <a:rPr lang="ru-RU" sz="2800" b="0" dirty="0"/>
@@ -4653,6 +6093,13 @@
   <p:clrMapOvr>
     <a:masterClrMapping/>
   </p:clrMapOvr>
+  <p:timing>
+    <p:tnLst>
+      <p:par>
+        <p:cTn id="1" dur="indefinite" restart="never" nodeType="tmRoot"/>
+      </p:par>
+    </p:tnLst>
+  </p:timing>
 </p:sld>
 </file>
 
@@ -5169,6 +6616,13 @@
   <p:clrMapOvr>
     <a:masterClrMapping/>
   </p:clrMapOvr>
+  <p:timing>
+    <p:tnLst>
+      <p:par>
+        <p:cTn id="1" dur="indefinite" restart="never" nodeType="tmRoot"/>
+      </p:par>
+    </p:tnLst>
+  </p:timing>
 </p:sld>
 </file>
 
@@ -5712,6 +7166,13 @@
   <p:clrMapOvr>
     <a:masterClrMapping/>
   </p:clrMapOvr>
+  <p:timing>
+    <p:tnLst>
+      <p:par>
+        <p:cTn id="1" dur="indefinite" restart="never" nodeType="tmRoot"/>
+      </p:par>
+    </p:tnLst>
+  </p:timing>
 </p:sld>
 </file>
 
@@ -6046,7 +7507,6 @@
               <a:rPr lang="ru-RU" dirty="0"/>
               <a:t>.</a:t>
             </a:r>
-            <a:endParaRPr lang="ru-RU" dirty="0"/>
           </a:p>
         </p:txBody>
       </p:sp>
@@ -6195,7 +7655,6 @@
               <a:rPr lang="ru-RU" dirty="0"/>
               <a:t> сторонами.</a:t>
             </a:r>
-            <a:endParaRPr lang="ru-RU" dirty="0"/>
           </a:p>
         </p:txBody>
       </p:sp>
@@ -6209,6 +7668,13 @@
   <p:clrMapOvr>
     <a:masterClrMapping/>
   </p:clrMapOvr>
+  <p:timing>
+    <p:tnLst>
+      <p:par>
+        <p:cTn id="1" dur="indefinite" restart="never" nodeType="tmRoot"/>
+      </p:par>
+    </p:tnLst>
+  </p:timing>
 </p:sld>
 </file>
 
@@ -6277,7 +7743,7 @@
           <p:nvPr>
             <p:extLst>
               <p:ext uri="{D42A27DB-BD31-4B8C-83A1-F6EECF244321}">
-                <p14:modId xmlns:p14="http://schemas.microsoft.com/office/powerpoint/2010/main" val="1592298727"/>
+                <p14:modId xmlns:p14="http://schemas.microsoft.com/office/powerpoint/2010/main" val="3050074516"/>
               </p:ext>
             </p:extLst>
           </p:nvPr>
@@ -6369,8 +7835,12 @@
                         <a:t> </a:t>
                       </a:r>
                       <a:r>
-                        <a:rPr lang="ru-RU" sz="1400" dirty="0" err="1"/>
-                        <a:t>Функції</a:t>
+                        <a:rPr lang="uk-UA" sz="1400" dirty="0" smtClean="0"/>
+                        <a:t>ф</a:t>
+                      </a:r>
+                      <a:r>
+                        <a:rPr lang="ru-RU" sz="1400" dirty="0" err="1" smtClean="0"/>
+                        <a:t>ункції</a:t>
                       </a:r>
                       <a:endParaRPr lang="ru-RU" sz="1400" dirty="0"/>
                     </a:p>
@@ -6424,8 +7894,8 @@
                         <a:t>Тип </a:t>
                       </a:r>
                       <a:r>
-                        <a:rPr lang="ru-RU" sz="1400" dirty="0" err="1"/>
-                        <a:t>Виконавців</a:t>
+                        <a:rPr lang="ru-RU" sz="1400" dirty="0" err="1" smtClean="0"/>
+                        <a:t>виконавців</a:t>
                       </a:r>
                       <a:endParaRPr lang="ru-RU" sz="1400" dirty="0"/>
                     </a:p>
@@ -6483,8 +7953,8 @@
                         <a:t> </a:t>
                       </a:r>
                       <a:r>
-                        <a:rPr lang="ru-RU" sz="1400" dirty="0" err="1"/>
-                        <a:t>Послуг</a:t>
+                        <a:rPr lang="ru-RU" sz="1400" dirty="0" err="1" smtClean="0"/>
+                        <a:t>послуг</a:t>
                       </a:r>
                       <a:endParaRPr lang="ru-RU" sz="1400" dirty="0"/>
                     </a:p>
@@ -6538,16 +8008,20 @@
                         <a:t>Система </a:t>
                       </a:r>
                       <a:r>
-                        <a:rPr lang="ru-RU" sz="1400" dirty="0" err="1"/>
-                        <a:t>Оцінок</a:t>
+                        <a:rPr lang="ru-RU" sz="1400" dirty="0" err="1" smtClean="0"/>
+                        <a:t>оцінок</a:t>
+                      </a:r>
+                      <a:r>
+                        <a:rPr lang="ru-RU" sz="1400" dirty="0" smtClean="0"/>
+                        <a:t> </a:t>
                       </a:r>
                       <a:r>
                         <a:rPr lang="ru-RU" sz="1400" dirty="0"/>
-                        <a:t> та </a:t>
-                      </a:r>
-                      <a:r>
-                        <a:rPr lang="ru-RU" sz="1400" dirty="0" err="1"/>
-                        <a:t>Відгуків</a:t>
+                        <a:t>та </a:t>
+                      </a:r>
+                      <a:r>
+                        <a:rPr lang="ru-RU" sz="1400" dirty="0" err="1" smtClean="0"/>
+                        <a:t>відгуків</a:t>
                       </a:r>
                       <a:endParaRPr lang="ru-RU" sz="1400" dirty="0"/>
                     </a:p>
@@ -6765,9 +8239,22 @@
                     <a:lstStyle/>
                     <a:p>
                       <a:r>
-                        <a:rPr lang="ru-RU" sz="1400"/>
-                        <a:t>Можливість Відправки Контенту</a:t>
-                      </a:r>
+                        <a:rPr lang="ru-RU" sz="1400" dirty="0" err="1"/>
+                        <a:t>Можливість</a:t>
+                      </a:r>
+                      <a:r>
+                        <a:rPr lang="ru-RU" sz="1400" dirty="0"/>
+                        <a:t> </a:t>
+                      </a:r>
+                      <a:r>
+                        <a:rPr lang="ru-RU" sz="1400" dirty="0" err="1" smtClean="0"/>
+                        <a:t>відправки</a:t>
+                      </a:r>
+                      <a:r>
+                        <a:rPr lang="ru-RU" sz="1400" dirty="0" smtClean="0"/>
+                        <a:t> контенту</a:t>
+                      </a:r>
+                      <a:endParaRPr lang="ru-RU" sz="1400" dirty="0"/>
                     </a:p>
                   </a:txBody>
                   <a:tcPr marL="49736" marR="49736" marT="24868" marB="24868" anchor="ctr">
@@ -6823,8 +8310,8 @@
                         <a:t> </a:t>
                       </a:r>
                       <a:r>
-                        <a:rPr lang="ru-RU" sz="1400" dirty="0" err="1"/>
-                        <a:t>Використання</a:t>
+                        <a:rPr lang="ru-RU" sz="1400" dirty="0" err="1" smtClean="0"/>
+                        <a:t>використання</a:t>
                       </a:r>
                       <a:endParaRPr lang="ru-RU" sz="1400" dirty="0"/>
                     </a:p>
@@ -8333,7 +9820,7 @@
                       </a:r>
                       <a:r>
                         <a:rPr lang="ru-RU" sz="1400" dirty="0" err="1" smtClean="0"/>
-                        <a:t>Охоплення</a:t>
+                        <a:t>охоплення</a:t>
                       </a:r>
                       <a:r>
                         <a:rPr lang="ru-RU" sz="1400" baseline="0" dirty="0" smtClean="0"/>
@@ -8612,6 +10099,13 @@
   <p:clrMapOvr>
     <a:masterClrMapping/>
   </p:clrMapOvr>
+  <p:timing>
+    <p:tnLst>
+      <p:par>
+        <p:cTn id="1" dur="indefinite" restart="never" nodeType="tmRoot"/>
+      </p:par>
+    </p:tnLst>
+  </p:timing>
 </p:sld>
 </file>
 
@@ -8810,7 +10304,7 @@
   <a:extraClrSchemeLst/>
   <a:extLst>
     <a:ext uri="{05A4C25C-085E-4340-85A3-A5531E510DB2}">
-      <thm15:themeFamily xmlns:thm15="http://schemas.microsoft.com/office/thememl/2012/main" xmlns="" name="Office Theme" id="{62F939B6-93AF-4DB8-9C6B-D6C7DFDC589F}" vid="{4A3C46E8-61CC-4603-A589-7422A47A8E4A}"/>
+      <thm15:themeFamily xmlns="" xmlns:thm15="http://schemas.microsoft.com/office/thememl/2012/main" name="Office Theme" id="{62F939B6-93AF-4DB8-9C6B-D6C7DFDC589F}" vid="{4A3C46E8-61CC-4603-A589-7422A47A8E4A}"/>
     </a:ext>
   </a:extLst>
 </a:theme>
